--- a/实验-6-函数式编程.pptx
+++ b/实验-6-函数式编程.pptx
@@ -11,13 +11,15 @@
     <p:sldId id="273" r:id="rId5"/>
     <p:sldId id="264" r:id="rId6"/>
     <p:sldId id="267" r:id="rId7"/>
-    <p:sldId id="275" r:id="rId8"/>
-    <p:sldId id="269" r:id="rId9"/>
-    <p:sldId id="274" r:id="rId10"/>
-    <p:sldId id="270" r:id="rId11"/>
-    <p:sldId id="272" r:id="rId12"/>
-    <p:sldId id="268" r:id="rId13"/>
-    <p:sldId id="265" r:id="rId14"/>
+    <p:sldId id="276" r:id="rId8"/>
+    <p:sldId id="277" r:id="rId9"/>
+    <p:sldId id="275" r:id="rId10"/>
+    <p:sldId id="269" r:id="rId11"/>
+    <p:sldId id="274" r:id="rId12"/>
+    <p:sldId id="270" r:id="rId13"/>
+    <p:sldId id="272" r:id="rId14"/>
+    <p:sldId id="268" r:id="rId15"/>
+    <p:sldId id="265" r:id="rId16"/>
   </p:sldIdLst>
   <p:sldSz cx="12192000" cy="6858000"/>
   <p:notesSz cx="6858000" cy="9144000"/>
@@ -350,7 +352,7 @@
           <a:p>
             <a:fld id="{22B5609F-EBEC-463B-AA32-A5BE38243DB0}" type="datetimeFigureOut">
               <a:rPr lang="zh-CN" altLang="en-US" smtClean="0"/>
-              <a:t>2017/11/18</a:t>
+              <a:t>2017/11/19</a:t>
             </a:fld>
             <a:endParaRPr lang="zh-CN" altLang="en-US"/>
           </a:p>
@@ -558,7 +560,7 @@
           <a:p>
             <a:fld id="{22B5609F-EBEC-463B-AA32-A5BE38243DB0}" type="datetimeFigureOut">
               <a:rPr lang="zh-CN" altLang="en-US" smtClean="0"/>
-              <a:t>2017/11/18</a:t>
+              <a:t>2017/11/19</a:t>
             </a:fld>
             <a:endParaRPr lang="zh-CN" altLang="en-US"/>
           </a:p>
@@ -814,7 +816,7 @@
           <a:p>
             <a:fld id="{22B5609F-EBEC-463B-AA32-A5BE38243DB0}" type="datetimeFigureOut">
               <a:rPr lang="zh-CN" altLang="en-US" smtClean="0"/>
-              <a:t>2017/11/18</a:t>
+              <a:t>2017/11/19</a:t>
             </a:fld>
             <a:endParaRPr lang="zh-CN" altLang="en-US"/>
           </a:p>
@@ -1013,7 +1015,7 @@
           <a:p>
             <a:fld id="{22B5609F-EBEC-463B-AA32-A5BE38243DB0}" type="datetimeFigureOut">
               <a:rPr lang="zh-CN" altLang="en-US" smtClean="0"/>
-              <a:t>2017/11/18</a:t>
+              <a:t>2017/11/19</a:t>
             </a:fld>
             <a:endParaRPr lang="zh-CN" altLang="en-US"/>
           </a:p>
@@ -1355,7 +1357,7 @@
           <a:p>
             <a:fld id="{22B5609F-EBEC-463B-AA32-A5BE38243DB0}" type="datetimeFigureOut">
               <a:rPr lang="zh-CN" altLang="en-US" smtClean="0"/>
-              <a:t>2017/11/18</a:t>
+              <a:t>2017/11/19</a:t>
             </a:fld>
             <a:endParaRPr lang="zh-CN" altLang="en-US"/>
           </a:p>
@@ -1630,7 +1632,7 @@
           <a:p>
             <a:fld id="{22B5609F-EBEC-463B-AA32-A5BE38243DB0}" type="datetimeFigureOut">
               <a:rPr lang="zh-CN" altLang="en-US" smtClean="0"/>
-              <a:t>2017/11/18</a:t>
+              <a:t>2017/11/19</a:t>
             </a:fld>
             <a:endParaRPr lang="zh-CN" altLang="en-US"/>
           </a:p>
@@ -2009,7 +2011,7 @@
           <a:p>
             <a:fld id="{22B5609F-EBEC-463B-AA32-A5BE38243DB0}" type="datetimeFigureOut">
               <a:rPr lang="zh-CN" altLang="en-US" smtClean="0"/>
-              <a:t>2017/11/18</a:t>
+              <a:t>2017/11/19</a:t>
             </a:fld>
             <a:endParaRPr lang="zh-CN" altLang="en-US"/>
           </a:p>
@@ -2127,7 +2129,7 @@
           <a:p>
             <a:fld id="{22B5609F-EBEC-463B-AA32-A5BE38243DB0}" type="datetimeFigureOut">
               <a:rPr lang="zh-CN" altLang="en-US" smtClean="0"/>
-              <a:t>2017/11/18</a:t>
+              <a:t>2017/11/19</a:t>
             </a:fld>
             <a:endParaRPr lang="zh-CN" altLang="en-US"/>
           </a:p>
@@ -2298,7 +2300,7 @@
           <a:p>
             <a:fld id="{22B5609F-EBEC-463B-AA32-A5BE38243DB0}" type="datetimeFigureOut">
               <a:rPr lang="zh-CN" altLang="en-US" smtClean="0"/>
-              <a:t>2017/11/18</a:t>
+              <a:t>2017/11/19</a:t>
             </a:fld>
             <a:endParaRPr lang="zh-CN" altLang="en-US"/>
           </a:p>
@@ -2652,7 +2654,7 @@
           <a:p>
             <a:fld id="{22B5609F-EBEC-463B-AA32-A5BE38243DB0}" type="datetimeFigureOut">
               <a:rPr lang="zh-CN" altLang="en-US" smtClean="0"/>
-              <a:t>2017/11/18</a:t>
+              <a:t>2017/11/19</a:t>
             </a:fld>
             <a:endParaRPr lang="zh-CN" altLang="en-US"/>
           </a:p>
@@ -3034,7 +3036,7 @@
           <a:p>
             <a:fld id="{22B5609F-EBEC-463B-AA32-A5BE38243DB0}" type="datetimeFigureOut">
               <a:rPr lang="zh-CN" altLang="en-US" smtClean="0"/>
-              <a:t>2017/11/18</a:t>
+              <a:t>2017/11/19</a:t>
             </a:fld>
             <a:endParaRPr lang="zh-CN" altLang="en-US"/>
           </a:p>
@@ -3321,7 +3323,7 @@
           <a:p>
             <a:fld id="{22B5609F-EBEC-463B-AA32-A5BE38243DB0}" type="datetimeFigureOut">
               <a:rPr lang="zh-CN" altLang="en-US" smtClean="0"/>
-              <a:t>2017/11/18</a:t>
+              <a:t>2017/11/19</a:t>
             </a:fld>
             <a:endParaRPr lang="zh-CN" altLang="en-US"/>
           </a:p>
@@ -3992,14 +3994,16 @@
         </p:nvSpPr>
         <p:spPr/>
         <p:txBody>
-          <a:bodyPr/>
+          <a:bodyPr>
+            <a:normAutofit/>
+          </a:bodyPr>
           <a:lstStyle/>
           <a:p>
             <a:r>
-              <a:rPr lang="zh-CN" altLang="en-US" smtClean="0"/>
-              <a:t>泛函</a:t>
-            </a:r>
-            <a:endParaRPr lang="zh-CN" altLang="en-US"/>
+              <a:rPr lang="zh-CN" altLang="en-US" sz="3600" smtClean="0"/>
+              <a:t>闭包</a:t>
+            </a:r>
+            <a:endParaRPr lang="zh-CN" altLang="en-US" sz="3600"/>
           </a:p>
         </p:txBody>
       </p:sp>
@@ -4019,112 +4023,16 @@
           <a:lstStyle/>
           <a:p>
             <a:r>
-              <a:rPr lang="en-US" altLang="zh-CN" smtClean="0"/>
-              <a:t>lapply</a:t>
-            </a:r>
-            <a:r>
-              <a:rPr lang="zh-CN" altLang="en-US" smtClean="0"/>
-              <a:t>对一个</a:t>
-            </a:r>
-            <a:r>
-              <a:rPr lang="en-US" altLang="zh-CN" smtClean="0"/>
-              <a:t>list</a:t>
-            </a:r>
-            <a:r>
-              <a:rPr lang="zh-CN" altLang="en-US" smtClean="0"/>
-              <a:t>类型的变量每一列调用函数进行计算</a:t>
-            </a:r>
-            <a:endParaRPr lang="en-US" altLang="zh-CN" smtClean="0"/>
-          </a:p>
-          <a:p>
-            <a:endParaRPr lang="en-US" altLang="zh-CN"/>
-          </a:p>
-          <a:p>
-            <a:r>
-              <a:rPr lang="zh-CN" altLang="en-US" smtClean="0"/>
-              <a:t>由于数据框也是</a:t>
-            </a:r>
-            <a:r>
-              <a:rPr lang="en-US" altLang="zh-CN" smtClean="0"/>
-              <a:t>list</a:t>
-            </a:r>
-            <a:r>
-              <a:rPr lang="zh-CN" altLang="en-US" smtClean="0"/>
-              <a:t>类型，也可以使用</a:t>
-            </a:r>
-            <a:r>
-              <a:rPr lang="en-US" altLang="zh-CN" smtClean="0"/>
-              <a:t>lapply</a:t>
-            </a:r>
-            <a:r>
-              <a:rPr lang="zh-CN" altLang="en-US" smtClean="0"/>
-              <a:t>，但是计算结果的输出形式也是</a:t>
-            </a:r>
-            <a:r>
-              <a:rPr lang="en-US" altLang="zh-CN" smtClean="0"/>
-              <a:t>list</a:t>
-            </a:r>
-            <a:r>
-              <a:rPr lang="zh-CN" altLang="en-US" smtClean="0"/>
-              <a:t>类型</a:t>
-            </a:r>
-            <a:endParaRPr lang="en-US" altLang="zh-CN" smtClean="0"/>
-          </a:p>
-          <a:p>
-            <a:endParaRPr lang="en-US" altLang="zh-CN"/>
-          </a:p>
-          <a:p>
-            <a:r>
-              <a:rPr lang="zh-CN" altLang="en-US" smtClean="0"/>
-              <a:t>这里可以用</a:t>
-            </a:r>
-            <a:r>
-              <a:rPr lang="en-US" altLang="zh-CN" smtClean="0"/>
-              <a:t>unlist</a:t>
-            </a:r>
-            <a:r>
-              <a:rPr lang="zh-CN" altLang="en-US" smtClean="0"/>
-              <a:t>取消它的变量结构，还原到原子向量结构，同时也支持</a:t>
-            </a:r>
-            <a:r>
-              <a:rPr lang="en-US" altLang="zh-CN" smtClean="0"/>
-              <a:t>as.data.frame</a:t>
-            </a:r>
-            <a:r>
-              <a:rPr lang="zh-CN" altLang="en-US" smtClean="0"/>
-              <a:t>直接转换为数据框</a:t>
+              <a:rPr lang="zh-CN" altLang="en-US" smtClean="0"/>
+              <a:t>闭包实际上就是返回值是函数的一个函数，创建闭包的目的就是为了批量生产一系列函数。</a:t>
             </a:r>
             <a:endParaRPr lang="zh-CN" altLang="en-US"/>
           </a:p>
         </p:txBody>
       </p:sp>
-      <p:pic>
-        <p:nvPicPr>
-          <p:cNvPr id="4" name="图片 3"/>
-          <p:cNvPicPr>
-            <a:picLocks noChangeAspect="1"/>
-          </p:cNvPicPr>
-          <p:nvPr/>
-        </p:nvPicPr>
-        <p:blipFill>
-          <a:blip r:embed="rId2"/>
-          <a:stretch>
-            <a:fillRect/>
-          </a:stretch>
-        </p:blipFill>
-        <p:spPr>
-          <a:xfrm>
-            <a:off x="5830577" y="4680492"/>
-            <a:ext cx="4924425" cy="552450"/>
-          </a:xfrm>
-          <a:prstGeom prst="rect">
-            <a:avLst/>
-          </a:prstGeom>
-        </p:spPr>
-      </p:pic>
-      <p:sp>
-        <p:nvSpPr>
-          <p:cNvPr id="5" name="Rectangle 1"/>
+      <p:sp>
+        <p:nvSpPr>
+          <p:cNvPr id="4" name="Rectangle 1"/>
           <p:cNvSpPr>
             <a:spLocks noChangeArrowheads="1"/>
           </p:cNvSpPr>
@@ -4132,8 +4040,8 @@
         </p:nvSpPr>
         <p:spPr bwMode="auto">
           <a:xfrm>
-            <a:off x="1240325" y="2354366"/>
-            <a:ext cx="1952458" cy="184666"/>
+            <a:off x="1213165" y="2500574"/>
+            <a:ext cx="4081245" cy="1292662"/>
           </a:xfrm>
           <a:prstGeom prst="rect">
             <a:avLst/>
@@ -4193,7 +4101,7 @@
               <a:tabLst/>
             </a:pPr>
             <a:r>
-              <a:rPr kumimoji="0" lang="zh-CN" altLang="zh-CN" sz="1200" b="0" i="0" u="none" strike="noStrike" cap="none" normalizeH="0" baseline="0" smtClean="0">
+              <a:rPr kumimoji="0" lang="zh-CN" altLang="zh-CN" sz="1400" b="0" i="0" u="none" strike="noStrike" cap="none" normalizeH="0" baseline="0" smtClean="0">
                 <a:ln>
                   <a:noFill/>
                 </a:ln>
@@ -4203,9 +4111,305 @@
                 <a:effectLst/>
                 <a:latin typeface="Lucida Console" panose="020B0609040504020204" pitchFamily="49" charset="0"/>
               </a:rPr>
-              <a:t>&gt; lapply(mtcars,mean)</a:t>
-            </a:r>
-            <a:endParaRPr kumimoji="0" lang="zh-CN" altLang="zh-CN" sz="2800" b="0" i="0" u="none" strike="noStrike" cap="none" normalizeH="0" baseline="0" smtClean="0">
+              <a:t>&gt; missing_fixer&lt;- function(na_value){ </a:t>
+            </a:r>
+            <a:endParaRPr kumimoji="0" lang="en-US" altLang="zh-CN" sz="1400" b="0" i="0" u="none" strike="noStrike" cap="none" normalizeH="0" baseline="0" smtClean="0">
+              <a:ln>
+                <a:noFill/>
+              </a:ln>
+              <a:solidFill>
+                <a:srgbClr val="0000FF"/>
+              </a:solidFill>
+              <a:effectLst/>
+              <a:latin typeface="Lucida Console" panose="020B0609040504020204" pitchFamily="49" charset="0"/>
+            </a:endParaRPr>
+          </a:p>
+          <a:p>
+            <a:pPr marL="0" marR="0" lvl="0" indent="0" algn="l" defTabSz="914400" rtl="0" eaLnBrk="0" fontAlgn="base" latinLnBrk="0" hangingPunct="0">
+              <a:lnSpc>
+                <a:spcPct val="100000"/>
+              </a:lnSpc>
+              <a:spcBef>
+                <a:spcPct val="0"/>
+              </a:spcBef>
+              <a:spcAft>
+                <a:spcPct val="0"/>
+              </a:spcAft>
+              <a:buClrTx/>
+              <a:buSzTx/>
+              <a:buFontTx/>
+              <a:buNone/>
+              <a:tabLst/>
+            </a:pPr>
+            <a:r>
+              <a:rPr kumimoji="0" lang="zh-CN" altLang="zh-CN" sz="1400" b="0" i="0" u="none" strike="noStrike" cap="none" normalizeH="0" baseline="0" smtClean="0">
+                <a:ln>
+                  <a:noFill/>
+                </a:ln>
+                <a:solidFill>
+                  <a:srgbClr val="0000FF"/>
+                </a:solidFill>
+                <a:effectLst/>
+                <a:latin typeface="Lucida Console" panose="020B0609040504020204" pitchFamily="49" charset="0"/>
+              </a:rPr>
+              <a:t>+ </a:t>
+            </a:r>
+            <a:r>
+              <a:rPr kumimoji="0" lang="en-US" altLang="zh-CN" sz="1400" b="0" i="0" u="none" strike="noStrike" cap="none" normalizeH="0" baseline="0" smtClean="0">
+                <a:ln>
+                  <a:noFill/>
+                </a:ln>
+                <a:solidFill>
+                  <a:srgbClr val="0000FF"/>
+                </a:solidFill>
+                <a:effectLst/>
+                <a:latin typeface="Lucida Console" panose="020B0609040504020204" pitchFamily="49" charset="0"/>
+              </a:rPr>
+              <a:t>	</a:t>
+            </a:r>
+            <a:r>
+              <a:rPr kumimoji="0" lang="zh-CN" altLang="zh-CN" sz="1400" b="0" i="0" u="none" strike="noStrike" cap="none" normalizeH="0" baseline="0" smtClean="0">
+                <a:ln>
+                  <a:noFill/>
+                </a:ln>
+                <a:solidFill>
+                  <a:srgbClr val="0000FF"/>
+                </a:solidFill>
+                <a:effectLst/>
+                <a:latin typeface="Lucida Console" panose="020B0609040504020204" pitchFamily="49" charset="0"/>
+              </a:rPr>
+              <a:t>function(x){ </a:t>
+            </a:r>
+            <a:endParaRPr kumimoji="0" lang="en-US" altLang="zh-CN" sz="1400" b="0" i="0" u="none" strike="noStrike" cap="none" normalizeH="0" baseline="0" smtClean="0">
+              <a:ln>
+                <a:noFill/>
+              </a:ln>
+              <a:solidFill>
+                <a:srgbClr val="0000FF"/>
+              </a:solidFill>
+              <a:effectLst/>
+              <a:latin typeface="Lucida Console" panose="020B0609040504020204" pitchFamily="49" charset="0"/>
+            </a:endParaRPr>
+          </a:p>
+          <a:p>
+            <a:pPr marL="0" marR="0" lvl="0" indent="0" algn="l" defTabSz="914400" rtl="0" eaLnBrk="0" fontAlgn="base" latinLnBrk="0" hangingPunct="0">
+              <a:lnSpc>
+                <a:spcPct val="100000"/>
+              </a:lnSpc>
+              <a:spcBef>
+                <a:spcPct val="0"/>
+              </a:spcBef>
+              <a:spcAft>
+                <a:spcPct val="0"/>
+              </a:spcAft>
+              <a:buClrTx/>
+              <a:buSzTx/>
+              <a:buFontTx/>
+              <a:buNone/>
+              <a:tabLst/>
+            </a:pPr>
+            <a:r>
+              <a:rPr kumimoji="0" lang="zh-CN" altLang="zh-CN" sz="1400" b="0" i="0" u="none" strike="noStrike" cap="none" normalizeH="0" baseline="0" smtClean="0">
+                <a:ln>
+                  <a:noFill/>
+                </a:ln>
+                <a:solidFill>
+                  <a:srgbClr val="0000FF"/>
+                </a:solidFill>
+                <a:effectLst/>
+                <a:latin typeface="Lucida Console" panose="020B0609040504020204" pitchFamily="49" charset="0"/>
+              </a:rPr>
+              <a:t>+ </a:t>
+            </a:r>
+            <a:r>
+              <a:rPr kumimoji="0" lang="en-US" altLang="zh-CN" sz="1400" b="0" i="0" u="none" strike="noStrike" cap="none" normalizeH="0" baseline="0" smtClean="0">
+                <a:ln>
+                  <a:noFill/>
+                </a:ln>
+                <a:solidFill>
+                  <a:srgbClr val="0000FF"/>
+                </a:solidFill>
+                <a:effectLst/>
+                <a:latin typeface="Lucida Console" panose="020B0609040504020204" pitchFamily="49" charset="0"/>
+              </a:rPr>
+              <a:t>		</a:t>
+            </a:r>
+            <a:r>
+              <a:rPr kumimoji="0" lang="zh-CN" altLang="zh-CN" sz="1400" b="0" i="0" u="none" strike="noStrike" cap="none" normalizeH="0" baseline="0" smtClean="0">
+                <a:ln>
+                  <a:noFill/>
+                </a:ln>
+                <a:solidFill>
+                  <a:srgbClr val="0000FF"/>
+                </a:solidFill>
+                <a:effectLst/>
+                <a:latin typeface="Lucida Console" panose="020B0609040504020204" pitchFamily="49" charset="0"/>
+              </a:rPr>
+              <a:t>x[x==na_value]&lt;-NA</a:t>
+            </a:r>
+            <a:endParaRPr kumimoji="0" lang="en-US" altLang="zh-CN" sz="1400" b="0" i="0" u="none" strike="noStrike" cap="none" normalizeH="0" baseline="0" smtClean="0">
+              <a:ln>
+                <a:noFill/>
+              </a:ln>
+              <a:solidFill>
+                <a:srgbClr val="0000FF"/>
+              </a:solidFill>
+              <a:effectLst/>
+              <a:latin typeface="Lucida Console" panose="020B0609040504020204" pitchFamily="49" charset="0"/>
+            </a:endParaRPr>
+          </a:p>
+          <a:p>
+            <a:pPr marL="0" marR="0" lvl="0" indent="0" algn="l" defTabSz="914400" rtl="0" eaLnBrk="0" fontAlgn="base" latinLnBrk="0" hangingPunct="0">
+              <a:lnSpc>
+                <a:spcPct val="100000"/>
+              </a:lnSpc>
+              <a:spcBef>
+                <a:spcPct val="0"/>
+              </a:spcBef>
+              <a:spcAft>
+                <a:spcPct val="0"/>
+              </a:spcAft>
+              <a:buClrTx/>
+              <a:buSzTx/>
+              <a:buFontTx/>
+              <a:buNone/>
+              <a:tabLst/>
+            </a:pPr>
+            <a:r>
+              <a:rPr kumimoji="0" lang="en-US" altLang="zh-CN" sz="1400" b="0" i="0" u="none" strike="noStrike" cap="none" normalizeH="0" baseline="0" smtClean="0">
+                <a:ln>
+                  <a:noFill/>
+                </a:ln>
+                <a:solidFill>
+                  <a:srgbClr val="0000FF"/>
+                </a:solidFill>
+                <a:effectLst/>
+                <a:latin typeface="Lucida Console" panose="020B0609040504020204" pitchFamily="49" charset="0"/>
+              </a:rPr>
+              <a:t>+		x</a:t>
+            </a:r>
+            <a:r>
+              <a:rPr kumimoji="0" lang="zh-CN" altLang="zh-CN" sz="1400" b="0" i="0" u="none" strike="noStrike" cap="none" normalizeH="0" baseline="0" smtClean="0">
+                <a:ln>
+                  <a:noFill/>
+                </a:ln>
+                <a:solidFill>
+                  <a:srgbClr val="0000FF"/>
+                </a:solidFill>
+                <a:effectLst/>
+                <a:latin typeface="Lucida Console" panose="020B0609040504020204" pitchFamily="49" charset="0"/>
+              </a:rPr>
+              <a:t> </a:t>
+            </a:r>
+            <a:endParaRPr kumimoji="0" lang="en-US" altLang="zh-CN" sz="1400" b="0" i="0" u="none" strike="noStrike" cap="none" normalizeH="0" baseline="0" smtClean="0">
+              <a:ln>
+                <a:noFill/>
+              </a:ln>
+              <a:solidFill>
+                <a:srgbClr val="0000FF"/>
+              </a:solidFill>
+              <a:effectLst/>
+              <a:latin typeface="Lucida Console" panose="020B0609040504020204" pitchFamily="49" charset="0"/>
+            </a:endParaRPr>
+          </a:p>
+          <a:p>
+            <a:pPr marL="0" marR="0" lvl="0" indent="0" algn="l" defTabSz="914400" rtl="0" eaLnBrk="0" fontAlgn="base" latinLnBrk="0" hangingPunct="0">
+              <a:lnSpc>
+                <a:spcPct val="100000"/>
+              </a:lnSpc>
+              <a:spcBef>
+                <a:spcPct val="0"/>
+              </a:spcBef>
+              <a:spcAft>
+                <a:spcPct val="0"/>
+              </a:spcAft>
+              <a:buClrTx/>
+              <a:buSzTx/>
+              <a:buFontTx/>
+              <a:buNone/>
+              <a:tabLst/>
+            </a:pPr>
+            <a:r>
+              <a:rPr kumimoji="0" lang="zh-CN" altLang="zh-CN" sz="1400" b="0" i="0" u="none" strike="noStrike" cap="none" normalizeH="0" baseline="0" smtClean="0">
+                <a:ln>
+                  <a:noFill/>
+                </a:ln>
+                <a:solidFill>
+                  <a:srgbClr val="0000FF"/>
+                </a:solidFill>
+                <a:effectLst/>
+                <a:latin typeface="Lucida Console" panose="020B0609040504020204" pitchFamily="49" charset="0"/>
+              </a:rPr>
+              <a:t>+ </a:t>
+            </a:r>
+            <a:r>
+              <a:rPr kumimoji="0" lang="en-US" altLang="zh-CN" sz="1400" b="0" i="0" u="none" strike="noStrike" cap="none" normalizeH="0" baseline="0" smtClean="0">
+                <a:ln>
+                  <a:noFill/>
+                </a:ln>
+                <a:solidFill>
+                  <a:srgbClr val="0000FF"/>
+                </a:solidFill>
+                <a:effectLst/>
+                <a:latin typeface="Lucida Console" panose="020B0609040504020204" pitchFamily="49" charset="0"/>
+              </a:rPr>
+              <a:t>	</a:t>
+            </a:r>
+            <a:r>
+              <a:rPr kumimoji="0" lang="zh-CN" altLang="zh-CN" sz="1400" b="0" i="0" u="none" strike="noStrike" cap="none" normalizeH="0" baseline="0" smtClean="0">
+                <a:ln>
+                  <a:noFill/>
+                </a:ln>
+                <a:solidFill>
+                  <a:srgbClr val="0000FF"/>
+                </a:solidFill>
+                <a:effectLst/>
+                <a:latin typeface="Lucida Console" panose="020B0609040504020204" pitchFamily="49" charset="0"/>
+              </a:rPr>
+              <a:t>} </a:t>
+            </a:r>
+            <a:endParaRPr kumimoji="0" lang="en-US" altLang="zh-CN" sz="1400" b="0" i="0" u="none" strike="noStrike" cap="none" normalizeH="0" baseline="0" smtClean="0">
+              <a:ln>
+                <a:noFill/>
+              </a:ln>
+              <a:solidFill>
+                <a:srgbClr val="0000FF"/>
+              </a:solidFill>
+              <a:effectLst/>
+              <a:latin typeface="Lucida Console" panose="020B0609040504020204" pitchFamily="49" charset="0"/>
+            </a:endParaRPr>
+          </a:p>
+          <a:p>
+            <a:pPr marL="0" marR="0" lvl="0" indent="0" algn="l" defTabSz="914400" rtl="0" eaLnBrk="0" fontAlgn="base" latinLnBrk="0" hangingPunct="0">
+              <a:lnSpc>
+                <a:spcPct val="100000"/>
+              </a:lnSpc>
+              <a:spcBef>
+                <a:spcPct val="0"/>
+              </a:spcBef>
+              <a:spcAft>
+                <a:spcPct val="0"/>
+              </a:spcAft>
+              <a:buClrTx/>
+              <a:buSzTx/>
+              <a:buFontTx/>
+              <a:buNone/>
+              <a:tabLst/>
+            </a:pPr>
+            <a:r>
+              <a:rPr kumimoji="0" lang="zh-CN" altLang="zh-CN" sz="1400" b="0" i="0" u="none" strike="noStrike" cap="none" normalizeH="0" baseline="0" smtClean="0">
+                <a:ln>
+                  <a:noFill/>
+                </a:ln>
+                <a:solidFill>
+                  <a:srgbClr val="0000FF"/>
+                </a:solidFill>
+                <a:effectLst/>
+                <a:latin typeface="Lucida Console" panose="020B0609040504020204" pitchFamily="49" charset="0"/>
+              </a:rPr>
+              <a:t>+ }</a:t>
+            </a:r>
+            <a:endParaRPr kumimoji="0" lang="zh-CN" altLang="zh-CN" sz="3200" b="0" i="0" u="none" strike="noStrike" cap="none" normalizeH="0" baseline="0" smtClean="0">
               <a:ln>
                 <a:noFill/>
               </a:ln>
@@ -4218,6 +4422,30 @@
           </a:p>
         </p:txBody>
       </p:sp>
+      <p:pic>
+        <p:nvPicPr>
+          <p:cNvPr id="5" name="图片 4"/>
+          <p:cNvPicPr>
+            <a:picLocks noChangeAspect="1"/>
+          </p:cNvPicPr>
+          <p:nvPr/>
+        </p:nvPicPr>
+        <p:blipFill>
+          <a:blip r:embed="rId2"/>
+          <a:stretch>
+            <a:fillRect/>
+          </a:stretch>
+        </p:blipFill>
+        <p:spPr>
+          <a:xfrm>
+            <a:off x="8138971" y="2466314"/>
+            <a:ext cx="2686050" cy="1219200"/>
+          </a:xfrm>
+          <a:prstGeom prst="rect">
+            <a:avLst/>
+          </a:prstGeom>
+        </p:spPr>
+      </p:pic>
       <p:sp>
         <p:nvSpPr>
           <p:cNvPr id="6" name="Rectangle 2"/>
@@ -4228,8 +4456,8 @@
         </p:nvSpPr>
         <p:spPr bwMode="auto">
           <a:xfrm>
-            <a:off x="1240325" y="3217725"/>
-            <a:ext cx="2975173" cy="184666"/>
+            <a:off x="1097280" y="4340354"/>
+            <a:ext cx="2685030" cy="215444"/>
           </a:xfrm>
           <a:prstGeom prst="rect">
             <a:avLst/>
@@ -4289,7 +4517,7 @@
               <a:tabLst/>
             </a:pPr>
             <a:r>
-              <a:rPr kumimoji="0" lang="zh-CN" altLang="zh-CN" sz="1200" b="0" i="0" u="none" strike="noStrike" cap="none" normalizeH="0" baseline="0" smtClean="0">
+              <a:rPr kumimoji="0" lang="zh-CN" altLang="zh-CN" sz="1400" b="0" i="0" u="none" strike="noStrike" cap="none" normalizeH="0" baseline="0" smtClean="0">
                 <a:ln>
                   <a:noFill/>
                 </a:ln>
@@ -4299,9 +4527,9 @@
                 <a:effectLst/>
                 <a:latin typeface="Lucida Console" panose="020B0609040504020204" pitchFamily="49" charset="0"/>
               </a:rPr>
-              <a:t>&gt; b&lt;-unlist(lapply(mtcars,mean))</a:t>
-            </a:r>
-            <a:endParaRPr kumimoji="0" lang="zh-CN" altLang="zh-CN" sz="2800" b="0" i="0" u="none" strike="noStrike" cap="none" normalizeH="0" baseline="0" smtClean="0">
+              <a:t>&gt; f99&lt;- missing_fixer(99)</a:t>
+            </a:r>
+            <a:endParaRPr kumimoji="0" lang="zh-CN" altLang="zh-CN" sz="3200" b="0" i="0" u="none" strike="noStrike" cap="none" normalizeH="0" baseline="0" smtClean="0">
               <a:ln>
                 <a:noFill/>
               </a:ln>
@@ -4314,10 +4542,233 @@
           </a:p>
         </p:txBody>
       </p:sp>
+      <p:sp>
+        <p:nvSpPr>
+          <p:cNvPr id="7" name="文本框 6"/>
+          <p:cNvSpPr txBox="1"/>
+          <p:nvPr/>
+        </p:nvSpPr>
+        <p:spPr>
+          <a:xfrm>
+            <a:off x="4463358" y="4526733"/>
+            <a:ext cx="3985386" cy="369332"/>
+          </a:xfrm>
+          <a:prstGeom prst="rect">
+            <a:avLst/>
+          </a:prstGeom>
+          <a:noFill/>
+        </p:spPr>
+        <p:txBody>
+          <a:bodyPr wrap="none" rtlCol="0">
+            <a:spAutoFit/>
+          </a:bodyPr>
+          <a:lstStyle/>
+          <a:p>
+            <a:r>
+              <a:rPr lang="zh-CN" altLang="en-US" smtClean="0"/>
+              <a:t>此时</a:t>
+            </a:r>
+            <a:r>
+              <a:rPr lang="en-US" altLang="zh-CN" smtClean="0"/>
+              <a:t>f99</a:t>
+            </a:r>
+            <a:r>
+              <a:rPr lang="zh-CN" altLang="en-US" smtClean="0"/>
+              <a:t>变成了一个函数，它的结构是</a:t>
+            </a:r>
+            <a:endParaRPr lang="zh-CN" altLang="en-US"/>
+          </a:p>
+        </p:txBody>
+      </p:sp>
+      <p:sp>
+        <p:nvSpPr>
+          <p:cNvPr id="9" name="矩形 8"/>
+          <p:cNvSpPr/>
+          <p:nvPr/>
+        </p:nvSpPr>
+        <p:spPr>
+          <a:xfrm>
+            <a:off x="8856172" y="4555798"/>
+            <a:ext cx="1892080" cy="954107"/>
+          </a:xfrm>
+          <a:prstGeom prst="rect">
+            <a:avLst/>
+          </a:prstGeom>
+        </p:spPr>
+        <p:txBody>
+          <a:bodyPr wrap="square">
+            <a:spAutoFit/>
+          </a:bodyPr>
+          <a:lstStyle/>
+          <a:p>
+            <a:pPr lvl="0" eaLnBrk="0" fontAlgn="base" hangingPunct="0">
+              <a:spcBef>
+                <a:spcPct val="0"/>
+              </a:spcBef>
+              <a:spcAft>
+                <a:spcPct val="0"/>
+              </a:spcAft>
+            </a:pPr>
+            <a:r>
+              <a:rPr lang="zh-CN" altLang="zh-CN" sz="1400">
+                <a:solidFill>
+                  <a:srgbClr val="0000FF"/>
+                </a:solidFill>
+                <a:latin typeface="Lucida Console" panose="020B0609040504020204" pitchFamily="49" charset="0"/>
+              </a:rPr>
+              <a:t>function(x){ </a:t>
+            </a:r>
+            <a:endParaRPr lang="en-US" altLang="zh-CN" sz="1400">
+              <a:solidFill>
+                <a:srgbClr val="0000FF"/>
+              </a:solidFill>
+              <a:latin typeface="Lucida Console" panose="020B0609040504020204" pitchFamily="49" charset="0"/>
+            </a:endParaRPr>
+          </a:p>
+          <a:p>
+            <a:pPr lvl="0" eaLnBrk="0" fontAlgn="base" hangingPunct="0">
+              <a:spcBef>
+                <a:spcPct val="0"/>
+              </a:spcBef>
+              <a:spcAft>
+                <a:spcPct val="0"/>
+              </a:spcAft>
+            </a:pPr>
+            <a:r>
+              <a:rPr lang="zh-CN" altLang="zh-CN" sz="1400">
+                <a:solidFill>
+                  <a:srgbClr val="0000FF"/>
+                </a:solidFill>
+                <a:latin typeface="Lucida Console" panose="020B0609040504020204" pitchFamily="49" charset="0"/>
+              </a:rPr>
+              <a:t>+ </a:t>
+            </a:r>
+            <a:r>
+              <a:rPr lang="zh-CN" altLang="zh-CN" sz="1400" smtClean="0">
+                <a:solidFill>
+                  <a:srgbClr val="0000FF"/>
+                </a:solidFill>
+                <a:latin typeface="Lucida Console" panose="020B0609040504020204" pitchFamily="49" charset="0"/>
+              </a:rPr>
+              <a:t>x</a:t>
+            </a:r>
+            <a:r>
+              <a:rPr lang="zh-CN" altLang="zh-CN" sz="1400">
+                <a:solidFill>
+                  <a:srgbClr val="0000FF"/>
+                </a:solidFill>
+                <a:latin typeface="Lucida Console" panose="020B0609040504020204" pitchFamily="49" charset="0"/>
+              </a:rPr>
+              <a:t>[x</a:t>
+            </a:r>
+            <a:r>
+              <a:rPr lang="zh-CN" altLang="zh-CN" sz="1400" smtClean="0">
+                <a:solidFill>
+                  <a:srgbClr val="0000FF"/>
+                </a:solidFill>
+                <a:latin typeface="Lucida Console" panose="020B0609040504020204" pitchFamily="49" charset="0"/>
+              </a:rPr>
+              <a:t>==</a:t>
+            </a:r>
+            <a:r>
+              <a:rPr lang="en-US" altLang="zh-CN" sz="1400" smtClean="0">
+                <a:solidFill>
+                  <a:srgbClr val="0000FF"/>
+                </a:solidFill>
+                <a:latin typeface="Lucida Console" panose="020B0609040504020204" pitchFamily="49" charset="0"/>
+              </a:rPr>
+              <a:t>99</a:t>
+            </a:r>
+            <a:r>
+              <a:rPr lang="zh-CN" altLang="zh-CN" sz="1400" smtClean="0">
+                <a:solidFill>
+                  <a:srgbClr val="0000FF"/>
+                </a:solidFill>
+                <a:latin typeface="Lucida Console" panose="020B0609040504020204" pitchFamily="49" charset="0"/>
+              </a:rPr>
+              <a:t>]&lt;-</a:t>
+            </a:r>
+            <a:r>
+              <a:rPr lang="zh-CN" altLang="zh-CN" sz="1400">
+                <a:solidFill>
+                  <a:srgbClr val="0000FF"/>
+                </a:solidFill>
+                <a:latin typeface="Lucida Console" panose="020B0609040504020204" pitchFamily="49" charset="0"/>
+              </a:rPr>
+              <a:t>NA</a:t>
+            </a:r>
+            <a:endParaRPr lang="en-US" altLang="zh-CN" sz="1400">
+              <a:solidFill>
+                <a:srgbClr val="0000FF"/>
+              </a:solidFill>
+              <a:latin typeface="Lucida Console" panose="020B0609040504020204" pitchFamily="49" charset="0"/>
+            </a:endParaRPr>
+          </a:p>
+          <a:p>
+            <a:pPr lvl="0" eaLnBrk="0" fontAlgn="base" hangingPunct="0">
+              <a:spcBef>
+                <a:spcPct val="0"/>
+              </a:spcBef>
+              <a:spcAft>
+                <a:spcPct val="0"/>
+              </a:spcAft>
+            </a:pPr>
+            <a:r>
+              <a:rPr lang="en-US" altLang="zh-CN" sz="1400" smtClean="0">
+                <a:solidFill>
+                  <a:srgbClr val="0000FF"/>
+                </a:solidFill>
+                <a:latin typeface="Lucida Console" panose="020B0609040504020204" pitchFamily="49" charset="0"/>
+              </a:rPr>
+              <a:t>+x</a:t>
+            </a:r>
+            <a:r>
+              <a:rPr lang="zh-CN" altLang="zh-CN" sz="1400" smtClean="0">
+                <a:solidFill>
+                  <a:srgbClr val="0000FF"/>
+                </a:solidFill>
+                <a:latin typeface="Lucida Console" panose="020B0609040504020204" pitchFamily="49" charset="0"/>
+              </a:rPr>
+              <a:t> </a:t>
+            </a:r>
+            <a:endParaRPr lang="en-US" altLang="zh-CN" sz="1400">
+              <a:solidFill>
+                <a:srgbClr val="0000FF"/>
+              </a:solidFill>
+              <a:latin typeface="Lucida Console" panose="020B0609040504020204" pitchFamily="49" charset="0"/>
+            </a:endParaRPr>
+          </a:p>
+          <a:p>
+            <a:pPr lvl="0" eaLnBrk="0" fontAlgn="base" hangingPunct="0">
+              <a:spcBef>
+                <a:spcPct val="0"/>
+              </a:spcBef>
+              <a:spcAft>
+                <a:spcPct val="0"/>
+              </a:spcAft>
+            </a:pPr>
+            <a:r>
+              <a:rPr lang="zh-CN" altLang="zh-CN" sz="1400" smtClean="0">
+                <a:solidFill>
+                  <a:srgbClr val="0000FF"/>
+                </a:solidFill>
+                <a:latin typeface="Lucida Console" panose="020B0609040504020204" pitchFamily="49" charset="0"/>
+              </a:rPr>
+              <a:t>+} </a:t>
+            </a:r>
+            <a:endParaRPr lang="en-US" altLang="zh-CN" sz="1400">
+              <a:solidFill>
+                <a:srgbClr val="0000FF"/>
+              </a:solidFill>
+              <a:latin typeface="Lucida Console" panose="020B0609040504020204" pitchFamily="49" charset="0"/>
+            </a:endParaRPr>
+          </a:p>
+        </p:txBody>
+      </p:sp>
     </p:spTree>
     <p:extLst>
       <p:ext uri="{BB962C8B-B14F-4D97-AF65-F5344CB8AC3E}">
-        <p14:creationId xmlns:p14="http://schemas.microsoft.com/office/powerpoint/2010/main" val="4241442225"/>
+        <p14:creationId xmlns:p14="http://schemas.microsoft.com/office/powerpoint/2010/main" val="2899555100"/>
       </p:ext>
     </p:extLst>
   </p:cSld>
@@ -4356,20 +4807,14 @@
         </p:nvSpPr>
         <p:spPr/>
         <p:txBody>
-          <a:bodyPr>
-            <a:normAutofit/>
-          </a:bodyPr>
+          <a:bodyPr/>
           <a:lstStyle/>
           <a:p>
             <a:r>
-              <a:rPr lang="en-US" altLang="zh-CN" sz="3200" smtClean="0"/>
-              <a:t>plyr</a:t>
-            </a:r>
-            <a:r>
-              <a:rPr lang="zh-CN" altLang="en-US" sz="3200" smtClean="0"/>
-              <a:t>中的泛函替代函数</a:t>
-            </a:r>
-            <a:endParaRPr lang="zh-CN" altLang="en-US" sz="3200"/>
+              <a:rPr lang="zh-CN" altLang="en-US" smtClean="0"/>
+              <a:t>函数列表</a:t>
+            </a:r>
+            <a:endParaRPr lang="zh-CN" altLang="en-US"/>
           </a:p>
         </p:txBody>
       </p:sp>
@@ -4388,20 +4833,577 @@
           <a:bodyPr/>
           <a:lstStyle/>
           <a:p>
+            <a:r>
+              <a:rPr lang="zh-CN" altLang="en-US" smtClean="0"/>
+              <a:t>列表：</a:t>
+            </a:r>
+            <a:r>
+              <a:rPr lang="en-US" altLang="zh-CN" smtClean="0"/>
+              <a:t>R</a:t>
+            </a:r>
+            <a:r>
+              <a:rPr lang="zh-CN" altLang="en-US" smtClean="0"/>
+              <a:t>中一种变量结构，列表中可以 存任何结构的数据，包括函数</a:t>
+            </a:r>
+            <a:endParaRPr lang="en-US" altLang="zh-CN" smtClean="0"/>
+          </a:p>
+          <a:p>
+            <a:pPr marL="0" indent="0">
+              <a:buNone/>
+            </a:pPr>
+            <a:r>
+              <a:rPr lang="zh-CN" altLang="en-US" smtClean="0"/>
+              <a:t>用上页中的函数工厂再生成几个函数，把它们存到一个列表</a:t>
+            </a:r>
+            <a:r>
+              <a:rPr lang="en-US" altLang="zh-CN" smtClean="0"/>
+              <a:t>flist</a:t>
+            </a:r>
+            <a:r>
+              <a:rPr lang="zh-CN" altLang="en-US" smtClean="0"/>
+              <a:t>中</a:t>
+            </a:r>
+            <a:endParaRPr lang="en-US" altLang="zh-CN" smtClean="0"/>
+          </a:p>
+          <a:p>
+            <a:pPr marL="0" indent="0">
+              <a:buNone/>
+            </a:pPr>
+            <a:endParaRPr lang="en-US" altLang="zh-CN"/>
+          </a:p>
+          <a:p>
+            <a:pPr marL="0" indent="0">
+              <a:buNone/>
+            </a:pPr>
+            <a:endParaRPr lang="en-US" altLang="zh-CN" smtClean="0"/>
+          </a:p>
+          <a:p>
+            <a:pPr marL="0" indent="0">
+              <a:buNone/>
+            </a:pPr>
+            <a:r>
+              <a:rPr lang="en-US" altLang="zh-CN" smtClean="0"/>
+              <a:t>flist</a:t>
+            </a:r>
+            <a:r>
+              <a:rPr lang="zh-CN" altLang="en-US" smtClean="0"/>
+              <a:t>其实跟普通变量一样，只是它存的内容是函数，</a:t>
+            </a:r>
+            <a:r>
+              <a:rPr lang="en-US" altLang="zh-CN" smtClean="0"/>
+              <a:t>a b c</a:t>
+            </a:r>
+            <a:r>
+              <a:rPr lang="zh-CN" altLang="en-US" smtClean="0"/>
+              <a:t>分别是 列表中的名字</a:t>
+            </a:r>
+            <a:endParaRPr lang="en-US" altLang="zh-CN" smtClean="0"/>
+          </a:p>
+          <a:p>
+            <a:pPr marL="0" indent="0">
+              <a:buNone/>
+            </a:pPr>
+            <a:endParaRPr lang="en-US" altLang="zh-CN" smtClean="0"/>
+          </a:p>
+          <a:p>
+            <a:pPr marL="0" indent="0">
+              <a:buNone/>
+            </a:pPr>
+            <a:endParaRPr lang="en-US" altLang="zh-CN"/>
+          </a:p>
+          <a:p>
+            <a:pPr marL="0" indent="0">
+              <a:buNone/>
+            </a:pPr>
+            <a:endParaRPr lang="en-US" altLang="zh-CN" smtClean="0"/>
+          </a:p>
+          <a:p>
+            <a:pPr marL="0" indent="0">
+              <a:buNone/>
+            </a:pPr>
+            <a:r>
+              <a:rPr lang="zh-CN" altLang="en-US" smtClean="0"/>
+              <a:t>和变量调用一样，可以按名字调用也可以按索引调用</a:t>
+            </a:r>
+            <a:endParaRPr lang="en-US" altLang="zh-CN"/>
+          </a:p>
+          <a:p>
+            <a:pPr marL="0" indent="0">
+              <a:buNone/>
+            </a:pPr>
             <a:endParaRPr lang="zh-CN" altLang="en-US"/>
+          </a:p>
+        </p:txBody>
+      </p:sp>
+      <p:sp>
+        <p:nvSpPr>
+          <p:cNvPr id="4" name="Rectangle 1"/>
+          <p:cNvSpPr>
+            <a:spLocks noChangeArrowheads="1"/>
+          </p:cNvSpPr>
+          <p:nvPr/>
+        </p:nvSpPr>
+        <p:spPr bwMode="auto">
+          <a:xfrm>
+            <a:off x="1097280" y="2766330"/>
+            <a:ext cx="3329438" cy="646331"/>
+          </a:xfrm>
+          <a:prstGeom prst="rect">
+            <a:avLst/>
+          </a:prstGeom>
+          <a:solidFill>
+            <a:srgbClr val="FFFFFF"/>
+          </a:solidFill>
+          <a:ln>
+            <a:noFill/>
+          </a:ln>
+          <a:effectLst/>
+          <a:extLst>
+            <a:ext uri="{91240B29-F687-4F45-9708-019B960494DF}">
+              <a14:hiddenLine xmlns:a14="http://schemas.microsoft.com/office/drawing/2010/main" w="9525">
+                <a:solidFill>
+                  <a:schemeClr val="tx1"/>
+                </a:solidFill>
+                <a:miter lim="800000"/>
+                <a:headEnd/>
+                <a:tailEnd/>
+              </a14:hiddenLine>
+            </a:ext>
+            <a:ext uri="{AF507438-7753-43E0-B8FC-AC1667EBCBE1}">
+              <a14:hiddenEffects xmlns:a14="http://schemas.microsoft.com/office/drawing/2010/main">
+                <a:effectLst>
+                  <a:outerShdw dist="35921" dir="2700000" algn="ctr" rotWithShape="0">
+                    <a:schemeClr val="bg2"/>
+                  </a:outerShdw>
+                </a:effectLst>
+              </a14:hiddenEffects>
+            </a:ext>
+          </a:extLst>
+        </p:spPr>
+        <p:txBody>
+          <a:bodyPr vert="horz" wrap="none" lIns="0" tIns="0" rIns="0" bIns="0" numCol="1" anchor="ctr" anchorCtr="0" compatLnSpc="1">
+            <a:prstTxWarp prst="textNoShape">
+              <a:avLst/>
+            </a:prstTxWarp>
+            <a:spAutoFit/>
+          </a:bodyPr>
+          <a:lstStyle/>
+          <a:p>
+            <a:pPr marL="0" marR="0" lvl="0" indent="0" algn="l" defTabSz="914400" rtl="0" eaLnBrk="0" fontAlgn="base" latinLnBrk="0" hangingPunct="0">
+              <a:lnSpc>
+                <a:spcPct val="100000"/>
+              </a:lnSpc>
+              <a:spcBef>
+                <a:spcPct val="0"/>
+              </a:spcBef>
+              <a:spcAft>
+                <a:spcPct val="0"/>
+              </a:spcAft>
+              <a:buClrTx/>
+              <a:buSzTx/>
+              <a:buFontTx/>
+              <a:buNone/>
+              <a:tabLst/>
+            </a:pPr>
+            <a:r>
+              <a:rPr kumimoji="0" lang="zh-CN" altLang="zh-CN" sz="1400" b="0" i="0" u="none" strike="noStrike" cap="none" normalizeH="0" baseline="0" smtClean="0">
+                <a:ln>
+                  <a:noFill/>
+                </a:ln>
+                <a:solidFill>
+                  <a:srgbClr val="0000FF"/>
+                </a:solidFill>
+                <a:effectLst/>
+                <a:latin typeface="Lucida Console" panose="020B0609040504020204" pitchFamily="49" charset="0"/>
+              </a:rPr>
+              <a:t>&gt; f90&lt;-missing_fixer(90) </a:t>
+            </a:r>
+            <a:endParaRPr kumimoji="0" lang="en-US" altLang="zh-CN" sz="1400" b="0" i="0" u="none" strike="noStrike" cap="none" normalizeH="0" baseline="0" smtClean="0">
+              <a:ln>
+                <a:noFill/>
+              </a:ln>
+              <a:solidFill>
+                <a:srgbClr val="0000FF"/>
+              </a:solidFill>
+              <a:effectLst/>
+              <a:latin typeface="Lucida Console" panose="020B0609040504020204" pitchFamily="49" charset="0"/>
+            </a:endParaRPr>
+          </a:p>
+          <a:p>
+            <a:pPr marL="0" marR="0" lvl="0" indent="0" algn="l" defTabSz="914400" rtl="0" eaLnBrk="0" fontAlgn="base" latinLnBrk="0" hangingPunct="0">
+              <a:lnSpc>
+                <a:spcPct val="100000"/>
+              </a:lnSpc>
+              <a:spcBef>
+                <a:spcPct val="0"/>
+              </a:spcBef>
+              <a:spcAft>
+                <a:spcPct val="0"/>
+              </a:spcAft>
+              <a:buClrTx/>
+              <a:buSzTx/>
+              <a:buFontTx/>
+              <a:buNone/>
+              <a:tabLst/>
+            </a:pPr>
+            <a:r>
+              <a:rPr kumimoji="0" lang="zh-CN" altLang="zh-CN" sz="1400" b="0" i="0" u="none" strike="noStrike" cap="none" normalizeH="0" baseline="0" smtClean="0">
+                <a:ln>
+                  <a:noFill/>
+                </a:ln>
+                <a:solidFill>
+                  <a:srgbClr val="0000FF"/>
+                </a:solidFill>
+                <a:effectLst/>
+                <a:latin typeface="Lucida Console" panose="020B0609040504020204" pitchFamily="49" charset="0"/>
+              </a:rPr>
+              <a:t>&gt; f1&lt;-missing_fixer(1) </a:t>
+            </a:r>
+            <a:endParaRPr kumimoji="0" lang="en-US" altLang="zh-CN" sz="1400" b="0" i="0" u="none" strike="noStrike" cap="none" normalizeH="0" baseline="0" smtClean="0">
+              <a:ln>
+                <a:noFill/>
+              </a:ln>
+              <a:solidFill>
+                <a:srgbClr val="0000FF"/>
+              </a:solidFill>
+              <a:effectLst/>
+              <a:latin typeface="Lucida Console" panose="020B0609040504020204" pitchFamily="49" charset="0"/>
+            </a:endParaRPr>
+          </a:p>
+          <a:p>
+            <a:pPr marL="0" marR="0" lvl="0" indent="0" algn="l" defTabSz="914400" rtl="0" eaLnBrk="0" fontAlgn="base" latinLnBrk="0" hangingPunct="0">
+              <a:lnSpc>
+                <a:spcPct val="100000"/>
+              </a:lnSpc>
+              <a:spcBef>
+                <a:spcPct val="0"/>
+              </a:spcBef>
+              <a:spcAft>
+                <a:spcPct val="0"/>
+              </a:spcAft>
+              <a:buClrTx/>
+              <a:buSzTx/>
+              <a:buFontTx/>
+              <a:buNone/>
+              <a:tabLst/>
+            </a:pPr>
+            <a:r>
+              <a:rPr kumimoji="0" lang="zh-CN" altLang="zh-CN" sz="1400" b="0" i="0" u="none" strike="noStrike" cap="none" normalizeH="0" baseline="0" smtClean="0">
+                <a:ln>
+                  <a:noFill/>
+                </a:ln>
+                <a:solidFill>
+                  <a:srgbClr val="0000FF"/>
+                </a:solidFill>
+                <a:effectLst/>
+                <a:latin typeface="Lucida Console" panose="020B0609040504020204" pitchFamily="49" charset="0"/>
+              </a:rPr>
+              <a:t>&gt; flist&lt;-list(a=f99,b=f1,c=f90)</a:t>
+            </a:r>
+            <a:endParaRPr kumimoji="0" lang="zh-CN" altLang="zh-CN" sz="3200" b="0" i="0" u="none" strike="noStrike" cap="none" normalizeH="0" baseline="0" smtClean="0">
+              <a:ln>
+                <a:noFill/>
+              </a:ln>
+              <a:solidFill>
+                <a:schemeClr val="tx1"/>
+              </a:solidFill>
+              <a:effectLst/>
+              <a:latin typeface="Arial" panose="020B0604020202020204" pitchFamily="34" charset="0"/>
+            </a:endParaRPr>
+          </a:p>
+        </p:txBody>
+      </p:sp>
+      <p:sp>
+        <p:nvSpPr>
+          <p:cNvPr id="5" name="Rectangle 2"/>
+          <p:cNvSpPr>
+            <a:spLocks noChangeArrowheads="1"/>
+          </p:cNvSpPr>
+          <p:nvPr/>
+        </p:nvSpPr>
+        <p:spPr bwMode="auto">
+          <a:xfrm>
+            <a:off x="1097280" y="4173776"/>
+            <a:ext cx="1503617" cy="430887"/>
+          </a:xfrm>
+          <a:prstGeom prst="rect">
+            <a:avLst/>
+          </a:prstGeom>
+          <a:solidFill>
+            <a:srgbClr val="FFFFFF"/>
+          </a:solidFill>
+          <a:ln>
+            <a:noFill/>
+          </a:ln>
+          <a:effectLst/>
+          <a:extLst>
+            <a:ext uri="{91240B29-F687-4F45-9708-019B960494DF}">
+              <a14:hiddenLine xmlns:a14="http://schemas.microsoft.com/office/drawing/2010/main" w="9525">
+                <a:solidFill>
+                  <a:schemeClr val="tx1"/>
+                </a:solidFill>
+                <a:miter lim="800000"/>
+                <a:headEnd/>
+                <a:tailEnd/>
+              </a14:hiddenLine>
+            </a:ext>
+            <a:ext uri="{AF507438-7753-43E0-B8FC-AC1667EBCBE1}">
+              <a14:hiddenEffects xmlns:a14="http://schemas.microsoft.com/office/drawing/2010/main">
+                <a:effectLst>
+                  <a:outerShdw dist="35921" dir="2700000" algn="ctr" rotWithShape="0">
+                    <a:schemeClr val="bg2"/>
+                  </a:outerShdw>
+                </a:effectLst>
+              </a14:hiddenEffects>
+            </a:ext>
+          </a:extLst>
+        </p:spPr>
+        <p:txBody>
+          <a:bodyPr vert="horz" wrap="none" lIns="0" tIns="0" rIns="0" bIns="0" numCol="1" anchor="ctr" anchorCtr="0" compatLnSpc="1">
+            <a:prstTxWarp prst="textNoShape">
+              <a:avLst/>
+            </a:prstTxWarp>
+            <a:spAutoFit/>
+          </a:bodyPr>
+          <a:lstStyle/>
+          <a:p>
+            <a:pPr marL="0" marR="0" lvl="0" indent="0" algn="l" defTabSz="914400" rtl="0" eaLnBrk="0" fontAlgn="base" latinLnBrk="0" hangingPunct="0">
+              <a:lnSpc>
+                <a:spcPct val="100000"/>
+              </a:lnSpc>
+              <a:spcBef>
+                <a:spcPct val="0"/>
+              </a:spcBef>
+              <a:spcAft>
+                <a:spcPct val="0"/>
+              </a:spcAft>
+              <a:buClrTx/>
+              <a:buSzTx/>
+              <a:buFontTx/>
+              <a:buNone/>
+              <a:tabLst/>
+            </a:pPr>
+            <a:r>
+              <a:rPr kumimoji="0" lang="zh-CN" altLang="zh-CN" sz="1400" b="0" i="0" u="none" strike="noStrike" cap="none" normalizeH="0" baseline="0" smtClean="0">
+                <a:ln>
+                  <a:noFill/>
+                </a:ln>
+                <a:solidFill>
+                  <a:srgbClr val="0000FF"/>
+                </a:solidFill>
+                <a:effectLst/>
+                <a:latin typeface="Lucida Console" panose="020B0609040504020204" pitchFamily="49" charset="0"/>
+              </a:rPr>
+              <a:t>&gt; flist$a(99) </a:t>
+            </a:r>
+            <a:endParaRPr kumimoji="0" lang="en-US" altLang="zh-CN" sz="1400" b="0" i="0" u="none" strike="noStrike" cap="none" normalizeH="0" baseline="0" smtClean="0">
+              <a:ln>
+                <a:noFill/>
+              </a:ln>
+              <a:solidFill>
+                <a:srgbClr val="0000FF"/>
+              </a:solidFill>
+              <a:effectLst/>
+              <a:latin typeface="Lucida Console" panose="020B0609040504020204" pitchFamily="49" charset="0"/>
+            </a:endParaRPr>
+          </a:p>
+          <a:p>
+            <a:pPr marL="0" marR="0" lvl="0" indent="0" algn="l" defTabSz="914400" rtl="0" eaLnBrk="0" fontAlgn="base" latinLnBrk="0" hangingPunct="0">
+              <a:lnSpc>
+                <a:spcPct val="100000"/>
+              </a:lnSpc>
+              <a:spcBef>
+                <a:spcPct val="0"/>
+              </a:spcBef>
+              <a:spcAft>
+                <a:spcPct val="0"/>
+              </a:spcAft>
+              <a:buClrTx/>
+              <a:buSzTx/>
+              <a:buFontTx/>
+              <a:buNone/>
+              <a:tabLst/>
+            </a:pPr>
+            <a:r>
+              <a:rPr kumimoji="0" lang="zh-CN" altLang="zh-CN" sz="1400" b="0" i="0" u="none" strike="noStrike" cap="none" normalizeH="0" baseline="0" smtClean="0">
+                <a:ln>
+                  <a:noFill/>
+                </a:ln>
+                <a:solidFill>
+                  <a:srgbClr val="000000"/>
+                </a:solidFill>
+                <a:effectLst/>
+                <a:latin typeface="Lucida Console" panose="020B0609040504020204" pitchFamily="49" charset="0"/>
+              </a:rPr>
+              <a:t>[1] NA</a:t>
+            </a:r>
+            <a:endParaRPr kumimoji="0" lang="zh-CN" altLang="zh-CN" sz="3200" b="0" i="0" u="none" strike="noStrike" cap="none" normalizeH="0" baseline="0" smtClean="0">
+              <a:ln>
+                <a:noFill/>
+              </a:ln>
+              <a:solidFill>
+                <a:schemeClr val="tx1"/>
+              </a:solidFill>
+              <a:effectLst/>
+              <a:latin typeface="Arial" panose="020B0604020202020204" pitchFamily="34" charset="0"/>
+            </a:endParaRPr>
+          </a:p>
+        </p:txBody>
+      </p:sp>
+      <p:sp>
+        <p:nvSpPr>
+          <p:cNvPr id="6" name="Rectangle 3"/>
+          <p:cNvSpPr>
+            <a:spLocks noChangeArrowheads="1"/>
+          </p:cNvSpPr>
+          <p:nvPr/>
+        </p:nvSpPr>
+        <p:spPr bwMode="auto">
+          <a:xfrm>
+            <a:off x="1097280" y="4805991"/>
+            <a:ext cx="1825821" cy="430887"/>
+          </a:xfrm>
+          <a:prstGeom prst="rect">
+            <a:avLst/>
+          </a:prstGeom>
+          <a:solidFill>
+            <a:srgbClr val="FFFFFF"/>
+          </a:solidFill>
+          <a:ln>
+            <a:noFill/>
+          </a:ln>
+          <a:effectLst/>
+          <a:extLst>
+            <a:ext uri="{91240B29-F687-4F45-9708-019B960494DF}">
+              <a14:hiddenLine xmlns:a14="http://schemas.microsoft.com/office/drawing/2010/main" w="9525">
+                <a:solidFill>
+                  <a:schemeClr val="tx1"/>
+                </a:solidFill>
+                <a:miter lim="800000"/>
+                <a:headEnd/>
+                <a:tailEnd/>
+              </a14:hiddenLine>
+            </a:ext>
+            <a:ext uri="{AF507438-7753-43E0-B8FC-AC1667EBCBE1}">
+              <a14:hiddenEffects xmlns:a14="http://schemas.microsoft.com/office/drawing/2010/main">
+                <a:effectLst>
+                  <a:outerShdw dist="35921" dir="2700000" algn="ctr" rotWithShape="0">
+                    <a:schemeClr val="bg2"/>
+                  </a:outerShdw>
+                </a:effectLst>
+              </a14:hiddenEffects>
+            </a:ext>
+          </a:extLst>
+        </p:spPr>
+        <p:txBody>
+          <a:bodyPr vert="horz" wrap="none" lIns="0" tIns="0" rIns="0" bIns="0" numCol="1" anchor="ctr" anchorCtr="0" compatLnSpc="1">
+            <a:prstTxWarp prst="textNoShape">
+              <a:avLst/>
+            </a:prstTxWarp>
+            <a:spAutoFit/>
+          </a:bodyPr>
+          <a:lstStyle/>
+          <a:p>
+            <a:pPr marL="0" marR="0" lvl="0" indent="0" algn="l" defTabSz="914400" rtl="0" eaLnBrk="0" fontAlgn="base" latinLnBrk="0" hangingPunct="0">
+              <a:lnSpc>
+                <a:spcPct val="100000"/>
+              </a:lnSpc>
+              <a:spcBef>
+                <a:spcPct val="0"/>
+              </a:spcBef>
+              <a:spcAft>
+                <a:spcPct val="0"/>
+              </a:spcAft>
+              <a:buClrTx/>
+              <a:buSzTx/>
+              <a:buFontTx/>
+              <a:buNone/>
+              <a:tabLst/>
+            </a:pPr>
+            <a:r>
+              <a:rPr kumimoji="0" lang="zh-CN" altLang="zh-CN" sz="1400" b="0" i="0" u="none" strike="noStrike" cap="none" normalizeH="0" baseline="0" smtClean="0">
+                <a:ln>
+                  <a:noFill/>
+                </a:ln>
+                <a:solidFill>
+                  <a:srgbClr val="0000FF"/>
+                </a:solidFill>
+                <a:effectLst/>
+                <a:latin typeface="Lucida Console" panose="020B0609040504020204" pitchFamily="49" charset="0"/>
+              </a:rPr>
+              <a:t>&gt; flist[[1]](99) </a:t>
+            </a:r>
+            <a:endParaRPr kumimoji="0" lang="en-US" altLang="zh-CN" sz="1400" b="0" i="0" u="none" strike="noStrike" cap="none" normalizeH="0" baseline="0" smtClean="0">
+              <a:ln>
+                <a:noFill/>
+              </a:ln>
+              <a:solidFill>
+                <a:srgbClr val="0000FF"/>
+              </a:solidFill>
+              <a:effectLst/>
+              <a:latin typeface="Lucida Console" panose="020B0609040504020204" pitchFamily="49" charset="0"/>
+            </a:endParaRPr>
+          </a:p>
+          <a:p>
+            <a:pPr marL="0" marR="0" lvl="0" indent="0" algn="l" defTabSz="914400" rtl="0" eaLnBrk="0" fontAlgn="base" latinLnBrk="0" hangingPunct="0">
+              <a:lnSpc>
+                <a:spcPct val="100000"/>
+              </a:lnSpc>
+              <a:spcBef>
+                <a:spcPct val="0"/>
+              </a:spcBef>
+              <a:spcAft>
+                <a:spcPct val="0"/>
+              </a:spcAft>
+              <a:buClrTx/>
+              <a:buSzTx/>
+              <a:buFontTx/>
+              <a:buNone/>
+              <a:tabLst/>
+            </a:pPr>
+            <a:r>
+              <a:rPr kumimoji="0" lang="zh-CN" altLang="zh-CN" sz="1400" b="0" i="0" u="none" strike="noStrike" cap="none" normalizeH="0" baseline="0" smtClean="0">
+                <a:ln>
+                  <a:noFill/>
+                </a:ln>
+                <a:solidFill>
+                  <a:srgbClr val="000000"/>
+                </a:solidFill>
+                <a:effectLst/>
+                <a:latin typeface="Lucida Console" panose="020B0609040504020204" pitchFamily="49" charset="0"/>
+              </a:rPr>
+              <a:t>[1] NA</a:t>
+            </a:r>
+            <a:endParaRPr kumimoji="0" lang="zh-CN" altLang="zh-CN" sz="3200" b="0" i="0" u="none" strike="noStrike" cap="none" normalizeH="0" baseline="0" smtClean="0">
+              <a:ln>
+                <a:noFill/>
+              </a:ln>
+              <a:solidFill>
+                <a:schemeClr val="tx1"/>
+              </a:solidFill>
+              <a:effectLst/>
+              <a:latin typeface="Arial" panose="020B0604020202020204" pitchFamily="34" charset="0"/>
+            </a:endParaRPr>
           </a:p>
         </p:txBody>
       </p:sp>
     </p:spTree>
     <p:extLst>
       <p:ext uri="{BB962C8B-B14F-4D97-AF65-F5344CB8AC3E}">
-        <p14:creationId xmlns:p14="http://schemas.microsoft.com/office/powerpoint/2010/main" val="2675403714"/>
+        <p14:creationId xmlns:p14="http://schemas.microsoft.com/office/powerpoint/2010/main" val="2294328978"/>
       </p:ext>
     </p:extLst>
   </p:cSld>
   <p:clrMapOvr>
     <a:masterClrMapping/>
   </p:clrMapOvr>
+  <p:timing>
+    <p:tnLst>
+      <p:par>
+        <p:cTn id="1" dur="indefinite" restart="never" nodeType="tmRoot"/>
+      </p:par>
+    </p:tnLst>
+  </p:timing>
 </p:sld>
 </file>
 
@@ -4439,6 +5441,448 @@
           <a:p>
             <a:r>
               <a:rPr lang="zh-CN" altLang="en-US" smtClean="0"/>
+              <a:t>泛函</a:t>
+            </a:r>
+            <a:endParaRPr lang="zh-CN" altLang="en-US"/>
+          </a:p>
+        </p:txBody>
+      </p:sp>
+      <p:sp>
+        <p:nvSpPr>
+          <p:cNvPr id="3" name="内容占位符 2"/>
+          <p:cNvSpPr>
+            <a:spLocks noGrp="1"/>
+          </p:cNvSpPr>
+          <p:nvPr>
+            <p:ph idx="1"/>
+          </p:nvPr>
+        </p:nvSpPr>
+        <p:spPr/>
+        <p:txBody>
+          <a:bodyPr/>
+          <a:lstStyle/>
+          <a:p>
+            <a:r>
+              <a:rPr lang="en-US" altLang="zh-CN" smtClean="0"/>
+              <a:t>lapply</a:t>
+            </a:r>
+            <a:r>
+              <a:rPr lang="zh-CN" altLang="en-US" smtClean="0"/>
+              <a:t>对一个</a:t>
+            </a:r>
+            <a:r>
+              <a:rPr lang="en-US" altLang="zh-CN" smtClean="0"/>
+              <a:t>list</a:t>
+            </a:r>
+            <a:r>
+              <a:rPr lang="zh-CN" altLang="en-US" smtClean="0"/>
+              <a:t>类型的变量每一列调用函数进行计算</a:t>
+            </a:r>
+            <a:endParaRPr lang="en-US" altLang="zh-CN" smtClean="0"/>
+          </a:p>
+          <a:p>
+            <a:endParaRPr lang="en-US" altLang="zh-CN"/>
+          </a:p>
+          <a:p>
+            <a:r>
+              <a:rPr lang="zh-CN" altLang="en-US" smtClean="0"/>
+              <a:t>由于数据框也是</a:t>
+            </a:r>
+            <a:r>
+              <a:rPr lang="en-US" altLang="zh-CN" smtClean="0"/>
+              <a:t>list</a:t>
+            </a:r>
+            <a:r>
+              <a:rPr lang="zh-CN" altLang="en-US" smtClean="0"/>
+              <a:t>类型，也可以使用</a:t>
+            </a:r>
+            <a:r>
+              <a:rPr lang="en-US" altLang="zh-CN" smtClean="0"/>
+              <a:t>lapply</a:t>
+            </a:r>
+            <a:r>
+              <a:rPr lang="zh-CN" altLang="en-US" smtClean="0"/>
+              <a:t>，但是计算结果的输出形式也是</a:t>
+            </a:r>
+            <a:r>
+              <a:rPr lang="en-US" altLang="zh-CN" smtClean="0"/>
+              <a:t>list</a:t>
+            </a:r>
+            <a:r>
+              <a:rPr lang="zh-CN" altLang="en-US" smtClean="0"/>
+              <a:t>类型</a:t>
+            </a:r>
+            <a:endParaRPr lang="en-US" altLang="zh-CN" smtClean="0"/>
+          </a:p>
+          <a:p>
+            <a:endParaRPr lang="en-US" altLang="zh-CN"/>
+          </a:p>
+          <a:p>
+            <a:r>
+              <a:rPr lang="zh-CN" altLang="en-US" smtClean="0"/>
+              <a:t>这里可以用</a:t>
+            </a:r>
+            <a:r>
+              <a:rPr lang="en-US" altLang="zh-CN" smtClean="0"/>
+              <a:t>unlist</a:t>
+            </a:r>
+            <a:r>
+              <a:rPr lang="zh-CN" altLang="en-US" smtClean="0"/>
+              <a:t>取消它的变量结构，还原到原子向量结构，同时也支持</a:t>
+            </a:r>
+            <a:r>
+              <a:rPr lang="en-US" altLang="zh-CN" smtClean="0"/>
+              <a:t>as.data.frame</a:t>
+            </a:r>
+            <a:r>
+              <a:rPr lang="zh-CN" altLang="en-US" smtClean="0"/>
+              <a:t>直接转换为数据框</a:t>
+            </a:r>
+            <a:endParaRPr lang="zh-CN" altLang="en-US"/>
+          </a:p>
+        </p:txBody>
+      </p:sp>
+      <p:pic>
+        <p:nvPicPr>
+          <p:cNvPr id="4" name="图片 3"/>
+          <p:cNvPicPr>
+            <a:picLocks noChangeAspect="1"/>
+          </p:cNvPicPr>
+          <p:nvPr/>
+        </p:nvPicPr>
+        <p:blipFill>
+          <a:blip r:embed="rId2"/>
+          <a:stretch>
+            <a:fillRect/>
+          </a:stretch>
+        </p:blipFill>
+        <p:spPr>
+          <a:xfrm>
+            <a:off x="5830577" y="4680492"/>
+            <a:ext cx="4924425" cy="552450"/>
+          </a:xfrm>
+          <a:prstGeom prst="rect">
+            <a:avLst/>
+          </a:prstGeom>
+        </p:spPr>
+      </p:pic>
+      <p:sp>
+        <p:nvSpPr>
+          <p:cNvPr id="5" name="Rectangle 1"/>
+          <p:cNvSpPr>
+            <a:spLocks noChangeArrowheads="1"/>
+          </p:cNvSpPr>
+          <p:nvPr/>
+        </p:nvSpPr>
+        <p:spPr bwMode="auto">
+          <a:xfrm>
+            <a:off x="1240325" y="2354366"/>
+            <a:ext cx="1952458" cy="184666"/>
+          </a:xfrm>
+          <a:prstGeom prst="rect">
+            <a:avLst/>
+          </a:prstGeom>
+          <a:solidFill>
+            <a:srgbClr val="FFFFFF"/>
+          </a:solidFill>
+          <a:ln>
+            <a:noFill/>
+          </a:ln>
+          <a:effectLst/>
+          <a:extLst>
+            <a:ext uri="{91240B29-F687-4F45-9708-019B960494DF}">
+              <a14:hiddenLine xmlns:a14="http://schemas.microsoft.com/office/drawing/2010/main" w="9525">
+                <a:solidFill>
+                  <a:schemeClr val="tx1"/>
+                </a:solidFill>
+                <a:miter lim="800000"/>
+                <a:headEnd/>
+                <a:tailEnd/>
+              </a14:hiddenLine>
+            </a:ext>
+            <a:ext uri="{AF507438-7753-43E0-B8FC-AC1667EBCBE1}">
+              <a14:hiddenEffects xmlns:a14="http://schemas.microsoft.com/office/drawing/2010/main">
+                <a:effectLst>
+                  <a:outerShdw dist="35921" dir="2700000" algn="ctr" rotWithShape="0">
+                    <a:schemeClr val="bg2"/>
+                  </a:outerShdw>
+                </a:effectLst>
+              </a14:hiddenEffects>
+            </a:ext>
+          </a:extLst>
+        </p:spPr>
+        <p:txBody>
+          <a:bodyPr vert="horz" wrap="none" lIns="0" tIns="0" rIns="0" bIns="0" numCol="1" anchor="ctr" anchorCtr="0" compatLnSpc="1">
+            <a:prstTxWarp prst="textNoShape">
+              <a:avLst/>
+            </a:prstTxWarp>
+            <a:spAutoFit/>
+          </a:bodyPr>
+          <a:lstStyle/>
+          <a:p>
+            <a:pPr marL="0" marR="0" lvl="0" indent="0" algn="l" defTabSz="914400" rtl="0" eaLnBrk="0" fontAlgn="base" latinLnBrk="0" hangingPunct="0">
+              <a:lnSpc>
+                <a:spcPct val="100000"/>
+              </a:lnSpc>
+              <a:spcBef>
+                <a:spcPct val="0"/>
+              </a:spcBef>
+              <a:spcAft>
+                <a:spcPct val="0"/>
+              </a:spcAft>
+              <a:buClrTx/>
+              <a:buSzTx/>
+              <a:buFontTx/>
+              <a:buNone/>
+              <a:tabLst/>
+            </a:pPr>
+            <a:r>
+              <a:rPr kumimoji="0" lang="zh-CN" altLang="zh-CN" sz="1200" b="0" i="0" u="none" strike="noStrike" cap="none" normalizeH="0" baseline="0" smtClean="0">
+                <a:ln>
+                  <a:noFill/>
+                </a:ln>
+                <a:solidFill>
+                  <a:srgbClr val="0000FF"/>
+                </a:solidFill>
+                <a:effectLst/>
+                <a:latin typeface="Lucida Console" panose="020B0609040504020204" pitchFamily="49" charset="0"/>
+              </a:rPr>
+              <a:t>&gt; lapply(mtcars,mean)</a:t>
+            </a:r>
+            <a:endParaRPr kumimoji="0" lang="zh-CN" altLang="zh-CN" sz="2800" b="0" i="0" u="none" strike="noStrike" cap="none" normalizeH="0" baseline="0" smtClean="0">
+              <a:ln>
+                <a:noFill/>
+              </a:ln>
+              <a:solidFill>
+                <a:schemeClr val="tx1"/>
+              </a:solidFill>
+              <a:effectLst/>
+              <a:latin typeface="Arial" panose="020B0604020202020204" pitchFamily="34" charset="0"/>
+            </a:endParaRPr>
+          </a:p>
+        </p:txBody>
+      </p:sp>
+      <p:sp>
+        <p:nvSpPr>
+          <p:cNvPr id="6" name="Rectangle 2"/>
+          <p:cNvSpPr>
+            <a:spLocks noChangeArrowheads="1"/>
+          </p:cNvSpPr>
+          <p:nvPr/>
+        </p:nvSpPr>
+        <p:spPr bwMode="auto">
+          <a:xfrm>
+            <a:off x="1240325" y="3217725"/>
+            <a:ext cx="2975173" cy="184666"/>
+          </a:xfrm>
+          <a:prstGeom prst="rect">
+            <a:avLst/>
+          </a:prstGeom>
+          <a:solidFill>
+            <a:srgbClr val="FFFFFF"/>
+          </a:solidFill>
+          <a:ln>
+            <a:noFill/>
+          </a:ln>
+          <a:effectLst/>
+          <a:extLst>
+            <a:ext uri="{91240B29-F687-4F45-9708-019B960494DF}">
+              <a14:hiddenLine xmlns:a14="http://schemas.microsoft.com/office/drawing/2010/main" w="9525">
+                <a:solidFill>
+                  <a:schemeClr val="tx1"/>
+                </a:solidFill>
+                <a:miter lim="800000"/>
+                <a:headEnd/>
+                <a:tailEnd/>
+              </a14:hiddenLine>
+            </a:ext>
+            <a:ext uri="{AF507438-7753-43E0-B8FC-AC1667EBCBE1}">
+              <a14:hiddenEffects xmlns:a14="http://schemas.microsoft.com/office/drawing/2010/main">
+                <a:effectLst>
+                  <a:outerShdw dist="35921" dir="2700000" algn="ctr" rotWithShape="0">
+                    <a:schemeClr val="bg2"/>
+                  </a:outerShdw>
+                </a:effectLst>
+              </a14:hiddenEffects>
+            </a:ext>
+          </a:extLst>
+        </p:spPr>
+        <p:txBody>
+          <a:bodyPr vert="horz" wrap="none" lIns="0" tIns="0" rIns="0" bIns="0" numCol="1" anchor="ctr" anchorCtr="0" compatLnSpc="1">
+            <a:prstTxWarp prst="textNoShape">
+              <a:avLst/>
+            </a:prstTxWarp>
+            <a:spAutoFit/>
+          </a:bodyPr>
+          <a:lstStyle/>
+          <a:p>
+            <a:pPr marL="0" marR="0" lvl="0" indent="0" algn="l" defTabSz="914400" rtl="0" eaLnBrk="0" fontAlgn="base" latinLnBrk="0" hangingPunct="0">
+              <a:lnSpc>
+                <a:spcPct val="100000"/>
+              </a:lnSpc>
+              <a:spcBef>
+                <a:spcPct val="0"/>
+              </a:spcBef>
+              <a:spcAft>
+                <a:spcPct val="0"/>
+              </a:spcAft>
+              <a:buClrTx/>
+              <a:buSzTx/>
+              <a:buFontTx/>
+              <a:buNone/>
+              <a:tabLst/>
+            </a:pPr>
+            <a:r>
+              <a:rPr kumimoji="0" lang="zh-CN" altLang="zh-CN" sz="1200" b="0" i="0" u="none" strike="noStrike" cap="none" normalizeH="0" baseline="0" smtClean="0">
+                <a:ln>
+                  <a:noFill/>
+                </a:ln>
+                <a:solidFill>
+                  <a:srgbClr val="0000FF"/>
+                </a:solidFill>
+                <a:effectLst/>
+                <a:latin typeface="Lucida Console" panose="020B0609040504020204" pitchFamily="49" charset="0"/>
+              </a:rPr>
+              <a:t>&gt; b&lt;-unlist(lapply(mtcars,mean))</a:t>
+            </a:r>
+            <a:endParaRPr kumimoji="0" lang="zh-CN" altLang="zh-CN" sz="2800" b="0" i="0" u="none" strike="noStrike" cap="none" normalizeH="0" baseline="0" smtClean="0">
+              <a:ln>
+                <a:noFill/>
+              </a:ln>
+              <a:solidFill>
+                <a:schemeClr val="tx1"/>
+              </a:solidFill>
+              <a:effectLst/>
+              <a:latin typeface="Arial" panose="020B0604020202020204" pitchFamily="34" charset="0"/>
+            </a:endParaRPr>
+          </a:p>
+        </p:txBody>
+      </p:sp>
+    </p:spTree>
+    <p:extLst>
+      <p:ext uri="{BB962C8B-B14F-4D97-AF65-F5344CB8AC3E}">
+        <p14:creationId xmlns:p14="http://schemas.microsoft.com/office/powerpoint/2010/main" val="4241442225"/>
+      </p:ext>
+    </p:extLst>
+  </p:cSld>
+  <p:clrMapOvr>
+    <a:masterClrMapping/>
+  </p:clrMapOvr>
+</p:sld>
+</file>
+
+<file path=ppt/slides/slide13.xml><?xml version="1.0" encoding="utf-8"?>
+<p:sld xmlns:a="http://schemas.openxmlformats.org/drawingml/2006/main" xmlns:r="http://schemas.openxmlformats.org/officeDocument/2006/relationships" xmlns:p="http://schemas.openxmlformats.org/presentationml/2006/main">
+  <p:cSld>
+    <p:spTree>
+      <p:nvGrpSpPr>
+        <p:cNvPr id="1" name=""/>
+        <p:cNvGrpSpPr/>
+        <p:nvPr/>
+      </p:nvGrpSpPr>
+      <p:grpSpPr>
+        <a:xfrm>
+          <a:off x="0" y="0"/>
+          <a:ext cx="0" cy="0"/>
+          <a:chOff x="0" y="0"/>
+          <a:chExt cx="0" cy="0"/>
+        </a:xfrm>
+      </p:grpSpPr>
+      <p:sp>
+        <p:nvSpPr>
+          <p:cNvPr id="2" name="标题 1"/>
+          <p:cNvSpPr>
+            <a:spLocks noGrp="1"/>
+          </p:cNvSpPr>
+          <p:nvPr>
+            <p:ph type="title"/>
+          </p:nvPr>
+        </p:nvSpPr>
+        <p:spPr/>
+        <p:txBody>
+          <a:bodyPr>
+            <a:normAutofit/>
+          </a:bodyPr>
+          <a:lstStyle/>
+          <a:p>
+            <a:r>
+              <a:rPr lang="en-US" altLang="zh-CN" sz="3200" smtClean="0"/>
+              <a:t>plyr</a:t>
+            </a:r>
+            <a:r>
+              <a:rPr lang="zh-CN" altLang="en-US" sz="3200" smtClean="0"/>
+              <a:t>中的泛函替代函数</a:t>
+            </a:r>
+            <a:endParaRPr lang="zh-CN" altLang="en-US" sz="3200"/>
+          </a:p>
+        </p:txBody>
+      </p:sp>
+      <p:sp>
+        <p:nvSpPr>
+          <p:cNvPr id="3" name="内容占位符 2"/>
+          <p:cNvSpPr>
+            <a:spLocks noGrp="1"/>
+          </p:cNvSpPr>
+          <p:nvPr>
+            <p:ph idx="1"/>
+          </p:nvPr>
+        </p:nvSpPr>
+        <p:spPr/>
+        <p:txBody>
+          <a:bodyPr/>
+          <a:lstStyle/>
+          <a:p>
+            <a:endParaRPr lang="zh-CN" altLang="en-US"/>
+          </a:p>
+        </p:txBody>
+      </p:sp>
+    </p:spTree>
+    <p:extLst>
+      <p:ext uri="{BB962C8B-B14F-4D97-AF65-F5344CB8AC3E}">
+        <p14:creationId xmlns:p14="http://schemas.microsoft.com/office/powerpoint/2010/main" val="2675403714"/>
+      </p:ext>
+    </p:extLst>
+  </p:cSld>
+  <p:clrMapOvr>
+    <a:masterClrMapping/>
+  </p:clrMapOvr>
+</p:sld>
+</file>
+
+<file path=ppt/slides/slide14.xml><?xml version="1.0" encoding="utf-8"?>
+<p:sld xmlns:a="http://schemas.openxmlformats.org/drawingml/2006/main" xmlns:r="http://schemas.openxmlformats.org/officeDocument/2006/relationships" xmlns:p="http://schemas.openxmlformats.org/presentationml/2006/main">
+  <p:cSld>
+    <p:spTree>
+      <p:nvGrpSpPr>
+        <p:cNvPr id="1" name=""/>
+        <p:cNvGrpSpPr/>
+        <p:nvPr/>
+      </p:nvGrpSpPr>
+      <p:grpSpPr>
+        <a:xfrm>
+          <a:off x="0" y="0"/>
+          <a:ext cx="0" cy="0"/>
+          <a:chOff x="0" y="0"/>
+          <a:chExt cx="0" cy="0"/>
+        </a:xfrm>
+      </p:grpSpPr>
+      <p:sp>
+        <p:nvSpPr>
+          <p:cNvPr id="2" name="标题 1"/>
+          <p:cNvSpPr>
+            <a:spLocks noGrp="1"/>
+          </p:cNvSpPr>
+          <p:nvPr>
+            <p:ph type="title"/>
+          </p:nvPr>
+        </p:nvSpPr>
+        <p:spPr/>
+        <p:txBody>
+          <a:bodyPr/>
+          <a:lstStyle/>
+          <a:p>
+            <a:r>
+              <a:rPr lang="zh-CN" altLang="en-US" smtClean="0"/>
               <a:t>效率优化与并行计算</a:t>
             </a:r>
             <a:endParaRPr lang="zh-CN" altLang="en-US"/>
@@ -4978,7 +6422,7 @@
 </p:sld>
 </file>
 
-<file path=ppt/slides/slide13.xml><?xml version="1.0" encoding="utf-8"?>
+<file path=ppt/slides/slide15.xml><?xml version="1.0" encoding="utf-8"?>
 <p:sld xmlns:a="http://schemas.openxmlformats.org/drawingml/2006/main" xmlns:r="http://schemas.openxmlformats.org/officeDocument/2006/relationships" xmlns:p="http://schemas.openxmlformats.org/presentationml/2006/main">
   <p:cSld>
     <p:spTree>
@@ -5441,16 +6885,7 @@
                 </a:solidFill>
                 <a:latin typeface="Lucida Console" panose="020B0609040504020204" pitchFamily="49" charset="0"/>
               </a:rPr>
-              <a:t>for(</a:t>
-            </a:r>
-            <a:r>
-              <a:rPr lang="zh-CN" altLang="en-US" sz="1400">
-                <a:solidFill>
-                  <a:srgbClr val="0000FF"/>
-                </a:solidFill>
-                <a:latin typeface="Lucida Console" panose="020B0609040504020204" pitchFamily="49" charset="0"/>
-              </a:rPr>
-              <a:t>i </a:t>
+              <a:t>for(i </a:t>
             </a:r>
             <a:r>
               <a:rPr lang="zh-CN" altLang="en-US" sz="1400" smtClean="0">
@@ -6762,33 +8197,7 @@
                 <a:effectLst/>
                 <a:latin typeface="Lucida Console" panose="020B0609040504020204" pitchFamily="49" charset="0"/>
               </a:rPr>
-              <a:t>&gt; compute </a:t>
-            </a:r>
-            <a:r>
-              <a:rPr kumimoji="0" lang="zh-CN" altLang="zh-CN" sz="1400" b="0" i="0" u="none" strike="noStrike" cap="none" normalizeH="0" baseline="0" smtClean="0">
-                <a:ln>
-                  <a:noFill/>
-                </a:ln>
-                <a:solidFill>
-                  <a:srgbClr val="0000FF"/>
-                </a:solidFill>
-                <a:effectLst/>
-                <a:latin typeface="Lucida Console" panose="020B0609040504020204" pitchFamily="49" charset="0"/>
-              </a:rPr>
-              <a:t>&lt;- function(a,b</a:t>
-            </a:r>
-            <a:r>
-              <a:rPr kumimoji="0" lang="zh-CN" altLang="zh-CN" sz="1400" b="0" i="0" u="none" strike="noStrike" cap="none" normalizeH="0" baseline="0" smtClean="0">
-                <a:ln>
-                  <a:noFill/>
-                </a:ln>
-                <a:solidFill>
-                  <a:srgbClr val="0000FF"/>
-                </a:solidFill>
-                <a:effectLst/>
-                <a:latin typeface="Lucida Console" panose="020B0609040504020204" pitchFamily="49" charset="0"/>
-              </a:rPr>
-              <a:t>){ </a:t>
+              <a:t>&gt; compute &lt;- function(a,b){ </a:t>
             </a:r>
             <a:endParaRPr kumimoji="0" lang="en-US" altLang="zh-CN" sz="1400" b="0" i="0" u="none" strike="noStrike" cap="none" normalizeH="0" baseline="0" smtClean="0">
               <a:ln>
@@ -6829,33 +8238,7 @@
                 <a:effectLst/>
                 <a:latin typeface="Lucida Console" panose="020B0609040504020204" pitchFamily="49" charset="0"/>
               </a:rPr>
-              <a:t>+ </a:t>
-            </a:r>
-            <a:r>
-              <a:rPr kumimoji="0" lang="zh-CN" altLang="zh-CN" sz="1400" b="0" i="0" u="none" strike="noStrike" cap="none" normalizeH="0" baseline="0" smtClean="0">
-                <a:ln>
-                  <a:noFill/>
-                </a:ln>
-                <a:solidFill>
-                  <a:srgbClr val="0000FF"/>
-                </a:solidFill>
-                <a:effectLst/>
-                <a:latin typeface="Lucida Console" panose="020B0609040504020204" pitchFamily="49" charset="0"/>
-              </a:rPr>
-              <a:t>a1&lt;-sin(a</a:t>
-            </a:r>
-            <a:r>
-              <a:rPr kumimoji="0" lang="zh-CN" altLang="zh-CN" sz="1400" b="0" i="0" u="none" strike="noStrike" cap="none" normalizeH="0" baseline="0" smtClean="0">
-                <a:ln>
-                  <a:noFill/>
-                </a:ln>
-                <a:solidFill>
-                  <a:srgbClr val="0000FF"/>
-                </a:solidFill>
-                <a:effectLst/>
-                <a:latin typeface="Lucida Console" panose="020B0609040504020204" pitchFamily="49" charset="0"/>
-              </a:rPr>
-              <a:t>) </a:t>
+              <a:t>+ a1&lt;-sin(a) </a:t>
             </a:r>
             <a:endParaRPr kumimoji="0" lang="en-US" altLang="zh-CN" sz="1400" b="0" i="0" u="none" strike="noStrike" cap="none" normalizeH="0" baseline="0" smtClean="0">
               <a:ln>
@@ -6896,33 +8279,7 @@
                 <a:effectLst/>
                 <a:latin typeface="Lucida Console" panose="020B0609040504020204" pitchFamily="49" charset="0"/>
               </a:rPr>
-              <a:t>+ </a:t>
-            </a:r>
-            <a:r>
-              <a:rPr kumimoji="0" lang="zh-CN" altLang="zh-CN" sz="1400" b="0" i="0" u="none" strike="noStrike" cap="none" normalizeH="0" baseline="0" smtClean="0">
-                <a:ln>
-                  <a:noFill/>
-                </a:ln>
-                <a:solidFill>
-                  <a:srgbClr val="0000FF"/>
-                </a:solidFill>
-                <a:effectLst/>
-                <a:latin typeface="Lucida Console" panose="020B0609040504020204" pitchFamily="49" charset="0"/>
-              </a:rPr>
-              <a:t>b1&lt;-b*exp(-a</a:t>
-            </a:r>
-            <a:r>
-              <a:rPr kumimoji="0" lang="zh-CN" altLang="zh-CN" sz="1400" b="0" i="0" u="none" strike="noStrike" cap="none" normalizeH="0" baseline="0" smtClean="0">
-                <a:ln>
-                  <a:noFill/>
-                </a:ln>
-                <a:solidFill>
-                  <a:srgbClr val="0000FF"/>
-                </a:solidFill>
-                <a:effectLst/>
-                <a:latin typeface="Lucida Console" panose="020B0609040504020204" pitchFamily="49" charset="0"/>
-              </a:rPr>
-              <a:t>) </a:t>
+              <a:t>+ b1&lt;-b*exp(-a) </a:t>
             </a:r>
             <a:endParaRPr kumimoji="0" lang="en-US" altLang="zh-CN" sz="1400" b="0" i="0" u="none" strike="noStrike" cap="none" normalizeH="0" baseline="0" smtClean="0">
               <a:ln>
@@ -6963,33 +8320,7 @@
                 <a:effectLst/>
                 <a:latin typeface="Lucida Console" panose="020B0609040504020204" pitchFamily="49" charset="0"/>
               </a:rPr>
-              <a:t>+ </a:t>
-            </a:r>
-            <a:r>
-              <a:rPr kumimoji="0" lang="zh-CN" altLang="zh-CN" sz="1400" b="0" i="0" u="none" strike="noStrike" cap="none" normalizeH="0" baseline="0" smtClean="0">
-                <a:ln>
-                  <a:noFill/>
-                </a:ln>
-                <a:solidFill>
-                  <a:srgbClr val="0000FF"/>
-                </a:solidFill>
-                <a:effectLst/>
-                <a:latin typeface="Lucida Console" panose="020B0609040504020204" pitchFamily="49" charset="0"/>
-              </a:rPr>
-              <a:t>a1+b</a:t>
-            </a:r>
-            <a:r>
-              <a:rPr kumimoji="0" lang="zh-CN" altLang="zh-CN" sz="1400" b="0" i="0" u="none" strike="noStrike" cap="none" normalizeH="0" baseline="0" smtClean="0">
-                <a:ln>
-                  <a:noFill/>
-                </a:ln>
-                <a:solidFill>
-                  <a:srgbClr val="0000FF"/>
-                </a:solidFill>
-                <a:effectLst/>
-                <a:latin typeface="Lucida Console" panose="020B0609040504020204" pitchFamily="49" charset="0"/>
-              </a:rPr>
-              <a:t>1 </a:t>
+              <a:t>+ a1+b1 </a:t>
             </a:r>
             <a:endParaRPr kumimoji="0" lang="en-US" altLang="zh-CN" sz="1400" b="0" i="0" u="none" strike="noStrike" cap="none" normalizeH="0" baseline="0" smtClean="0">
               <a:ln>
@@ -7030,20 +8361,7 @@
                 <a:effectLst/>
                 <a:latin typeface="Lucida Console" panose="020B0609040504020204" pitchFamily="49" charset="0"/>
               </a:rPr>
-              <a:t>+ </a:t>
-            </a:r>
-            <a:r>
-              <a:rPr kumimoji="0" lang="zh-CN" altLang="zh-CN" sz="1400" b="0" i="0" u="none" strike="noStrike" cap="none" normalizeH="0" baseline="0" smtClean="0">
-                <a:ln>
-                  <a:noFill/>
-                </a:ln>
-                <a:solidFill>
-                  <a:srgbClr val="0000FF"/>
-                </a:solidFill>
-                <a:effectLst/>
-                <a:latin typeface="Lucida Console" panose="020B0609040504020204" pitchFamily="49" charset="0"/>
-              </a:rPr>
-              <a:t>}</a:t>
+              <a:t>+ }</a:t>
             </a:r>
             <a:endParaRPr kumimoji="0" lang="zh-CN" altLang="zh-CN" sz="3200" b="0" i="0" u="none" strike="noStrike" cap="none" normalizeH="0" baseline="0" smtClean="0">
               <a:ln>
@@ -7139,33 +8457,7 @@
                 <a:effectLst/>
                 <a:latin typeface="Lucida Console" panose="020B0609040504020204" pitchFamily="49" charset="0"/>
               </a:rPr>
-              <a:t>&gt; compute</a:t>
-            </a:r>
-            <a:r>
-              <a:rPr kumimoji="0" lang="zh-CN" altLang="zh-CN" sz="1400" b="0" i="0" u="none" strike="noStrike" cap="none" normalizeH="0" baseline="0" smtClean="0">
-                <a:ln>
-                  <a:noFill/>
-                </a:ln>
-                <a:solidFill>
-                  <a:srgbClr val="0000FF"/>
-                </a:solidFill>
-                <a:effectLst/>
-                <a:latin typeface="Lucida Console" panose="020B0609040504020204" pitchFamily="49" charset="0"/>
-              </a:rPr>
-              <a:t>(1,2</a:t>
-            </a:r>
-            <a:r>
-              <a:rPr kumimoji="0" lang="zh-CN" altLang="zh-CN" sz="1400" b="0" i="0" u="none" strike="noStrike" cap="none" normalizeH="0" baseline="0" smtClean="0">
-                <a:ln>
-                  <a:noFill/>
-                </a:ln>
-                <a:solidFill>
-                  <a:srgbClr val="0000FF"/>
-                </a:solidFill>
-                <a:effectLst/>
-                <a:latin typeface="Lucida Console" panose="020B0609040504020204" pitchFamily="49" charset="0"/>
-              </a:rPr>
-              <a:t>) </a:t>
+              <a:t>&gt; compute(1,2) </a:t>
             </a:r>
             <a:endParaRPr kumimoji="0" lang="en-US" altLang="zh-CN" sz="1400" b="0" i="0" u="none" strike="noStrike" cap="none" normalizeH="0" baseline="0" smtClean="0">
               <a:ln>
@@ -7206,33 +8498,7 @@
                 <a:effectLst/>
                 <a:latin typeface="Lucida Console" panose="020B0609040504020204" pitchFamily="49" charset="0"/>
               </a:rPr>
-              <a:t>[</a:t>
-            </a:r>
-            <a:r>
-              <a:rPr kumimoji="0" lang="zh-CN" altLang="zh-CN" sz="1400" b="0" i="0" u="none" strike="noStrike" cap="none" normalizeH="0" baseline="0" smtClean="0">
-                <a:ln>
-                  <a:noFill/>
-                </a:ln>
-                <a:solidFill>
-                  <a:srgbClr val="000000"/>
-                </a:solidFill>
-                <a:effectLst/>
-                <a:latin typeface="Lucida Console" panose="020B0609040504020204" pitchFamily="49" charset="0"/>
-              </a:rPr>
-              <a:t>1] 1.</a:t>
-            </a:r>
-            <a:r>
-              <a:rPr kumimoji="0" lang="zh-CN" altLang="zh-CN" sz="1400" b="0" i="0" u="none" strike="noStrike" cap="none" normalizeH="0" baseline="0" smtClean="0">
-                <a:ln>
-                  <a:noFill/>
-                </a:ln>
-                <a:solidFill>
-                  <a:srgbClr val="000000"/>
-                </a:solidFill>
-                <a:effectLst/>
-                <a:latin typeface="Lucida Console" panose="020B0609040504020204" pitchFamily="49" charset="0"/>
-              </a:rPr>
-              <a:t>57723 </a:t>
+              <a:t>[1] 1.57723 </a:t>
             </a:r>
             <a:endParaRPr kumimoji="0" lang="en-US" altLang="zh-CN" sz="1400" b="0" i="0" u="none" strike="noStrike" cap="none" normalizeH="0" baseline="0" smtClean="0">
               <a:ln>
@@ -7273,33 +8539,7 @@
                 <a:effectLst/>
                 <a:latin typeface="Lucida Console" panose="020B0609040504020204" pitchFamily="49" charset="0"/>
               </a:rPr>
-              <a:t>&gt; compute</a:t>
-            </a:r>
-            <a:r>
-              <a:rPr kumimoji="0" lang="zh-CN" altLang="zh-CN" sz="1400" b="0" i="0" u="none" strike="noStrike" cap="none" normalizeH="0" baseline="0" smtClean="0">
-                <a:ln>
-                  <a:noFill/>
-                </a:ln>
-                <a:solidFill>
-                  <a:srgbClr val="0000FF"/>
-                </a:solidFill>
-                <a:effectLst/>
-                <a:latin typeface="Lucida Console" panose="020B0609040504020204" pitchFamily="49" charset="0"/>
-              </a:rPr>
-              <a:t>(1</a:t>
-            </a:r>
-            <a:r>
-              <a:rPr kumimoji="0" lang="zh-CN" altLang="zh-CN" sz="1400" b="0" i="0" u="none" strike="noStrike" cap="none" normalizeH="0" baseline="0" smtClean="0">
-                <a:ln>
-                  <a:noFill/>
-                </a:ln>
-                <a:solidFill>
-                  <a:srgbClr val="0000FF"/>
-                </a:solidFill>
-                <a:effectLst/>
-                <a:latin typeface="Lucida Console" panose="020B0609040504020204" pitchFamily="49" charset="0"/>
-              </a:rPr>
-              <a:t>) </a:t>
+              <a:t>&gt; compute(1) </a:t>
             </a:r>
             <a:endParaRPr kumimoji="0" lang="en-US" altLang="zh-CN" sz="1400" b="0" i="0" u="none" strike="noStrike" cap="none" normalizeH="0" baseline="0" smtClean="0">
               <a:ln>
@@ -7340,20 +8580,7 @@
                 <a:effectLst/>
                 <a:latin typeface="Lucida Console" panose="020B0609040504020204" pitchFamily="49" charset="0"/>
               </a:rPr>
-              <a:t>Error </a:t>
-            </a:r>
-            <a:r>
-              <a:rPr kumimoji="0" lang="zh-CN" altLang="zh-CN" sz="1400" b="0" i="0" u="none" strike="noStrike" cap="none" normalizeH="0" baseline="0" smtClean="0">
-                <a:ln>
-                  <a:noFill/>
-                </a:ln>
-                <a:solidFill>
-                  <a:srgbClr val="C5060B"/>
-                </a:solidFill>
-                <a:effectLst/>
-                <a:latin typeface="Lucida Console" panose="020B0609040504020204" pitchFamily="49" charset="0"/>
-              </a:rPr>
-              <a:t>in compute(1) : argument "b" is missing, with no default</a:t>
+              <a:t>Error in compute(1) : argument "b" is missing, with no default</a:t>
             </a:r>
             <a:endParaRPr kumimoji="0" lang="zh-CN" altLang="zh-CN" sz="3200" b="0" i="0" u="none" strike="noStrike" cap="none" normalizeH="0" baseline="0" smtClean="0">
               <a:ln>
@@ -7449,33 +8676,7 @@
                 <a:effectLst/>
                 <a:latin typeface="Lucida Console" panose="020B0609040504020204" pitchFamily="49" charset="0"/>
               </a:rPr>
-              <a:t>&gt; compute </a:t>
-            </a:r>
-            <a:r>
-              <a:rPr kumimoji="0" lang="zh-CN" altLang="zh-CN" sz="1400" b="0" i="0" u="none" strike="noStrike" cap="none" normalizeH="0" baseline="0" smtClean="0">
-                <a:ln>
-                  <a:noFill/>
-                </a:ln>
-                <a:solidFill>
-                  <a:srgbClr val="0000FF"/>
-                </a:solidFill>
-                <a:effectLst/>
-                <a:latin typeface="Lucida Console" panose="020B0609040504020204" pitchFamily="49" charset="0"/>
-              </a:rPr>
-              <a:t>&lt;- function(a,b=2</a:t>
-            </a:r>
-            <a:r>
-              <a:rPr kumimoji="0" lang="zh-CN" altLang="zh-CN" sz="1400" b="0" i="0" u="none" strike="noStrike" cap="none" normalizeH="0" baseline="0" smtClean="0">
-                <a:ln>
-                  <a:noFill/>
-                </a:ln>
-                <a:solidFill>
-                  <a:srgbClr val="0000FF"/>
-                </a:solidFill>
-                <a:effectLst/>
-                <a:latin typeface="Lucida Console" panose="020B0609040504020204" pitchFamily="49" charset="0"/>
-              </a:rPr>
-              <a:t>){ </a:t>
+              <a:t>&gt; compute &lt;- function(a,b=2){ </a:t>
             </a:r>
             <a:endParaRPr kumimoji="0" lang="en-US" altLang="zh-CN" sz="1400" b="0" i="0" u="none" strike="noStrike" cap="none" normalizeH="0" baseline="0" smtClean="0">
               <a:ln>
@@ -7516,33 +8717,7 @@
                 <a:effectLst/>
                 <a:latin typeface="Lucida Console" panose="020B0609040504020204" pitchFamily="49" charset="0"/>
               </a:rPr>
-              <a:t>+ </a:t>
-            </a:r>
-            <a:r>
-              <a:rPr kumimoji="0" lang="zh-CN" altLang="zh-CN" sz="1400" b="0" i="0" u="none" strike="noStrike" cap="none" normalizeH="0" baseline="0" smtClean="0">
-                <a:ln>
-                  <a:noFill/>
-                </a:ln>
-                <a:solidFill>
-                  <a:srgbClr val="0000FF"/>
-                </a:solidFill>
-                <a:effectLst/>
-                <a:latin typeface="Lucida Console" panose="020B0609040504020204" pitchFamily="49" charset="0"/>
-              </a:rPr>
-              <a:t>a1&lt;-sin(a</a:t>
-            </a:r>
-            <a:r>
-              <a:rPr kumimoji="0" lang="zh-CN" altLang="zh-CN" sz="1400" b="0" i="0" u="none" strike="noStrike" cap="none" normalizeH="0" baseline="0" smtClean="0">
-                <a:ln>
-                  <a:noFill/>
-                </a:ln>
-                <a:solidFill>
-                  <a:srgbClr val="0000FF"/>
-                </a:solidFill>
-                <a:effectLst/>
-                <a:latin typeface="Lucida Console" panose="020B0609040504020204" pitchFamily="49" charset="0"/>
-              </a:rPr>
-              <a:t>) </a:t>
+              <a:t>+ a1&lt;-sin(a) </a:t>
             </a:r>
             <a:endParaRPr kumimoji="0" lang="en-US" altLang="zh-CN" sz="1400" b="0" i="0" u="none" strike="noStrike" cap="none" normalizeH="0" baseline="0" smtClean="0">
               <a:ln>
@@ -7583,33 +8758,7 @@
                 <a:effectLst/>
                 <a:latin typeface="Lucida Console" panose="020B0609040504020204" pitchFamily="49" charset="0"/>
               </a:rPr>
-              <a:t>+ </a:t>
-            </a:r>
-            <a:r>
-              <a:rPr kumimoji="0" lang="zh-CN" altLang="zh-CN" sz="1400" b="0" i="0" u="none" strike="noStrike" cap="none" normalizeH="0" baseline="0" smtClean="0">
-                <a:ln>
-                  <a:noFill/>
-                </a:ln>
-                <a:solidFill>
-                  <a:srgbClr val="0000FF"/>
-                </a:solidFill>
-                <a:effectLst/>
-                <a:latin typeface="Lucida Console" panose="020B0609040504020204" pitchFamily="49" charset="0"/>
-              </a:rPr>
-              <a:t>b1&lt;-b*exp(-a</a:t>
-            </a:r>
-            <a:r>
-              <a:rPr kumimoji="0" lang="zh-CN" altLang="zh-CN" sz="1400" b="0" i="0" u="none" strike="noStrike" cap="none" normalizeH="0" baseline="0" smtClean="0">
-                <a:ln>
-                  <a:noFill/>
-                </a:ln>
-                <a:solidFill>
-                  <a:srgbClr val="0000FF"/>
-                </a:solidFill>
-                <a:effectLst/>
-                <a:latin typeface="Lucida Console" panose="020B0609040504020204" pitchFamily="49" charset="0"/>
-              </a:rPr>
-              <a:t>) </a:t>
+              <a:t>+ b1&lt;-b*exp(-a) </a:t>
             </a:r>
             <a:endParaRPr kumimoji="0" lang="en-US" altLang="zh-CN" sz="1400" b="0" i="0" u="none" strike="noStrike" cap="none" normalizeH="0" baseline="0" smtClean="0">
               <a:ln>
@@ -7650,59 +8799,7 @@
                 <a:effectLst/>
                 <a:latin typeface="Lucida Console" panose="020B0609040504020204" pitchFamily="49" charset="0"/>
               </a:rPr>
-              <a:t>+ </a:t>
-            </a:r>
-            <a:r>
-              <a:rPr kumimoji="0" lang="zh-CN" altLang="zh-CN" sz="1400" b="0" i="0" u="none" strike="noStrike" cap="none" normalizeH="0" baseline="0" smtClean="0">
-                <a:ln>
-                  <a:noFill/>
-                </a:ln>
-                <a:solidFill>
-                  <a:srgbClr val="0000FF"/>
-                </a:solidFill>
-                <a:effectLst/>
-                <a:latin typeface="Lucida Console" panose="020B0609040504020204" pitchFamily="49" charset="0"/>
-              </a:rPr>
-              <a:t>a</a:t>
-            </a:r>
-            <a:r>
-              <a:rPr kumimoji="0" lang="zh-CN" altLang="zh-CN" sz="1400" b="0" i="0" u="none" strike="noStrike" cap="none" normalizeH="0" baseline="0" smtClean="0">
-                <a:ln>
-                  <a:noFill/>
-                </a:ln>
-                <a:solidFill>
-                  <a:srgbClr val="0000FF"/>
-                </a:solidFill>
-                <a:effectLst/>
-                <a:latin typeface="Lucida Console" panose="020B0609040504020204" pitchFamily="49" charset="0"/>
-              </a:rPr>
-              <a:t>1+</a:t>
-            </a:r>
-            <a:r>
-              <a:rPr kumimoji="0" lang="zh-CN" altLang="zh-CN" sz="1400" b="0" i="0" u="none" strike="noStrike" cap="none" normalizeH="0" baseline="0" smtClean="0">
-                <a:ln>
-                  <a:noFill/>
-                </a:ln>
-                <a:solidFill>
-                  <a:srgbClr val="0000FF"/>
-                </a:solidFill>
-                <a:effectLst/>
-                <a:latin typeface="Lucida Console" panose="020B0609040504020204" pitchFamily="49" charset="0"/>
-              </a:rPr>
-              <a:t>b</a:t>
-            </a:r>
-            <a:r>
-              <a:rPr kumimoji="0" lang="zh-CN" altLang="zh-CN" sz="1400" b="0" i="0" u="none" strike="noStrike" cap="none" normalizeH="0" baseline="0" smtClean="0">
-                <a:ln>
-                  <a:noFill/>
-                </a:ln>
-                <a:solidFill>
-                  <a:srgbClr val="0000FF"/>
-                </a:solidFill>
-                <a:effectLst/>
-                <a:latin typeface="Lucida Console" panose="020B0609040504020204" pitchFamily="49" charset="0"/>
-              </a:rPr>
-              <a:t>1 </a:t>
+              <a:t>+ a1+b1 </a:t>
             </a:r>
             <a:endParaRPr kumimoji="0" lang="en-US" altLang="zh-CN" sz="1400" b="0" i="0" u="none" strike="noStrike" cap="none" normalizeH="0" baseline="0" smtClean="0">
               <a:ln>
@@ -7743,20 +8840,7 @@
                 <a:effectLst/>
                 <a:latin typeface="Lucida Console" panose="020B0609040504020204" pitchFamily="49" charset="0"/>
               </a:rPr>
-              <a:t>+ </a:t>
-            </a:r>
-            <a:r>
-              <a:rPr kumimoji="0" lang="zh-CN" altLang="zh-CN" sz="1400" b="0" i="0" u="none" strike="noStrike" cap="none" normalizeH="0" baseline="0" smtClean="0">
-                <a:ln>
-                  <a:noFill/>
-                </a:ln>
-                <a:solidFill>
-                  <a:srgbClr val="0000FF"/>
-                </a:solidFill>
-                <a:effectLst/>
-                <a:latin typeface="Lucida Console" panose="020B0609040504020204" pitchFamily="49" charset="0"/>
-              </a:rPr>
-              <a:t>}</a:t>
+              <a:t>+ }</a:t>
             </a:r>
             <a:endParaRPr kumimoji="0" lang="zh-CN" altLang="zh-CN" sz="3200" b="0" i="0" u="none" strike="noStrike" cap="none" normalizeH="0" baseline="0" smtClean="0">
               <a:ln>
@@ -7852,33 +8936,7 @@
                 <a:effectLst/>
                 <a:latin typeface="Lucida Console" panose="020B0609040504020204" pitchFamily="49" charset="0"/>
               </a:rPr>
-              <a:t>&gt; compute</a:t>
-            </a:r>
-            <a:r>
-              <a:rPr kumimoji="0" lang="zh-CN" altLang="zh-CN" sz="1400" b="0" i="0" u="none" strike="noStrike" cap="none" normalizeH="0" baseline="0" smtClean="0">
-                <a:ln>
-                  <a:noFill/>
-                </a:ln>
-                <a:solidFill>
-                  <a:srgbClr val="0000FF"/>
-                </a:solidFill>
-                <a:effectLst/>
-                <a:latin typeface="Lucida Console" panose="020B0609040504020204" pitchFamily="49" charset="0"/>
-              </a:rPr>
-              <a:t>(1</a:t>
-            </a:r>
-            <a:r>
-              <a:rPr kumimoji="0" lang="zh-CN" altLang="zh-CN" sz="1400" b="0" i="0" u="none" strike="noStrike" cap="none" normalizeH="0" baseline="0" smtClean="0">
-                <a:ln>
-                  <a:noFill/>
-                </a:ln>
-                <a:solidFill>
-                  <a:srgbClr val="0000FF"/>
-                </a:solidFill>
-                <a:effectLst/>
-                <a:latin typeface="Lucida Console" panose="020B0609040504020204" pitchFamily="49" charset="0"/>
-              </a:rPr>
-              <a:t>) </a:t>
+              <a:t>&gt; compute(1) </a:t>
             </a:r>
             <a:endParaRPr kumimoji="0" lang="en-US" altLang="zh-CN" sz="1400" b="0" i="0" u="none" strike="noStrike" cap="none" normalizeH="0" baseline="0" smtClean="0">
               <a:ln>
@@ -7919,20 +8977,7 @@
                 <a:effectLst/>
                 <a:latin typeface="Lucida Console" panose="020B0609040504020204" pitchFamily="49" charset="0"/>
               </a:rPr>
-              <a:t>[</a:t>
-            </a:r>
-            <a:r>
-              <a:rPr kumimoji="0" lang="zh-CN" altLang="zh-CN" sz="1400" b="0" i="0" u="none" strike="noStrike" cap="none" normalizeH="0" baseline="0" smtClean="0">
-                <a:ln>
-                  <a:noFill/>
-                </a:ln>
-                <a:solidFill>
-                  <a:srgbClr val="000000"/>
-                </a:solidFill>
-                <a:effectLst/>
-                <a:latin typeface="Lucida Console" panose="020B0609040504020204" pitchFamily="49" charset="0"/>
-              </a:rPr>
-              <a:t>1] 1.57723</a:t>
+              <a:t>[1] 1.57723</a:t>
             </a:r>
             <a:endParaRPr kumimoji="0" lang="zh-CN" altLang="zh-CN" sz="3200" b="0" i="0" u="none" strike="noStrike" cap="none" normalizeH="0" baseline="0" smtClean="0">
               <a:ln>
@@ -7989,18 +9034,24 @@
         </p:nvSpPr>
         <p:spPr/>
         <p:txBody>
-          <a:bodyPr/>
+          <a:bodyPr>
+            <a:normAutofit/>
+          </a:bodyPr>
           <a:lstStyle/>
           <a:p>
             <a:r>
-              <a:rPr lang="en-US" altLang="zh-CN" smtClean="0"/>
-              <a:t>…</a:t>
-            </a:r>
-            <a:r>
-              <a:rPr lang="zh-CN" altLang="en-US" smtClean="0"/>
-              <a:t>参数</a:t>
-            </a:r>
-            <a:endParaRPr lang="zh-CN" altLang="en-US"/>
+              <a:rPr lang="zh-CN" altLang="en-US" sz="4000" smtClean="0"/>
+              <a:t>特殊函数</a:t>
+            </a:r>
+            <a:r>
+              <a:rPr lang="en-US" altLang="zh-CN" sz="4000" smtClean="0"/>
+              <a:t>-</a:t>
+            </a:r>
+            <a:r>
+              <a:rPr lang="zh-CN" altLang="en-US" sz="4000" smtClean="0"/>
+              <a:t>中缀函数</a:t>
+            </a:r>
+            <a:endParaRPr lang="zh-CN" altLang="en-US" sz="4000"/>
           </a:p>
         </p:txBody>
       </p:sp>
@@ -8021,78 +9072,48 @@
           <a:p>
             <a:r>
               <a:rPr lang="zh-CN" altLang="en-US" smtClean="0"/>
-              <a:t>参数是函数接收不同处理任务的接口，</a:t>
+              <a:t>中缀函数是函数调用的一种特殊形式，</a:t>
+            </a:r>
+            <a:r>
+              <a:rPr lang="zh-CN" altLang="en-US"/>
+              <a:t>以加号</a:t>
+            </a:r>
+            <a:r>
+              <a:rPr lang="en-US" altLang="zh-CN"/>
+              <a:t>+</a:t>
+            </a:r>
+            <a:r>
+              <a:rPr lang="zh-CN" altLang="en-US"/>
+              <a:t>为</a:t>
+            </a:r>
+            <a:r>
+              <a:rPr lang="zh-CN" altLang="en-US" smtClean="0"/>
+              <a:t>例：</a:t>
+            </a:r>
+            <a:endParaRPr lang="en-US" altLang="zh-CN" smtClean="0"/>
+          </a:p>
+          <a:p>
+            <a:endParaRPr lang="en-US" altLang="zh-CN"/>
+          </a:p>
+          <a:p>
+            <a:r>
+              <a:rPr lang="zh-CN" altLang="en-US" smtClean="0"/>
+              <a:t>这个加号也等价于前缀方式的调用，只是出现形式要加引号说明：</a:t>
+            </a:r>
+            <a:endParaRPr lang="en-US" altLang="zh-CN" smtClean="0"/>
+          </a:p>
+          <a:p>
+            <a:endParaRPr lang="en-US" altLang="zh-CN"/>
+          </a:p>
+          <a:p>
+            <a:r>
+              <a:rPr lang="zh-CN" altLang="en-US" smtClean="0"/>
+              <a:t>如何制作自己的中缀函数，其实跟前缀函数创造的方式一样，例如创造运算符号</a:t>
             </a:r>
             <a:r>
               <a:rPr lang="en-US" altLang="zh-CN" smtClean="0"/>
-              <a:t>R</a:t>
-            </a:r>
-            <a:r>
-              <a:rPr lang="zh-CN" altLang="en-US" smtClean="0"/>
-              <a:t>中给出了极为灵活的参数方式</a:t>
-            </a:r>
-            <a:endParaRPr lang="en-US" altLang="zh-CN" smtClean="0"/>
-          </a:p>
-          <a:p>
-            <a:r>
-              <a:rPr lang="en-US" altLang="zh-CN" smtClean="0"/>
-              <a:t>…</a:t>
-            </a:r>
-            <a:r>
-              <a:rPr lang="zh-CN" altLang="en-US" smtClean="0"/>
-              <a:t>代表没有明确匹配的特殊参数。可以接收没有制定的参数，如基础包中的</a:t>
-            </a:r>
-            <a:r>
-              <a:rPr lang="en-US" altLang="zh-CN" smtClean="0"/>
-              <a:t>plot()</a:t>
-            </a:r>
-            <a:r>
-              <a:rPr lang="zh-CN" altLang="en-US" smtClean="0"/>
-              <a:t>，</a:t>
-            </a:r>
-            <a:r>
-              <a:rPr lang="en-US" altLang="zh-CN" smtClean="0"/>
-              <a:t>plot()</a:t>
-            </a:r>
-            <a:r>
-              <a:rPr lang="zh-CN" altLang="en-US" smtClean="0"/>
-              <a:t>是一个含</a:t>
-            </a:r>
-            <a:r>
-              <a:rPr lang="en-US" altLang="zh-CN" smtClean="0"/>
-              <a:t>x,y</a:t>
-            </a:r>
-            <a:r>
-              <a:rPr lang="zh-CN" altLang="en-US" smtClean="0"/>
-              <a:t>和</a:t>
-            </a:r>
-            <a:r>
-              <a:rPr lang="en-US" altLang="zh-CN" smtClean="0"/>
-              <a:t>…</a:t>
-            </a:r>
-            <a:r>
-              <a:rPr lang="zh-CN" altLang="en-US" smtClean="0"/>
-              <a:t>参数的泛型方法，而我们前边用到的图形参数并不是</a:t>
-            </a:r>
-            <a:r>
-              <a:rPr lang="en-US" altLang="zh-CN" smtClean="0"/>
-              <a:t>plot</a:t>
-            </a:r>
-            <a:r>
-              <a:rPr lang="zh-CN" altLang="en-US" smtClean="0"/>
-              <a:t>专用的参数，相反，图形参数的解释是放在</a:t>
-            </a:r>
-            <a:r>
-              <a:rPr lang="en-US" altLang="zh-CN" smtClean="0"/>
-              <a:t>par()</a:t>
-            </a:r>
-            <a:r>
-              <a:rPr lang="zh-CN" altLang="en-US" smtClean="0"/>
-              <a:t>函数中的。</a:t>
-            </a:r>
-            <a:endParaRPr lang="en-US" altLang="zh-CN" smtClean="0"/>
-          </a:p>
-          <a:p>
+              <a:t>%^_^%     </a:t>
+            </a:r>
             <a:endParaRPr lang="zh-CN" altLang="en-US"/>
           </a:p>
         </p:txBody>
@@ -8107,8 +9128,8 @@
         </p:nvSpPr>
         <p:spPr bwMode="auto">
           <a:xfrm>
-            <a:off x="1097280" y="3392860"/>
-            <a:ext cx="2685030" cy="1077218"/>
+            <a:off x="1240324" y="2231256"/>
+            <a:ext cx="644407" cy="430887"/>
           </a:xfrm>
           <a:prstGeom prst="rect">
             <a:avLst/>
@@ -8178,7 +9199,7 @@
                 <a:effectLst/>
                 <a:latin typeface="Lucida Console" panose="020B0609040504020204" pitchFamily="49" charset="0"/>
               </a:rPr>
-              <a:t>&gt; f</a:t>
+              <a:t>&gt; 1</a:t>
             </a:r>
             <a:r>
               <a:rPr kumimoji="0" lang="zh-CN" altLang="zh-CN" sz="1400" b="0" i="0" u="none" strike="noStrike" cap="none" normalizeH="0" baseline="0" smtClean="0">
@@ -8191,7 +9212,7 @@
                 <a:effectLst/>
                 <a:latin typeface="Lucida Console" panose="020B0609040504020204" pitchFamily="49" charset="0"/>
               </a:rPr>
-              <a:t>_test&lt;-function</a:t>
+              <a:t>+</a:t>
             </a:r>
             <a:r>
               <a:rPr kumimoji="0" lang="zh-CN" altLang="zh-CN" sz="1400" b="0" i="0" u="none" strike="noStrike" cap="none" normalizeH="0" baseline="0" smtClean="0">
@@ -8204,7 +9225,7 @@
                 <a:effectLst/>
                 <a:latin typeface="Lucida Console" panose="020B0609040504020204" pitchFamily="49" charset="0"/>
               </a:rPr>
-              <a:t>(...){ </a:t>
+              <a:t>2 </a:t>
             </a:r>
             <a:endParaRPr kumimoji="0" lang="en-US" altLang="zh-CN" sz="1400" b="0" i="0" u="none" strike="noStrike" cap="none" normalizeH="0" baseline="0" smtClean="0">
               <a:ln>
@@ -8240,12 +9261,12 @@
                   <a:noFill/>
                 </a:ln>
                 <a:solidFill>
-                  <a:srgbClr val="0000FF"/>
+                  <a:srgbClr val="000000"/>
                 </a:solidFill>
                 <a:effectLst/>
                 <a:latin typeface="Lucida Console" panose="020B0609040504020204" pitchFamily="49" charset="0"/>
               </a:rPr>
-              <a:t>+ </a:t>
+              <a:t>[</a:t>
             </a:r>
             <a:r>
               <a:rPr kumimoji="0" lang="zh-CN" altLang="zh-CN" sz="1400" b="0" i="0" u="none" strike="noStrike" cap="none" normalizeH="0" baseline="0" smtClean="0">
@@ -8253,13 +9274,96 @@
                   <a:noFill/>
                 </a:ln>
                 <a:solidFill>
-                  <a:srgbClr val="0000FF"/>
+                  <a:srgbClr val="000000"/>
                 </a:solidFill>
                 <a:effectLst/>
                 <a:latin typeface="Lucida Console" panose="020B0609040504020204" pitchFamily="49" charset="0"/>
               </a:rPr>
-              <a:t>names(list</a:t>
-            </a:r>
+              <a:t>1] 3</a:t>
+            </a:r>
+            <a:endParaRPr kumimoji="0" lang="zh-CN" altLang="zh-CN" sz="3200" b="0" i="0" u="none" strike="noStrike" cap="none" normalizeH="0" baseline="0" smtClean="0">
+              <a:ln>
+                <a:noFill/>
+              </a:ln>
+              <a:solidFill>
+                <a:schemeClr val="tx1"/>
+              </a:solidFill>
+              <a:effectLst/>
+              <a:latin typeface="Arial" panose="020B0604020202020204" pitchFamily="34" charset="0"/>
+            </a:endParaRPr>
+          </a:p>
+        </p:txBody>
+      </p:sp>
+      <p:sp>
+        <p:nvSpPr>
+          <p:cNvPr id="5" name="Rectangle 2"/>
+          <p:cNvSpPr>
+            <a:spLocks noChangeArrowheads="1"/>
+          </p:cNvSpPr>
+          <p:nvPr/>
+        </p:nvSpPr>
+        <p:spPr bwMode="auto">
+          <a:xfrm>
+            <a:off x="1294024" y="3170141"/>
+            <a:ext cx="1181414" cy="430887"/>
+          </a:xfrm>
+          <a:prstGeom prst="rect">
+            <a:avLst/>
+          </a:prstGeom>
+          <a:solidFill>
+            <a:srgbClr val="FFFFFF"/>
+          </a:solidFill>
+          <a:ln>
+            <a:noFill/>
+          </a:ln>
+          <a:effectLst/>
+          <a:extLst>
+            <a:ext uri="{91240B29-F687-4F45-9708-019B960494DF}">
+              <a14:hiddenLine xmlns:a14="http://schemas.microsoft.com/office/drawing/2010/main" w="9525">
+                <a:solidFill>
+                  <a:schemeClr val="tx1"/>
+                </a:solidFill>
+                <a:miter lim="800000"/>
+                <a:headEnd/>
+                <a:tailEnd/>
+              </a14:hiddenLine>
+            </a:ext>
+            <a:ext uri="{AF507438-7753-43E0-B8FC-AC1667EBCBE1}">
+              <a14:hiddenEffects xmlns:a14="http://schemas.microsoft.com/office/drawing/2010/main">
+                <a:effectLst>
+                  <a:outerShdw dist="35921" dir="2700000" algn="ctr" rotWithShape="0">
+                    <a:schemeClr val="bg2"/>
+                  </a:outerShdw>
+                </a:effectLst>
+              </a14:hiddenEffects>
+            </a:ext>
+          </a:extLst>
+        </p:spPr>
+        <p:txBody>
+          <a:bodyPr vert="horz" wrap="none" lIns="0" tIns="0" rIns="0" bIns="0" numCol="1" anchor="ctr" anchorCtr="0" compatLnSpc="1">
+            <a:prstTxWarp prst="textNoShape">
+              <a:avLst/>
+            </a:prstTxWarp>
+            <a:spAutoFit/>
+          </a:bodyPr>
+          <a:lstStyle/>
+          <a:p>
+            <a:pPr marL="0" marR="0" lvl="0" indent="0" algn="l" defTabSz="914400" rtl="0" eaLnBrk="0" fontAlgn="base" latinLnBrk="0" hangingPunct="0">
+              <a:lnSpc>
+                <a:spcPct val="100000"/>
+              </a:lnSpc>
+              <a:spcBef>
+                <a:spcPct val="0"/>
+              </a:spcBef>
+              <a:spcAft>
+                <a:spcPct val="0"/>
+              </a:spcAft>
+              <a:buClrTx/>
+              <a:buSzTx/>
+              <a:buFontTx/>
+              <a:buNone/>
+              <a:tabLst/>
+            </a:pPr>
             <a:r>
               <a:rPr kumimoji="0" lang="zh-CN" altLang="zh-CN" sz="1400" b="0" i="0" u="none" strike="noStrike" cap="none" normalizeH="0" baseline="0" smtClean="0">
                 <a:ln>
@@ -8271,7 +9375,33 @@
                 <a:effectLst/>
                 <a:latin typeface="Lucida Console" panose="020B0609040504020204" pitchFamily="49" charset="0"/>
               </a:rPr>
-              <a:t>(...)) </a:t>
+              <a:t>&gt; "+"(</a:t>
+            </a:r>
+            <a:r>
+              <a:rPr kumimoji="0" lang="zh-CN" altLang="zh-CN" sz="1400" b="0" i="0" u="none" strike="noStrike" cap="none" normalizeH="0" baseline="0" smtClean="0">
+                <a:ln>
+                  <a:noFill/>
+                </a:ln>
+                <a:solidFill>
+                  <a:srgbClr val="0000FF"/>
+                </a:solidFill>
+                <a:effectLst/>
+                <a:latin typeface="Lucida Console" panose="020B0609040504020204" pitchFamily="49" charset="0"/>
+              </a:rPr>
+              <a:t>1,2</a:t>
+            </a:r>
+            <a:r>
+              <a:rPr kumimoji="0" lang="zh-CN" altLang="zh-CN" sz="1400" b="0" i="0" u="none" strike="noStrike" cap="none" normalizeH="0" baseline="0" smtClean="0">
+                <a:ln>
+                  <a:noFill/>
+                </a:ln>
+                <a:solidFill>
+                  <a:srgbClr val="0000FF"/>
+                </a:solidFill>
+                <a:effectLst/>
+                <a:latin typeface="Lucida Console" panose="020B0609040504020204" pitchFamily="49" charset="0"/>
+              </a:rPr>
+              <a:t>) </a:t>
             </a:r>
             <a:endParaRPr kumimoji="0" lang="en-US" altLang="zh-CN" sz="1400" b="0" i="0" u="none" strike="noStrike" cap="none" normalizeH="0" baseline="0" smtClean="0">
               <a:ln>
@@ -8307,12 +9437,12 @@
                   <a:noFill/>
                 </a:ln>
                 <a:solidFill>
-                  <a:srgbClr val="0000FF"/>
+                  <a:srgbClr val="000000"/>
                 </a:solidFill>
                 <a:effectLst/>
                 <a:latin typeface="Lucida Console" panose="020B0609040504020204" pitchFamily="49" charset="0"/>
               </a:rPr>
-              <a:t>+ </a:t>
+              <a:t>[</a:t>
             </a:r>
             <a:r>
               <a:rPr kumimoji="0" lang="zh-CN" altLang="zh-CN" sz="1400" b="0" i="0" u="none" strike="noStrike" cap="none" normalizeH="0" baseline="0" smtClean="0">
@@ -8320,133 +9450,12 @@
                   <a:noFill/>
                 </a:ln>
                 <a:solidFill>
-                  <a:srgbClr val="0000FF"/>
+                  <a:srgbClr val="000000"/>
                 </a:solidFill>
                 <a:effectLst/>
                 <a:latin typeface="Lucida Console" panose="020B0609040504020204" pitchFamily="49" charset="0"/>
               </a:rPr>
-              <a:t>} </a:t>
-            </a:r>
-            <a:endParaRPr kumimoji="0" lang="en-US" altLang="zh-CN" sz="1400" b="0" i="0" u="none" strike="noStrike" cap="none" normalizeH="0" baseline="0" smtClean="0">
-              <a:ln>
-                <a:noFill/>
-              </a:ln>
-              <a:solidFill>
-                <a:srgbClr val="0000FF"/>
-              </a:solidFill>
-              <a:effectLst/>
-              <a:latin typeface="Lucida Console" panose="020B0609040504020204" pitchFamily="49" charset="0"/>
-            </a:endParaRPr>
-          </a:p>
-          <a:p>
-            <a:pPr marL="0" marR="0" lvl="0" indent="0" algn="l" defTabSz="914400" rtl="0" eaLnBrk="0" fontAlgn="base" latinLnBrk="0" hangingPunct="0">
-              <a:lnSpc>
-                <a:spcPct val="100000"/>
-              </a:lnSpc>
-              <a:spcBef>
-                <a:spcPct val="0"/>
-              </a:spcBef>
-              <a:spcAft>
-                <a:spcPct val="0"/>
-              </a:spcAft>
-              <a:buClrTx/>
-              <a:buSzTx/>
-              <a:buFontTx/>
-              <a:buNone/>
-              <a:tabLst/>
-            </a:pPr>
-            <a:r>
-              <a:rPr kumimoji="0" lang="zh-CN" altLang="zh-CN" sz="1400" b="0" i="0" u="none" strike="noStrike" cap="none" normalizeH="0" baseline="0" smtClean="0">
-                <a:ln>
-                  <a:noFill/>
-                </a:ln>
-                <a:solidFill>
-                  <a:srgbClr val="0000FF"/>
-                </a:solidFill>
-                <a:effectLst/>
-                <a:latin typeface="Lucida Console" panose="020B0609040504020204" pitchFamily="49" charset="0"/>
-              </a:rPr>
-              <a:t>&gt; f</a:t>
-            </a:r>
-            <a:r>
-              <a:rPr kumimoji="0" lang="zh-CN" altLang="zh-CN" sz="1400" b="0" i="0" u="none" strike="noStrike" cap="none" normalizeH="0" baseline="0" smtClean="0">
-                <a:ln>
-                  <a:noFill/>
-                </a:ln>
-                <a:solidFill>
-                  <a:srgbClr val="0000FF"/>
-                </a:solidFill>
-                <a:effectLst/>
-                <a:latin typeface="Lucida Console" panose="020B0609040504020204" pitchFamily="49" charset="0"/>
-              </a:rPr>
-              <a:t>_test(a=1,b=3</a:t>
-            </a:r>
-            <a:r>
-              <a:rPr kumimoji="0" lang="zh-CN" altLang="zh-CN" sz="1400" b="0" i="0" u="none" strike="noStrike" cap="none" normalizeH="0" baseline="0" smtClean="0">
-                <a:ln>
-                  <a:noFill/>
-                </a:ln>
-                <a:solidFill>
-                  <a:srgbClr val="0000FF"/>
-                </a:solidFill>
-                <a:effectLst/>
-                <a:latin typeface="Lucida Console" panose="020B0609040504020204" pitchFamily="49" charset="0"/>
-              </a:rPr>
-              <a:t>) </a:t>
-            </a:r>
-            <a:endParaRPr kumimoji="0" lang="en-US" altLang="zh-CN" sz="1400" b="0" i="0" u="none" strike="noStrike" cap="none" normalizeH="0" baseline="0" smtClean="0">
-              <a:ln>
-                <a:noFill/>
-              </a:ln>
-              <a:solidFill>
-                <a:srgbClr val="0000FF"/>
-              </a:solidFill>
-              <a:effectLst/>
-              <a:latin typeface="Lucida Console" panose="020B0609040504020204" pitchFamily="49" charset="0"/>
-            </a:endParaRPr>
-          </a:p>
-          <a:p>
-            <a:pPr marL="0" marR="0" lvl="0" indent="0" algn="l" defTabSz="914400" rtl="0" eaLnBrk="0" fontAlgn="base" latinLnBrk="0" hangingPunct="0">
-              <a:lnSpc>
-                <a:spcPct val="100000"/>
-              </a:lnSpc>
-              <a:spcBef>
-                <a:spcPct val="0"/>
-              </a:spcBef>
-              <a:spcAft>
-                <a:spcPct val="0"/>
-              </a:spcAft>
-              <a:buClrTx/>
-              <a:buSzTx/>
-              <a:buFontTx/>
-              <a:buNone/>
-              <a:tabLst/>
-            </a:pPr>
-            <a:r>
-              <a:rPr kumimoji="0" lang="zh-CN" altLang="zh-CN" sz="1400" b="0" i="0" u="none" strike="noStrike" cap="none" normalizeH="0" baseline="0" smtClean="0">
-                <a:ln>
-                  <a:noFill/>
-                </a:ln>
-                <a:solidFill>
-                  <a:srgbClr val="000000"/>
-                </a:solidFill>
-                <a:effectLst/>
-                <a:latin typeface="Lucida Console" panose="020B0609040504020204" pitchFamily="49" charset="0"/>
-              </a:rPr>
-              <a:t>[</a:t>
-            </a:r>
-            <a:r>
-              <a:rPr kumimoji="0" lang="zh-CN" altLang="zh-CN" sz="1400" b="0" i="0" u="none" strike="noStrike" cap="none" normalizeH="0" baseline="0" smtClean="0">
-                <a:ln>
-                  <a:noFill/>
-                </a:ln>
-                <a:solidFill>
-                  <a:srgbClr val="000000"/>
-                </a:solidFill>
-                <a:effectLst/>
-                <a:latin typeface="Lucida Console" panose="020B0609040504020204" pitchFamily="49" charset="0"/>
-              </a:rPr>
-              <a:t>1] "a" "b"</a:t>
+              <a:t>1] 3</a:t>
             </a:r>
             <a:endParaRPr kumimoji="0" lang="zh-CN" altLang="zh-CN" sz="3200" b="0" i="0" u="none" strike="noStrike" cap="none" normalizeH="0" baseline="0" smtClean="0">
               <a:ln>
@@ -8463,14 +9472,473 @@
       </p:sp>
       <p:sp>
         <p:nvSpPr>
-          <p:cNvPr id="5" name="文本框 4"/>
+          <p:cNvPr id="6" name="Rectangle 3"/>
+          <p:cNvSpPr>
+            <a:spLocks noChangeArrowheads="1"/>
+          </p:cNvSpPr>
+          <p:nvPr/>
+        </p:nvSpPr>
+        <p:spPr bwMode="auto">
+          <a:xfrm>
+            <a:off x="1266774" y="4109026"/>
+            <a:ext cx="2417328" cy="1292662"/>
+          </a:xfrm>
+          <a:prstGeom prst="rect">
+            <a:avLst/>
+          </a:prstGeom>
+          <a:solidFill>
+            <a:srgbClr val="FFFFFF"/>
+          </a:solidFill>
+          <a:ln>
+            <a:noFill/>
+          </a:ln>
+          <a:effectLst/>
+          <a:extLst>
+            <a:ext uri="{91240B29-F687-4F45-9708-019B960494DF}">
+              <a14:hiddenLine xmlns:a14="http://schemas.microsoft.com/office/drawing/2010/main" w="9525">
+                <a:solidFill>
+                  <a:schemeClr val="tx1"/>
+                </a:solidFill>
+                <a:miter lim="800000"/>
+                <a:headEnd/>
+                <a:tailEnd/>
+              </a14:hiddenLine>
+            </a:ext>
+            <a:ext uri="{AF507438-7753-43E0-B8FC-AC1667EBCBE1}">
+              <a14:hiddenEffects xmlns:a14="http://schemas.microsoft.com/office/drawing/2010/main">
+                <a:effectLst>
+                  <a:outerShdw dist="35921" dir="2700000" algn="ctr" rotWithShape="0">
+                    <a:schemeClr val="bg2"/>
+                  </a:outerShdw>
+                </a:effectLst>
+              </a14:hiddenEffects>
+            </a:ext>
+          </a:extLst>
+        </p:spPr>
+        <p:txBody>
+          <a:bodyPr vert="horz" wrap="none" lIns="0" tIns="0" rIns="0" bIns="0" numCol="1" anchor="ctr" anchorCtr="0" compatLnSpc="1">
+            <a:prstTxWarp prst="textNoShape">
+              <a:avLst/>
+            </a:prstTxWarp>
+            <a:spAutoFit/>
+          </a:bodyPr>
+          <a:lstStyle/>
+          <a:p>
+            <a:pPr marL="0" marR="0" lvl="0" indent="0" algn="l" defTabSz="914400" rtl="0" eaLnBrk="0" fontAlgn="base" latinLnBrk="0" hangingPunct="0">
+              <a:lnSpc>
+                <a:spcPct val="100000"/>
+              </a:lnSpc>
+              <a:spcBef>
+                <a:spcPct val="0"/>
+              </a:spcBef>
+              <a:spcAft>
+                <a:spcPct val="0"/>
+              </a:spcAft>
+              <a:buClrTx/>
+              <a:buSzTx/>
+              <a:buFontTx/>
+              <a:buNone/>
+              <a:tabLst/>
+            </a:pPr>
+            <a:r>
+              <a:rPr kumimoji="0" lang="zh-CN" altLang="zh-CN" sz="1200" b="0" i="0" u="none" strike="noStrike" cap="none" normalizeH="0" baseline="0" smtClean="0">
+                <a:ln>
+                  <a:noFill/>
+                </a:ln>
+                <a:solidFill>
+                  <a:srgbClr val="0000FF"/>
+                </a:solidFill>
+                <a:effectLst/>
+                <a:latin typeface="Lucida Console" panose="020B0609040504020204" pitchFamily="49" charset="0"/>
+              </a:rPr>
+              <a:t>&gt; "%^_^%"&lt;-</a:t>
+            </a:r>
+            <a:r>
+              <a:rPr kumimoji="0" lang="zh-CN" altLang="zh-CN" sz="1200" b="0" i="0" u="none" strike="noStrike" cap="none" normalizeH="0" baseline="0" smtClean="0">
+                <a:ln>
+                  <a:noFill/>
+                </a:ln>
+                <a:solidFill>
+                  <a:srgbClr val="0000FF"/>
+                </a:solidFill>
+                <a:effectLst/>
+                <a:latin typeface="Lucida Console" panose="020B0609040504020204" pitchFamily="49" charset="0"/>
+              </a:rPr>
+              <a:t>function(a,b</a:t>
+            </a:r>
+            <a:r>
+              <a:rPr kumimoji="0" lang="zh-CN" altLang="zh-CN" sz="1200" b="0" i="0" u="none" strike="noStrike" cap="none" normalizeH="0" baseline="0" smtClean="0">
+                <a:ln>
+                  <a:noFill/>
+                </a:ln>
+                <a:solidFill>
+                  <a:srgbClr val="0000FF"/>
+                </a:solidFill>
+                <a:effectLst/>
+                <a:latin typeface="Lucida Console" panose="020B0609040504020204" pitchFamily="49" charset="0"/>
+              </a:rPr>
+              <a:t>){ </a:t>
+            </a:r>
+            <a:endParaRPr kumimoji="0" lang="en-US" altLang="zh-CN" sz="1200" b="0" i="0" u="none" strike="noStrike" cap="none" normalizeH="0" baseline="0" smtClean="0">
+              <a:ln>
+                <a:noFill/>
+              </a:ln>
+              <a:solidFill>
+                <a:srgbClr val="0000FF"/>
+              </a:solidFill>
+              <a:effectLst/>
+              <a:latin typeface="Lucida Console" panose="020B0609040504020204" pitchFamily="49" charset="0"/>
+            </a:endParaRPr>
+          </a:p>
+          <a:p>
+            <a:pPr marL="0" marR="0" lvl="0" indent="0" algn="l" defTabSz="914400" rtl="0" eaLnBrk="0" fontAlgn="base" latinLnBrk="0" hangingPunct="0">
+              <a:lnSpc>
+                <a:spcPct val="100000"/>
+              </a:lnSpc>
+              <a:spcBef>
+                <a:spcPct val="0"/>
+              </a:spcBef>
+              <a:spcAft>
+                <a:spcPct val="0"/>
+              </a:spcAft>
+              <a:buClrTx/>
+              <a:buSzTx/>
+              <a:buFontTx/>
+              <a:buNone/>
+              <a:tabLst/>
+            </a:pPr>
+            <a:r>
+              <a:rPr kumimoji="0" lang="zh-CN" altLang="zh-CN" sz="1200" b="0" i="0" u="none" strike="noStrike" cap="none" normalizeH="0" baseline="0" smtClean="0">
+                <a:ln>
+                  <a:noFill/>
+                </a:ln>
+                <a:solidFill>
+                  <a:srgbClr val="0000FF"/>
+                </a:solidFill>
+                <a:effectLst/>
+                <a:latin typeface="Lucida Console" panose="020B0609040504020204" pitchFamily="49" charset="0"/>
+              </a:rPr>
+              <a:t>+ </a:t>
+            </a:r>
+            <a:r>
+              <a:rPr kumimoji="0" lang="zh-CN" altLang="zh-CN" sz="1200" b="0" i="0" u="none" strike="noStrike" cap="none" normalizeH="0" baseline="0" smtClean="0">
+                <a:ln>
+                  <a:noFill/>
+                </a:ln>
+                <a:solidFill>
+                  <a:srgbClr val="0000FF"/>
+                </a:solidFill>
+                <a:effectLst/>
+                <a:latin typeface="Lucida Console" panose="020B0609040504020204" pitchFamily="49" charset="0"/>
+              </a:rPr>
+              <a:t>a1&lt;-a*b + b1&lt;-a^</a:t>
+            </a:r>
+            <a:r>
+              <a:rPr kumimoji="0" lang="zh-CN" altLang="zh-CN" sz="1200" b="0" i="0" u="none" strike="noStrike" cap="none" normalizeH="0" baseline="0" smtClean="0">
+                <a:ln>
+                  <a:noFill/>
+                </a:ln>
+                <a:solidFill>
+                  <a:srgbClr val="0000FF"/>
+                </a:solidFill>
+                <a:effectLst/>
+                <a:latin typeface="Lucida Console" panose="020B0609040504020204" pitchFamily="49" charset="0"/>
+              </a:rPr>
+              <a:t>b </a:t>
+            </a:r>
+            <a:endParaRPr kumimoji="0" lang="en-US" altLang="zh-CN" sz="1200" b="0" i="0" u="none" strike="noStrike" cap="none" normalizeH="0" baseline="0" smtClean="0">
+              <a:ln>
+                <a:noFill/>
+              </a:ln>
+              <a:solidFill>
+                <a:srgbClr val="0000FF"/>
+              </a:solidFill>
+              <a:effectLst/>
+              <a:latin typeface="Lucida Console" panose="020B0609040504020204" pitchFamily="49" charset="0"/>
+            </a:endParaRPr>
+          </a:p>
+          <a:p>
+            <a:pPr marL="0" marR="0" lvl="0" indent="0" algn="l" defTabSz="914400" rtl="0" eaLnBrk="0" fontAlgn="base" latinLnBrk="0" hangingPunct="0">
+              <a:lnSpc>
+                <a:spcPct val="100000"/>
+              </a:lnSpc>
+              <a:spcBef>
+                <a:spcPct val="0"/>
+              </a:spcBef>
+              <a:spcAft>
+                <a:spcPct val="0"/>
+              </a:spcAft>
+              <a:buClrTx/>
+              <a:buSzTx/>
+              <a:buFontTx/>
+              <a:buNone/>
+              <a:tabLst/>
+            </a:pPr>
+            <a:r>
+              <a:rPr kumimoji="0" lang="zh-CN" altLang="zh-CN" sz="1200" b="0" i="0" u="none" strike="noStrike" cap="none" normalizeH="0" baseline="0" smtClean="0">
+                <a:ln>
+                  <a:noFill/>
+                </a:ln>
+                <a:solidFill>
+                  <a:srgbClr val="0000FF"/>
+                </a:solidFill>
+                <a:effectLst/>
+                <a:latin typeface="Lucida Console" panose="020B0609040504020204" pitchFamily="49" charset="0"/>
+              </a:rPr>
+              <a:t>+ </a:t>
+            </a:r>
+            <a:r>
+              <a:rPr kumimoji="0" lang="zh-CN" altLang="zh-CN" sz="1200" b="0" i="0" u="none" strike="noStrike" cap="none" normalizeH="0" baseline="0" smtClean="0">
+                <a:ln>
+                  <a:noFill/>
+                </a:ln>
+                <a:solidFill>
+                  <a:srgbClr val="0000FF"/>
+                </a:solidFill>
+                <a:effectLst/>
+                <a:latin typeface="Lucida Console" panose="020B0609040504020204" pitchFamily="49" charset="0"/>
+              </a:rPr>
+              <a:t>a1+b</a:t>
+            </a:r>
+            <a:r>
+              <a:rPr kumimoji="0" lang="zh-CN" altLang="zh-CN" sz="1200" b="0" i="0" u="none" strike="noStrike" cap="none" normalizeH="0" baseline="0" smtClean="0">
+                <a:ln>
+                  <a:noFill/>
+                </a:ln>
+                <a:solidFill>
+                  <a:srgbClr val="0000FF"/>
+                </a:solidFill>
+                <a:effectLst/>
+                <a:latin typeface="Lucida Console" panose="020B0609040504020204" pitchFamily="49" charset="0"/>
+              </a:rPr>
+              <a:t>1 </a:t>
+            </a:r>
+            <a:endParaRPr kumimoji="0" lang="en-US" altLang="zh-CN" sz="1200" b="0" i="0" u="none" strike="noStrike" cap="none" normalizeH="0" baseline="0" smtClean="0">
+              <a:ln>
+                <a:noFill/>
+              </a:ln>
+              <a:solidFill>
+                <a:srgbClr val="0000FF"/>
+              </a:solidFill>
+              <a:effectLst/>
+              <a:latin typeface="Lucida Console" panose="020B0609040504020204" pitchFamily="49" charset="0"/>
+            </a:endParaRPr>
+          </a:p>
+          <a:p>
+            <a:pPr marL="0" marR="0" lvl="0" indent="0" algn="l" defTabSz="914400" rtl="0" eaLnBrk="0" fontAlgn="base" latinLnBrk="0" hangingPunct="0">
+              <a:lnSpc>
+                <a:spcPct val="100000"/>
+              </a:lnSpc>
+              <a:spcBef>
+                <a:spcPct val="0"/>
+              </a:spcBef>
+              <a:spcAft>
+                <a:spcPct val="0"/>
+              </a:spcAft>
+              <a:buClrTx/>
+              <a:buSzTx/>
+              <a:buFontTx/>
+              <a:buNone/>
+              <a:tabLst/>
+            </a:pPr>
+            <a:r>
+              <a:rPr kumimoji="0" lang="zh-CN" altLang="zh-CN" sz="1200" b="0" i="0" u="none" strike="noStrike" cap="none" normalizeH="0" baseline="0" smtClean="0">
+                <a:ln>
+                  <a:noFill/>
+                </a:ln>
+                <a:solidFill>
+                  <a:srgbClr val="0000FF"/>
+                </a:solidFill>
+                <a:effectLst/>
+                <a:latin typeface="Lucida Console" panose="020B0609040504020204" pitchFamily="49" charset="0"/>
+              </a:rPr>
+              <a:t>+ </a:t>
+            </a:r>
+            <a:r>
+              <a:rPr kumimoji="0" lang="zh-CN" altLang="zh-CN" sz="1200" b="0" i="0" u="none" strike="noStrike" cap="none" normalizeH="0" baseline="0" smtClean="0">
+                <a:ln>
+                  <a:noFill/>
+                </a:ln>
+                <a:solidFill>
+                  <a:srgbClr val="0000FF"/>
+                </a:solidFill>
+                <a:effectLst/>
+                <a:latin typeface="Lucida Console" panose="020B0609040504020204" pitchFamily="49" charset="0"/>
+              </a:rPr>
+              <a:t>} </a:t>
+            </a:r>
+            <a:endParaRPr kumimoji="0" lang="en-US" altLang="zh-CN" sz="1200" b="0" i="0" u="none" strike="noStrike" cap="none" normalizeH="0" baseline="0" smtClean="0">
+              <a:ln>
+                <a:noFill/>
+              </a:ln>
+              <a:solidFill>
+                <a:srgbClr val="0000FF"/>
+              </a:solidFill>
+              <a:effectLst/>
+              <a:latin typeface="Lucida Console" panose="020B0609040504020204" pitchFamily="49" charset="0"/>
+            </a:endParaRPr>
+          </a:p>
+          <a:p>
+            <a:pPr marL="0" marR="0" lvl="0" indent="0" algn="l" defTabSz="914400" rtl="0" eaLnBrk="0" fontAlgn="base" latinLnBrk="0" hangingPunct="0">
+              <a:lnSpc>
+                <a:spcPct val="100000"/>
+              </a:lnSpc>
+              <a:spcBef>
+                <a:spcPct val="0"/>
+              </a:spcBef>
+              <a:spcAft>
+                <a:spcPct val="0"/>
+              </a:spcAft>
+              <a:buClrTx/>
+              <a:buSzTx/>
+              <a:buFontTx/>
+              <a:buNone/>
+              <a:tabLst/>
+            </a:pPr>
+            <a:endParaRPr kumimoji="0" lang="en-US" altLang="zh-CN" sz="1200" b="0" i="0" u="none" strike="noStrike" cap="none" normalizeH="0" baseline="0" smtClean="0">
+              <a:ln>
+                <a:noFill/>
+              </a:ln>
+              <a:solidFill>
+                <a:srgbClr val="0000FF"/>
+              </a:solidFill>
+              <a:effectLst/>
+              <a:latin typeface="Lucida Console" panose="020B0609040504020204" pitchFamily="49" charset="0"/>
+            </a:endParaRPr>
+          </a:p>
+          <a:p>
+            <a:pPr marL="0" marR="0" lvl="0" indent="0" algn="l" defTabSz="914400" rtl="0" eaLnBrk="0" fontAlgn="base" latinLnBrk="0" hangingPunct="0">
+              <a:lnSpc>
+                <a:spcPct val="100000"/>
+              </a:lnSpc>
+              <a:spcBef>
+                <a:spcPct val="0"/>
+              </a:spcBef>
+              <a:spcAft>
+                <a:spcPct val="0"/>
+              </a:spcAft>
+              <a:buClrTx/>
+              <a:buSzTx/>
+              <a:buFontTx/>
+              <a:buNone/>
+              <a:tabLst/>
+            </a:pPr>
+            <a:r>
+              <a:rPr kumimoji="0" lang="zh-CN" altLang="zh-CN" sz="1200" b="0" i="0" u="none" strike="noStrike" cap="none" normalizeH="0" baseline="0" smtClean="0">
+                <a:ln>
+                  <a:noFill/>
+                </a:ln>
+                <a:solidFill>
+                  <a:srgbClr val="0000FF"/>
+                </a:solidFill>
+                <a:effectLst/>
+                <a:latin typeface="Lucida Console" panose="020B0609040504020204" pitchFamily="49" charset="0"/>
+              </a:rPr>
+              <a:t>&gt; 2</a:t>
+            </a:r>
+            <a:r>
+              <a:rPr kumimoji="0" lang="zh-CN" altLang="zh-CN" sz="1200" b="0" i="0" u="none" strike="noStrike" cap="none" normalizeH="0" baseline="0" smtClean="0">
+                <a:ln>
+                  <a:noFill/>
+                </a:ln>
+                <a:solidFill>
+                  <a:srgbClr val="0000FF"/>
+                </a:solidFill>
+                <a:effectLst/>
+                <a:latin typeface="Lucida Console" panose="020B0609040504020204" pitchFamily="49" charset="0"/>
+              </a:rPr>
+              <a:t>%^_^%</a:t>
+            </a:r>
+            <a:r>
+              <a:rPr kumimoji="0" lang="zh-CN" altLang="zh-CN" sz="1200" b="0" i="0" u="none" strike="noStrike" cap="none" normalizeH="0" baseline="0" smtClean="0">
+                <a:ln>
+                  <a:noFill/>
+                </a:ln>
+                <a:solidFill>
+                  <a:srgbClr val="0000FF"/>
+                </a:solidFill>
+                <a:effectLst/>
+                <a:latin typeface="Lucida Console" panose="020B0609040504020204" pitchFamily="49" charset="0"/>
+              </a:rPr>
+              <a:t>3 </a:t>
+            </a:r>
+            <a:endParaRPr kumimoji="0" lang="en-US" altLang="zh-CN" sz="1200" b="0" i="0" u="none" strike="noStrike" cap="none" normalizeH="0" baseline="0" smtClean="0">
+              <a:ln>
+                <a:noFill/>
+              </a:ln>
+              <a:solidFill>
+                <a:srgbClr val="0000FF"/>
+              </a:solidFill>
+              <a:effectLst/>
+              <a:latin typeface="Lucida Console" panose="020B0609040504020204" pitchFamily="49" charset="0"/>
+            </a:endParaRPr>
+          </a:p>
+          <a:p>
+            <a:pPr marL="0" marR="0" lvl="0" indent="0" algn="l" defTabSz="914400" rtl="0" eaLnBrk="0" fontAlgn="base" latinLnBrk="0" hangingPunct="0">
+              <a:lnSpc>
+                <a:spcPct val="100000"/>
+              </a:lnSpc>
+              <a:spcBef>
+                <a:spcPct val="0"/>
+              </a:spcBef>
+              <a:spcAft>
+                <a:spcPct val="0"/>
+              </a:spcAft>
+              <a:buClrTx/>
+              <a:buSzTx/>
+              <a:buFontTx/>
+              <a:buNone/>
+              <a:tabLst/>
+            </a:pPr>
+            <a:r>
+              <a:rPr kumimoji="0" lang="zh-CN" altLang="zh-CN" sz="1200" b="0" i="0" u="none" strike="noStrike" cap="none" normalizeH="0" baseline="0" smtClean="0">
+                <a:ln>
+                  <a:noFill/>
+                </a:ln>
+                <a:solidFill>
+                  <a:srgbClr val="000000"/>
+                </a:solidFill>
+                <a:effectLst/>
+                <a:latin typeface="Lucida Console" panose="020B0609040504020204" pitchFamily="49" charset="0"/>
+              </a:rPr>
+              <a:t>[</a:t>
+            </a:r>
+            <a:r>
+              <a:rPr kumimoji="0" lang="zh-CN" altLang="zh-CN" sz="1200" b="0" i="0" u="none" strike="noStrike" cap="none" normalizeH="0" baseline="0" smtClean="0">
+                <a:ln>
+                  <a:noFill/>
+                </a:ln>
+                <a:solidFill>
+                  <a:srgbClr val="000000"/>
+                </a:solidFill>
+                <a:effectLst/>
+                <a:latin typeface="Lucida Console" panose="020B0609040504020204" pitchFamily="49" charset="0"/>
+              </a:rPr>
+              <a:t>1] 14</a:t>
+            </a:r>
+            <a:endParaRPr kumimoji="0" lang="zh-CN" altLang="zh-CN" sz="2800" b="0" i="0" u="none" strike="noStrike" cap="none" normalizeH="0" baseline="0" smtClean="0">
+              <a:ln>
+                <a:noFill/>
+              </a:ln>
+              <a:solidFill>
+                <a:schemeClr val="tx1"/>
+              </a:solidFill>
+              <a:effectLst/>
+              <a:latin typeface="Arial" panose="020B0604020202020204" pitchFamily="34" charset="0"/>
+            </a:endParaRPr>
+          </a:p>
+        </p:txBody>
+      </p:sp>
+      <p:sp>
+        <p:nvSpPr>
+          <p:cNvPr id="7" name="文本框 6"/>
           <p:cNvSpPr txBox="1"/>
           <p:nvPr/>
         </p:nvSpPr>
         <p:spPr>
           <a:xfrm>
-            <a:off x="1321806" y="4934139"/>
-            <a:ext cx="9915535" cy="369332"/>
+            <a:off x="5812326" y="5222763"/>
+            <a:ext cx="5758004" cy="646331"/>
           </a:xfrm>
           <a:prstGeom prst="rect">
             <a:avLst/>
@@ -8478,47 +9946,43 @@
           <a:noFill/>
         </p:spPr>
         <p:txBody>
-          <a:bodyPr wrap="none" rtlCol="0">
+          <a:bodyPr wrap="square" rtlCol="0">
             <a:spAutoFit/>
           </a:bodyPr>
           <a:lstStyle/>
           <a:p>
             <a:r>
-              <a:rPr lang="zh-CN" altLang="en-US" smtClean="0"/>
-              <a:t>由于提前并不知道</a:t>
-            </a:r>
-            <a:r>
-              <a:rPr lang="en-US" altLang="zh-CN" smtClean="0"/>
-              <a:t>…</a:t>
-            </a:r>
-            <a:r>
-              <a:rPr lang="zh-CN" altLang="en-US" smtClean="0"/>
-              <a:t>会接收多少参数，通常可以用</a:t>
-            </a:r>
-            <a:r>
-              <a:rPr lang="en-US" altLang="zh-CN" smtClean="0"/>
-              <a:t>list()</a:t>
-            </a:r>
-            <a:r>
-              <a:rPr lang="zh-CN" altLang="en-US" smtClean="0"/>
-              <a:t>这种易于使用的方式捕捉</a:t>
-            </a:r>
-            <a:r>
-              <a:rPr lang="en-US" altLang="zh-CN" smtClean="0"/>
-              <a:t>…</a:t>
-            </a:r>
-            <a:r>
-              <a:rPr lang="zh-CN" altLang="en-US" smtClean="0"/>
-              <a:t>中的参数信息。</a:t>
-            </a:r>
-            <a:endParaRPr lang="zh-CN" altLang="en-US"/>
+              <a:rPr lang="zh-CN" altLang="en-US" smtClean="0">
+                <a:latin typeface="华文楷体" panose="02010600040101010101" pitchFamily="2" charset="-122"/>
+                <a:ea typeface="华文楷体" panose="02010600040101010101" pitchFamily="2" charset="-122"/>
+              </a:rPr>
+              <a:t>特别注意：不要 随意修改</a:t>
+            </a:r>
+            <a:r>
+              <a:rPr lang="en-US" altLang="zh-CN" smtClean="0">
+                <a:latin typeface="华文楷体" panose="02010600040101010101" pitchFamily="2" charset="-122"/>
+                <a:ea typeface="华文楷体" panose="02010600040101010101" pitchFamily="2" charset="-122"/>
+              </a:rPr>
+              <a:t>( &lt; &gt; + - /</a:t>
+            </a:r>
+            <a:r>
+              <a:rPr lang="zh-CN" altLang="en-US" smtClean="0">
+                <a:latin typeface="华文楷体" panose="02010600040101010101" pitchFamily="2" charset="-122"/>
+                <a:ea typeface="华文楷体" panose="02010600040101010101" pitchFamily="2" charset="-122"/>
+              </a:rPr>
+              <a:t>等已经有的符号，根据词法作用域你应当能够想像会发生什么事。</a:t>
+            </a:r>
+            <a:endParaRPr lang="zh-CN" altLang="en-US">
+              <a:latin typeface="华文楷体" panose="02010600040101010101" pitchFamily="2" charset="-122"/>
+              <a:ea typeface="华文楷体" panose="02010600040101010101" pitchFamily="2" charset="-122"/>
+            </a:endParaRPr>
           </a:p>
         </p:txBody>
       </p:sp>
     </p:spTree>
     <p:extLst>
       <p:ext uri="{BB962C8B-B14F-4D97-AF65-F5344CB8AC3E}">
-        <p14:creationId xmlns:p14="http://schemas.microsoft.com/office/powerpoint/2010/main" val="1261367339"/>
+        <p14:creationId xmlns:p14="http://schemas.microsoft.com/office/powerpoint/2010/main" val="626695250"/>
       </p:ext>
     </p:extLst>
   </p:cSld>
@@ -8564,7 +10028,15 @@
           <a:p>
             <a:r>
               <a:rPr lang="zh-CN" altLang="en-US" sz="3600" smtClean="0"/>
-              <a:t>闭包</a:t>
+              <a:t>特殊函数</a:t>
+            </a:r>
+            <a:r>
+              <a:rPr lang="en-US" altLang="zh-CN" sz="3600" smtClean="0"/>
+              <a:t>-</a:t>
+            </a:r>
+            <a:r>
+              <a:rPr lang="zh-CN" altLang="en-US" sz="3600" smtClean="0"/>
+              <a:t>替换函数</a:t>
             </a:r>
             <a:endParaRPr lang="zh-CN" altLang="en-US" sz="3600"/>
           </a:p>
@@ -8587,15 +10059,442 @@
           <a:p>
             <a:r>
               <a:rPr lang="zh-CN" altLang="en-US" smtClean="0"/>
-              <a:t>闭包实际上就是返回值是函数的一个函数，创建闭包的目的就是为了批量生产一系列函数。</a:t>
-            </a:r>
+              <a:t>除了中缀，还有一种以前遇到过的特殊函数形式“替换函数”，如</a:t>
+            </a:r>
+            <a:r>
+              <a:rPr lang="en-US" altLang="zh-CN" smtClean="0"/>
+              <a:t>names(),rownames()</a:t>
+            </a:r>
+            <a:r>
+              <a:rPr lang="zh-CN" altLang="en-US" smtClean="0"/>
+              <a:t>等：</a:t>
+            </a:r>
+            <a:endParaRPr lang="en-US" altLang="zh-CN" smtClean="0"/>
+          </a:p>
+          <a:p>
+            <a:pPr marL="0" indent="0">
+              <a:buNone/>
+            </a:pPr>
+            <a:endParaRPr lang="en-US" altLang="zh-CN" smtClean="0"/>
+          </a:p>
+          <a:p>
+            <a:pPr marL="0" indent="0">
+              <a:buNone/>
+            </a:pPr>
+            <a:endParaRPr lang="en-US" altLang="zh-CN"/>
+          </a:p>
+          <a:p>
+            <a:pPr marL="0" indent="0">
+              <a:buNone/>
+            </a:pPr>
+            <a:endParaRPr lang="en-US" altLang="zh-CN" smtClean="0"/>
+          </a:p>
+          <a:p>
+            <a:pPr marL="0" indent="0">
+              <a:buNone/>
+            </a:pPr>
+            <a:endParaRPr lang="en-US" altLang="zh-CN"/>
+          </a:p>
+          <a:p>
+            <a:r>
+              <a:rPr lang="zh-CN" altLang="en-US" smtClean="0"/>
+              <a:t>替换函数的调用好像是在对参数做原地修改，创制方式也有点特殊：</a:t>
+            </a:r>
+            <a:endParaRPr lang="en-US" altLang="zh-CN" smtClean="0"/>
+          </a:p>
+          <a:p>
             <a:endParaRPr lang="zh-CN" altLang="en-US"/>
           </a:p>
         </p:txBody>
       </p:sp>
-      <p:sp>
-        <p:nvSpPr>
-          <p:cNvPr id="4" name="Rectangle 1"/>
+      <p:grpSp>
+        <p:nvGrpSpPr>
+          <p:cNvPr id="6" name="组合 5"/>
+          <p:cNvGrpSpPr/>
+          <p:nvPr/>
+        </p:nvGrpSpPr>
+        <p:grpSpPr>
+          <a:xfrm>
+            <a:off x="1196868" y="2367977"/>
+            <a:ext cx="2792431" cy="1338750"/>
+            <a:chOff x="443620" y="2322710"/>
+            <a:chExt cx="2792431" cy="1338750"/>
+          </a:xfrm>
+        </p:grpSpPr>
+        <p:sp>
+          <p:nvSpPr>
+            <p:cNvPr id="4" name="Rectangle 1"/>
+            <p:cNvSpPr>
+              <a:spLocks noChangeArrowheads="1"/>
+            </p:cNvSpPr>
+            <p:nvPr/>
+          </p:nvSpPr>
+          <p:spPr bwMode="auto">
+            <a:xfrm>
+              <a:off x="443620" y="2322710"/>
+              <a:ext cx="2792431" cy="646331"/>
+            </a:xfrm>
+            <a:prstGeom prst="rect">
+              <a:avLst/>
+            </a:prstGeom>
+            <a:solidFill>
+              <a:srgbClr val="FFFFFF"/>
+            </a:solidFill>
+            <a:ln>
+              <a:noFill/>
+            </a:ln>
+            <a:effectLst/>
+            <a:extLst>
+              <a:ext uri="{91240B29-F687-4F45-9708-019B960494DF}">
+                <a14:hiddenLine xmlns:a14="http://schemas.microsoft.com/office/drawing/2010/main" w="9525">
+                  <a:solidFill>
+                    <a:schemeClr val="tx1"/>
+                  </a:solidFill>
+                  <a:miter lim="800000"/>
+                  <a:headEnd/>
+                  <a:tailEnd/>
+                </a14:hiddenLine>
+              </a:ext>
+              <a:ext uri="{AF507438-7753-43E0-B8FC-AC1667EBCBE1}">
+                <a14:hiddenEffects xmlns:a14="http://schemas.microsoft.com/office/drawing/2010/main">
+                  <a:effectLst>
+                    <a:outerShdw dist="35921" dir="2700000" algn="ctr" rotWithShape="0">
+                      <a:schemeClr val="bg2"/>
+                    </a:outerShdw>
+                  </a:effectLst>
+                </a14:hiddenEffects>
+              </a:ext>
+            </a:extLst>
+          </p:spPr>
+          <p:txBody>
+            <a:bodyPr vert="horz" wrap="none" lIns="0" tIns="0" rIns="0" bIns="0" numCol="1" anchor="ctr" anchorCtr="0" compatLnSpc="1">
+              <a:prstTxWarp prst="textNoShape">
+                <a:avLst/>
+              </a:prstTxWarp>
+              <a:spAutoFit/>
+            </a:bodyPr>
+            <a:lstStyle/>
+            <a:p>
+              <a:pPr marL="0" marR="0" lvl="0" indent="0" algn="l" defTabSz="914400" rtl="0" eaLnBrk="0" fontAlgn="base" latinLnBrk="0" hangingPunct="0">
+                <a:lnSpc>
+                  <a:spcPct val="100000"/>
+                </a:lnSpc>
+                <a:spcBef>
+                  <a:spcPct val="0"/>
+                </a:spcBef>
+                <a:spcAft>
+                  <a:spcPct val="0"/>
+                </a:spcAft>
+                <a:buClrTx/>
+                <a:buSzTx/>
+                <a:buFontTx/>
+                <a:buNone/>
+                <a:tabLst/>
+              </a:pPr>
+              <a:r>
+                <a:rPr kumimoji="0" lang="en-US" altLang="zh-CN" sz="1400" b="0" i="0" u="none" strike="noStrike" cap="none" normalizeH="0" baseline="0" smtClean="0">
+                  <a:ln>
+                    <a:noFill/>
+                  </a:ln>
+                  <a:solidFill>
+                    <a:srgbClr val="0000FF"/>
+                  </a:solidFill>
+                  <a:effectLst/>
+                  <a:latin typeface="Lucida Console" panose="020B0609040504020204" pitchFamily="49" charset="0"/>
+                </a:rPr>
+                <a:t>&gt; t&lt;-1:10</a:t>
+              </a:r>
+            </a:p>
+            <a:p>
+              <a:pPr marL="0" marR="0" lvl="0" indent="0" algn="l" defTabSz="914400" rtl="0" eaLnBrk="0" fontAlgn="base" latinLnBrk="0" hangingPunct="0">
+                <a:lnSpc>
+                  <a:spcPct val="100000"/>
+                </a:lnSpc>
+                <a:spcBef>
+                  <a:spcPct val="0"/>
+                </a:spcBef>
+                <a:spcAft>
+                  <a:spcPct val="0"/>
+                </a:spcAft>
+                <a:buClrTx/>
+                <a:buSzTx/>
+                <a:buFontTx/>
+                <a:buNone/>
+                <a:tabLst/>
+              </a:pPr>
+              <a:r>
+                <a:rPr kumimoji="0" lang="zh-CN" altLang="zh-CN" sz="1400" b="0" i="0" u="none" strike="noStrike" cap="none" normalizeH="0" baseline="0" smtClean="0">
+                  <a:ln>
+                    <a:noFill/>
+                  </a:ln>
+                  <a:solidFill>
+                    <a:srgbClr val="0000FF"/>
+                  </a:solidFill>
+                  <a:effectLst/>
+                  <a:latin typeface="Lucida Console" panose="020B0609040504020204" pitchFamily="49" charset="0"/>
+                </a:rPr>
+                <a:t>&gt; names</a:t>
+              </a:r>
+              <a:r>
+                <a:rPr kumimoji="0" lang="zh-CN" altLang="zh-CN" sz="1400" b="0" i="0" u="none" strike="noStrike" cap="none" normalizeH="0" baseline="0" smtClean="0">
+                  <a:ln>
+                    <a:noFill/>
+                  </a:ln>
+                  <a:solidFill>
+                    <a:srgbClr val="0000FF"/>
+                  </a:solidFill>
+                  <a:effectLst/>
+                  <a:latin typeface="Lucida Console" panose="020B0609040504020204" pitchFamily="49" charset="0"/>
+                </a:rPr>
+                <a:t>(t)&lt;-letters[1:10</a:t>
+              </a:r>
+              <a:r>
+                <a:rPr kumimoji="0" lang="zh-CN" altLang="zh-CN" sz="1400" b="0" i="0" u="none" strike="noStrike" cap="none" normalizeH="0" baseline="0" smtClean="0">
+                  <a:ln>
+                    <a:noFill/>
+                  </a:ln>
+                  <a:solidFill>
+                    <a:srgbClr val="0000FF"/>
+                  </a:solidFill>
+                  <a:effectLst/>
+                  <a:latin typeface="Lucida Console" panose="020B0609040504020204" pitchFamily="49" charset="0"/>
+                </a:rPr>
+                <a:t>] </a:t>
+              </a:r>
+              <a:endParaRPr kumimoji="0" lang="en-US" altLang="zh-CN" sz="1400" b="0" i="0" u="none" strike="noStrike" cap="none" normalizeH="0" baseline="0" smtClean="0">
+                <a:ln>
+                  <a:noFill/>
+                </a:ln>
+                <a:solidFill>
+                  <a:srgbClr val="0000FF"/>
+                </a:solidFill>
+                <a:effectLst/>
+                <a:latin typeface="Lucida Console" panose="020B0609040504020204" pitchFamily="49" charset="0"/>
+              </a:endParaRPr>
+            </a:p>
+            <a:p>
+              <a:pPr marL="0" marR="0" lvl="0" indent="0" algn="l" defTabSz="914400" rtl="0" eaLnBrk="0" fontAlgn="base" latinLnBrk="0" hangingPunct="0">
+                <a:lnSpc>
+                  <a:spcPct val="100000"/>
+                </a:lnSpc>
+                <a:spcBef>
+                  <a:spcPct val="0"/>
+                </a:spcBef>
+                <a:spcAft>
+                  <a:spcPct val="0"/>
+                </a:spcAft>
+                <a:buClrTx/>
+                <a:buSzTx/>
+                <a:buFontTx/>
+                <a:buNone/>
+                <a:tabLst/>
+              </a:pPr>
+              <a:r>
+                <a:rPr kumimoji="0" lang="zh-CN" altLang="zh-CN" sz="1400" b="0" i="0" u="none" strike="noStrike" cap="none" normalizeH="0" baseline="0" smtClean="0">
+                  <a:ln>
+                    <a:noFill/>
+                  </a:ln>
+                  <a:solidFill>
+                    <a:srgbClr val="0000FF"/>
+                  </a:solidFill>
+                  <a:effectLst/>
+                  <a:latin typeface="Lucida Console" panose="020B0609040504020204" pitchFamily="49" charset="0"/>
+                </a:rPr>
+                <a:t>&gt; </a:t>
+              </a:r>
+              <a:r>
+                <a:rPr kumimoji="0" lang="zh-CN" altLang="zh-CN" sz="1400" b="0" i="0" u="none" strike="noStrike" cap="none" normalizeH="0" baseline="0" smtClean="0">
+                  <a:ln>
+                    <a:noFill/>
+                  </a:ln>
+                  <a:solidFill>
+                    <a:srgbClr val="0000FF"/>
+                  </a:solidFill>
+                  <a:effectLst/>
+                  <a:latin typeface="Lucida Console" panose="020B0609040504020204" pitchFamily="49" charset="0"/>
+                </a:rPr>
+                <a:t>t</a:t>
+              </a:r>
+              <a:endParaRPr kumimoji="0" lang="zh-CN" altLang="zh-CN" sz="3200" b="0" i="0" u="none" strike="noStrike" cap="none" normalizeH="0" baseline="0" smtClean="0">
+                <a:ln>
+                  <a:noFill/>
+                </a:ln>
+                <a:solidFill>
+                  <a:schemeClr val="tx1"/>
+                </a:solidFill>
+                <a:effectLst/>
+                <a:latin typeface="Arial" panose="020B0604020202020204" pitchFamily="34" charset="0"/>
+              </a:endParaRPr>
+            </a:p>
+          </p:txBody>
+        </p:sp>
+        <p:sp>
+          <p:nvSpPr>
+            <p:cNvPr id="5" name="Rectangle 2"/>
+            <p:cNvSpPr>
+              <a:spLocks noChangeArrowheads="1"/>
+            </p:cNvSpPr>
+            <p:nvPr/>
+          </p:nvSpPr>
+          <p:spPr bwMode="auto">
+            <a:xfrm>
+              <a:off x="443620" y="3230573"/>
+              <a:ext cx="2255426" cy="430887"/>
+            </a:xfrm>
+            <a:prstGeom prst="rect">
+              <a:avLst/>
+            </a:prstGeom>
+            <a:solidFill>
+              <a:srgbClr val="FFFFFF"/>
+            </a:solidFill>
+            <a:ln>
+              <a:noFill/>
+            </a:ln>
+            <a:effectLst/>
+            <a:extLst>
+              <a:ext uri="{91240B29-F687-4F45-9708-019B960494DF}">
+                <a14:hiddenLine xmlns:a14="http://schemas.microsoft.com/office/drawing/2010/main" w="9525">
+                  <a:solidFill>
+                    <a:schemeClr val="tx1"/>
+                  </a:solidFill>
+                  <a:miter lim="800000"/>
+                  <a:headEnd/>
+                  <a:tailEnd/>
+                </a14:hiddenLine>
+              </a:ext>
+              <a:ext uri="{AF507438-7753-43E0-B8FC-AC1667EBCBE1}">
+                <a14:hiddenEffects xmlns:a14="http://schemas.microsoft.com/office/drawing/2010/main">
+                  <a:effectLst>
+                    <a:outerShdw dist="35921" dir="2700000" algn="ctr" rotWithShape="0">
+                      <a:schemeClr val="bg2"/>
+                    </a:outerShdw>
+                  </a:effectLst>
+                </a14:hiddenEffects>
+              </a:ext>
+            </a:extLst>
+          </p:spPr>
+          <p:txBody>
+            <a:bodyPr vert="horz" wrap="none" lIns="0" tIns="0" rIns="0" bIns="0" numCol="1" anchor="ctr" anchorCtr="0" compatLnSpc="1">
+              <a:prstTxWarp prst="textNoShape">
+                <a:avLst/>
+              </a:prstTxWarp>
+              <a:spAutoFit/>
+            </a:bodyPr>
+            <a:lstStyle/>
+            <a:p>
+              <a:pPr marL="0" marR="0" lvl="0" indent="0" algn="l" defTabSz="914400" rtl="0" eaLnBrk="0" fontAlgn="base" latinLnBrk="0" hangingPunct="0">
+                <a:lnSpc>
+                  <a:spcPct val="100000"/>
+                </a:lnSpc>
+                <a:spcBef>
+                  <a:spcPct val="0"/>
+                </a:spcBef>
+                <a:spcAft>
+                  <a:spcPct val="0"/>
+                </a:spcAft>
+                <a:buClrTx/>
+                <a:buSzTx/>
+                <a:buFontTx/>
+                <a:buNone/>
+                <a:tabLst/>
+              </a:pPr>
+              <a:r>
+                <a:rPr kumimoji="0" lang="zh-CN" altLang="zh-CN" sz="1400" b="0" i="0" u="none" strike="noStrike" cap="none" normalizeH="0" baseline="0" smtClean="0">
+                  <a:ln>
+                    <a:noFill/>
+                  </a:ln>
+                  <a:solidFill>
+                    <a:srgbClr val="000000"/>
+                  </a:solidFill>
+                  <a:effectLst/>
+                  <a:latin typeface="Lucida Console" panose="020B0609040504020204" pitchFamily="49" charset="0"/>
+                </a:rPr>
+                <a:t>a b c d e f g h i </a:t>
+              </a:r>
+              <a:r>
+                <a:rPr kumimoji="0" lang="zh-CN" altLang="zh-CN" sz="1400" b="0" i="0" u="none" strike="noStrike" cap="none" normalizeH="0" baseline="0" smtClean="0">
+                  <a:ln>
+                    <a:noFill/>
+                  </a:ln>
+                  <a:solidFill>
+                    <a:srgbClr val="000000"/>
+                  </a:solidFill>
+                  <a:effectLst/>
+                  <a:latin typeface="Lucida Console" panose="020B0609040504020204" pitchFamily="49" charset="0"/>
+                </a:rPr>
+                <a:t>j </a:t>
+              </a:r>
+              <a:endParaRPr kumimoji="0" lang="en-US" altLang="zh-CN" sz="1400" b="0" i="0" u="none" strike="noStrike" cap="none" normalizeH="0" baseline="0" smtClean="0">
+                <a:ln>
+                  <a:noFill/>
+                </a:ln>
+                <a:solidFill>
+                  <a:srgbClr val="000000"/>
+                </a:solidFill>
+                <a:effectLst/>
+                <a:latin typeface="Lucida Console" panose="020B0609040504020204" pitchFamily="49" charset="0"/>
+              </a:endParaRPr>
+            </a:p>
+            <a:p>
+              <a:pPr marL="0" marR="0" lvl="0" indent="0" algn="l" defTabSz="914400" rtl="0" eaLnBrk="0" fontAlgn="base" latinLnBrk="0" hangingPunct="0">
+                <a:lnSpc>
+                  <a:spcPct val="100000"/>
+                </a:lnSpc>
+                <a:spcBef>
+                  <a:spcPct val="0"/>
+                </a:spcBef>
+                <a:spcAft>
+                  <a:spcPct val="0"/>
+                </a:spcAft>
+                <a:buClrTx/>
+                <a:buSzTx/>
+                <a:buFontTx/>
+                <a:buNone/>
+                <a:tabLst/>
+              </a:pPr>
+              <a:r>
+                <a:rPr kumimoji="0" lang="zh-CN" altLang="zh-CN" sz="1400" b="0" i="0" u="none" strike="noStrike" cap="none" normalizeH="0" baseline="0" smtClean="0">
+                  <a:ln>
+                    <a:noFill/>
+                  </a:ln>
+                  <a:solidFill>
+                    <a:srgbClr val="000000"/>
+                  </a:solidFill>
+                  <a:effectLst/>
+                  <a:latin typeface="Lucida Console" panose="020B0609040504020204" pitchFamily="49" charset="0"/>
+                </a:rPr>
+                <a:t>1 </a:t>
+              </a:r>
+              <a:r>
+                <a:rPr kumimoji="0" lang="zh-CN" altLang="zh-CN" sz="1400" b="0" i="0" u="none" strike="noStrike" cap="none" normalizeH="0" baseline="0" smtClean="0">
+                  <a:ln>
+                    <a:noFill/>
+                  </a:ln>
+                  <a:solidFill>
+                    <a:srgbClr val="000000"/>
+                  </a:solidFill>
+                  <a:effectLst/>
+                  <a:latin typeface="Lucida Console" panose="020B0609040504020204" pitchFamily="49" charset="0"/>
+                </a:rPr>
+                <a:t>2 3 4 5 6 7 8 9 10 </a:t>
+              </a:r>
+              <a:endParaRPr kumimoji="0" lang="zh-CN" altLang="zh-CN" sz="3200" b="0" i="0" u="none" strike="noStrike" cap="none" normalizeH="0" baseline="0" smtClean="0">
+                <a:ln>
+                  <a:noFill/>
+                </a:ln>
+                <a:solidFill>
+                  <a:schemeClr val="tx1"/>
+                </a:solidFill>
+                <a:effectLst/>
+                <a:latin typeface="Arial" panose="020B0604020202020204" pitchFamily="34" charset="0"/>
+              </a:endParaRPr>
+            </a:p>
+          </p:txBody>
+        </p:sp>
+      </p:grpSp>
+      <p:sp>
+        <p:nvSpPr>
+          <p:cNvPr id="7" name="Rectangle 3"/>
           <p:cNvSpPr>
             <a:spLocks noChangeArrowheads="1"/>
           </p:cNvSpPr>
@@ -8603,8 +10502,8 @@
         </p:nvSpPr>
         <p:spPr bwMode="auto">
           <a:xfrm>
-            <a:off x="1213165" y="2500574"/>
-            <a:ext cx="4081245" cy="1292662"/>
+            <a:off x="1097280" y="4786173"/>
+            <a:ext cx="3759042" cy="861774"/>
           </a:xfrm>
           <a:prstGeom prst="rect">
             <a:avLst/>
@@ -8674,7 +10573,7 @@
                 <a:effectLst/>
                 <a:latin typeface="Lucida Console" panose="020B0609040504020204" pitchFamily="49" charset="0"/>
               </a:rPr>
-              <a:t>&gt; missing</a:t>
+              <a:t>&gt; "</a:t>
             </a:r>
             <a:r>
               <a:rPr kumimoji="0" lang="zh-CN" altLang="zh-CN" sz="1400" b="0" i="0" u="none" strike="noStrike" cap="none" normalizeH="0" baseline="0" smtClean="0">
@@ -8687,7 +10586,7 @@
                 <a:effectLst/>
                 <a:latin typeface="Lucida Console" panose="020B0609040504020204" pitchFamily="49" charset="0"/>
               </a:rPr>
-              <a:t>_fixer&lt;- function(na_value</a:t>
+              <a:t>second&lt;-" &lt;- function(x,value</a:t>
             </a:r>
             <a:r>
               <a:rPr kumimoji="0" lang="zh-CN" altLang="zh-CN" sz="1400" b="0" i="0" u="none" strike="noStrike" cap="none" normalizeH="0" baseline="0" smtClean="0">
@@ -8744,19 +10643,6 @@
               <a:t>+ </a:t>
             </a:r>
             <a:r>
-              <a:rPr kumimoji="0" lang="en-US" altLang="zh-CN" sz="1400" b="0" i="0" u="none" strike="noStrike" cap="none" normalizeH="0" baseline="0" smtClean="0">
-                <a:ln>
-                  <a:noFill/>
-                </a:ln>
-                <a:solidFill>
-                  <a:srgbClr val="0000FF"/>
-                </a:solidFill>
-                <a:effectLst/>
-                <a:latin typeface="Lucida Console" panose="020B0609040504020204" pitchFamily="49" charset="0"/>
-              </a:rPr>
-              <a:t>	</a:t>
-            </a:r>
-            <a:r>
               <a:rPr kumimoji="0" lang="zh-CN" altLang="zh-CN" sz="1400" b="0" i="0" u="none" strike="noStrike" cap="none" normalizeH="0" baseline="0" smtClean="0">
                 <a:ln>
                   <a:noFill/>
@@ -8767,7 +10653,7 @@
                 <a:effectLst/>
                 <a:latin typeface="Lucida Console" panose="020B0609040504020204" pitchFamily="49" charset="0"/>
               </a:rPr>
-              <a:t>function</a:t>
+              <a:t>x[2]&lt;-</a:t>
             </a:r>
             <a:r>
               <a:rPr kumimoji="0" lang="zh-CN" altLang="zh-CN" sz="1400" b="0" i="0" u="none" strike="noStrike" cap="none" normalizeH="0" baseline="0" smtClean="0">
@@ -8780,20 +10666,7 @@
                 <a:effectLst/>
                 <a:latin typeface="Lucida Console" panose="020B0609040504020204" pitchFamily="49" charset="0"/>
               </a:rPr>
-              <a:t>(x</a:t>
-            </a:r>
-            <a:r>
-              <a:rPr kumimoji="0" lang="zh-CN" altLang="zh-CN" sz="1400" b="0" i="0" u="none" strike="noStrike" cap="none" normalizeH="0" baseline="0" smtClean="0">
-                <a:ln>
-                  <a:noFill/>
-                </a:ln>
-                <a:solidFill>
-                  <a:srgbClr val="0000FF"/>
-                </a:solidFill>
-                <a:effectLst/>
-                <a:latin typeface="Lucida Console" panose="020B0609040504020204" pitchFamily="49" charset="0"/>
-              </a:rPr>
-              <a:t>){ </a:t>
+              <a:t>value </a:t>
             </a:r>
             <a:endParaRPr kumimoji="0" lang="en-US" altLang="zh-CN" sz="1400" b="0" i="0" u="none" strike="noStrike" cap="none" normalizeH="0" baseline="0" smtClean="0">
               <a:ln>
@@ -8837,19 +10710,6 @@
               <a:t>+ </a:t>
             </a:r>
             <a:r>
-              <a:rPr kumimoji="0" lang="en-US" altLang="zh-CN" sz="1400" b="0" i="0" u="none" strike="noStrike" cap="none" normalizeH="0" baseline="0" smtClean="0">
-                <a:ln>
-                  <a:noFill/>
-                </a:ln>
-                <a:solidFill>
-                  <a:srgbClr val="0000FF"/>
-                </a:solidFill>
-                <a:effectLst/>
-                <a:latin typeface="Lucida Console" panose="020B0609040504020204" pitchFamily="49" charset="0"/>
-              </a:rPr>
-              <a:t>		</a:t>
-            </a:r>
-            <a:r>
               <a:rPr kumimoji="0" lang="zh-CN" altLang="zh-CN" sz="1400" b="0" i="0" u="none" strike="noStrike" cap="none" normalizeH="0" baseline="0" smtClean="0">
                 <a:ln>
                   <a:noFill/>
@@ -8860,46 +10720,7 @@
                 <a:effectLst/>
                 <a:latin typeface="Lucida Console" panose="020B0609040504020204" pitchFamily="49" charset="0"/>
               </a:rPr>
-              <a:t>x</a:t>
-            </a:r>
-            <a:r>
-              <a:rPr kumimoji="0" lang="zh-CN" altLang="zh-CN" sz="1400" b="0" i="0" u="none" strike="noStrike" cap="none" normalizeH="0" baseline="0" smtClean="0">
-                <a:ln>
-                  <a:noFill/>
-                </a:ln>
-                <a:solidFill>
-                  <a:srgbClr val="0000FF"/>
-                </a:solidFill>
-                <a:effectLst/>
-                <a:latin typeface="Lucida Console" panose="020B0609040504020204" pitchFamily="49" charset="0"/>
-              </a:rPr>
-              <a:t>[x==na_value</a:t>
-            </a:r>
-            <a:r>
-              <a:rPr kumimoji="0" lang="zh-CN" altLang="zh-CN" sz="1400" b="0" i="0" u="none" strike="noStrike" cap="none" normalizeH="0" baseline="0" smtClean="0">
-                <a:ln>
-                  <a:noFill/>
-                </a:ln>
-                <a:solidFill>
-                  <a:srgbClr val="0000FF"/>
-                </a:solidFill>
-                <a:effectLst/>
-                <a:latin typeface="Lucida Console" panose="020B0609040504020204" pitchFamily="49" charset="0"/>
-              </a:rPr>
-              <a:t>]&lt;-</a:t>
-            </a:r>
-            <a:r>
-              <a:rPr kumimoji="0" lang="zh-CN" altLang="zh-CN" sz="1400" b="0" i="0" u="none" strike="noStrike" cap="none" normalizeH="0" baseline="0" smtClean="0">
-                <a:ln>
-                  <a:noFill/>
-                </a:ln>
-                <a:solidFill>
-                  <a:srgbClr val="0000FF"/>
-                </a:solidFill>
-                <a:effectLst/>
-                <a:latin typeface="Lucida Console" panose="020B0609040504020204" pitchFamily="49" charset="0"/>
-              </a:rPr>
-              <a:t>NA</a:t>
+              <a:t>x </a:t>
             </a:r>
             <a:endParaRPr kumimoji="0" lang="en-US" altLang="zh-CN" sz="1400" b="0" i="0" u="none" strike="noStrike" cap="none" normalizeH="0" baseline="0" smtClean="0">
               <a:ln>
@@ -8930,127 +10751,6 @@
               <a:tabLst/>
             </a:pPr>
             <a:r>
-              <a:rPr kumimoji="0" lang="en-US" altLang="zh-CN" sz="1400" b="0" i="0" u="none" strike="noStrike" cap="none" normalizeH="0" baseline="0" smtClean="0">
-                <a:ln>
-                  <a:noFill/>
-                </a:ln>
-                <a:solidFill>
-                  <a:srgbClr val="0000FF"/>
-                </a:solidFill>
-                <a:effectLst/>
-                <a:latin typeface="Lucida Console" panose="020B0609040504020204" pitchFamily="49" charset="0"/>
-              </a:rPr>
-              <a:t>+		x</a:t>
-            </a:r>
-            <a:r>
-              <a:rPr kumimoji="0" lang="zh-CN" altLang="zh-CN" sz="1400" b="0" i="0" u="none" strike="noStrike" cap="none" normalizeH="0" baseline="0" smtClean="0">
-                <a:ln>
-                  <a:noFill/>
-                </a:ln>
-                <a:solidFill>
-                  <a:srgbClr val="0000FF"/>
-                </a:solidFill>
-                <a:effectLst/>
-                <a:latin typeface="Lucida Console" panose="020B0609040504020204" pitchFamily="49" charset="0"/>
-              </a:rPr>
-              <a:t> </a:t>
-            </a:r>
-            <a:endParaRPr kumimoji="0" lang="en-US" altLang="zh-CN" sz="1400" b="0" i="0" u="none" strike="noStrike" cap="none" normalizeH="0" baseline="0" smtClean="0">
-              <a:ln>
-                <a:noFill/>
-              </a:ln>
-              <a:solidFill>
-                <a:srgbClr val="0000FF"/>
-              </a:solidFill>
-              <a:effectLst/>
-              <a:latin typeface="Lucida Console" panose="020B0609040504020204" pitchFamily="49" charset="0"/>
-            </a:endParaRPr>
-          </a:p>
-          <a:p>
-            <a:pPr marL="0" marR="0" lvl="0" indent="0" algn="l" defTabSz="914400" rtl="0" eaLnBrk="0" fontAlgn="base" latinLnBrk="0" hangingPunct="0">
-              <a:lnSpc>
-                <a:spcPct val="100000"/>
-              </a:lnSpc>
-              <a:spcBef>
-                <a:spcPct val="0"/>
-              </a:spcBef>
-              <a:spcAft>
-                <a:spcPct val="0"/>
-              </a:spcAft>
-              <a:buClrTx/>
-              <a:buSzTx/>
-              <a:buFontTx/>
-              <a:buNone/>
-              <a:tabLst/>
-            </a:pPr>
-            <a:r>
-              <a:rPr kumimoji="0" lang="zh-CN" altLang="zh-CN" sz="1400" b="0" i="0" u="none" strike="noStrike" cap="none" normalizeH="0" baseline="0" smtClean="0">
-                <a:ln>
-                  <a:noFill/>
-                </a:ln>
-                <a:solidFill>
-                  <a:srgbClr val="0000FF"/>
-                </a:solidFill>
-                <a:effectLst/>
-                <a:latin typeface="Lucida Console" panose="020B0609040504020204" pitchFamily="49" charset="0"/>
-              </a:rPr>
-              <a:t>+ </a:t>
-            </a:r>
-            <a:r>
-              <a:rPr kumimoji="0" lang="en-US" altLang="zh-CN" sz="1400" b="0" i="0" u="none" strike="noStrike" cap="none" normalizeH="0" baseline="0" smtClean="0">
-                <a:ln>
-                  <a:noFill/>
-                </a:ln>
-                <a:solidFill>
-                  <a:srgbClr val="0000FF"/>
-                </a:solidFill>
-                <a:effectLst/>
-                <a:latin typeface="Lucida Console" panose="020B0609040504020204" pitchFamily="49" charset="0"/>
-              </a:rPr>
-              <a:t>	</a:t>
-            </a:r>
-            <a:r>
-              <a:rPr kumimoji="0" lang="zh-CN" altLang="zh-CN" sz="1400" b="0" i="0" u="none" strike="noStrike" cap="none" normalizeH="0" baseline="0" smtClean="0">
-                <a:ln>
-                  <a:noFill/>
-                </a:ln>
-                <a:solidFill>
-                  <a:srgbClr val="0000FF"/>
-                </a:solidFill>
-                <a:effectLst/>
-                <a:latin typeface="Lucida Console" panose="020B0609040504020204" pitchFamily="49" charset="0"/>
-              </a:rPr>
-              <a:t>} </a:t>
-            </a:r>
-            <a:endParaRPr kumimoji="0" lang="en-US" altLang="zh-CN" sz="1400" b="0" i="0" u="none" strike="noStrike" cap="none" normalizeH="0" baseline="0" smtClean="0">
-              <a:ln>
-                <a:noFill/>
-              </a:ln>
-              <a:solidFill>
-                <a:srgbClr val="0000FF"/>
-              </a:solidFill>
-              <a:effectLst/>
-              <a:latin typeface="Lucida Console" panose="020B0609040504020204" pitchFamily="49" charset="0"/>
-            </a:endParaRPr>
-          </a:p>
-          <a:p>
-            <a:pPr marL="0" marR="0" lvl="0" indent="0" algn="l" defTabSz="914400" rtl="0" eaLnBrk="0" fontAlgn="base" latinLnBrk="0" hangingPunct="0">
-              <a:lnSpc>
-                <a:spcPct val="100000"/>
-              </a:lnSpc>
-              <a:spcBef>
-                <a:spcPct val="0"/>
-              </a:spcBef>
-              <a:spcAft>
-                <a:spcPct val="0"/>
-              </a:spcAft>
-              <a:buClrTx/>
-              <a:buSzTx/>
-              <a:buFontTx/>
-              <a:buNone/>
-              <a:tabLst/>
-            </a:pPr>
-            <a:r>
               <a:rPr kumimoji="0" lang="zh-CN" altLang="zh-CN" sz="1400" b="0" i="0" u="none" strike="noStrike" cap="none" normalizeH="0" baseline="0" smtClean="0">
                 <a:ln>
                   <a:noFill/>
@@ -9089,33 +10789,9 @@
           </a:p>
         </p:txBody>
       </p:sp>
-      <p:pic>
-        <p:nvPicPr>
-          <p:cNvPr id="5" name="图片 4"/>
-          <p:cNvPicPr>
-            <a:picLocks noChangeAspect="1"/>
-          </p:cNvPicPr>
-          <p:nvPr/>
-        </p:nvPicPr>
-        <p:blipFill>
-          <a:blip r:embed="rId2"/>
-          <a:stretch>
-            <a:fillRect/>
-          </a:stretch>
-        </p:blipFill>
-        <p:spPr>
-          <a:xfrm>
-            <a:off x="8138971" y="2466314"/>
-            <a:ext cx="2686050" cy="1219200"/>
-          </a:xfrm>
-          <a:prstGeom prst="rect">
-            <a:avLst/>
-          </a:prstGeom>
-        </p:spPr>
-      </p:pic>
-      <p:sp>
-        <p:nvSpPr>
-          <p:cNvPr id="6" name="Rectangle 2"/>
+      <p:sp>
+        <p:nvSpPr>
+          <p:cNvPr id="8" name="Rectangle 4"/>
           <p:cNvSpPr>
             <a:spLocks noChangeArrowheads="1"/>
           </p:cNvSpPr>
@@ -9123,8 +10799,8 @@
         </p:nvSpPr>
         <p:spPr bwMode="auto">
           <a:xfrm>
-            <a:off x="1097280" y="4340354"/>
-            <a:ext cx="2685030" cy="215444"/>
+            <a:off x="1097280" y="5784416"/>
+            <a:ext cx="1611018" cy="215444"/>
           </a:xfrm>
           <a:prstGeom prst="rect">
             <a:avLst/>
@@ -9194,7 +10870,7 @@
                 <a:effectLst/>
                 <a:latin typeface="Lucida Console" panose="020B0609040504020204" pitchFamily="49" charset="0"/>
               </a:rPr>
-              <a:t>&gt; f99&lt;- missing_fixer(99)</a:t>
+              <a:t>&gt; second(t)&lt;-50</a:t>
             </a:r>
             <a:endParaRPr kumimoji="0" lang="zh-CN" altLang="zh-CN" sz="3200" b="0" i="0" u="none" strike="noStrike" cap="none" normalizeH="0" baseline="0" smtClean="0">
               <a:ln>
@@ -9211,14 +10887,231 @@
       </p:sp>
       <p:sp>
         <p:nvSpPr>
-          <p:cNvPr id="7" name="文本框 6"/>
+          <p:cNvPr id="9" name="Rectangle 5"/>
+          <p:cNvSpPr>
+            <a:spLocks noChangeArrowheads="1"/>
+          </p:cNvSpPr>
+          <p:nvPr/>
+        </p:nvSpPr>
+        <p:spPr bwMode="auto">
+          <a:xfrm>
+            <a:off x="6590923" y="4808504"/>
+            <a:ext cx="2362826" cy="646331"/>
+          </a:xfrm>
+          <a:prstGeom prst="rect">
+            <a:avLst/>
+          </a:prstGeom>
+          <a:solidFill>
+            <a:srgbClr val="FFFFFF"/>
+          </a:solidFill>
+          <a:ln>
+            <a:noFill/>
+          </a:ln>
+          <a:effectLst/>
+          <a:extLst>
+            <a:ext uri="{91240B29-F687-4F45-9708-019B960494DF}">
+              <a14:hiddenLine xmlns:a14="http://schemas.microsoft.com/office/drawing/2010/main" w="9525">
+                <a:solidFill>
+                  <a:schemeClr val="tx1"/>
+                </a:solidFill>
+                <a:miter lim="800000"/>
+                <a:headEnd/>
+                <a:tailEnd/>
+              </a14:hiddenLine>
+            </a:ext>
+            <a:ext uri="{AF507438-7753-43E0-B8FC-AC1667EBCBE1}">
+              <a14:hiddenEffects xmlns:a14="http://schemas.microsoft.com/office/drawing/2010/main">
+                <a:effectLst>
+                  <a:outerShdw dist="35921" dir="2700000" algn="ctr" rotWithShape="0">
+                    <a:schemeClr val="bg2"/>
+                  </a:outerShdw>
+                </a:effectLst>
+              </a14:hiddenEffects>
+            </a:ext>
+          </a:extLst>
+        </p:spPr>
+        <p:txBody>
+          <a:bodyPr vert="horz" wrap="none" lIns="0" tIns="0" rIns="0" bIns="0" numCol="1" anchor="ctr" anchorCtr="0" compatLnSpc="1">
+            <a:prstTxWarp prst="textNoShape">
+              <a:avLst/>
+            </a:prstTxWarp>
+            <a:spAutoFit/>
+          </a:bodyPr>
+          <a:lstStyle/>
+          <a:p>
+            <a:pPr marL="0" marR="0" lvl="0" indent="0" algn="l" defTabSz="914400" rtl="0" eaLnBrk="0" fontAlgn="base" latinLnBrk="0" hangingPunct="0">
+              <a:lnSpc>
+                <a:spcPct val="100000"/>
+              </a:lnSpc>
+              <a:spcBef>
+                <a:spcPct val="0"/>
+              </a:spcBef>
+              <a:spcAft>
+                <a:spcPct val="0"/>
+              </a:spcAft>
+              <a:buClrTx/>
+              <a:buSzTx/>
+              <a:buFontTx/>
+              <a:buNone/>
+              <a:tabLst/>
+            </a:pPr>
+            <a:r>
+              <a:rPr kumimoji="0" lang="zh-CN" altLang="zh-CN" sz="1400" b="0" i="0" u="none" strike="noStrike" cap="none" normalizeH="0" baseline="0" smtClean="0">
+                <a:ln>
+                  <a:noFill/>
+                </a:ln>
+                <a:solidFill>
+                  <a:srgbClr val="0000FF"/>
+                </a:solidFill>
+                <a:effectLst/>
+                <a:latin typeface="Lucida Console" panose="020B0609040504020204" pitchFamily="49" charset="0"/>
+              </a:rPr>
+              <a:t>&gt; t </a:t>
+            </a:r>
+            <a:endParaRPr kumimoji="0" lang="en-US" altLang="zh-CN" sz="1400" b="0" i="0" u="none" strike="noStrike" cap="none" normalizeH="0" baseline="0" smtClean="0">
+              <a:ln>
+                <a:noFill/>
+              </a:ln>
+              <a:solidFill>
+                <a:srgbClr val="0000FF"/>
+              </a:solidFill>
+              <a:effectLst/>
+              <a:latin typeface="Lucida Console" panose="020B0609040504020204" pitchFamily="49" charset="0"/>
+            </a:endParaRPr>
+          </a:p>
+          <a:p>
+            <a:pPr marL="0" marR="0" lvl="0" indent="0" algn="l" defTabSz="914400" rtl="0" eaLnBrk="0" fontAlgn="base" latinLnBrk="0" hangingPunct="0">
+              <a:lnSpc>
+                <a:spcPct val="100000"/>
+              </a:lnSpc>
+              <a:spcBef>
+                <a:spcPct val="0"/>
+              </a:spcBef>
+              <a:spcAft>
+                <a:spcPct val="0"/>
+              </a:spcAft>
+              <a:buClrTx/>
+              <a:buSzTx/>
+              <a:buFontTx/>
+              <a:buNone/>
+              <a:tabLst/>
+            </a:pPr>
+            <a:r>
+              <a:rPr kumimoji="0" lang="zh-CN" altLang="zh-CN" sz="1400" b="0" i="0" u="none" strike="noStrike" cap="none" normalizeH="0" baseline="0" smtClean="0">
+                <a:ln>
+                  <a:noFill/>
+                </a:ln>
+                <a:solidFill>
+                  <a:srgbClr val="000000"/>
+                </a:solidFill>
+                <a:effectLst/>
+                <a:latin typeface="Lucida Console" panose="020B0609040504020204" pitchFamily="49" charset="0"/>
+              </a:rPr>
+              <a:t>a </a:t>
+            </a:r>
+            <a:r>
+              <a:rPr kumimoji="0" lang="zh-CN" altLang="zh-CN" sz="1400" b="0" i="0" u="none" strike="noStrike" cap="none" normalizeH="0" baseline="0" smtClean="0">
+                <a:ln>
+                  <a:noFill/>
+                </a:ln>
+                <a:solidFill>
+                  <a:srgbClr val="000000"/>
+                </a:solidFill>
+                <a:effectLst/>
+                <a:latin typeface="Lucida Console" panose="020B0609040504020204" pitchFamily="49" charset="0"/>
+              </a:rPr>
+              <a:t>b c d e f g h i </a:t>
+            </a:r>
+            <a:r>
+              <a:rPr kumimoji="0" lang="zh-CN" altLang="zh-CN" sz="1400" b="0" i="0" u="none" strike="noStrike" cap="none" normalizeH="0" baseline="0" smtClean="0">
+                <a:ln>
+                  <a:noFill/>
+                </a:ln>
+                <a:solidFill>
+                  <a:srgbClr val="000000"/>
+                </a:solidFill>
+                <a:effectLst/>
+                <a:latin typeface="Lucida Console" panose="020B0609040504020204" pitchFamily="49" charset="0"/>
+              </a:rPr>
+              <a:t>j </a:t>
+            </a:r>
+            <a:endParaRPr kumimoji="0" lang="en-US" altLang="zh-CN" sz="1400" b="0" i="0" u="none" strike="noStrike" cap="none" normalizeH="0" baseline="0" smtClean="0">
+              <a:ln>
+                <a:noFill/>
+              </a:ln>
+              <a:solidFill>
+                <a:srgbClr val="000000"/>
+              </a:solidFill>
+              <a:effectLst/>
+              <a:latin typeface="Lucida Console" panose="020B0609040504020204" pitchFamily="49" charset="0"/>
+            </a:endParaRPr>
+          </a:p>
+          <a:p>
+            <a:pPr marL="0" marR="0" lvl="0" indent="0" algn="l" defTabSz="914400" rtl="0" eaLnBrk="0" fontAlgn="base" latinLnBrk="0" hangingPunct="0">
+              <a:lnSpc>
+                <a:spcPct val="100000"/>
+              </a:lnSpc>
+              <a:spcBef>
+                <a:spcPct val="0"/>
+              </a:spcBef>
+              <a:spcAft>
+                <a:spcPct val="0"/>
+              </a:spcAft>
+              <a:buClrTx/>
+              <a:buSzTx/>
+              <a:buFontTx/>
+              <a:buNone/>
+              <a:tabLst/>
+            </a:pPr>
+            <a:r>
+              <a:rPr kumimoji="0" lang="zh-CN" altLang="zh-CN" sz="1400" b="0" i="0" u="none" strike="noStrike" cap="none" normalizeH="0" baseline="0" smtClean="0">
+                <a:ln>
+                  <a:noFill/>
+                </a:ln>
+                <a:solidFill>
+                  <a:srgbClr val="000000"/>
+                </a:solidFill>
+                <a:effectLst/>
+                <a:latin typeface="Lucida Console" panose="020B0609040504020204" pitchFamily="49" charset="0"/>
+              </a:rPr>
+              <a:t>1 </a:t>
+            </a:r>
+            <a:r>
+              <a:rPr kumimoji="0" lang="zh-CN" altLang="zh-CN" sz="1400" b="0" i="0" u="none" strike="noStrike" cap="none" normalizeH="0" baseline="0" smtClean="0">
+                <a:ln>
+                  <a:noFill/>
+                </a:ln>
+                <a:solidFill>
+                  <a:srgbClr val="000000"/>
+                </a:solidFill>
+                <a:effectLst/>
+                <a:latin typeface="Lucida Console" panose="020B0609040504020204" pitchFamily="49" charset="0"/>
+              </a:rPr>
+              <a:t>50 3 4 5 6 7 8 9 10 </a:t>
+            </a:r>
+            <a:endParaRPr kumimoji="0" lang="zh-CN" altLang="zh-CN" sz="3200" b="0" i="0" u="none" strike="noStrike" cap="none" normalizeH="0" baseline="0" smtClean="0">
+              <a:ln>
+                <a:noFill/>
+              </a:ln>
+              <a:solidFill>
+                <a:schemeClr val="tx1"/>
+              </a:solidFill>
+              <a:effectLst/>
+              <a:latin typeface="Arial" panose="020B0604020202020204" pitchFamily="34" charset="0"/>
+            </a:endParaRPr>
+          </a:p>
+        </p:txBody>
+      </p:sp>
+      <p:sp>
+        <p:nvSpPr>
+          <p:cNvPr id="10" name="文本框 9"/>
           <p:cNvSpPr txBox="1"/>
           <p:nvPr/>
         </p:nvSpPr>
         <p:spPr>
           <a:xfrm>
-            <a:off x="4463358" y="4526733"/>
-            <a:ext cx="3985386" cy="369332"/>
+            <a:off x="4653205" y="5784416"/>
+            <a:ext cx="7280649" cy="646331"/>
           </a:xfrm>
           <a:prstGeom prst="rect">
             <a:avLst/>
@@ -9226,217 +11119,21 @@
           <a:noFill/>
         </p:spPr>
         <p:txBody>
-          <a:bodyPr wrap="none" rtlCol="0">
+          <a:bodyPr wrap="square" rtlCol="0">
             <a:spAutoFit/>
           </a:bodyPr>
           <a:lstStyle/>
           <a:p>
             <a:r>
-              <a:rPr lang="zh-CN" altLang="en-US" smtClean="0"/>
-              <a:t>此时</a:t>
-            </a:r>
-            <a:r>
-              <a:rPr lang="en-US" altLang="zh-CN" smtClean="0"/>
-              <a:t>f99</a:t>
-            </a:r>
-            <a:r>
-              <a:rPr lang="zh-CN" altLang="en-US" smtClean="0"/>
-              <a:t>变成了一个函数，它的结构是</a:t>
-            </a:r>
-            <a:endParaRPr lang="zh-CN" altLang="en-US"/>
-          </a:p>
-        </p:txBody>
-      </p:sp>
-      <p:sp>
-        <p:nvSpPr>
-          <p:cNvPr id="9" name="矩形 8"/>
-          <p:cNvSpPr/>
-          <p:nvPr/>
-        </p:nvSpPr>
-        <p:spPr>
-          <a:xfrm>
-            <a:off x="8856172" y="4555798"/>
-            <a:ext cx="1892080" cy="954107"/>
-          </a:xfrm>
-          <a:prstGeom prst="rect">
-            <a:avLst/>
-          </a:prstGeom>
-        </p:spPr>
-        <p:txBody>
-          <a:bodyPr wrap="square">
-            <a:spAutoFit/>
-          </a:bodyPr>
-          <a:lstStyle/>
-          <a:p>
-            <a:pPr lvl="0" eaLnBrk="0" fontAlgn="base" hangingPunct="0">
-              <a:spcBef>
-                <a:spcPct val="0"/>
-              </a:spcBef>
-              <a:spcAft>
-                <a:spcPct val="0"/>
-              </a:spcAft>
-            </a:pPr>
-            <a:r>
-              <a:rPr lang="zh-CN" altLang="zh-CN" sz="1400">
-                <a:solidFill>
-                  <a:srgbClr val="0000FF"/>
-                </a:solidFill>
-                <a:latin typeface="Lucida Console" panose="020B0609040504020204" pitchFamily="49" charset="0"/>
-              </a:rPr>
-              <a:t>function(x){ </a:t>
-            </a:r>
-            <a:endParaRPr lang="en-US" altLang="zh-CN" sz="1400">
-              <a:solidFill>
-                <a:srgbClr val="0000FF"/>
-              </a:solidFill>
-              <a:latin typeface="Lucida Console" panose="020B0609040504020204" pitchFamily="49" charset="0"/>
-            </a:endParaRPr>
-          </a:p>
-          <a:p>
-            <a:pPr lvl="0" eaLnBrk="0" fontAlgn="base" hangingPunct="0">
-              <a:spcBef>
-                <a:spcPct val="0"/>
-              </a:spcBef>
-              <a:spcAft>
-                <a:spcPct val="0"/>
-              </a:spcAft>
-            </a:pPr>
-            <a:r>
-              <a:rPr lang="zh-CN" altLang="zh-CN" sz="1400">
-                <a:solidFill>
-                  <a:srgbClr val="0000FF"/>
-                </a:solidFill>
-                <a:latin typeface="Lucida Console" panose="020B0609040504020204" pitchFamily="49" charset="0"/>
-              </a:rPr>
-              <a:t>+ </a:t>
-            </a:r>
-            <a:r>
-              <a:rPr lang="zh-CN" altLang="zh-CN" sz="1400" smtClean="0">
-                <a:solidFill>
-                  <a:srgbClr val="0000FF"/>
-                </a:solidFill>
-                <a:latin typeface="Lucida Console" panose="020B0609040504020204" pitchFamily="49" charset="0"/>
-              </a:rPr>
-              <a:t>x</a:t>
-            </a:r>
-            <a:r>
-              <a:rPr lang="zh-CN" altLang="zh-CN" sz="1400">
-                <a:solidFill>
-                  <a:srgbClr val="0000FF"/>
-                </a:solidFill>
-                <a:latin typeface="Lucida Console" panose="020B0609040504020204" pitchFamily="49" charset="0"/>
-              </a:rPr>
-              <a:t>[</a:t>
-            </a:r>
-            <a:r>
-              <a:rPr lang="zh-CN" altLang="zh-CN" sz="1400">
-                <a:solidFill>
-                  <a:srgbClr val="0000FF"/>
-                </a:solidFill>
-                <a:latin typeface="Lucida Console" panose="020B0609040504020204" pitchFamily="49" charset="0"/>
-              </a:rPr>
-              <a:t>x</a:t>
-            </a:r>
-            <a:r>
-              <a:rPr lang="zh-CN" altLang="zh-CN" sz="1400" smtClean="0">
-                <a:solidFill>
-                  <a:srgbClr val="0000FF"/>
-                </a:solidFill>
-                <a:latin typeface="Lucida Console" panose="020B0609040504020204" pitchFamily="49" charset="0"/>
-              </a:rPr>
-              <a:t>==</a:t>
-            </a:r>
-            <a:r>
-              <a:rPr lang="en-US" altLang="zh-CN" sz="1400" smtClean="0">
-                <a:solidFill>
-                  <a:srgbClr val="0000FF"/>
-                </a:solidFill>
-                <a:latin typeface="Lucida Console" panose="020B0609040504020204" pitchFamily="49" charset="0"/>
-              </a:rPr>
-              <a:t>99</a:t>
-            </a:r>
-            <a:r>
-              <a:rPr lang="zh-CN" altLang="zh-CN" sz="1400" smtClean="0">
-                <a:solidFill>
-                  <a:srgbClr val="0000FF"/>
-                </a:solidFill>
-                <a:latin typeface="Lucida Console" panose="020B0609040504020204" pitchFamily="49" charset="0"/>
-              </a:rPr>
-              <a:t>]&lt;-</a:t>
-            </a:r>
-            <a:r>
-              <a:rPr lang="zh-CN" altLang="zh-CN" sz="1400">
-                <a:solidFill>
-                  <a:srgbClr val="0000FF"/>
-                </a:solidFill>
-                <a:latin typeface="Lucida Console" panose="020B0609040504020204" pitchFamily="49" charset="0"/>
-              </a:rPr>
-              <a:t>NA</a:t>
-            </a:r>
-            <a:endParaRPr lang="en-US" altLang="zh-CN" sz="1400">
-              <a:solidFill>
-                <a:srgbClr val="0000FF"/>
-              </a:solidFill>
-              <a:latin typeface="Lucida Console" panose="020B0609040504020204" pitchFamily="49" charset="0"/>
-            </a:endParaRPr>
-          </a:p>
-          <a:p>
-            <a:pPr lvl="0" eaLnBrk="0" fontAlgn="base" hangingPunct="0">
-              <a:spcBef>
-                <a:spcPct val="0"/>
-              </a:spcBef>
-              <a:spcAft>
-                <a:spcPct val="0"/>
-              </a:spcAft>
-            </a:pPr>
-            <a:r>
-              <a:rPr lang="en-US" altLang="zh-CN" sz="1400" smtClean="0">
-                <a:solidFill>
-                  <a:srgbClr val="0000FF"/>
-                </a:solidFill>
-                <a:latin typeface="Lucida Console" panose="020B0609040504020204" pitchFamily="49" charset="0"/>
-              </a:rPr>
-              <a:t>+x</a:t>
-            </a:r>
-            <a:r>
-              <a:rPr lang="zh-CN" altLang="zh-CN" sz="1400" smtClean="0">
-                <a:solidFill>
-                  <a:srgbClr val="0000FF"/>
-                </a:solidFill>
-                <a:latin typeface="Lucida Console" panose="020B0609040504020204" pitchFamily="49" charset="0"/>
-              </a:rPr>
-              <a:t> </a:t>
-            </a:r>
-            <a:endParaRPr lang="en-US" altLang="zh-CN" sz="1400">
-              <a:solidFill>
-                <a:srgbClr val="0000FF"/>
-              </a:solidFill>
-              <a:latin typeface="Lucida Console" panose="020B0609040504020204" pitchFamily="49" charset="0"/>
-            </a:endParaRPr>
-          </a:p>
-          <a:p>
-            <a:pPr lvl="0" eaLnBrk="0" fontAlgn="base" hangingPunct="0">
-              <a:spcBef>
-                <a:spcPct val="0"/>
-              </a:spcBef>
-              <a:spcAft>
-                <a:spcPct val="0"/>
-              </a:spcAft>
-            </a:pPr>
-            <a:r>
-              <a:rPr lang="zh-CN" altLang="zh-CN" sz="1400" smtClean="0">
-                <a:solidFill>
-                  <a:srgbClr val="0000FF"/>
-                </a:solidFill>
-                <a:latin typeface="Lucida Console" panose="020B0609040504020204" pitchFamily="49" charset="0"/>
-              </a:rPr>
-              <a:t>+} </a:t>
-            </a:r>
-            <a:endParaRPr lang="en-US" altLang="zh-CN" sz="1400">
-              <a:solidFill>
-                <a:srgbClr val="0000FF"/>
-              </a:solidFill>
-              <a:latin typeface="Lucida Console" panose="020B0609040504020204" pitchFamily="49" charset="0"/>
+              <a:rPr lang="zh-CN" altLang="en-US" smtClean="0">
+                <a:latin typeface="华文楷体" panose="02010600040101010101" pitchFamily="2" charset="-122"/>
+                <a:ea typeface="华文楷体" panose="02010600040101010101" pitchFamily="2" charset="-122"/>
+              </a:rPr>
+              <a:t>替换函数虽然也是以前缀方式创制，但它的参数一般只有两个，一个被替换的数据集，一个则是替换内容</a:t>
+            </a:r>
+            <a:endParaRPr lang="zh-CN" altLang="en-US">
+              <a:latin typeface="华文楷体" panose="02010600040101010101" pitchFamily="2" charset="-122"/>
+              <a:ea typeface="华文楷体" panose="02010600040101010101" pitchFamily="2" charset="-122"/>
             </a:endParaRPr>
           </a:p>
         </p:txBody>
@@ -9444,7 +11141,7 @@
     </p:spTree>
     <p:extLst>
       <p:ext uri="{BB962C8B-B14F-4D97-AF65-F5344CB8AC3E}">
-        <p14:creationId xmlns:p14="http://schemas.microsoft.com/office/powerpoint/2010/main" val="2899555100"/>
+        <p14:creationId xmlns:p14="http://schemas.microsoft.com/office/powerpoint/2010/main" val="2718019565"/>
       </p:ext>
     </p:extLst>
   </p:cSld>
@@ -9487,8 +11184,12 @@
           <a:lstStyle/>
           <a:p>
             <a:r>
-              <a:rPr lang="zh-CN" altLang="en-US" smtClean="0"/>
-              <a:t>函数列表</a:t>
+              <a:rPr lang="en-US" altLang="zh-CN" smtClean="0"/>
+              <a:t>…</a:t>
+            </a:r>
+            <a:r>
+              <a:rPr lang="zh-CN" altLang="en-US" smtClean="0"/>
+              <a:t>参数</a:t>
             </a:r>
             <a:endParaRPr lang="zh-CN" altLang="en-US"/>
           </a:p>
@@ -9511,7 +11212,7 @@
           <a:p>
             <a:r>
               <a:rPr lang="zh-CN" altLang="en-US" smtClean="0"/>
-              <a:t>列表：</a:t>
+              <a:t>参数是函数接收不同处理任务的接口，</a:t>
             </a:r>
             <a:r>
               <a:rPr lang="en-US" altLang="zh-CN" smtClean="0"/>
@@ -9519,98 +11220,70 @@
             </a:r>
             <a:r>
               <a:rPr lang="zh-CN" altLang="en-US" smtClean="0"/>
-              <a:t>中一种变量</a:t>
-            </a:r>
-            <a:r>
-              <a:rPr lang="zh-CN" altLang="en-US" smtClean="0"/>
-              <a:t>结构，列表中可以 存任何结构的数据，包括函数</a:t>
+              <a:t>中给出了极为灵活的参数方式</a:t>
             </a:r>
             <a:endParaRPr lang="en-US" altLang="zh-CN" smtClean="0"/>
           </a:p>
           <a:p>
-            <a:pPr marL="0" indent="0">
-              <a:buNone/>
-            </a:pPr>
-            <a:r>
-              <a:rPr lang="zh-CN" altLang="en-US" smtClean="0"/>
-              <a:t>用上页中的函数工厂再生成几个函数，把它们存到一个列表</a:t>
-            </a:r>
             <a:r>
               <a:rPr lang="en-US" altLang="zh-CN" smtClean="0"/>
-              <a:t>flist</a:t>
-            </a:r>
-            <a:r>
-              <a:rPr lang="zh-CN" altLang="en-US" smtClean="0"/>
-              <a:t>中</a:t>
+              <a:t>…</a:t>
+            </a:r>
+            <a:r>
+              <a:rPr lang="zh-CN" altLang="en-US" smtClean="0"/>
+              <a:t>代表没有明确匹配的特殊参数。可以接收没有制定的参数，如基础包中的</a:t>
+            </a:r>
+            <a:r>
+              <a:rPr lang="en-US" altLang="zh-CN" smtClean="0"/>
+              <a:t>plot()</a:t>
+            </a:r>
+            <a:r>
+              <a:rPr lang="zh-CN" altLang="en-US" smtClean="0"/>
+              <a:t>，</a:t>
+            </a:r>
+            <a:r>
+              <a:rPr lang="en-US" altLang="zh-CN" smtClean="0"/>
+              <a:t>plot()</a:t>
+            </a:r>
+            <a:r>
+              <a:rPr lang="zh-CN" altLang="en-US" smtClean="0"/>
+              <a:t>是一个含</a:t>
+            </a:r>
+            <a:r>
+              <a:rPr lang="en-US" altLang="zh-CN" smtClean="0"/>
+              <a:t>x,y</a:t>
+            </a:r>
+            <a:r>
+              <a:rPr lang="zh-CN" altLang="en-US" smtClean="0"/>
+              <a:t>和</a:t>
+            </a:r>
+            <a:r>
+              <a:rPr lang="en-US" altLang="zh-CN" smtClean="0"/>
+              <a:t>…</a:t>
+            </a:r>
+            <a:r>
+              <a:rPr lang="zh-CN" altLang="en-US" smtClean="0"/>
+              <a:t>参数的泛型方法，而我们前边用到的图形参数并不是</a:t>
+            </a:r>
+            <a:r>
+              <a:rPr lang="en-US" altLang="zh-CN" smtClean="0"/>
+              <a:t>plot</a:t>
+            </a:r>
+            <a:r>
+              <a:rPr lang="zh-CN" altLang="en-US" smtClean="0"/>
+              <a:t>专用的参数，相反，图形参数的解释是放在</a:t>
+            </a:r>
+            <a:r>
+              <a:rPr lang="en-US" altLang="zh-CN" smtClean="0"/>
+              <a:t>par()</a:t>
+            </a:r>
+            <a:r>
+              <a:rPr lang="zh-CN" altLang="en-US" smtClean="0"/>
+              <a:t>函数中的。</a:t>
             </a:r>
             <a:endParaRPr lang="en-US" altLang="zh-CN" smtClean="0"/>
           </a:p>
           <a:p>
-            <a:pPr marL="0" indent="0">
-              <a:buNone/>
-            </a:pPr>
-            <a:endParaRPr lang="en-US" altLang="zh-CN"/>
-          </a:p>
-          <a:p>
-            <a:pPr marL="0" indent="0">
-              <a:buNone/>
-            </a:pPr>
-            <a:endParaRPr lang="en-US" altLang="zh-CN" smtClean="0"/>
-          </a:p>
-          <a:p>
-            <a:pPr marL="0" indent="0">
-              <a:buNone/>
-            </a:pPr>
-            <a:r>
-              <a:rPr lang="en-US" altLang="zh-CN" smtClean="0"/>
-              <a:t>flist</a:t>
-            </a:r>
-            <a:r>
-              <a:rPr lang="zh-CN" altLang="en-US" smtClean="0"/>
-              <a:t>其实跟普通变量一样，只是它存的内容是函数，</a:t>
-            </a:r>
-            <a:r>
-              <a:rPr lang="en-US" altLang="zh-CN" smtClean="0"/>
-              <a:t>a b c</a:t>
-            </a:r>
-            <a:r>
-              <a:rPr lang="zh-CN" altLang="en-US" smtClean="0"/>
-              <a:t>分别是 列表中的名字</a:t>
-            </a:r>
-            <a:endParaRPr lang="en-US" altLang="zh-CN" smtClean="0"/>
-          </a:p>
-          <a:p>
-            <a:pPr marL="0" indent="0">
-              <a:buNone/>
-            </a:pPr>
-            <a:endParaRPr lang="en-US" altLang="zh-CN" smtClean="0"/>
-          </a:p>
-          <a:p>
-            <a:pPr marL="0" indent="0">
-              <a:buNone/>
-            </a:pPr>
-            <a:endParaRPr lang="en-US" altLang="zh-CN"/>
-          </a:p>
-          <a:p>
-            <a:pPr marL="0" indent="0">
-              <a:buNone/>
-            </a:pPr>
-            <a:endParaRPr lang="en-US" altLang="zh-CN" smtClean="0"/>
-          </a:p>
-          <a:p>
-            <a:pPr marL="0" indent="0">
-              <a:buNone/>
-            </a:pPr>
-            <a:r>
-              <a:rPr lang="zh-CN" altLang="en-US" smtClean="0"/>
-              <a:t>和变量调用一样，可以按名字调用也可以按索引调用</a:t>
-            </a:r>
-            <a:endParaRPr lang="en-US" altLang="zh-CN"/>
-          </a:p>
-          <a:p>
-            <a:pPr marL="0" indent="0">
-              <a:buNone/>
-            </a:pPr>
             <a:endParaRPr lang="zh-CN" altLang="en-US"/>
           </a:p>
         </p:txBody>
@@ -9625,8 +11298,8 @@
         </p:nvSpPr>
         <p:spPr bwMode="auto">
           <a:xfrm>
-            <a:off x="1097280" y="2766330"/>
-            <a:ext cx="3329438" cy="646331"/>
+            <a:off x="1097280" y="3392860"/>
+            <a:ext cx="2685030" cy="1077218"/>
           </a:xfrm>
           <a:prstGeom prst="rect">
             <a:avLst/>
@@ -9696,33 +11369,7 @@
                 <a:effectLst/>
                 <a:latin typeface="Lucida Console" panose="020B0609040504020204" pitchFamily="49" charset="0"/>
               </a:rPr>
-              <a:t>&gt; f</a:t>
-            </a:r>
-            <a:r>
-              <a:rPr kumimoji="0" lang="zh-CN" altLang="zh-CN" sz="1400" b="0" i="0" u="none" strike="noStrike" cap="none" normalizeH="0" baseline="0" smtClean="0">
-                <a:ln>
-                  <a:noFill/>
-                </a:ln>
-                <a:solidFill>
-                  <a:srgbClr val="0000FF"/>
-                </a:solidFill>
-                <a:effectLst/>
-                <a:latin typeface="Lucida Console" panose="020B0609040504020204" pitchFamily="49" charset="0"/>
-              </a:rPr>
-              <a:t>90&lt;-missing_fixer(90</a:t>
-            </a:r>
-            <a:r>
-              <a:rPr kumimoji="0" lang="zh-CN" altLang="zh-CN" sz="1400" b="0" i="0" u="none" strike="noStrike" cap="none" normalizeH="0" baseline="0" smtClean="0">
-                <a:ln>
-                  <a:noFill/>
-                </a:ln>
-                <a:solidFill>
-                  <a:srgbClr val="0000FF"/>
-                </a:solidFill>
-                <a:effectLst/>
-                <a:latin typeface="Lucida Console" panose="020B0609040504020204" pitchFamily="49" charset="0"/>
-              </a:rPr>
-              <a:t>) </a:t>
+              <a:t>&gt; f_test&lt;-function(...){ </a:t>
             </a:r>
             <a:endParaRPr kumimoji="0" lang="en-US" altLang="zh-CN" sz="1400" b="0" i="0" u="none" strike="noStrike" cap="none" normalizeH="0" baseline="0" smtClean="0">
               <a:ln>
@@ -9763,33 +11410,7 @@
                 <a:effectLst/>
                 <a:latin typeface="Lucida Console" panose="020B0609040504020204" pitchFamily="49" charset="0"/>
               </a:rPr>
-              <a:t>&gt; f</a:t>
-            </a:r>
-            <a:r>
-              <a:rPr kumimoji="0" lang="zh-CN" altLang="zh-CN" sz="1400" b="0" i="0" u="none" strike="noStrike" cap="none" normalizeH="0" baseline="0" smtClean="0">
-                <a:ln>
-                  <a:noFill/>
-                </a:ln>
-                <a:solidFill>
-                  <a:srgbClr val="0000FF"/>
-                </a:solidFill>
-                <a:effectLst/>
-                <a:latin typeface="Lucida Console" panose="020B0609040504020204" pitchFamily="49" charset="0"/>
-              </a:rPr>
-              <a:t>1&lt;-missing_fixer(1</a:t>
-            </a:r>
-            <a:r>
-              <a:rPr kumimoji="0" lang="zh-CN" altLang="zh-CN" sz="1400" b="0" i="0" u="none" strike="noStrike" cap="none" normalizeH="0" baseline="0" smtClean="0">
-                <a:ln>
-                  <a:noFill/>
-                </a:ln>
-                <a:solidFill>
-                  <a:srgbClr val="0000FF"/>
-                </a:solidFill>
-                <a:effectLst/>
-                <a:latin typeface="Lucida Console" panose="020B0609040504020204" pitchFamily="49" charset="0"/>
-              </a:rPr>
-              <a:t>) </a:t>
+              <a:t>+ names(list(...)) </a:t>
             </a:r>
             <a:endParaRPr kumimoji="0" lang="en-US" altLang="zh-CN" sz="1400" b="0" i="0" u="none" strike="noStrike" cap="none" normalizeH="0" baseline="0" smtClean="0">
               <a:ln>
@@ -9830,8 +11451,36 @@
                 <a:effectLst/>
                 <a:latin typeface="Lucida Console" panose="020B0609040504020204" pitchFamily="49" charset="0"/>
               </a:rPr>
-              <a:t>&gt; </a:t>
-            </a:r>
+              <a:t>+ } </a:t>
+            </a:r>
+            <a:endParaRPr kumimoji="0" lang="en-US" altLang="zh-CN" sz="1400" b="0" i="0" u="none" strike="noStrike" cap="none" normalizeH="0" baseline="0" smtClean="0">
+              <a:ln>
+                <a:noFill/>
+              </a:ln>
+              <a:solidFill>
+                <a:srgbClr val="0000FF"/>
+              </a:solidFill>
+              <a:effectLst/>
+              <a:latin typeface="Lucida Console" panose="020B0609040504020204" pitchFamily="49" charset="0"/>
+            </a:endParaRPr>
+          </a:p>
+          <a:p>
+            <a:pPr marL="0" marR="0" lvl="0" indent="0" algn="l" defTabSz="914400" rtl="0" eaLnBrk="0" fontAlgn="base" latinLnBrk="0" hangingPunct="0">
+              <a:lnSpc>
+                <a:spcPct val="100000"/>
+              </a:lnSpc>
+              <a:spcBef>
+                <a:spcPct val="0"/>
+              </a:spcBef>
+              <a:spcAft>
+                <a:spcPct val="0"/>
+              </a:spcAft>
+              <a:buClrTx/>
+              <a:buSzTx/>
+              <a:buFontTx/>
+              <a:buNone/>
+              <a:tabLst/>
+            </a:pPr>
             <a:r>
               <a:rPr kumimoji="0" lang="zh-CN" altLang="zh-CN" sz="1400" b="0" i="0" u="none" strike="noStrike" cap="none" normalizeH="0" baseline="0" smtClean="0">
                 <a:ln>
@@ -9843,7 +11492,48 @@
                 <a:effectLst/>
                 <a:latin typeface="Lucida Console" panose="020B0609040504020204" pitchFamily="49" charset="0"/>
               </a:rPr>
-              <a:t>flist&lt;-list(a=f99,b=f1,c=f90)</a:t>
+              <a:t>&gt; f_test(a=1,b=3) </a:t>
+            </a:r>
+            <a:endParaRPr kumimoji="0" lang="en-US" altLang="zh-CN" sz="1400" b="0" i="0" u="none" strike="noStrike" cap="none" normalizeH="0" baseline="0" smtClean="0">
+              <a:ln>
+                <a:noFill/>
+              </a:ln>
+              <a:solidFill>
+                <a:srgbClr val="0000FF"/>
+              </a:solidFill>
+              <a:effectLst/>
+              <a:latin typeface="Lucida Console" panose="020B0609040504020204" pitchFamily="49" charset="0"/>
+            </a:endParaRPr>
+          </a:p>
+          <a:p>
+            <a:pPr marL="0" marR="0" lvl="0" indent="0" algn="l" defTabSz="914400" rtl="0" eaLnBrk="0" fontAlgn="base" latinLnBrk="0" hangingPunct="0">
+              <a:lnSpc>
+                <a:spcPct val="100000"/>
+              </a:lnSpc>
+              <a:spcBef>
+                <a:spcPct val="0"/>
+              </a:spcBef>
+              <a:spcAft>
+                <a:spcPct val="0"/>
+              </a:spcAft>
+              <a:buClrTx/>
+              <a:buSzTx/>
+              <a:buFontTx/>
+              <a:buNone/>
+              <a:tabLst/>
+            </a:pPr>
+            <a:r>
+              <a:rPr kumimoji="0" lang="zh-CN" altLang="zh-CN" sz="1400" b="0" i="0" u="none" strike="noStrike" cap="none" normalizeH="0" baseline="0" smtClean="0">
+                <a:ln>
+                  <a:noFill/>
+                </a:ln>
+                <a:solidFill>
+                  <a:srgbClr val="000000"/>
+                </a:solidFill>
+                <a:effectLst/>
+                <a:latin typeface="Lucida Console" panose="020B0609040504020204" pitchFamily="49" charset="0"/>
+              </a:rPr>
+              <a:t>[1] "a" "b"</a:t>
             </a:r>
             <a:endParaRPr kumimoji="0" lang="zh-CN" altLang="zh-CN" sz="3200" b="0" i="0" u="none" strike="noStrike" cap="none" normalizeH="0" baseline="0" smtClean="0">
               <a:ln>
@@ -9860,373 +11550,68 @@
       </p:sp>
       <p:sp>
         <p:nvSpPr>
-          <p:cNvPr id="5" name="Rectangle 2"/>
-          <p:cNvSpPr>
-            <a:spLocks noChangeArrowheads="1"/>
-          </p:cNvSpPr>
+          <p:cNvPr id="5" name="文本框 4"/>
+          <p:cNvSpPr txBox="1"/>
           <p:nvPr/>
         </p:nvSpPr>
-        <p:spPr bwMode="auto">
+        <p:spPr>
           <a:xfrm>
-            <a:off x="1097280" y="4173776"/>
-            <a:ext cx="1503617" cy="430887"/>
+            <a:off x="1321806" y="4934139"/>
+            <a:ext cx="9915535" cy="369332"/>
           </a:xfrm>
           <a:prstGeom prst="rect">
             <a:avLst/>
           </a:prstGeom>
-          <a:solidFill>
-            <a:srgbClr val="FFFFFF"/>
-          </a:solidFill>
-          <a:ln>
-            <a:noFill/>
-          </a:ln>
-          <a:effectLst/>
-          <a:extLst>
-            <a:ext uri="{91240B29-F687-4F45-9708-019B960494DF}">
-              <a14:hiddenLine xmlns:a14="http://schemas.microsoft.com/office/drawing/2010/main" w="9525">
-                <a:solidFill>
-                  <a:schemeClr val="tx1"/>
-                </a:solidFill>
-                <a:miter lim="800000"/>
-                <a:headEnd/>
-                <a:tailEnd/>
-              </a14:hiddenLine>
-            </a:ext>
-            <a:ext uri="{AF507438-7753-43E0-B8FC-AC1667EBCBE1}">
-              <a14:hiddenEffects xmlns:a14="http://schemas.microsoft.com/office/drawing/2010/main">
-                <a:effectLst>
-                  <a:outerShdw dist="35921" dir="2700000" algn="ctr" rotWithShape="0">
-                    <a:schemeClr val="bg2"/>
-                  </a:outerShdw>
-                </a:effectLst>
-              </a14:hiddenEffects>
-            </a:ext>
-          </a:extLst>
+          <a:noFill/>
         </p:spPr>
         <p:txBody>
-          <a:bodyPr vert="horz" wrap="none" lIns="0" tIns="0" rIns="0" bIns="0" numCol="1" anchor="ctr" anchorCtr="0" compatLnSpc="1">
-            <a:prstTxWarp prst="textNoShape">
-              <a:avLst/>
-            </a:prstTxWarp>
+          <a:bodyPr wrap="none" rtlCol="0">
             <a:spAutoFit/>
           </a:bodyPr>
           <a:lstStyle/>
           <a:p>
-            <a:pPr marL="0" marR="0" lvl="0" indent="0" algn="l" defTabSz="914400" rtl="0" eaLnBrk="0" fontAlgn="base" latinLnBrk="0" hangingPunct="0">
-              <a:lnSpc>
-                <a:spcPct val="100000"/>
-              </a:lnSpc>
-              <a:spcBef>
-                <a:spcPct val="0"/>
-              </a:spcBef>
-              <a:spcAft>
-                <a:spcPct val="0"/>
-              </a:spcAft>
-              <a:buClrTx/>
-              <a:buSzTx/>
-              <a:buFontTx/>
-              <a:buNone/>
-              <a:tabLst/>
-            </a:pPr>
-            <a:r>
-              <a:rPr kumimoji="0" lang="zh-CN" altLang="zh-CN" sz="1400" b="0" i="0" u="none" strike="noStrike" cap="none" normalizeH="0" baseline="0" smtClean="0">
-                <a:ln>
-                  <a:noFill/>
-                </a:ln>
-                <a:solidFill>
-                  <a:srgbClr val="0000FF"/>
-                </a:solidFill>
-                <a:effectLst/>
-                <a:latin typeface="Lucida Console" panose="020B0609040504020204" pitchFamily="49" charset="0"/>
-              </a:rPr>
-              <a:t>&gt; flist</a:t>
-            </a:r>
-            <a:r>
-              <a:rPr kumimoji="0" lang="zh-CN" altLang="zh-CN" sz="1400" b="0" i="0" u="none" strike="noStrike" cap="none" normalizeH="0" baseline="0" smtClean="0">
-                <a:ln>
-                  <a:noFill/>
-                </a:ln>
-                <a:solidFill>
-                  <a:srgbClr val="0000FF"/>
-                </a:solidFill>
-                <a:effectLst/>
-                <a:latin typeface="Lucida Console" panose="020B0609040504020204" pitchFamily="49" charset="0"/>
-              </a:rPr>
-              <a:t>$a(99</a:t>
-            </a:r>
-            <a:r>
-              <a:rPr kumimoji="0" lang="zh-CN" altLang="zh-CN" sz="1400" b="0" i="0" u="none" strike="noStrike" cap="none" normalizeH="0" baseline="0" smtClean="0">
-                <a:ln>
-                  <a:noFill/>
-                </a:ln>
-                <a:solidFill>
-                  <a:srgbClr val="0000FF"/>
-                </a:solidFill>
-                <a:effectLst/>
-                <a:latin typeface="Lucida Console" panose="020B0609040504020204" pitchFamily="49" charset="0"/>
-              </a:rPr>
-              <a:t>) </a:t>
-            </a:r>
-            <a:endParaRPr kumimoji="0" lang="en-US" altLang="zh-CN" sz="1400" b="0" i="0" u="none" strike="noStrike" cap="none" normalizeH="0" baseline="0" smtClean="0">
-              <a:ln>
-                <a:noFill/>
-              </a:ln>
-              <a:solidFill>
-                <a:srgbClr val="0000FF"/>
-              </a:solidFill>
-              <a:effectLst/>
-              <a:latin typeface="Lucida Console" panose="020B0609040504020204" pitchFamily="49" charset="0"/>
-            </a:endParaRPr>
-          </a:p>
-          <a:p>
-            <a:pPr marL="0" marR="0" lvl="0" indent="0" algn="l" defTabSz="914400" rtl="0" eaLnBrk="0" fontAlgn="base" latinLnBrk="0" hangingPunct="0">
-              <a:lnSpc>
-                <a:spcPct val="100000"/>
-              </a:lnSpc>
-              <a:spcBef>
-                <a:spcPct val="0"/>
-              </a:spcBef>
-              <a:spcAft>
-                <a:spcPct val="0"/>
-              </a:spcAft>
-              <a:buClrTx/>
-              <a:buSzTx/>
-              <a:buFontTx/>
-              <a:buNone/>
-              <a:tabLst/>
-            </a:pPr>
-            <a:r>
-              <a:rPr kumimoji="0" lang="zh-CN" altLang="zh-CN" sz="1400" b="0" i="0" u="none" strike="noStrike" cap="none" normalizeH="0" baseline="0" smtClean="0">
-                <a:ln>
-                  <a:noFill/>
-                </a:ln>
-                <a:solidFill>
-                  <a:srgbClr val="000000"/>
-                </a:solidFill>
-                <a:effectLst/>
-                <a:latin typeface="Lucida Console" panose="020B0609040504020204" pitchFamily="49" charset="0"/>
-              </a:rPr>
-              <a:t>[</a:t>
-            </a:r>
-            <a:r>
-              <a:rPr kumimoji="0" lang="zh-CN" altLang="zh-CN" sz="1400" b="0" i="0" u="none" strike="noStrike" cap="none" normalizeH="0" baseline="0" smtClean="0">
-                <a:ln>
-                  <a:noFill/>
-                </a:ln>
-                <a:solidFill>
-                  <a:srgbClr val="000000"/>
-                </a:solidFill>
-                <a:effectLst/>
-                <a:latin typeface="Lucida Console" panose="020B0609040504020204" pitchFamily="49" charset="0"/>
-              </a:rPr>
-              <a:t>1] NA</a:t>
-            </a:r>
-            <a:endParaRPr kumimoji="0" lang="zh-CN" altLang="zh-CN" sz="3200" b="0" i="0" u="none" strike="noStrike" cap="none" normalizeH="0" baseline="0" smtClean="0">
-              <a:ln>
-                <a:noFill/>
-              </a:ln>
-              <a:solidFill>
-                <a:schemeClr val="tx1"/>
-              </a:solidFill>
-              <a:effectLst/>
-              <a:latin typeface="Arial" panose="020B0604020202020204" pitchFamily="34" charset="0"/>
-            </a:endParaRPr>
-          </a:p>
-        </p:txBody>
-      </p:sp>
-      <p:sp>
-        <p:nvSpPr>
-          <p:cNvPr id="6" name="Rectangle 3"/>
-          <p:cNvSpPr>
-            <a:spLocks noChangeArrowheads="1"/>
-          </p:cNvSpPr>
-          <p:nvPr/>
-        </p:nvSpPr>
-        <p:spPr bwMode="auto">
-          <a:xfrm>
-            <a:off x="1097280" y="4805991"/>
-            <a:ext cx="1825821" cy="430887"/>
-          </a:xfrm>
-          <a:prstGeom prst="rect">
-            <a:avLst/>
-          </a:prstGeom>
-          <a:solidFill>
-            <a:srgbClr val="FFFFFF"/>
-          </a:solidFill>
-          <a:ln>
-            <a:noFill/>
-          </a:ln>
-          <a:effectLst/>
-          <a:extLst>
-            <a:ext uri="{91240B29-F687-4F45-9708-019B960494DF}">
-              <a14:hiddenLine xmlns:a14="http://schemas.microsoft.com/office/drawing/2010/main" w="9525">
-                <a:solidFill>
-                  <a:schemeClr val="tx1"/>
-                </a:solidFill>
-                <a:miter lim="800000"/>
-                <a:headEnd/>
-                <a:tailEnd/>
-              </a14:hiddenLine>
-            </a:ext>
-            <a:ext uri="{AF507438-7753-43E0-B8FC-AC1667EBCBE1}">
-              <a14:hiddenEffects xmlns:a14="http://schemas.microsoft.com/office/drawing/2010/main">
-                <a:effectLst>
-                  <a:outerShdw dist="35921" dir="2700000" algn="ctr" rotWithShape="0">
-                    <a:schemeClr val="bg2"/>
-                  </a:outerShdw>
-                </a:effectLst>
-              </a14:hiddenEffects>
-            </a:ext>
-          </a:extLst>
-        </p:spPr>
-        <p:txBody>
-          <a:bodyPr vert="horz" wrap="none" lIns="0" tIns="0" rIns="0" bIns="0" numCol="1" anchor="ctr" anchorCtr="0" compatLnSpc="1">
-            <a:prstTxWarp prst="textNoShape">
-              <a:avLst/>
-            </a:prstTxWarp>
-            <a:spAutoFit/>
-          </a:bodyPr>
-          <a:lstStyle/>
-          <a:p>
-            <a:pPr marL="0" marR="0" lvl="0" indent="0" algn="l" defTabSz="914400" rtl="0" eaLnBrk="0" fontAlgn="base" latinLnBrk="0" hangingPunct="0">
-              <a:lnSpc>
-                <a:spcPct val="100000"/>
-              </a:lnSpc>
-              <a:spcBef>
-                <a:spcPct val="0"/>
-              </a:spcBef>
-              <a:spcAft>
-                <a:spcPct val="0"/>
-              </a:spcAft>
-              <a:buClrTx/>
-              <a:buSzTx/>
-              <a:buFontTx/>
-              <a:buNone/>
-              <a:tabLst/>
-            </a:pPr>
-            <a:r>
-              <a:rPr kumimoji="0" lang="zh-CN" altLang="zh-CN" sz="1400" b="0" i="0" u="none" strike="noStrike" cap="none" normalizeH="0" baseline="0" smtClean="0">
-                <a:ln>
-                  <a:noFill/>
-                </a:ln>
-                <a:solidFill>
-                  <a:srgbClr val="0000FF"/>
-                </a:solidFill>
-                <a:effectLst/>
-                <a:latin typeface="Lucida Console" panose="020B0609040504020204" pitchFamily="49" charset="0"/>
-              </a:rPr>
-              <a:t>&gt; flist</a:t>
-            </a:r>
-            <a:r>
-              <a:rPr kumimoji="0" lang="zh-CN" altLang="zh-CN" sz="1400" b="0" i="0" u="none" strike="noStrike" cap="none" normalizeH="0" baseline="0" smtClean="0">
-                <a:ln>
-                  <a:noFill/>
-                </a:ln>
-                <a:solidFill>
-                  <a:srgbClr val="0000FF"/>
-                </a:solidFill>
-                <a:effectLst/>
-                <a:latin typeface="Lucida Console" panose="020B0609040504020204" pitchFamily="49" charset="0"/>
-              </a:rPr>
-              <a:t>[[1]](99</a:t>
-            </a:r>
-            <a:r>
-              <a:rPr kumimoji="0" lang="zh-CN" altLang="zh-CN" sz="1400" b="0" i="0" u="none" strike="noStrike" cap="none" normalizeH="0" baseline="0" smtClean="0">
-                <a:ln>
-                  <a:noFill/>
-                </a:ln>
-                <a:solidFill>
-                  <a:srgbClr val="0000FF"/>
-                </a:solidFill>
-                <a:effectLst/>
-                <a:latin typeface="Lucida Console" panose="020B0609040504020204" pitchFamily="49" charset="0"/>
-              </a:rPr>
-              <a:t>) </a:t>
-            </a:r>
-            <a:endParaRPr kumimoji="0" lang="en-US" altLang="zh-CN" sz="1400" b="0" i="0" u="none" strike="noStrike" cap="none" normalizeH="0" baseline="0" smtClean="0">
-              <a:ln>
-                <a:noFill/>
-              </a:ln>
-              <a:solidFill>
-                <a:srgbClr val="0000FF"/>
-              </a:solidFill>
-              <a:effectLst/>
-              <a:latin typeface="Lucida Console" panose="020B0609040504020204" pitchFamily="49" charset="0"/>
-            </a:endParaRPr>
-          </a:p>
-          <a:p>
-            <a:pPr marL="0" marR="0" lvl="0" indent="0" algn="l" defTabSz="914400" rtl="0" eaLnBrk="0" fontAlgn="base" latinLnBrk="0" hangingPunct="0">
-              <a:lnSpc>
-                <a:spcPct val="100000"/>
-              </a:lnSpc>
-              <a:spcBef>
-                <a:spcPct val="0"/>
-              </a:spcBef>
-              <a:spcAft>
-                <a:spcPct val="0"/>
-              </a:spcAft>
-              <a:buClrTx/>
-              <a:buSzTx/>
-              <a:buFontTx/>
-              <a:buNone/>
-              <a:tabLst/>
-            </a:pPr>
-            <a:r>
-              <a:rPr kumimoji="0" lang="zh-CN" altLang="zh-CN" sz="1400" b="0" i="0" u="none" strike="noStrike" cap="none" normalizeH="0" baseline="0" smtClean="0">
-                <a:ln>
-                  <a:noFill/>
-                </a:ln>
-                <a:solidFill>
-                  <a:srgbClr val="000000"/>
-                </a:solidFill>
-                <a:effectLst/>
-                <a:latin typeface="Lucida Console" panose="020B0609040504020204" pitchFamily="49" charset="0"/>
-              </a:rPr>
-              <a:t>[</a:t>
-            </a:r>
-            <a:r>
-              <a:rPr kumimoji="0" lang="zh-CN" altLang="zh-CN" sz="1400" b="0" i="0" u="none" strike="noStrike" cap="none" normalizeH="0" baseline="0" smtClean="0">
-                <a:ln>
-                  <a:noFill/>
-                </a:ln>
-                <a:solidFill>
-                  <a:srgbClr val="000000"/>
-                </a:solidFill>
-                <a:effectLst/>
-                <a:latin typeface="Lucida Console" panose="020B0609040504020204" pitchFamily="49" charset="0"/>
-              </a:rPr>
-              <a:t>1] NA</a:t>
-            </a:r>
-            <a:endParaRPr kumimoji="0" lang="zh-CN" altLang="zh-CN" sz="3200" b="0" i="0" u="none" strike="noStrike" cap="none" normalizeH="0" baseline="0" smtClean="0">
-              <a:ln>
-                <a:noFill/>
-              </a:ln>
-              <a:solidFill>
-                <a:schemeClr val="tx1"/>
-              </a:solidFill>
-              <a:effectLst/>
-              <a:latin typeface="Arial" panose="020B0604020202020204" pitchFamily="34" charset="0"/>
-            </a:endParaRPr>
+            <a:r>
+              <a:rPr lang="zh-CN" altLang="en-US" smtClean="0"/>
+              <a:t>由于提前并不知道</a:t>
+            </a:r>
+            <a:r>
+              <a:rPr lang="en-US" altLang="zh-CN" smtClean="0"/>
+              <a:t>…</a:t>
+            </a:r>
+            <a:r>
+              <a:rPr lang="zh-CN" altLang="en-US" smtClean="0"/>
+              <a:t>会接收多少参数，通常可以用</a:t>
+            </a:r>
+            <a:r>
+              <a:rPr lang="en-US" altLang="zh-CN" smtClean="0"/>
+              <a:t>list()</a:t>
+            </a:r>
+            <a:r>
+              <a:rPr lang="zh-CN" altLang="en-US" smtClean="0"/>
+              <a:t>这种易于使用的方式捕捉</a:t>
+            </a:r>
+            <a:r>
+              <a:rPr lang="en-US" altLang="zh-CN" smtClean="0"/>
+              <a:t>…</a:t>
+            </a:r>
+            <a:r>
+              <a:rPr lang="zh-CN" altLang="en-US" smtClean="0"/>
+              <a:t>中的参数信息。</a:t>
+            </a:r>
+            <a:endParaRPr lang="zh-CN" altLang="en-US"/>
           </a:p>
         </p:txBody>
       </p:sp>
     </p:spTree>
     <p:extLst>
       <p:ext uri="{BB962C8B-B14F-4D97-AF65-F5344CB8AC3E}">
-        <p14:creationId xmlns:p14="http://schemas.microsoft.com/office/powerpoint/2010/main" val="2294328978"/>
+        <p14:creationId xmlns:p14="http://schemas.microsoft.com/office/powerpoint/2010/main" val="1261367339"/>
       </p:ext>
     </p:extLst>
   </p:cSld>
   <p:clrMapOvr>
     <a:masterClrMapping/>
   </p:clrMapOvr>
-  <p:timing>
-    <p:tnLst>
-      <p:par>
-        <p:cTn id="1" dur="indefinite" restart="never" nodeType="tmRoot"/>
-      </p:par>
-    </p:tnLst>
-  </p:timing>
 </p:sld>
 </file>
 

--- a/实验-6-函数式编程.pptx
+++ b/实验-6-函数式编程.pptx
@@ -11,15 +11,18 @@
     <p:sldId id="273" r:id="rId5"/>
     <p:sldId id="264" r:id="rId6"/>
     <p:sldId id="267" r:id="rId7"/>
-    <p:sldId id="276" r:id="rId8"/>
-    <p:sldId id="277" r:id="rId9"/>
-    <p:sldId id="275" r:id="rId10"/>
-    <p:sldId id="269" r:id="rId11"/>
-    <p:sldId id="274" r:id="rId12"/>
-    <p:sldId id="270" r:id="rId13"/>
-    <p:sldId id="272" r:id="rId14"/>
-    <p:sldId id="268" r:id="rId15"/>
-    <p:sldId id="265" r:id="rId16"/>
+    <p:sldId id="278" r:id="rId8"/>
+    <p:sldId id="276" r:id="rId9"/>
+    <p:sldId id="277" r:id="rId10"/>
+    <p:sldId id="275" r:id="rId11"/>
+    <p:sldId id="269" r:id="rId12"/>
+    <p:sldId id="274" r:id="rId13"/>
+    <p:sldId id="280" r:id="rId14"/>
+    <p:sldId id="270" r:id="rId15"/>
+    <p:sldId id="279" r:id="rId16"/>
+    <p:sldId id="272" r:id="rId17"/>
+    <p:sldId id="268" r:id="rId18"/>
+    <p:sldId id="265" r:id="rId19"/>
   </p:sldIdLst>
   <p:sldSz cx="12192000" cy="6858000"/>
   <p:notesSz cx="6858000" cy="9144000"/>
@@ -352,7 +355,7 @@
           <a:p>
             <a:fld id="{22B5609F-EBEC-463B-AA32-A5BE38243DB0}" type="datetimeFigureOut">
               <a:rPr lang="zh-CN" altLang="en-US" smtClean="0"/>
-              <a:t>2017/11/19</a:t>
+              <a:t>2017/11/21</a:t>
             </a:fld>
             <a:endParaRPr lang="zh-CN" altLang="en-US"/>
           </a:p>
@@ -560,7 +563,7 @@
           <a:p>
             <a:fld id="{22B5609F-EBEC-463B-AA32-A5BE38243DB0}" type="datetimeFigureOut">
               <a:rPr lang="zh-CN" altLang="en-US" smtClean="0"/>
-              <a:t>2017/11/19</a:t>
+              <a:t>2017/11/21</a:t>
             </a:fld>
             <a:endParaRPr lang="zh-CN" altLang="en-US"/>
           </a:p>
@@ -816,7 +819,7 @@
           <a:p>
             <a:fld id="{22B5609F-EBEC-463B-AA32-A5BE38243DB0}" type="datetimeFigureOut">
               <a:rPr lang="zh-CN" altLang="en-US" smtClean="0"/>
-              <a:t>2017/11/19</a:t>
+              <a:t>2017/11/21</a:t>
             </a:fld>
             <a:endParaRPr lang="zh-CN" altLang="en-US"/>
           </a:p>
@@ -1015,7 +1018,7 @@
           <a:p>
             <a:fld id="{22B5609F-EBEC-463B-AA32-A5BE38243DB0}" type="datetimeFigureOut">
               <a:rPr lang="zh-CN" altLang="en-US" smtClean="0"/>
-              <a:t>2017/11/19</a:t>
+              <a:t>2017/11/21</a:t>
             </a:fld>
             <a:endParaRPr lang="zh-CN" altLang="en-US"/>
           </a:p>
@@ -1357,7 +1360,7 @@
           <a:p>
             <a:fld id="{22B5609F-EBEC-463B-AA32-A5BE38243DB0}" type="datetimeFigureOut">
               <a:rPr lang="zh-CN" altLang="en-US" smtClean="0"/>
-              <a:t>2017/11/19</a:t>
+              <a:t>2017/11/21</a:t>
             </a:fld>
             <a:endParaRPr lang="zh-CN" altLang="en-US"/>
           </a:p>
@@ -1632,7 +1635,7 @@
           <a:p>
             <a:fld id="{22B5609F-EBEC-463B-AA32-A5BE38243DB0}" type="datetimeFigureOut">
               <a:rPr lang="zh-CN" altLang="en-US" smtClean="0"/>
-              <a:t>2017/11/19</a:t>
+              <a:t>2017/11/21</a:t>
             </a:fld>
             <a:endParaRPr lang="zh-CN" altLang="en-US"/>
           </a:p>
@@ -2011,7 +2014,7 @@
           <a:p>
             <a:fld id="{22B5609F-EBEC-463B-AA32-A5BE38243DB0}" type="datetimeFigureOut">
               <a:rPr lang="zh-CN" altLang="en-US" smtClean="0"/>
-              <a:t>2017/11/19</a:t>
+              <a:t>2017/11/21</a:t>
             </a:fld>
             <a:endParaRPr lang="zh-CN" altLang="en-US"/>
           </a:p>
@@ -2129,7 +2132,7 @@
           <a:p>
             <a:fld id="{22B5609F-EBEC-463B-AA32-A5BE38243DB0}" type="datetimeFigureOut">
               <a:rPr lang="zh-CN" altLang="en-US" smtClean="0"/>
-              <a:t>2017/11/19</a:t>
+              <a:t>2017/11/21</a:t>
             </a:fld>
             <a:endParaRPr lang="zh-CN" altLang="en-US"/>
           </a:p>
@@ -2300,7 +2303,7 @@
           <a:p>
             <a:fld id="{22B5609F-EBEC-463B-AA32-A5BE38243DB0}" type="datetimeFigureOut">
               <a:rPr lang="zh-CN" altLang="en-US" smtClean="0"/>
-              <a:t>2017/11/19</a:t>
+              <a:t>2017/11/21</a:t>
             </a:fld>
             <a:endParaRPr lang="zh-CN" altLang="en-US"/>
           </a:p>
@@ -2654,7 +2657,7 @@
           <a:p>
             <a:fld id="{22B5609F-EBEC-463B-AA32-A5BE38243DB0}" type="datetimeFigureOut">
               <a:rPr lang="zh-CN" altLang="en-US" smtClean="0"/>
-              <a:t>2017/11/19</a:t>
+              <a:t>2017/11/21</a:t>
             </a:fld>
             <a:endParaRPr lang="zh-CN" altLang="en-US"/>
           </a:p>
@@ -3036,7 +3039,7 @@
           <a:p>
             <a:fld id="{22B5609F-EBEC-463B-AA32-A5BE38243DB0}" type="datetimeFigureOut">
               <a:rPr lang="zh-CN" altLang="en-US" smtClean="0"/>
-              <a:t>2017/11/19</a:t>
+              <a:t>2017/11/21</a:t>
             </a:fld>
             <a:endParaRPr lang="zh-CN" altLang="en-US"/>
           </a:p>
@@ -3323,7 +3326,7 @@
           <a:p>
             <a:fld id="{22B5609F-EBEC-463B-AA32-A5BE38243DB0}" type="datetimeFigureOut">
               <a:rPr lang="zh-CN" altLang="en-US" smtClean="0"/>
-              <a:t>2017/11/19</a:t>
+              <a:t>2017/11/21</a:t>
             </a:fld>
             <a:endParaRPr lang="zh-CN" altLang="en-US"/>
           </a:p>
@@ -3994,16 +3997,18 @@
         </p:nvSpPr>
         <p:spPr/>
         <p:txBody>
-          <a:bodyPr>
-            <a:normAutofit/>
-          </a:bodyPr>
+          <a:bodyPr/>
           <a:lstStyle/>
           <a:p>
             <a:r>
-              <a:rPr lang="zh-CN" altLang="en-US" sz="3600" smtClean="0"/>
-              <a:t>闭包</a:t>
-            </a:r>
-            <a:endParaRPr lang="zh-CN" altLang="en-US" sz="3600"/>
+              <a:rPr lang="en-US" altLang="zh-CN" smtClean="0"/>
+              <a:t>…</a:t>
+            </a:r>
+            <a:r>
+              <a:rPr lang="zh-CN" altLang="en-US" smtClean="0"/>
+              <a:t>参数</a:t>
+            </a:r>
+            <a:endParaRPr lang="zh-CN" altLang="en-US"/>
           </a:p>
         </p:txBody>
       </p:sp>
@@ -4024,8 +4029,78 @@
           <a:p>
             <a:r>
               <a:rPr lang="zh-CN" altLang="en-US" smtClean="0"/>
-              <a:t>闭包实际上就是返回值是函数的一个函数，创建闭包的目的就是为了批量生产一系列函数。</a:t>
-            </a:r>
+              <a:t>参数是函数接收不同处理任务的接口，</a:t>
+            </a:r>
+            <a:r>
+              <a:rPr lang="en-US" altLang="zh-CN" smtClean="0"/>
+              <a:t>R</a:t>
+            </a:r>
+            <a:r>
+              <a:rPr lang="zh-CN" altLang="en-US" smtClean="0"/>
+              <a:t>中给出了极为灵活的参数方式</a:t>
+            </a:r>
+            <a:endParaRPr lang="en-US" altLang="zh-CN" smtClean="0"/>
+          </a:p>
+          <a:p>
+            <a:r>
+              <a:rPr lang="en-US" altLang="zh-CN" smtClean="0"/>
+              <a:t>…</a:t>
+            </a:r>
+            <a:r>
+              <a:rPr lang="zh-CN" altLang="en-US" smtClean="0"/>
+              <a:t>代表没有明确匹配的特殊参数。可以接收没有制定的参数，如基础包中的</a:t>
+            </a:r>
+            <a:r>
+              <a:rPr lang="en-US" altLang="zh-CN" smtClean="0"/>
+              <a:t>plot()</a:t>
+            </a:r>
+            <a:r>
+              <a:rPr lang="zh-CN" altLang="en-US" smtClean="0"/>
+              <a:t>，</a:t>
+            </a:r>
+            <a:r>
+              <a:rPr lang="en-US" altLang="zh-CN" smtClean="0"/>
+              <a:t>plot()</a:t>
+            </a:r>
+            <a:r>
+              <a:rPr lang="zh-CN" altLang="en-US" smtClean="0"/>
+              <a:t>是一个含</a:t>
+            </a:r>
+            <a:r>
+              <a:rPr lang="en-US" altLang="zh-CN" smtClean="0"/>
+              <a:t>x,y</a:t>
+            </a:r>
+            <a:r>
+              <a:rPr lang="zh-CN" altLang="en-US" smtClean="0"/>
+              <a:t>和</a:t>
+            </a:r>
+            <a:r>
+              <a:rPr lang="en-US" altLang="zh-CN" smtClean="0"/>
+              <a:t>…</a:t>
+            </a:r>
+            <a:r>
+              <a:rPr lang="zh-CN" altLang="en-US" smtClean="0"/>
+              <a:t>参数的泛型方法，而我们前边用到的图形参数并不是</a:t>
+            </a:r>
+            <a:r>
+              <a:rPr lang="en-US" altLang="zh-CN" smtClean="0"/>
+              <a:t>plot</a:t>
+            </a:r>
+            <a:r>
+              <a:rPr lang="zh-CN" altLang="en-US" smtClean="0"/>
+              <a:t>专用的参数，相反，图形参数的解释是放在</a:t>
+            </a:r>
+            <a:r>
+              <a:rPr lang="en-US" altLang="zh-CN" smtClean="0"/>
+              <a:t>par()</a:t>
+            </a:r>
+            <a:r>
+              <a:rPr lang="zh-CN" altLang="en-US" smtClean="0"/>
+              <a:t>函数中的。</a:t>
+            </a:r>
+            <a:endParaRPr lang="en-US" altLang="zh-CN" smtClean="0"/>
+          </a:p>
+          <a:p>
             <a:endParaRPr lang="zh-CN" altLang="en-US"/>
           </a:p>
         </p:txBody>
@@ -4040,8 +4115,8 @@
         </p:nvSpPr>
         <p:spPr bwMode="auto">
           <a:xfrm>
-            <a:off x="1213165" y="2500574"/>
-            <a:ext cx="4081245" cy="1292662"/>
+            <a:off x="1097280" y="3392860"/>
+            <a:ext cx="2685030" cy="1077218"/>
           </a:xfrm>
           <a:prstGeom prst="rect">
             <a:avLst/>
@@ -4111,7 +4186,7 @@
                 <a:effectLst/>
                 <a:latin typeface="Lucida Console" panose="020B0609040504020204" pitchFamily="49" charset="0"/>
               </a:rPr>
-              <a:t>&gt; missing_fixer&lt;- function(na_value){ </a:t>
+              <a:t>&gt; f_test&lt;-function(...){ </a:t>
             </a:r>
             <a:endParaRPr kumimoji="0" lang="en-US" altLang="zh-CN" sz="1400" b="0" i="0" u="none" strike="noStrike" cap="none" normalizeH="0" baseline="0" smtClean="0">
               <a:ln>
@@ -4152,33 +4227,7 @@
                 <a:effectLst/>
                 <a:latin typeface="Lucida Console" panose="020B0609040504020204" pitchFamily="49" charset="0"/>
               </a:rPr>
-              <a:t>+ </a:t>
-            </a:r>
-            <a:r>
-              <a:rPr kumimoji="0" lang="en-US" altLang="zh-CN" sz="1400" b="0" i="0" u="none" strike="noStrike" cap="none" normalizeH="0" baseline="0" smtClean="0">
-                <a:ln>
-                  <a:noFill/>
-                </a:ln>
-                <a:solidFill>
-                  <a:srgbClr val="0000FF"/>
-                </a:solidFill>
-                <a:effectLst/>
-                <a:latin typeface="Lucida Console" panose="020B0609040504020204" pitchFamily="49" charset="0"/>
-              </a:rPr>
-              <a:t>	</a:t>
-            </a:r>
-            <a:r>
-              <a:rPr kumimoji="0" lang="zh-CN" altLang="zh-CN" sz="1400" b="0" i="0" u="none" strike="noStrike" cap="none" normalizeH="0" baseline="0" smtClean="0">
-                <a:ln>
-                  <a:noFill/>
-                </a:ln>
-                <a:solidFill>
-                  <a:srgbClr val="0000FF"/>
-                </a:solidFill>
-                <a:effectLst/>
-                <a:latin typeface="Lucida Console" panose="020B0609040504020204" pitchFamily="49" charset="0"/>
-              </a:rPr>
-              <a:t>function(x){ </a:t>
+              <a:t>+ names(list(...)) </a:t>
             </a:r>
             <a:endParaRPr kumimoji="0" lang="en-US" altLang="zh-CN" sz="1400" b="0" i="0" u="none" strike="noStrike" cap="none" normalizeH="0" baseline="0" smtClean="0">
               <a:ln>
@@ -4219,33 +4268,7 @@
                 <a:effectLst/>
                 <a:latin typeface="Lucida Console" panose="020B0609040504020204" pitchFamily="49" charset="0"/>
               </a:rPr>
-              <a:t>+ </a:t>
-            </a:r>
-            <a:r>
-              <a:rPr kumimoji="0" lang="en-US" altLang="zh-CN" sz="1400" b="0" i="0" u="none" strike="noStrike" cap="none" normalizeH="0" baseline="0" smtClean="0">
-                <a:ln>
-                  <a:noFill/>
-                </a:ln>
-                <a:solidFill>
-                  <a:srgbClr val="0000FF"/>
-                </a:solidFill>
-                <a:effectLst/>
-                <a:latin typeface="Lucida Console" panose="020B0609040504020204" pitchFamily="49" charset="0"/>
-              </a:rPr>
-              <a:t>		</a:t>
-            </a:r>
-            <a:r>
-              <a:rPr kumimoji="0" lang="zh-CN" altLang="zh-CN" sz="1400" b="0" i="0" u="none" strike="noStrike" cap="none" normalizeH="0" baseline="0" smtClean="0">
-                <a:ln>
-                  <a:noFill/>
-                </a:ln>
-                <a:solidFill>
-                  <a:srgbClr val="0000FF"/>
-                </a:solidFill>
-                <a:effectLst/>
-                <a:latin typeface="Lucida Console" panose="020B0609040504020204" pitchFamily="49" charset="0"/>
-              </a:rPr>
-              <a:t>x[x==na_value]&lt;-NA</a:t>
+              <a:t>+ } </a:t>
             </a:r>
             <a:endParaRPr kumimoji="0" lang="en-US" altLang="zh-CN" sz="1400" b="0" i="0" u="none" strike="noStrike" cap="none" normalizeH="0" baseline="0" smtClean="0">
               <a:ln>
@@ -4276,19 +4299,6 @@
               <a:tabLst/>
             </a:pPr>
             <a:r>
-              <a:rPr kumimoji="0" lang="en-US" altLang="zh-CN" sz="1400" b="0" i="0" u="none" strike="noStrike" cap="none" normalizeH="0" baseline="0" smtClean="0">
-                <a:ln>
-                  <a:noFill/>
-                </a:ln>
-                <a:solidFill>
-                  <a:srgbClr val="0000FF"/>
-                </a:solidFill>
-                <a:effectLst/>
-                <a:latin typeface="Lucida Console" panose="020B0609040504020204" pitchFamily="49" charset="0"/>
-              </a:rPr>
-              <a:t>+		x</a:t>
-            </a:r>
-            <a:r>
               <a:rPr kumimoji="0" lang="zh-CN" altLang="zh-CN" sz="1400" b="0" i="0" u="none" strike="noStrike" cap="none" normalizeH="0" baseline="0" smtClean="0">
                 <a:ln>
                   <a:noFill/>
@@ -4299,7 +4309,7 @@
                 <a:effectLst/>
                 <a:latin typeface="Lucida Console" panose="020B0609040504020204" pitchFamily="49" charset="0"/>
               </a:rPr>
-              <a:t> </a:t>
+              <a:t>&gt; f_test(a=1,b=3) </a:t>
             </a:r>
             <a:endParaRPr kumimoji="0" lang="en-US" altLang="zh-CN" sz="1400" b="0" i="0" u="none" strike="noStrike" cap="none" normalizeH="0" baseline="0" smtClean="0">
               <a:ln>
@@ -4335,79 +4345,12 @@
                   <a:noFill/>
                 </a:ln>
                 <a:solidFill>
-                  <a:srgbClr val="0000FF"/>
+                  <a:srgbClr val="000000"/>
                 </a:solidFill>
                 <a:effectLst/>
                 <a:latin typeface="Lucida Console" panose="020B0609040504020204" pitchFamily="49" charset="0"/>
               </a:rPr>
-              <a:t>+ </a:t>
-            </a:r>
-            <a:r>
-              <a:rPr kumimoji="0" lang="en-US" altLang="zh-CN" sz="1400" b="0" i="0" u="none" strike="noStrike" cap="none" normalizeH="0" baseline="0" smtClean="0">
-                <a:ln>
-                  <a:noFill/>
-                </a:ln>
-                <a:solidFill>
-                  <a:srgbClr val="0000FF"/>
-                </a:solidFill>
-                <a:effectLst/>
-                <a:latin typeface="Lucida Console" panose="020B0609040504020204" pitchFamily="49" charset="0"/>
-              </a:rPr>
-              <a:t>	</a:t>
-            </a:r>
-            <a:r>
-              <a:rPr kumimoji="0" lang="zh-CN" altLang="zh-CN" sz="1400" b="0" i="0" u="none" strike="noStrike" cap="none" normalizeH="0" baseline="0" smtClean="0">
-                <a:ln>
-                  <a:noFill/>
-                </a:ln>
-                <a:solidFill>
-                  <a:srgbClr val="0000FF"/>
-                </a:solidFill>
-                <a:effectLst/>
-                <a:latin typeface="Lucida Console" panose="020B0609040504020204" pitchFamily="49" charset="0"/>
-              </a:rPr>
-              <a:t>} </a:t>
-            </a:r>
-            <a:endParaRPr kumimoji="0" lang="en-US" altLang="zh-CN" sz="1400" b="0" i="0" u="none" strike="noStrike" cap="none" normalizeH="0" baseline="0" smtClean="0">
-              <a:ln>
-                <a:noFill/>
-              </a:ln>
-              <a:solidFill>
-                <a:srgbClr val="0000FF"/>
-              </a:solidFill>
-              <a:effectLst/>
-              <a:latin typeface="Lucida Console" panose="020B0609040504020204" pitchFamily="49" charset="0"/>
-            </a:endParaRPr>
-          </a:p>
-          <a:p>
-            <a:pPr marL="0" marR="0" lvl="0" indent="0" algn="l" defTabSz="914400" rtl="0" eaLnBrk="0" fontAlgn="base" latinLnBrk="0" hangingPunct="0">
-              <a:lnSpc>
-                <a:spcPct val="100000"/>
-              </a:lnSpc>
-              <a:spcBef>
-                <a:spcPct val="0"/>
-              </a:spcBef>
-              <a:spcAft>
-                <a:spcPct val="0"/>
-              </a:spcAft>
-              <a:buClrTx/>
-              <a:buSzTx/>
-              <a:buFontTx/>
-              <a:buNone/>
-              <a:tabLst/>
-            </a:pPr>
-            <a:r>
-              <a:rPr kumimoji="0" lang="zh-CN" altLang="zh-CN" sz="1400" b="0" i="0" u="none" strike="noStrike" cap="none" normalizeH="0" baseline="0" smtClean="0">
-                <a:ln>
-                  <a:noFill/>
-                </a:ln>
-                <a:solidFill>
-                  <a:srgbClr val="0000FF"/>
-                </a:solidFill>
-                <a:effectLst/>
-                <a:latin typeface="Lucida Console" panose="020B0609040504020204" pitchFamily="49" charset="0"/>
-              </a:rPr>
-              <a:t>+ }</a:t>
+              <a:t>[1] "a" "b"</a:t>
             </a:r>
             <a:endParaRPr kumimoji="0" lang="zh-CN" altLang="zh-CN" sz="3200" b="0" i="0" u="none" strike="noStrike" cap="none" normalizeH="0" baseline="0" smtClean="0">
               <a:ln>
@@ -4422,136 +4365,16 @@
           </a:p>
         </p:txBody>
       </p:sp>
-      <p:pic>
-        <p:nvPicPr>
-          <p:cNvPr id="5" name="图片 4"/>
-          <p:cNvPicPr>
-            <a:picLocks noChangeAspect="1"/>
-          </p:cNvPicPr>
+      <p:sp>
+        <p:nvSpPr>
+          <p:cNvPr id="5" name="文本框 4"/>
+          <p:cNvSpPr txBox="1"/>
           <p:nvPr/>
-        </p:nvPicPr>
-        <p:blipFill>
-          <a:blip r:embed="rId2"/>
-          <a:stretch>
-            <a:fillRect/>
-          </a:stretch>
-        </p:blipFill>
+        </p:nvSpPr>
         <p:spPr>
           <a:xfrm>
-            <a:off x="8138971" y="2466314"/>
-            <a:ext cx="2686050" cy="1219200"/>
-          </a:xfrm>
-          <a:prstGeom prst="rect">
-            <a:avLst/>
-          </a:prstGeom>
-        </p:spPr>
-      </p:pic>
-      <p:sp>
-        <p:nvSpPr>
-          <p:cNvPr id="6" name="Rectangle 2"/>
-          <p:cNvSpPr>
-            <a:spLocks noChangeArrowheads="1"/>
-          </p:cNvSpPr>
-          <p:nvPr/>
-        </p:nvSpPr>
-        <p:spPr bwMode="auto">
-          <a:xfrm>
-            <a:off x="1097280" y="4340354"/>
-            <a:ext cx="2685030" cy="215444"/>
-          </a:xfrm>
-          <a:prstGeom prst="rect">
-            <a:avLst/>
-          </a:prstGeom>
-          <a:solidFill>
-            <a:srgbClr val="FFFFFF"/>
-          </a:solidFill>
-          <a:ln>
-            <a:noFill/>
-          </a:ln>
-          <a:effectLst/>
-          <a:extLst>
-            <a:ext uri="{91240B29-F687-4F45-9708-019B960494DF}">
-              <a14:hiddenLine xmlns:a14="http://schemas.microsoft.com/office/drawing/2010/main" w="9525">
-                <a:solidFill>
-                  <a:schemeClr val="tx1"/>
-                </a:solidFill>
-                <a:miter lim="800000"/>
-                <a:headEnd/>
-                <a:tailEnd/>
-              </a14:hiddenLine>
-            </a:ext>
-            <a:ext uri="{AF507438-7753-43E0-B8FC-AC1667EBCBE1}">
-              <a14:hiddenEffects xmlns:a14="http://schemas.microsoft.com/office/drawing/2010/main">
-                <a:effectLst>
-                  <a:outerShdw dist="35921" dir="2700000" algn="ctr" rotWithShape="0">
-                    <a:schemeClr val="bg2"/>
-                  </a:outerShdw>
-                </a:effectLst>
-              </a14:hiddenEffects>
-            </a:ext>
-          </a:extLst>
-        </p:spPr>
-        <p:txBody>
-          <a:bodyPr vert="horz" wrap="none" lIns="0" tIns="0" rIns="0" bIns="0" numCol="1" anchor="ctr" anchorCtr="0" compatLnSpc="1">
-            <a:prstTxWarp prst="textNoShape">
-              <a:avLst/>
-            </a:prstTxWarp>
-            <a:spAutoFit/>
-          </a:bodyPr>
-          <a:lstStyle/>
-          <a:p>
-            <a:pPr marL="0" marR="0" lvl="0" indent="0" algn="l" defTabSz="914400" rtl="0" eaLnBrk="0" fontAlgn="base" latinLnBrk="0" hangingPunct="0">
-              <a:lnSpc>
-                <a:spcPct val="100000"/>
-              </a:lnSpc>
-              <a:spcBef>
-                <a:spcPct val="0"/>
-              </a:spcBef>
-              <a:spcAft>
-                <a:spcPct val="0"/>
-              </a:spcAft>
-              <a:buClrTx/>
-              <a:buSzTx/>
-              <a:buFontTx/>
-              <a:buNone/>
-              <a:tabLst/>
-            </a:pPr>
-            <a:r>
-              <a:rPr kumimoji="0" lang="zh-CN" altLang="zh-CN" sz="1400" b="0" i="0" u="none" strike="noStrike" cap="none" normalizeH="0" baseline="0" smtClean="0">
-                <a:ln>
-                  <a:noFill/>
-                </a:ln>
-                <a:solidFill>
-                  <a:srgbClr val="0000FF"/>
-                </a:solidFill>
-                <a:effectLst/>
-                <a:latin typeface="Lucida Console" panose="020B0609040504020204" pitchFamily="49" charset="0"/>
-              </a:rPr>
-              <a:t>&gt; f99&lt;- missing_fixer(99)</a:t>
-            </a:r>
-            <a:endParaRPr kumimoji="0" lang="zh-CN" altLang="zh-CN" sz="3200" b="0" i="0" u="none" strike="noStrike" cap="none" normalizeH="0" baseline="0" smtClean="0">
-              <a:ln>
-                <a:noFill/>
-              </a:ln>
-              <a:solidFill>
-                <a:schemeClr val="tx1"/>
-              </a:solidFill>
-              <a:effectLst/>
-              <a:latin typeface="Arial" panose="020B0604020202020204" pitchFamily="34" charset="0"/>
-            </a:endParaRPr>
-          </a:p>
-        </p:txBody>
-      </p:sp>
-      <p:sp>
-        <p:nvSpPr>
-          <p:cNvPr id="7" name="文本框 6"/>
-          <p:cNvSpPr txBox="1"/>
-          <p:nvPr/>
-        </p:nvSpPr>
-        <p:spPr>
-          <a:xfrm>
-            <a:off x="4463358" y="4526733"/>
-            <a:ext cx="3985386" cy="369332"/>
+            <a:off x="1321806" y="4934139"/>
+            <a:ext cx="9915535" cy="369332"/>
           </a:xfrm>
           <a:prstGeom prst="rect">
             <a:avLst/>
@@ -4566,209 +4389,40 @@
           <a:p>
             <a:r>
               <a:rPr lang="zh-CN" altLang="en-US" smtClean="0"/>
-              <a:t>此时</a:t>
+              <a:t>由于提前并不知道</a:t>
             </a:r>
             <a:r>
               <a:rPr lang="en-US" altLang="zh-CN" smtClean="0"/>
-              <a:t>f99</a:t>
-            </a:r>
-            <a:r>
-              <a:rPr lang="zh-CN" altLang="en-US" smtClean="0"/>
-              <a:t>变成了一个函数，它的结构是</a:t>
+              <a:t>…</a:t>
+            </a:r>
+            <a:r>
+              <a:rPr lang="zh-CN" altLang="en-US" smtClean="0"/>
+              <a:t>会接收多少参数，通常可以用</a:t>
+            </a:r>
+            <a:r>
+              <a:rPr lang="en-US" altLang="zh-CN" smtClean="0"/>
+              <a:t>list()</a:t>
+            </a:r>
+            <a:r>
+              <a:rPr lang="zh-CN" altLang="en-US" smtClean="0"/>
+              <a:t>这种易于使用的方式捕捉</a:t>
+            </a:r>
+            <a:r>
+              <a:rPr lang="en-US" altLang="zh-CN" smtClean="0"/>
+              <a:t>…</a:t>
+            </a:r>
+            <a:r>
+              <a:rPr lang="zh-CN" altLang="en-US" smtClean="0"/>
+              <a:t>中的参数信息。</a:t>
             </a:r>
             <a:endParaRPr lang="zh-CN" altLang="en-US"/>
-          </a:p>
-        </p:txBody>
-      </p:sp>
-      <p:sp>
-        <p:nvSpPr>
-          <p:cNvPr id="9" name="矩形 8"/>
-          <p:cNvSpPr/>
-          <p:nvPr/>
-        </p:nvSpPr>
-        <p:spPr>
-          <a:xfrm>
-            <a:off x="8856172" y="4555798"/>
-            <a:ext cx="1892080" cy="954107"/>
-          </a:xfrm>
-          <a:prstGeom prst="rect">
-            <a:avLst/>
-          </a:prstGeom>
-        </p:spPr>
-        <p:txBody>
-          <a:bodyPr wrap="square">
-            <a:spAutoFit/>
-          </a:bodyPr>
-          <a:lstStyle/>
-          <a:p>
-            <a:pPr lvl="0" eaLnBrk="0" fontAlgn="base" hangingPunct="0">
-              <a:spcBef>
-                <a:spcPct val="0"/>
-              </a:spcBef>
-              <a:spcAft>
-                <a:spcPct val="0"/>
-              </a:spcAft>
-            </a:pPr>
-            <a:r>
-              <a:rPr lang="zh-CN" altLang="zh-CN" sz="1400">
-                <a:solidFill>
-                  <a:srgbClr val="0000FF"/>
-                </a:solidFill>
-                <a:latin typeface="Lucida Console" panose="020B0609040504020204" pitchFamily="49" charset="0"/>
-              </a:rPr>
-              <a:t>function(x){ </a:t>
-            </a:r>
-            <a:endParaRPr lang="en-US" altLang="zh-CN" sz="1400">
-              <a:solidFill>
-                <a:srgbClr val="0000FF"/>
-              </a:solidFill>
-              <a:latin typeface="Lucida Console" panose="020B0609040504020204" pitchFamily="49" charset="0"/>
-            </a:endParaRPr>
-          </a:p>
-          <a:p>
-            <a:pPr lvl="0" eaLnBrk="0" fontAlgn="base" hangingPunct="0">
-              <a:spcBef>
-                <a:spcPct val="0"/>
-              </a:spcBef>
-              <a:spcAft>
-                <a:spcPct val="0"/>
-              </a:spcAft>
-            </a:pPr>
-            <a:r>
-              <a:rPr lang="zh-CN" altLang="zh-CN" sz="1400">
-                <a:solidFill>
-                  <a:srgbClr val="0000FF"/>
-                </a:solidFill>
-                <a:latin typeface="Lucida Console" panose="020B0609040504020204" pitchFamily="49" charset="0"/>
-              </a:rPr>
-              <a:t>+ </a:t>
-            </a:r>
-            <a:r>
-              <a:rPr lang="zh-CN" altLang="zh-CN" sz="1400" smtClean="0">
-                <a:solidFill>
-                  <a:srgbClr val="0000FF"/>
-                </a:solidFill>
-                <a:latin typeface="Lucida Console" panose="020B0609040504020204" pitchFamily="49" charset="0"/>
-              </a:rPr>
-              <a:t>x</a:t>
-            </a:r>
-            <a:r>
-              <a:rPr lang="zh-CN" altLang="zh-CN" sz="1400">
-                <a:solidFill>
-                  <a:srgbClr val="0000FF"/>
-                </a:solidFill>
-                <a:latin typeface="Lucida Console" panose="020B0609040504020204" pitchFamily="49" charset="0"/>
-              </a:rPr>
-              <a:t>[x</a:t>
-            </a:r>
-            <a:r>
-              <a:rPr lang="zh-CN" altLang="zh-CN" sz="1400" smtClean="0">
-                <a:solidFill>
-                  <a:srgbClr val="0000FF"/>
-                </a:solidFill>
-                <a:latin typeface="Lucida Console" panose="020B0609040504020204" pitchFamily="49" charset="0"/>
-              </a:rPr>
-              <a:t>==</a:t>
-            </a:r>
-            <a:r>
-              <a:rPr lang="en-US" altLang="zh-CN" sz="1400" smtClean="0">
-                <a:solidFill>
-                  <a:srgbClr val="0000FF"/>
-                </a:solidFill>
-                <a:latin typeface="Lucida Console" panose="020B0609040504020204" pitchFamily="49" charset="0"/>
-              </a:rPr>
-              <a:t>99</a:t>
-            </a:r>
-            <a:r>
-              <a:rPr lang="zh-CN" altLang="zh-CN" sz="1400" smtClean="0">
-                <a:solidFill>
-                  <a:srgbClr val="0000FF"/>
-                </a:solidFill>
-                <a:latin typeface="Lucida Console" panose="020B0609040504020204" pitchFamily="49" charset="0"/>
-              </a:rPr>
-              <a:t>]&lt;-</a:t>
-            </a:r>
-            <a:r>
-              <a:rPr lang="zh-CN" altLang="zh-CN" sz="1400">
-                <a:solidFill>
-                  <a:srgbClr val="0000FF"/>
-                </a:solidFill>
-                <a:latin typeface="Lucida Console" panose="020B0609040504020204" pitchFamily="49" charset="0"/>
-              </a:rPr>
-              <a:t>NA</a:t>
-            </a:r>
-            <a:endParaRPr lang="en-US" altLang="zh-CN" sz="1400">
-              <a:solidFill>
-                <a:srgbClr val="0000FF"/>
-              </a:solidFill>
-              <a:latin typeface="Lucida Console" panose="020B0609040504020204" pitchFamily="49" charset="0"/>
-            </a:endParaRPr>
-          </a:p>
-          <a:p>
-            <a:pPr lvl="0" eaLnBrk="0" fontAlgn="base" hangingPunct="0">
-              <a:spcBef>
-                <a:spcPct val="0"/>
-              </a:spcBef>
-              <a:spcAft>
-                <a:spcPct val="0"/>
-              </a:spcAft>
-            </a:pPr>
-            <a:r>
-              <a:rPr lang="en-US" altLang="zh-CN" sz="1400" smtClean="0">
-                <a:solidFill>
-                  <a:srgbClr val="0000FF"/>
-                </a:solidFill>
-                <a:latin typeface="Lucida Console" panose="020B0609040504020204" pitchFamily="49" charset="0"/>
-              </a:rPr>
-              <a:t>+x</a:t>
-            </a:r>
-            <a:r>
-              <a:rPr lang="zh-CN" altLang="zh-CN" sz="1400" smtClean="0">
-                <a:solidFill>
-                  <a:srgbClr val="0000FF"/>
-                </a:solidFill>
-                <a:latin typeface="Lucida Console" panose="020B0609040504020204" pitchFamily="49" charset="0"/>
-              </a:rPr>
-              <a:t> </a:t>
-            </a:r>
-            <a:endParaRPr lang="en-US" altLang="zh-CN" sz="1400">
-              <a:solidFill>
-                <a:srgbClr val="0000FF"/>
-              </a:solidFill>
-              <a:latin typeface="Lucida Console" panose="020B0609040504020204" pitchFamily="49" charset="0"/>
-            </a:endParaRPr>
-          </a:p>
-          <a:p>
-            <a:pPr lvl="0" eaLnBrk="0" fontAlgn="base" hangingPunct="0">
-              <a:spcBef>
-                <a:spcPct val="0"/>
-              </a:spcBef>
-              <a:spcAft>
-                <a:spcPct val="0"/>
-              </a:spcAft>
-            </a:pPr>
-            <a:r>
-              <a:rPr lang="zh-CN" altLang="zh-CN" sz="1400" smtClean="0">
-                <a:solidFill>
-                  <a:srgbClr val="0000FF"/>
-                </a:solidFill>
-                <a:latin typeface="Lucida Console" panose="020B0609040504020204" pitchFamily="49" charset="0"/>
-              </a:rPr>
-              <a:t>+} </a:t>
-            </a:r>
-            <a:endParaRPr lang="en-US" altLang="zh-CN" sz="1400">
-              <a:solidFill>
-                <a:srgbClr val="0000FF"/>
-              </a:solidFill>
-              <a:latin typeface="Lucida Console" panose="020B0609040504020204" pitchFamily="49" charset="0"/>
-            </a:endParaRPr>
           </a:p>
         </p:txBody>
       </p:sp>
     </p:spTree>
     <p:extLst>
       <p:ext uri="{BB962C8B-B14F-4D97-AF65-F5344CB8AC3E}">
-        <p14:creationId xmlns:p14="http://schemas.microsoft.com/office/powerpoint/2010/main" val="2899555100"/>
+        <p14:creationId xmlns:p14="http://schemas.microsoft.com/office/powerpoint/2010/main" val="1261367339"/>
       </p:ext>
     </p:extLst>
   </p:cSld>
@@ -4807,14 +4461,16 @@
         </p:nvSpPr>
         <p:spPr/>
         <p:txBody>
-          <a:bodyPr/>
+          <a:bodyPr>
+            <a:normAutofit/>
+          </a:bodyPr>
           <a:lstStyle/>
           <a:p>
             <a:r>
-              <a:rPr lang="zh-CN" altLang="en-US" smtClean="0"/>
-              <a:t>函数列表</a:t>
-            </a:r>
-            <a:endParaRPr lang="zh-CN" altLang="en-US"/>
+              <a:rPr lang="zh-CN" altLang="en-US" sz="3600" smtClean="0"/>
+              <a:t>闭包</a:t>
+            </a:r>
+            <a:endParaRPr lang="zh-CN" altLang="en-US" sz="3600"/>
           </a:p>
         </p:txBody>
       </p:sp>
@@ -4835,102 +4491,8 @@
           <a:p>
             <a:r>
               <a:rPr lang="zh-CN" altLang="en-US" smtClean="0"/>
-              <a:t>列表：</a:t>
-            </a:r>
-            <a:r>
-              <a:rPr lang="en-US" altLang="zh-CN" smtClean="0"/>
-              <a:t>R</a:t>
-            </a:r>
-            <a:r>
-              <a:rPr lang="zh-CN" altLang="en-US" smtClean="0"/>
-              <a:t>中一种变量结构，列表中可以 存任何结构的数据，包括函数</a:t>
-            </a:r>
-            <a:endParaRPr lang="en-US" altLang="zh-CN" smtClean="0"/>
-          </a:p>
-          <a:p>
-            <a:pPr marL="0" indent="0">
-              <a:buNone/>
-            </a:pPr>
-            <a:r>
-              <a:rPr lang="zh-CN" altLang="en-US" smtClean="0"/>
-              <a:t>用上页中的函数工厂再生成几个函数，把它们存到一个列表</a:t>
-            </a:r>
-            <a:r>
-              <a:rPr lang="en-US" altLang="zh-CN" smtClean="0"/>
-              <a:t>flist</a:t>
-            </a:r>
-            <a:r>
-              <a:rPr lang="zh-CN" altLang="en-US" smtClean="0"/>
-              <a:t>中</a:t>
-            </a:r>
-            <a:endParaRPr lang="en-US" altLang="zh-CN" smtClean="0"/>
-          </a:p>
-          <a:p>
-            <a:pPr marL="0" indent="0">
-              <a:buNone/>
-            </a:pPr>
-            <a:endParaRPr lang="en-US" altLang="zh-CN"/>
-          </a:p>
-          <a:p>
-            <a:pPr marL="0" indent="0">
-              <a:buNone/>
-            </a:pPr>
-            <a:endParaRPr lang="en-US" altLang="zh-CN" smtClean="0"/>
-          </a:p>
-          <a:p>
-            <a:pPr marL="0" indent="0">
-              <a:buNone/>
-            </a:pPr>
-            <a:r>
-              <a:rPr lang="en-US" altLang="zh-CN" smtClean="0"/>
-              <a:t>flist</a:t>
-            </a:r>
-            <a:r>
-              <a:rPr lang="zh-CN" altLang="en-US" smtClean="0"/>
-              <a:t>其实跟普通变量一样，只是它存的内容是函数，</a:t>
-            </a:r>
-            <a:r>
-              <a:rPr lang="en-US" altLang="zh-CN" smtClean="0"/>
-              <a:t>a b c</a:t>
-            </a:r>
-            <a:r>
-              <a:rPr lang="zh-CN" altLang="en-US" smtClean="0"/>
-              <a:t>分别是 列表中的名字</a:t>
-            </a:r>
-            <a:endParaRPr lang="en-US" altLang="zh-CN" smtClean="0"/>
-          </a:p>
-          <a:p>
-            <a:pPr marL="0" indent="0">
-              <a:buNone/>
-            </a:pPr>
-            <a:endParaRPr lang="en-US" altLang="zh-CN" smtClean="0"/>
-          </a:p>
-          <a:p>
-            <a:pPr marL="0" indent="0">
-              <a:buNone/>
-            </a:pPr>
-            <a:endParaRPr lang="en-US" altLang="zh-CN"/>
-          </a:p>
-          <a:p>
-            <a:pPr marL="0" indent="0">
-              <a:buNone/>
-            </a:pPr>
-            <a:endParaRPr lang="en-US" altLang="zh-CN" smtClean="0"/>
-          </a:p>
-          <a:p>
-            <a:pPr marL="0" indent="0">
-              <a:buNone/>
-            </a:pPr>
-            <a:r>
-              <a:rPr lang="zh-CN" altLang="en-US" smtClean="0"/>
-              <a:t>和变量调用一样，可以按名字调用也可以按索引调用</a:t>
-            </a:r>
-            <a:endParaRPr lang="en-US" altLang="zh-CN"/>
-          </a:p>
-          <a:p>
-            <a:pPr marL="0" indent="0">
-              <a:buNone/>
-            </a:pPr>
+              <a:t>闭包实际上就是返回值是函数的一个函数，创建闭包的目的就是为了批量生产一系列函数。</a:t>
+            </a:r>
             <a:endParaRPr lang="zh-CN" altLang="en-US"/>
           </a:p>
         </p:txBody>
@@ -4945,8 +4507,8 @@
         </p:nvSpPr>
         <p:spPr bwMode="auto">
           <a:xfrm>
-            <a:off x="1097280" y="2766330"/>
-            <a:ext cx="3329438" cy="646331"/>
+            <a:off x="1213165" y="2500574"/>
+            <a:ext cx="4081245" cy="1292662"/>
           </a:xfrm>
           <a:prstGeom prst="rect">
             <a:avLst/>
@@ -5016,7 +4578,7 @@
                 <a:effectLst/>
                 <a:latin typeface="Lucida Console" panose="020B0609040504020204" pitchFamily="49" charset="0"/>
               </a:rPr>
-              <a:t>&gt; f90&lt;-missing_fixer(90) </a:t>
+              <a:t>&gt; missing_fixer&lt;- function(na_value){ </a:t>
             </a:r>
             <a:endParaRPr kumimoji="0" lang="en-US" altLang="zh-CN" sz="1400" b="0" i="0" u="none" strike="noStrike" cap="none" normalizeH="0" baseline="0" smtClean="0">
               <a:ln>
@@ -5057,7 +4619,33 @@
                 <a:effectLst/>
                 <a:latin typeface="Lucida Console" panose="020B0609040504020204" pitchFamily="49" charset="0"/>
               </a:rPr>
-              <a:t>&gt; f1&lt;-missing_fixer(1) </a:t>
+              <a:t>+ </a:t>
+            </a:r>
+            <a:r>
+              <a:rPr kumimoji="0" lang="en-US" altLang="zh-CN" sz="1400" b="0" i="0" u="none" strike="noStrike" cap="none" normalizeH="0" baseline="0" smtClean="0">
+                <a:ln>
+                  <a:noFill/>
+                </a:ln>
+                <a:solidFill>
+                  <a:srgbClr val="0000FF"/>
+                </a:solidFill>
+                <a:effectLst/>
+                <a:latin typeface="Lucida Console" panose="020B0609040504020204" pitchFamily="49" charset="0"/>
+              </a:rPr>
+              <a:t>	</a:t>
+            </a:r>
+            <a:r>
+              <a:rPr kumimoji="0" lang="zh-CN" altLang="zh-CN" sz="1400" b="0" i="0" u="none" strike="noStrike" cap="none" normalizeH="0" baseline="0" smtClean="0">
+                <a:ln>
+                  <a:noFill/>
+                </a:ln>
+                <a:solidFill>
+                  <a:srgbClr val="0000FF"/>
+                </a:solidFill>
+                <a:effectLst/>
+                <a:latin typeface="Lucida Console" panose="020B0609040504020204" pitchFamily="49" charset="0"/>
+              </a:rPr>
+              <a:t>function(x){ </a:t>
             </a:r>
             <a:endParaRPr kumimoji="0" lang="en-US" altLang="zh-CN" sz="1400" b="0" i="0" u="none" strike="noStrike" cap="none" normalizeH="0" baseline="0" smtClean="0">
               <a:ln>
@@ -5098,7 +4686,195 @@
                 <a:effectLst/>
                 <a:latin typeface="Lucida Console" panose="020B0609040504020204" pitchFamily="49" charset="0"/>
               </a:rPr>
-              <a:t>&gt; flist&lt;-list(a=f99,b=f1,c=f90)</a:t>
+              <a:t>+ </a:t>
+            </a:r>
+            <a:r>
+              <a:rPr kumimoji="0" lang="en-US" altLang="zh-CN" sz="1400" b="0" i="0" u="none" strike="noStrike" cap="none" normalizeH="0" baseline="0" smtClean="0">
+                <a:ln>
+                  <a:noFill/>
+                </a:ln>
+                <a:solidFill>
+                  <a:srgbClr val="0000FF"/>
+                </a:solidFill>
+                <a:effectLst/>
+                <a:latin typeface="Lucida Console" panose="020B0609040504020204" pitchFamily="49" charset="0"/>
+              </a:rPr>
+              <a:t>		</a:t>
+            </a:r>
+            <a:r>
+              <a:rPr kumimoji="0" lang="zh-CN" altLang="zh-CN" sz="1400" b="0" i="0" u="none" strike="noStrike" cap="none" normalizeH="0" baseline="0" smtClean="0">
+                <a:ln>
+                  <a:noFill/>
+                </a:ln>
+                <a:solidFill>
+                  <a:srgbClr val="0000FF"/>
+                </a:solidFill>
+                <a:effectLst/>
+                <a:latin typeface="Lucida Console" panose="020B0609040504020204" pitchFamily="49" charset="0"/>
+              </a:rPr>
+              <a:t>x[x==na_value]&lt;-NA</a:t>
+            </a:r>
+            <a:endParaRPr kumimoji="0" lang="en-US" altLang="zh-CN" sz="1400" b="0" i="0" u="none" strike="noStrike" cap="none" normalizeH="0" baseline="0" smtClean="0">
+              <a:ln>
+                <a:noFill/>
+              </a:ln>
+              <a:solidFill>
+                <a:srgbClr val="0000FF"/>
+              </a:solidFill>
+              <a:effectLst/>
+              <a:latin typeface="Lucida Console" panose="020B0609040504020204" pitchFamily="49" charset="0"/>
+            </a:endParaRPr>
+          </a:p>
+          <a:p>
+            <a:pPr marL="0" marR="0" lvl="0" indent="0" algn="l" defTabSz="914400" rtl="0" eaLnBrk="0" fontAlgn="base" latinLnBrk="0" hangingPunct="0">
+              <a:lnSpc>
+                <a:spcPct val="100000"/>
+              </a:lnSpc>
+              <a:spcBef>
+                <a:spcPct val="0"/>
+              </a:spcBef>
+              <a:spcAft>
+                <a:spcPct val="0"/>
+              </a:spcAft>
+              <a:buClrTx/>
+              <a:buSzTx/>
+              <a:buFontTx/>
+              <a:buNone/>
+              <a:tabLst/>
+            </a:pPr>
+            <a:r>
+              <a:rPr kumimoji="0" lang="en-US" altLang="zh-CN" sz="1400" b="0" i="0" u="none" strike="noStrike" cap="none" normalizeH="0" baseline="0" smtClean="0">
+                <a:ln>
+                  <a:noFill/>
+                </a:ln>
+                <a:solidFill>
+                  <a:srgbClr val="0000FF"/>
+                </a:solidFill>
+                <a:effectLst/>
+                <a:latin typeface="Lucida Console" panose="020B0609040504020204" pitchFamily="49" charset="0"/>
+              </a:rPr>
+              <a:t>+		x</a:t>
+            </a:r>
+            <a:r>
+              <a:rPr kumimoji="0" lang="zh-CN" altLang="zh-CN" sz="1400" b="0" i="0" u="none" strike="noStrike" cap="none" normalizeH="0" baseline="0" smtClean="0">
+                <a:ln>
+                  <a:noFill/>
+                </a:ln>
+                <a:solidFill>
+                  <a:srgbClr val="0000FF"/>
+                </a:solidFill>
+                <a:effectLst/>
+                <a:latin typeface="Lucida Console" panose="020B0609040504020204" pitchFamily="49" charset="0"/>
+              </a:rPr>
+              <a:t> </a:t>
+            </a:r>
+            <a:endParaRPr kumimoji="0" lang="en-US" altLang="zh-CN" sz="1400" b="0" i="0" u="none" strike="noStrike" cap="none" normalizeH="0" baseline="0" smtClean="0">
+              <a:ln>
+                <a:noFill/>
+              </a:ln>
+              <a:solidFill>
+                <a:srgbClr val="0000FF"/>
+              </a:solidFill>
+              <a:effectLst/>
+              <a:latin typeface="Lucida Console" panose="020B0609040504020204" pitchFamily="49" charset="0"/>
+            </a:endParaRPr>
+          </a:p>
+          <a:p>
+            <a:pPr marL="0" marR="0" lvl="0" indent="0" algn="l" defTabSz="914400" rtl="0" eaLnBrk="0" fontAlgn="base" latinLnBrk="0" hangingPunct="0">
+              <a:lnSpc>
+                <a:spcPct val="100000"/>
+              </a:lnSpc>
+              <a:spcBef>
+                <a:spcPct val="0"/>
+              </a:spcBef>
+              <a:spcAft>
+                <a:spcPct val="0"/>
+              </a:spcAft>
+              <a:buClrTx/>
+              <a:buSzTx/>
+              <a:buFontTx/>
+              <a:buNone/>
+              <a:tabLst/>
+            </a:pPr>
+            <a:r>
+              <a:rPr kumimoji="0" lang="zh-CN" altLang="zh-CN" sz="1400" b="0" i="0" u="none" strike="noStrike" cap="none" normalizeH="0" baseline="0" smtClean="0">
+                <a:ln>
+                  <a:noFill/>
+                </a:ln>
+                <a:solidFill>
+                  <a:srgbClr val="0000FF"/>
+                </a:solidFill>
+                <a:effectLst/>
+                <a:latin typeface="Lucida Console" panose="020B0609040504020204" pitchFamily="49" charset="0"/>
+              </a:rPr>
+              <a:t>+ </a:t>
+            </a:r>
+            <a:r>
+              <a:rPr kumimoji="0" lang="en-US" altLang="zh-CN" sz="1400" b="0" i="0" u="none" strike="noStrike" cap="none" normalizeH="0" baseline="0" smtClean="0">
+                <a:ln>
+                  <a:noFill/>
+                </a:ln>
+                <a:solidFill>
+                  <a:srgbClr val="0000FF"/>
+                </a:solidFill>
+                <a:effectLst/>
+                <a:latin typeface="Lucida Console" panose="020B0609040504020204" pitchFamily="49" charset="0"/>
+              </a:rPr>
+              <a:t>	</a:t>
+            </a:r>
+            <a:r>
+              <a:rPr kumimoji="0" lang="zh-CN" altLang="zh-CN" sz="1400" b="0" i="0" u="none" strike="noStrike" cap="none" normalizeH="0" baseline="0" smtClean="0">
+                <a:ln>
+                  <a:noFill/>
+                </a:ln>
+                <a:solidFill>
+                  <a:srgbClr val="0000FF"/>
+                </a:solidFill>
+                <a:effectLst/>
+                <a:latin typeface="Lucida Console" panose="020B0609040504020204" pitchFamily="49" charset="0"/>
+              </a:rPr>
+              <a:t>} </a:t>
+            </a:r>
+            <a:endParaRPr kumimoji="0" lang="en-US" altLang="zh-CN" sz="1400" b="0" i="0" u="none" strike="noStrike" cap="none" normalizeH="0" baseline="0" smtClean="0">
+              <a:ln>
+                <a:noFill/>
+              </a:ln>
+              <a:solidFill>
+                <a:srgbClr val="0000FF"/>
+              </a:solidFill>
+              <a:effectLst/>
+              <a:latin typeface="Lucida Console" panose="020B0609040504020204" pitchFamily="49" charset="0"/>
+            </a:endParaRPr>
+          </a:p>
+          <a:p>
+            <a:pPr marL="0" marR="0" lvl="0" indent="0" algn="l" defTabSz="914400" rtl="0" eaLnBrk="0" fontAlgn="base" latinLnBrk="0" hangingPunct="0">
+              <a:lnSpc>
+                <a:spcPct val="100000"/>
+              </a:lnSpc>
+              <a:spcBef>
+                <a:spcPct val="0"/>
+              </a:spcBef>
+              <a:spcAft>
+                <a:spcPct val="0"/>
+              </a:spcAft>
+              <a:buClrTx/>
+              <a:buSzTx/>
+              <a:buFontTx/>
+              <a:buNone/>
+              <a:tabLst/>
+            </a:pPr>
+            <a:r>
+              <a:rPr kumimoji="0" lang="zh-CN" altLang="zh-CN" sz="1400" b="0" i="0" u="none" strike="noStrike" cap="none" normalizeH="0" baseline="0" smtClean="0">
+                <a:ln>
+                  <a:noFill/>
+                </a:ln>
+                <a:solidFill>
+                  <a:srgbClr val="0000FF"/>
+                </a:solidFill>
+                <a:effectLst/>
+                <a:latin typeface="Lucida Console" panose="020B0609040504020204" pitchFamily="49" charset="0"/>
+              </a:rPr>
+              <a:t>+ }</a:t>
             </a:r>
             <a:endParaRPr kumimoji="0" lang="zh-CN" altLang="zh-CN" sz="3200" b="0" i="0" u="none" strike="noStrike" cap="none" normalizeH="0" baseline="0" smtClean="0">
               <a:ln>
@@ -5113,9 +4889,33 @@
           </a:p>
         </p:txBody>
       </p:sp>
-      <p:sp>
-        <p:nvSpPr>
-          <p:cNvPr id="5" name="Rectangle 2"/>
+      <p:pic>
+        <p:nvPicPr>
+          <p:cNvPr id="5" name="图片 4"/>
+          <p:cNvPicPr>
+            <a:picLocks noChangeAspect="1"/>
+          </p:cNvPicPr>
+          <p:nvPr/>
+        </p:nvPicPr>
+        <p:blipFill>
+          <a:blip r:embed="rId2"/>
+          <a:stretch>
+            <a:fillRect/>
+          </a:stretch>
+        </p:blipFill>
+        <p:spPr>
+          <a:xfrm>
+            <a:off x="8138971" y="2466314"/>
+            <a:ext cx="2686050" cy="1219200"/>
+          </a:xfrm>
+          <a:prstGeom prst="rect">
+            <a:avLst/>
+          </a:prstGeom>
+        </p:spPr>
+      </p:pic>
+      <p:sp>
+        <p:nvSpPr>
+          <p:cNvPr id="6" name="Rectangle 2"/>
           <p:cNvSpPr>
             <a:spLocks noChangeArrowheads="1"/>
           </p:cNvSpPr>
@@ -5123,8 +4923,8 @@
         </p:nvSpPr>
         <p:spPr bwMode="auto">
           <a:xfrm>
-            <a:off x="1097280" y="4173776"/>
-            <a:ext cx="1503617" cy="430887"/>
+            <a:off x="1097280" y="4340354"/>
+            <a:ext cx="2685030" cy="215444"/>
           </a:xfrm>
           <a:prstGeom prst="rect">
             <a:avLst/>
@@ -5194,48 +4994,7 @@
                 <a:effectLst/>
                 <a:latin typeface="Lucida Console" panose="020B0609040504020204" pitchFamily="49" charset="0"/>
               </a:rPr>
-              <a:t>&gt; flist$a(99) </a:t>
-            </a:r>
-            <a:endParaRPr kumimoji="0" lang="en-US" altLang="zh-CN" sz="1400" b="0" i="0" u="none" strike="noStrike" cap="none" normalizeH="0" baseline="0" smtClean="0">
-              <a:ln>
-                <a:noFill/>
-              </a:ln>
-              <a:solidFill>
-                <a:srgbClr val="0000FF"/>
-              </a:solidFill>
-              <a:effectLst/>
-              <a:latin typeface="Lucida Console" panose="020B0609040504020204" pitchFamily="49" charset="0"/>
-            </a:endParaRPr>
-          </a:p>
-          <a:p>
-            <a:pPr marL="0" marR="0" lvl="0" indent="0" algn="l" defTabSz="914400" rtl="0" eaLnBrk="0" fontAlgn="base" latinLnBrk="0" hangingPunct="0">
-              <a:lnSpc>
-                <a:spcPct val="100000"/>
-              </a:lnSpc>
-              <a:spcBef>
-                <a:spcPct val="0"/>
-              </a:spcBef>
-              <a:spcAft>
-                <a:spcPct val="0"/>
-              </a:spcAft>
-              <a:buClrTx/>
-              <a:buSzTx/>
-              <a:buFontTx/>
-              <a:buNone/>
-              <a:tabLst/>
-            </a:pPr>
-            <a:r>
-              <a:rPr kumimoji="0" lang="zh-CN" altLang="zh-CN" sz="1400" b="0" i="0" u="none" strike="noStrike" cap="none" normalizeH="0" baseline="0" smtClean="0">
-                <a:ln>
-                  <a:noFill/>
-                </a:ln>
-                <a:solidFill>
-                  <a:srgbClr val="000000"/>
-                </a:solidFill>
-                <a:effectLst/>
-                <a:latin typeface="Lucida Console" panose="020B0609040504020204" pitchFamily="49" charset="0"/>
-              </a:rPr>
-              <a:t>[1] NA</a:t>
+              <a:t>&gt; f99&lt;- missing_fixer(99)</a:t>
             </a:r>
             <a:endParaRPr kumimoji="0" lang="zh-CN" altLang="zh-CN" sz="3200" b="0" i="0" u="none" strike="noStrike" cap="none" normalizeH="0" baseline="0" smtClean="0">
               <a:ln>
@@ -5252,7 +5011,400 @@
       </p:sp>
       <p:sp>
         <p:nvSpPr>
-          <p:cNvPr id="6" name="Rectangle 3"/>
+          <p:cNvPr id="7" name="文本框 6"/>
+          <p:cNvSpPr txBox="1"/>
+          <p:nvPr/>
+        </p:nvSpPr>
+        <p:spPr>
+          <a:xfrm>
+            <a:off x="4463358" y="4526733"/>
+            <a:ext cx="3985386" cy="369332"/>
+          </a:xfrm>
+          <a:prstGeom prst="rect">
+            <a:avLst/>
+          </a:prstGeom>
+          <a:noFill/>
+        </p:spPr>
+        <p:txBody>
+          <a:bodyPr wrap="none" rtlCol="0">
+            <a:spAutoFit/>
+          </a:bodyPr>
+          <a:lstStyle/>
+          <a:p>
+            <a:r>
+              <a:rPr lang="zh-CN" altLang="en-US" smtClean="0"/>
+              <a:t>此时</a:t>
+            </a:r>
+            <a:r>
+              <a:rPr lang="en-US" altLang="zh-CN" smtClean="0"/>
+              <a:t>f99</a:t>
+            </a:r>
+            <a:r>
+              <a:rPr lang="zh-CN" altLang="en-US" smtClean="0"/>
+              <a:t>变成了一个函数，它的结构是</a:t>
+            </a:r>
+            <a:endParaRPr lang="zh-CN" altLang="en-US"/>
+          </a:p>
+        </p:txBody>
+      </p:sp>
+      <p:sp>
+        <p:nvSpPr>
+          <p:cNvPr id="9" name="矩形 8"/>
+          <p:cNvSpPr/>
+          <p:nvPr/>
+        </p:nvSpPr>
+        <p:spPr>
+          <a:xfrm>
+            <a:off x="8856172" y="4555798"/>
+            <a:ext cx="1892080" cy="954107"/>
+          </a:xfrm>
+          <a:prstGeom prst="rect">
+            <a:avLst/>
+          </a:prstGeom>
+        </p:spPr>
+        <p:txBody>
+          <a:bodyPr wrap="square">
+            <a:spAutoFit/>
+          </a:bodyPr>
+          <a:lstStyle/>
+          <a:p>
+            <a:pPr lvl="0" eaLnBrk="0" fontAlgn="base" hangingPunct="0">
+              <a:spcBef>
+                <a:spcPct val="0"/>
+              </a:spcBef>
+              <a:spcAft>
+                <a:spcPct val="0"/>
+              </a:spcAft>
+            </a:pPr>
+            <a:r>
+              <a:rPr lang="zh-CN" altLang="zh-CN" sz="1400">
+                <a:solidFill>
+                  <a:srgbClr val="0000FF"/>
+                </a:solidFill>
+                <a:latin typeface="Lucida Console" panose="020B0609040504020204" pitchFamily="49" charset="0"/>
+              </a:rPr>
+              <a:t>function(x){ </a:t>
+            </a:r>
+            <a:endParaRPr lang="en-US" altLang="zh-CN" sz="1400">
+              <a:solidFill>
+                <a:srgbClr val="0000FF"/>
+              </a:solidFill>
+              <a:latin typeface="Lucida Console" panose="020B0609040504020204" pitchFamily="49" charset="0"/>
+            </a:endParaRPr>
+          </a:p>
+          <a:p>
+            <a:pPr lvl="0" eaLnBrk="0" fontAlgn="base" hangingPunct="0">
+              <a:spcBef>
+                <a:spcPct val="0"/>
+              </a:spcBef>
+              <a:spcAft>
+                <a:spcPct val="0"/>
+              </a:spcAft>
+            </a:pPr>
+            <a:r>
+              <a:rPr lang="zh-CN" altLang="zh-CN" sz="1400">
+                <a:solidFill>
+                  <a:srgbClr val="0000FF"/>
+                </a:solidFill>
+                <a:latin typeface="Lucida Console" panose="020B0609040504020204" pitchFamily="49" charset="0"/>
+              </a:rPr>
+              <a:t>+ </a:t>
+            </a:r>
+            <a:r>
+              <a:rPr lang="zh-CN" altLang="zh-CN" sz="1400" smtClean="0">
+                <a:solidFill>
+                  <a:srgbClr val="0000FF"/>
+                </a:solidFill>
+                <a:latin typeface="Lucida Console" panose="020B0609040504020204" pitchFamily="49" charset="0"/>
+              </a:rPr>
+              <a:t>x</a:t>
+            </a:r>
+            <a:r>
+              <a:rPr lang="zh-CN" altLang="zh-CN" sz="1400">
+                <a:solidFill>
+                  <a:srgbClr val="0000FF"/>
+                </a:solidFill>
+                <a:latin typeface="Lucida Console" panose="020B0609040504020204" pitchFamily="49" charset="0"/>
+              </a:rPr>
+              <a:t>[x</a:t>
+            </a:r>
+            <a:r>
+              <a:rPr lang="zh-CN" altLang="zh-CN" sz="1400" smtClean="0">
+                <a:solidFill>
+                  <a:srgbClr val="0000FF"/>
+                </a:solidFill>
+                <a:latin typeface="Lucida Console" panose="020B0609040504020204" pitchFamily="49" charset="0"/>
+              </a:rPr>
+              <a:t>==</a:t>
+            </a:r>
+            <a:r>
+              <a:rPr lang="en-US" altLang="zh-CN" sz="1400" smtClean="0">
+                <a:solidFill>
+                  <a:srgbClr val="0000FF"/>
+                </a:solidFill>
+                <a:latin typeface="Lucida Console" panose="020B0609040504020204" pitchFamily="49" charset="0"/>
+              </a:rPr>
+              <a:t>99</a:t>
+            </a:r>
+            <a:r>
+              <a:rPr lang="zh-CN" altLang="zh-CN" sz="1400" smtClean="0">
+                <a:solidFill>
+                  <a:srgbClr val="0000FF"/>
+                </a:solidFill>
+                <a:latin typeface="Lucida Console" panose="020B0609040504020204" pitchFamily="49" charset="0"/>
+              </a:rPr>
+              <a:t>]&lt;-</a:t>
+            </a:r>
+            <a:r>
+              <a:rPr lang="zh-CN" altLang="zh-CN" sz="1400">
+                <a:solidFill>
+                  <a:srgbClr val="0000FF"/>
+                </a:solidFill>
+                <a:latin typeface="Lucida Console" panose="020B0609040504020204" pitchFamily="49" charset="0"/>
+              </a:rPr>
+              <a:t>NA</a:t>
+            </a:r>
+            <a:endParaRPr lang="en-US" altLang="zh-CN" sz="1400">
+              <a:solidFill>
+                <a:srgbClr val="0000FF"/>
+              </a:solidFill>
+              <a:latin typeface="Lucida Console" panose="020B0609040504020204" pitchFamily="49" charset="0"/>
+            </a:endParaRPr>
+          </a:p>
+          <a:p>
+            <a:pPr lvl="0" eaLnBrk="0" fontAlgn="base" hangingPunct="0">
+              <a:spcBef>
+                <a:spcPct val="0"/>
+              </a:spcBef>
+              <a:spcAft>
+                <a:spcPct val="0"/>
+              </a:spcAft>
+            </a:pPr>
+            <a:r>
+              <a:rPr lang="en-US" altLang="zh-CN" sz="1400" smtClean="0">
+                <a:solidFill>
+                  <a:srgbClr val="0000FF"/>
+                </a:solidFill>
+                <a:latin typeface="Lucida Console" panose="020B0609040504020204" pitchFamily="49" charset="0"/>
+              </a:rPr>
+              <a:t>+x</a:t>
+            </a:r>
+            <a:r>
+              <a:rPr lang="zh-CN" altLang="zh-CN" sz="1400" smtClean="0">
+                <a:solidFill>
+                  <a:srgbClr val="0000FF"/>
+                </a:solidFill>
+                <a:latin typeface="Lucida Console" panose="020B0609040504020204" pitchFamily="49" charset="0"/>
+              </a:rPr>
+              <a:t> </a:t>
+            </a:r>
+            <a:endParaRPr lang="en-US" altLang="zh-CN" sz="1400">
+              <a:solidFill>
+                <a:srgbClr val="0000FF"/>
+              </a:solidFill>
+              <a:latin typeface="Lucida Console" panose="020B0609040504020204" pitchFamily="49" charset="0"/>
+            </a:endParaRPr>
+          </a:p>
+          <a:p>
+            <a:pPr lvl="0" eaLnBrk="0" fontAlgn="base" hangingPunct="0">
+              <a:spcBef>
+                <a:spcPct val="0"/>
+              </a:spcBef>
+              <a:spcAft>
+                <a:spcPct val="0"/>
+              </a:spcAft>
+            </a:pPr>
+            <a:r>
+              <a:rPr lang="zh-CN" altLang="zh-CN" sz="1400" smtClean="0">
+                <a:solidFill>
+                  <a:srgbClr val="0000FF"/>
+                </a:solidFill>
+                <a:latin typeface="Lucida Console" panose="020B0609040504020204" pitchFamily="49" charset="0"/>
+              </a:rPr>
+              <a:t>+} </a:t>
+            </a:r>
+            <a:endParaRPr lang="en-US" altLang="zh-CN" sz="1400">
+              <a:solidFill>
+                <a:srgbClr val="0000FF"/>
+              </a:solidFill>
+              <a:latin typeface="Lucida Console" panose="020B0609040504020204" pitchFamily="49" charset="0"/>
+            </a:endParaRPr>
+          </a:p>
+        </p:txBody>
+      </p:sp>
+    </p:spTree>
+    <p:extLst>
+      <p:ext uri="{BB962C8B-B14F-4D97-AF65-F5344CB8AC3E}">
+        <p14:creationId xmlns:p14="http://schemas.microsoft.com/office/powerpoint/2010/main" val="2899555100"/>
+      </p:ext>
+    </p:extLst>
+  </p:cSld>
+  <p:clrMapOvr>
+    <a:masterClrMapping/>
+  </p:clrMapOvr>
+</p:sld>
+</file>
+
+<file path=ppt/slides/slide12.xml><?xml version="1.0" encoding="utf-8"?>
+<p:sld xmlns:a="http://schemas.openxmlformats.org/drawingml/2006/main" xmlns:r="http://schemas.openxmlformats.org/officeDocument/2006/relationships" xmlns:p="http://schemas.openxmlformats.org/presentationml/2006/main">
+  <p:cSld>
+    <p:spTree>
+      <p:nvGrpSpPr>
+        <p:cNvPr id="1" name=""/>
+        <p:cNvGrpSpPr/>
+        <p:nvPr/>
+      </p:nvGrpSpPr>
+      <p:grpSpPr>
+        <a:xfrm>
+          <a:off x="0" y="0"/>
+          <a:ext cx="0" cy="0"/>
+          <a:chOff x="0" y="0"/>
+          <a:chExt cx="0" cy="0"/>
+        </a:xfrm>
+      </p:grpSpPr>
+      <p:sp>
+        <p:nvSpPr>
+          <p:cNvPr id="2" name="标题 1"/>
+          <p:cNvSpPr>
+            <a:spLocks noGrp="1"/>
+          </p:cNvSpPr>
+          <p:nvPr>
+            <p:ph type="title"/>
+          </p:nvPr>
+        </p:nvSpPr>
+        <p:spPr/>
+        <p:txBody>
+          <a:bodyPr/>
+          <a:lstStyle/>
+          <a:p>
+            <a:r>
+              <a:rPr lang="zh-CN" altLang="en-US" smtClean="0"/>
+              <a:t>函数列表</a:t>
+            </a:r>
+            <a:endParaRPr lang="zh-CN" altLang="en-US"/>
+          </a:p>
+        </p:txBody>
+      </p:sp>
+      <p:sp>
+        <p:nvSpPr>
+          <p:cNvPr id="3" name="内容占位符 2"/>
+          <p:cNvSpPr>
+            <a:spLocks noGrp="1"/>
+          </p:cNvSpPr>
+          <p:nvPr>
+            <p:ph idx="1"/>
+          </p:nvPr>
+        </p:nvSpPr>
+        <p:spPr/>
+        <p:txBody>
+          <a:bodyPr/>
+          <a:lstStyle/>
+          <a:p>
+            <a:r>
+              <a:rPr lang="zh-CN" altLang="en-US" smtClean="0"/>
+              <a:t>列表：</a:t>
+            </a:r>
+            <a:r>
+              <a:rPr lang="en-US" altLang="zh-CN" smtClean="0"/>
+              <a:t>R</a:t>
+            </a:r>
+            <a:r>
+              <a:rPr lang="zh-CN" altLang="en-US" smtClean="0"/>
+              <a:t>中一种变量结构，列表中可以 存任何结构的数据，包括函数</a:t>
+            </a:r>
+            <a:endParaRPr lang="en-US" altLang="zh-CN" smtClean="0"/>
+          </a:p>
+          <a:p>
+            <a:pPr marL="0" indent="0">
+              <a:buNone/>
+            </a:pPr>
+            <a:r>
+              <a:rPr lang="zh-CN" altLang="en-US" smtClean="0"/>
+              <a:t>用上页中的函数工厂再生成几个函数，把它们存到一个列表</a:t>
+            </a:r>
+            <a:r>
+              <a:rPr lang="en-US" altLang="zh-CN" smtClean="0"/>
+              <a:t>flist</a:t>
+            </a:r>
+            <a:r>
+              <a:rPr lang="zh-CN" altLang="en-US" smtClean="0"/>
+              <a:t>中</a:t>
+            </a:r>
+            <a:endParaRPr lang="en-US" altLang="zh-CN" smtClean="0"/>
+          </a:p>
+          <a:p>
+            <a:pPr marL="0" indent="0">
+              <a:buNone/>
+            </a:pPr>
+            <a:endParaRPr lang="en-US" altLang="zh-CN"/>
+          </a:p>
+          <a:p>
+            <a:pPr marL="0" indent="0">
+              <a:buNone/>
+            </a:pPr>
+            <a:endParaRPr lang="en-US" altLang="zh-CN" smtClean="0"/>
+          </a:p>
+          <a:p>
+            <a:pPr marL="0" indent="0">
+              <a:buNone/>
+            </a:pPr>
+            <a:r>
+              <a:rPr lang="en-US" altLang="zh-CN" smtClean="0"/>
+              <a:t>flist</a:t>
+            </a:r>
+            <a:r>
+              <a:rPr lang="zh-CN" altLang="en-US" smtClean="0"/>
+              <a:t>其实跟普通变量一样，只是它存的内容是函数，</a:t>
+            </a:r>
+            <a:r>
+              <a:rPr lang="en-US" altLang="zh-CN" smtClean="0"/>
+              <a:t>a b c</a:t>
+            </a:r>
+            <a:r>
+              <a:rPr lang="zh-CN" altLang="en-US" smtClean="0"/>
+              <a:t>分别是 列表中的名字</a:t>
+            </a:r>
+            <a:endParaRPr lang="en-US" altLang="zh-CN" smtClean="0"/>
+          </a:p>
+          <a:p>
+            <a:pPr marL="0" indent="0">
+              <a:buNone/>
+            </a:pPr>
+            <a:endParaRPr lang="en-US" altLang="zh-CN" smtClean="0"/>
+          </a:p>
+          <a:p>
+            <a:pPr marL="0" indent="0">
+              <a:buNone/>
+            </a:pPr>
+            <a:endParaRPr lang="en-US" altLang="zh-CN"/>
+          </a:p>
+          <a:p>
+            <a:pPr marL="0" indent="0">
+              <a:buNone/>
+            </a:pPr>
+            <a:endParaRPr lang="en-US" altLang="zh-CN" smtClean="0"/>
+          </a:p>
+          <a:p>
+            <a:pPr marL="0" indent="0">
+              <a:buNone/>
+            </a:pPr>
+            <a:r>
+              <a:rPr lang="zh-CN" altLang="en-US" smtClean="0"/>
+              <a:t>和变量调用一样，可以按名字调用也可以按索引调用</a:t>
+            </a:r>
+            <a:endParaRPr lang="en-US" altLang="zh-CN"/>
+          </a:p>
+          <a:p>
+            <a:pPr marL="0" indent="0">
+              <a:buNone/>
+            </a:pPr>
+            <a:endParaRPr lang="zh-CN" altLang="en-US"/>
+          </a:p>
+        </p:txBody>
+      </p:sp>
+      <p:sp>
+        <p:nvSpPr>
+          <p:cNvPr id="4" name="Rectangle 1"/>
           <p:cNvSpPr>
             <a:spLocks noChangeArrowheads="1"/>
           </p:cNvSpPr>
@@ -5260,8 +5412,8 @@
         </p:nvSpPr>
         <p:spPr bwMode="auto">
           <a:xfrm>
-            <a:off x="1097280" y="4805991"/>
-            <a:ext cx="1825821" cy="430887"/>
+            <a:off x="1097280" y="2766330"/>
+            <a:ext cx="3329438" cy="646331"/>
           </a:xfrm>
           <a:prstGeom prst="rect">
             <a:avLst/>
@@ -5331,7 +5483,7 @@
                 <a:effectLst/>
                 <a:latin typeface="Lucida Console" panose="020B0609040504020204" pitchFamily="49" charset="0"/>
               </a:rPr>
-              <a:t>&gt; flist[[1]](99) </a:t>
+              <a:t>&gt; f90&lt;-missing_fixer(90) </a:t>
             </a:r>
             <a:endParaRPr kumimoji="0" lang="en-US" altLang="zh-CN" sz="1400" b="0" i="0" u="none" strike="noStrike" cap="none" normalizeH="0" baseline="0" smtClean="0">
               <a:ln>
@@ -5367,12 +5519,53 @@
                   <a:noFill/>
                 </a:ln>
                 <a:solidFill>
-                  <a:srgbClr val="000000"/>
+                  <a:srgbClr val="0000FF"/>
                 </a:solidFill>
                 <a:effectLst/>
                 <a:latin typeface="Lucida Console" panose="020B0609040504020204" pitchFamily="49" charset="0"/>
               </a:rPr>
-              <a:t>[1] NA</a:t>
+              <a:t>&gt; f1&lt;-missing_fixer(1) </a:t>
+            </a:r>
+            <a:endParaRPr kumimoji="0" lang="en-US" altLang="zh-CN" sz="1400" b="0" i="0" u="none" strike="noStrike" cap="none" normalizeH="0" baseline="0" smtClean="0">
+              <a:ln>
+                <a:noFill/>
+              </a:ln>
+              <a:solidFill>
+                <a:srgbClr val="0000FF"/>
+              </a:solidFill>
+              <a:effectLst/>
+              <a:latin typeface="Lucida Console" panose="020B0609040504020204" pitchFamily="49" charset="0"/>
+            </a:endParaRPr>
+          </a:p>
+          <a:p>
+            <a:pPr marL="0" marR="0" lvl="0" indent="0" algn="l" defTabSz="914400" rtl="0" eaLnBrk="0" fontAlgn="base" latinLnBrk="0" hangingPunct="0">
+              <a:lnSpc>
+                <a:spcPct val="100000"/>
+              </a:lnSpc>
+              <a:spcBef>
+                <a:spcPct val="0"/>
+              </a:spcBef>
+              <a:spcAft>
+                <a:spcPct val="0"/>
+              </a:spcAft>
+              <a:buClrTx/>
+              <a:buSzTx/>
+              <a:buFontTx/>
+              <a:buNone/>
+              <a:tabLst/>
+            </a:pPr>
+            <a:r>
+              <a:rPr kumimoji="0" lang="zh-CN" altLang="zh-CN" sz="1400" b="0" i="0" u="none" strike="noStrike" cap="none" normalizeH="0" baseline="0" smtClean="0">
+                <a:ln>
+                  <a:noFill/>
+                </a:ln>
+                <a:solidFill>
+                  <a:srgbClr val="0000FF"/>
+                </a:solidFill>
+                <a:effectLst/>
+                <a:latin typeface="Lucida Console" panose="020B0609040504020204" pitchFamily="49" charset="0"/>
+              </a:rPr>
+              <a:t>&gt; flist&lt;-list(a=f99,b=f1,c=f90)</a:t>
             </a:r>
             <a:endParaRPr kumimoji="0" lang="zh-CN" altLang="zh-CN" sz="3200" b="0" i="0" u="none" strike="noStrike" cap="none" normalizeH="0" baseline="0" smtClean="0">
               <a:ln>
@@ -5387,188 +5580,9 @@
           </a:p>
         </p:txBody>
       </p:sp>
-    </p:spTree>
-    <p:extLst>
-      <p:ext uri="{BB962C8B-B14F-4D97-AF65-F5344CB8AC3E}">
-        <p14:creationId xmlns:p14="http://schemas.microsoft.com/office/powerpoint/2010/main" val="2294328978"/>
-      </p:ext>
-    </p:extLst>
-  </p:cSld>
-  <p:clrMapOvr>
-    <a:masterClrMapping/>
-  </p:clrMapOvr>
-  <p:timing>
-    <p:tnLst>
-      <p:par>
-        <p:cTn id="1" dur="indefinite" restart="never" nodeType="tmRoot"/>
-      </p:par>
-    </p:tnLst>
-  </p:timing>
-</p:sld>
-</file>
-
-<file path=ppt/slides/slide12.xml><?xml version="1.0" encoding="utf-8"?>
-<p:sld xmlns:a="http://schemas.openxmlformats.org/drawingml/2006/main" xmlns:r="http://schemas.openxmlformats.org/officeDocument/2006/relationships" xmlns:p="http://schemas.openxmlformats.org/presentationml/2006/main">
-  <p:cSld>
-    <p:spTree>
-      <p:nvGrpSpPr>
-        <p:cNvPr id="1" name=""/>
-        <p:cNvGrpSpPr/>
-        <p:nvPr/>
-      </p:nvGrpSpPr>
-      <p:grpSpPr>
-        <a:xfrm>
-          <a:off x="0" y="0"/>
-          <a:ext cx="0" cy="0"/>
-          <a:chOff x="0" y="0"/>
-          <a:chExt cx="0" cy="0"/>
-        </a:xfrm>
-      </p:grpSpPr>
-      <p:sp>
-        <p:nvSpPr>
-          <p:cNvPr id="2" name="标题 1"/>
-          <p:cNvSpPr>
-            <a:spLocks noGrp="1"/>
-          </p:cNvSpPr>
-          <p:nvPr>
-            <p:ph type="title"/>
-          </p:nvPr>
-        </p:nvSpPr>
-        <p:spPr/>
-        <p:txBody>
-          <a:bodyPr/>
-          <a:lstStyle/>
-          <a:p>
-            <a:r>
-              <a:rPr lang="zh-CN" altLang="en-US" smtClean="0"/>
-              <a:t>泛函</a:t>
-            </a:r>
-            <a:endParaRPr lang="zh-CN" altLang="en-US"/>
-          </a:p>
-        </p:txBody>
-      </p:sp>
-      <p:sp>
-        <p:nvSpPr>
-          <p:cNvPr id="3" name="内容占位符 2"/>
-          <p:cNvSpPr>
-            <a:spLocks noGrp="1"/>
-          </p:cNvSpPr>
-          <p:nvPr>
-            <p:ph idx="1"/>
-          </p:nvPr>
-        </p:nvSpPr>
-        <p:spPr/>
-        <p:txBody>
-          <a:bodyPr/>
-          <a:lstStyle/>
-          <a:p>
-            <a:r>
-              <a:rPr lang="en-US" altLang="zh-CN" smtClean="0"/>
-              <a:t>lapply</a:t>
-            </a:r>
-            <a:r>
-              <a:rPr lang="zh-CN" altLang="en-US" smtClean="0"/>
-              <a:t>对一个</a:t>
-            </a:r>
-            <a:r>
-              <a:rPr lang="en-US" altLang="zh-CN" smtClean="0"/>
-              <a:t>list</a:t>
-            </a:r>
-            <a:r>
-              <a:rPr lang="zh-CN" altLang="en-US" smtClean="0"/>
-              <a:t>类型的变量每一列调用函数进行计算</a:t>
-            </a:r>
-            <a:endParaRPr lang="en-US" altLang="zh-CN" smtClean="0"/>
-          </a:p>
-          <a:p>
-            <a:endParaRPr lang="en-US" altLang="zh-CN"/>
-          </a:p>
-          <a:p>
-            <a:r>
-              <a:rPr lang="zh-CN" altLang="en-US" smtClean="0"/>
-              <a:t>由于数据框也是</a:t>
-            </a:r>
-            <a:r>
-              <a:rPr lang="en-US" altLang="zh-CN" smtClean="0"/>
-              <a:t>list</a:t>
-            </a:r>
-            <a:r>
-              <a:rPr lang="zh-CN" altLang="en-US" smtClean="0"/>
-              <a:t>类型，也可以使用</a:t>
-            </a:r>
-            <a:r>
-              <a:rPr lang="en-US" altLang="zh-CN" smtClean="0"/>
-              <a:t>lapply</a:t>
-            </a:r>
-            <a:r>
-              <a:rPr lang="zh-CN" altLang="en-US" smtClean="0"/>
-              <a:t>，但是计算结果的输出形式也是</a:t>
-            </a:r>
-            <a:r>
-              <a:rPr lang="en-US" altLang="zh-CN" smtClean="0"/>
-              <a:t>list</a:t>
-            </a:r>
-            <a:r>
-              <a:rPr lang="zh-CN" altLang="en-US" smtClean="0"/>
-              <a:t>类型</a:t>
-            </a:r>
-            <a:endParaRPr lang="en-US" altLang="zh-CN" smtClean="0"/>
-          </a:p>
-          <a:p>
-            <a:endParaRPr lang="en-US" altLang="zh-CN"/>
-          </a:p>
-          <a:p>
-            <a:r>
-              <a:rPr lang="zh-CN" altLang="en-US" smtClean="0"/>
-              <a:t>这里可以用</a:t>
-            </a:r>
-            <a:r>
-              <a:rPr lang="en-US" altLang="zh-CN" smtClean="0"/>
-              <a:t>unlist</a:t>
-            </a:r>
-            <a:r>
-              <a:rPr lang="zh-CN" altLang="en-US" smtClean="0"/>
-              <a:t>取消它的变量结构，还原到原子向量结构，同时也支持</a:t>
-            </a:r>
-            <a:r>
-              <a:rPr lang="en-US" altLang="zh-CN" smtClean="0"/>
-              <a:t>as.data.frame</a:t>
-            </a:r>
-            <a:r>
-              <a:rPr lang="zh-CN" altLang="en-US" smtClean="0"/>
-              <a:t>直接转换为数据框</a:t>
-            </a:r>
-            <a:endParaRPr lang="zh-CN" altLang="en-US"/>
-          </a:p>
-        </p:txBody>
-      </p:sp>
-      <p:pic>
-        <p:nvPicPr>
-          <p:cNvPr id="4" name="图片 3"/>
-          <p:cNvPicPr>
-            <a:picLocks noChangeAspect="1"/>
-          </p:cNvPicPr>
-          <p:nvPr/>
-        </p:nvPicPr>
-        <p:blipFill>
-          <a:blip r:embed="rId2"/>
-          <a:stretch>
-            <a:fillRect/>
-          </a:stretch>
-        </p:blipFill>
-        <p:spPr>
-          <a:xfrm>
-            <a:off x="5830577" y="4680492"/>
-            <a:ext cx="4924425" cy="552450"/>
-          </a:xfrm>
-          <a:prstGeom prst="rect">
-            <a:avLst/>
-          </a:prstGeom>
-        </p:spPr>
-      </p:pic>
-      <p:sp>
-        <p:nvSpPr>
-          <p:cNvPr id="5" name="Rectangle 1"/>
+      <p:sp>
+        <p:nvSpPr>
+          <p:cNvPr id="5" name="Rectangle 2"/>
           <p:cNvSpPr>
             <a:spLocks noChangeArrowheads="1"/>
           </p:cNvSpPr>
@@ -5576,8 +5590,8 @@
         </p:nvSpPr>
         <p:spPr bwMode="auto">
           <a:xfrm>
-            <a:off x="1240325" y="2354366"/>
-            <a:ext cx="1952458" cy="184666"/>
+            <a:off x="1097280" y="4173776"/>
+            <a:ext cx="1503617" cy="430887"/>
           </a:xfrm>
           <a:prstGeom prst="rect">
             <a:avLst/>
@@ -5637,7 +5651,7 @@
               <a:tabLst/>
             </a:pPr>
             <a:r>
-              <a:rPr kumimoji="0" lang="zh-CN" altLang="zh-CN" sz="1200" b="0" i="0" u="none" strike="noStrike" cap="none" normalizeH="0" baseline="0" smtClean="0">
+              <a:rPr kumimoji="0" lang="zh-CN" altLang="zh-CN" sz="1400" b="0" i="0" u="none" strike="noStrike" cap="none" normalizeH="0" baseline="0" smtClean="0">
                 <a:ln>
                   <a:noFill/>
                 </a:ln>
@@ -5647,9 +5661,50 @@
                 <a:effectLst/>
                 <a:latin typeface="Lucida Console" panose="020B0609040504020204" pitchFamily="49" charset="0"/>
               </a:rPr>
-              <a:t>&gt; lapply(mtcars,mean)</a:t>
-            </a:r>
-            <a:endParaRPr kumimoji="0" lang="zh-CN" altLang="zh-CN" sz="2800" b="0" i="0" u="none" strike="noStrike" cap="none" normalizeH="0" baseline="0" smtClean="0">
+              <a:t>&gt; flist$a(99) </a:t>
+            </a:r>
+            <a:endParaRPr kumimoji="0" lang="en-US" altLang="zh-CN" sz="1400" b="0" i="0" u="none" strike="noStrike" cap="none" normalizeH="0" baseline="0" smtClean="0">
+              <a:ln>
+                <a:noFill/>
+              </a:ln>
+              <a:solidFill>
+                <a:srgbClr val="0000FF"/>
+              </a:solidFill>
+              <a:effectLst/>
+              <a:latin typeface="Lucida Console" panose="020B0609040504020204" pitchFamily="49" charset="0"/>
+            </a:endParaRPr>
+          </a:p>
+          <a:p>
+            <a:pPr marL="0" marR="0" lvl="0" indent="0" algn="l" defTabSz="914400" rtl="0" eaLnBrk="0" fontAlgn="base" latinLnBrk="0" hangingPunct="0">
+              <a:lnSpc>
+                <a:spcPct val="100000"/>
+              </a:lnSpc>
+              <a:spcBef>
+                <a:spcPct val="0"/>
+              </a:spcBef>
+              <a:spcAft>
+                <a:spcPct val="0"/>
+              </a:spcAft>
+              <a:buClrTx/>
+              <a:buSzTx/>
+              <a:buFontTx/>
+              <a:buNone/>
+              <a:tabLst/>
+            </a:pPr>
+            <a:r>
+              <a:rPr kumimoji="0" lang="zh-CN" altLang="zh-CN" sz="1400" b="0" i="0" u="none" strike="noStrike" cap="none" normalizeH="0" baseline="0" smtClean="0">
+                <a:ln>
+                  <a:noFill/>
+                </a:ln>
+                <a:solidFill>
+                  <a:srgbClr val="000000"/>
+                </a:solidFill>
+                <a:effectLst/>
+                <a:latin typeface="Lucida Console" panose="020B0609040504020204" pitchFamily="49" charset="0"/>
+              </a:rPr>
+              <a:t>[1] NA</a:t>
+            </a:r>
+            <a:endParaRPr kumimoji="0" lang="zh-CN" altLang="zh-CN" sz="3200" b="0" i="0" u="none" strike="noStrike" cap="none" normalizeH="0" baseline="0" smtClean="0">
               <a:ln>
                 <a:noFill/>
               </a:ln>
@@ -5664,7 +5719,7 @@
       </p:sp>
       <p:sp>
         <p:nvSpPr>
-          <p:cNvPr id="6" name="Rectangle 2"/>
+          <p:cNvPr id="6" name="Rectangle 3"/>
           <p:cNvSpPr>
             <a:spLocks noChangeArrowheads="1"/>
           </p:cNvSpPr>
@@ -5672,8 +5727,8 @@
         </p:nvSpPr>
         <p:spPr bwMode="auto">
           <a:xfrm>
-            <a:off x="1240325" y="3217725"/>
-            <a:ext cx="2975173" cy="184666"/>
+            <a:off x="1097280" y="4805991"/>
+            <a:ext cx="1825821" cy="430887"/>
           </a:xfrm>
           <a:prstGeom prst="rect">
             <a:avLst/>
@@ -5733,7 +5788,7 @@
               <a:tabLst/>
             </a:pPr>
             <a:r>
-              <a:rPr kumimoji="0" lang="zh-CN" altLang="zh-CN" sz="1200" b="0" i="0" u="none" strike="noStrike" cap="none" normalizeH="0" baseline="0" smtClean="0">
+              <a:rPr kumimoji="0" lang="zh-CN" altLang="zh-CN" sz="1400" b="0" i="0" u="none" strike="noStrike" cap="none" normalizeH="0" baseline="0" smtClean="0">
                 <a:ln>
                   <a:noFill/>
                 </a:ln>
@@ -5743,9 +5798,50 @@
                 <a:effectLst/>
                 <a:latin typeface="Lucida Console" panose="020B0609040504020204" pitchFamily="49" charset="0"/>
               </a:rPr>
-              <a:t>&gt; b&lt;-unlist(lapply(mtcars,mean))</a:t>
-            </a:r>
-            <a:endParaRPr kumimoji="0" lang="zh-CN" altLang="zh-CN" sz="2800" b="0" i="0" u="none" strike="noStrike" cap="none" normalizeH="0" baseline="0" smtClean="0">
+              <a:t>&gt; flist[[1]](99) </a:t>
+            </a:r>
+            <a:endParaRPr kumimoji="0" lang="en-US" altLang="zh-CN" sz="1400" b="0" i="0" u="none" strike="noStrike" cap="none" normalizeH="0" baseline="0" smtClean="0">
+              <a:ln>
+                <a:noFill/>
+              </a:ln>
+              <a:solidFill>
+                <a:srgbClr val="0000FF"/>
+              </a:solidFill>
+              <a:effectLst/>
+              <a:latin typeface="Lucida Console" panose="020B0609040504020204" pitchFamily="49" charset="0"/>
+            </a:endParaRPr>
+          </a:p>
+          <a:p>
+            <a:pPr marL="0" marR="0" lvl="0" indent="0" algn="l" defTabSz="914400" rtl="0" eaLnBrk="0" fontAlgn="base" latinLnBrk="0" hangingPunct="0">
+              <a:lnSpc>
+                <a:spcPct val="100000"/>
+              </a:lnSpc>
+              <a:spcBef>
+                <a:spcPct val="0"/>
+              </a:spcBef>
+              <a:spcAft>
+                <a:spcPct val="0"/>
+              </a:spcAft>
+              <a:buClrTx/>
+              <a:buSzTx/>
+              <a:buFontTx/>
+              <a:buNone/>
+              <a:tabLst/>
+            </a:pPr>
+            <a:r>
+              <a:rPr kumimoji="0" lang="zh-CN" altLang="zh-CN" sz="1400" b="0" i="0" u="none" strike="noStrike" cap="none" normalizeH="0" baseline="0" smtClean="0">
+                <a:ln>
+                  <a:noFill/>
+                </a:ln>
+                <a:solidFill>
+                  <a:srgbClr val="000000"/>
+                </a:solidFill>
+                <a:effectLst/>
+                <a:latin typeface="Lucida Console" panose="020B0609040504020204" pitchFamily="49" charset="0"/>
+              </a:rPr>
+              <a:t>[1] NA</a:t>
+            </a:r>
+            <a:endParaRPr kumimoji="0" lang="zh-CN" altLang="zh-CN" sz="3200" b="0" i="0" u="none" strike="noStrike" cap="none" normalizeH="0" baseline="0" smtClean="0">
               <a:ln>
                 <a:noFill/>
               </a:ln>
@@ -5761,13 +5857,20 @@
     </p:spTree>
     <p:extLst>
       <p:ext uri="{BB962C8B-B14F-4D97-AF65-F5344CB8AC3E}">
-        <p14:creationId xmlns:p14="http://schemas.microsoft.com/office/powerpoint/2010/main" val="4241442225"/>
+        <p14:creationId xmlns:p14="http://schemas.microsoft.com/office/powerpoint/2010/main" val="2294328978"/>
       </p:ext>
     </p:extLst>
   </p:cSld>
   <p:clrMapOvr>
     <a:masterClrMapping/>
   </p:clrMapOvr>
+  <p:timing>
+    <p:tnLst>
+      <p:par>
+        <p:cTn id="1" dur="indefinite" restart="never" nodeType="tmRoot"/>
+      </p:par>
+    </p:tnLst>
+  </p:timing>
 </p:sld>
 </file>
 
@@ -5806,12 +5909,8 @@
           <a:lstStyle/>
           <a:p>
             <a:r>
-              <a:rPr lang="en-US" altLang="zh-CN" sz="3200" smtClean="0"/>
-              <a:t>plyr</a:t>
-            </a:r>
-            <a:r>
               <a:rPr lang="zh-CN" altLang="en-US" sz="3200" smtClean="0"/>
-              <a:t>中的泛函替代函数</a:t>
+              <a:t>重新理解变量类型</a:t>
             </a:r>
             <a:endParaRPr lang="zh-CN" altLang="en-US" sz="3200"/>
           </a:p>
@@ -5819,7 +5918,7 @@
       </p:sp>
       <p:sp>
         <p:nvSpPr>
-          <p:cNvPr id="3" name="内容占位符 2"/>
+          <p:cNvPr id="5" name="内容占位符 4"/>
           <p:cNvSpPr>
             <a:spLocks noGrp="1"/>
           </p:cNvSpPr>
@@ -5827,19 +5926,518 @@
             <p:ph idx="1"/>
           </p:nvPr>
         </p:nvSpPr>
-        <p:spPr/>
+        <p:spPr>
+          <a:xfrm>
+            <a:off x="1097280" y="1845734"/>
+            <a:ext cx="5249199" cy="4023360"/>
+          </a:xfrm>
+        </p:spPr>
         <p:txBody>
           <a:bodyPr/>
           <a:lstStyle/>
           <a:p>
+            <a:r>
+              <a:rPr lang="en-US" altLang="zh-CN" smtClean="0"/>
+              <a:t>c()</a:t>
+            </a:r>
+            <a:r>
+              <a:rPr lang="zh-CN" altLang="en-US" smtClean="0"/>
+              <a:t>：组合函数，生成向量，基础数据结构</a:t>
+            </a:r>
+            <a:endParaRPr lang="en-US" altLang="zh-CN" smtClean="0"/>
+          </a:p>
+          <a:p>
+            <a:r>
+              <a:rPr lang="zh-CN" altLang="en-US" smtClean="0"/>
+              <a:t>列表：每个位置可以放任意长度、类型的数据</a:t>
+            </a:r>
+            <a:endParaRPr lang="en-US" altLang="zh-CN"/>
+          </a:p>
+          <a:p>
+            <a:r>
+              <a:rPr lang="zh-CN" altLang="en-US" smtClean="0"/>
+              <a:t>数据框：变量长度等长，结构整体的列表</a:t>
+            </a:r>
+            <a:endParaRPr lang="en-US" altLang="zh-CN" smtClean="0"/>
+          </a:p>
+          <a:p>
+            <a:r>
+              <a:rPr lang="zh-CN" altLang="en-US" smtClean="0"/>
+              <a:t>数组：数据可以有多个维度</a:t>
+            </a:r>
+            <a:endParaRPr lang="en-US" altLang="zh-CN" smtClean="0"/>
+          </a:p>
+          <a:p>
+            <a:r>
+              <a:rPr lang="zh-CN" altLang="en-US" smtClean="0"/>
+              <a:t>矩阵：仅有行列两个维度时候的数组</a:t>
+            </a:r>
+            <a:endParaRPr lang="en-US" altLang="zh-CN" smtClean="0"/>
+          </a:p>
+          <a:p>
             <a:endParaRPr lang="zh-CN" altLang="en-US"/>
           </a:p>
         </p:txBody>
       </p:sp>
+      <p:grpSp>
+        <p:nvGrpSpPr>
+          <p:cNvPr id="20" name="组合 19"/>
+          <p:cNvGrpSpPr/>
+          <p:nvPr/>
+        </p:nvGrpSpPr>
+        <p:grpSpPr>
+          <a:xfrm>
+            <a:off x="6444558" y="2342830"/>
+            <a:ext cx="4636883" cy="3029167"/>
+            <a:chOff x="3266792" y="2018923"/>
+            <a:chExt cx="4636883" cy="3029167"/>
+          </a:xfrm>
+        </p:grpSpPr>
+        <p:sp>
+          <p:nvSpPr>
+            <p:cNvPr id="7" name="圆角矩形 6"/>
+            <p:cNvSpPr/>
+            <p:nvPr/>
+          </p:nvSpPr>
+          <p:spPr>
+            <a:xfrm>
+              <a:off x="6283105" y="2018923"/>
+              <a:ext cx="1620570" cy="534154"/>
+            </a:xfrm>
+            <a:prstGeom prst="roundRect">
+              <a:avLst/>
+            </a:prstGeom>
+          </p:spPr>
+          <p:style>
+            <a:lnRef idx="2">
+              <a:schemeClr val="dk1"/>
+            </a:lnRef>
+            <a:fillRef idx="1">
+              <a:schemeClr val="lt1"/>
+            </a:fillRef>
+            <a:effectRef idx="0">
+              <a:schemeClr val="dk1"/>
+            </a:effectRef>
+            <a:fontRef idx="minor">
+              <a:schemeClr val="dk1"/>
+            </a:fontRef>
+          </p:style>
+          <p:txBody>
+            <a:bodyPr rtlCol="0" anchor="ctr"/>
+            <a:lstStyle/>
+            <a:p>
+              <a:pPr algn="ctr"/>
+              <a:r>
+                <a:rPr lang="en-US" altLang="zh-CN" smtClean="0"/>
+                <a:t>c()</a:t>
+              </a:r>
+              <a:r>
+                <a:rPr lang="zh-CN" altLang="en-US" smtClean="0"/>
+                <a:t>原子向量</a:t>
+              </a:r>
+              <a:endParaRPr lang="zh-CN" altLang="en-US"/>
+            </a:p>
+          </p:txBody>
+        </p:sp>
+        <p:sp>
+          <p:nvSpPr>
+            <p:cNvPr id="8" name="圆角矩形 7"/>
+            <p:cNvSpPr/>
+            <p:nvPr/>
+          </p:nvSpPr>
+          <p:spPr>
+            <a:xfrm>
+              <a:off x="6283105" y="3128291"/>
+              <a:ext cx="1620570" cy="534154"/>
+            </a:xfrm>
+            <a:prstGeom prst="roundRect">
+              <a:avLst/>
+            </a:prstGeom>
+          </p:spPr>
+          <p:style>
+            <a:lnRef idx="2">
+              <a:schemeClr val="dk1"/>
+            </a:lnRef>
+            <a:fillRef idx="1">
+              <a:schemeClr val="lt1"/>
+            </a:fillRef>
+            <a:effectRef idx="0">
+              <a:schemeClr val="dk1"/>
+            </a:effectRef>
+            <a:fontRef idx="minor">
+              <a:schemeClr val="dk1"/>
+            </a:fontRef>
+          </p:style>
+          <p:txBody>
+            <a:bodyPr rtlCol="0" anchor="ctr"/>
+            <a:lstStyle/>
+            <a:p>
+              <a:pPr algn="ctr"/>
+              <a:r>
+                <a:rPr lang="en-US" altLang="zh-CN" smtClean="0"/>
+                <a:t>list()</a:t>
+              </a:r>
+              <a:r>
+                <a:rPr lang="zh-CN" altLang="en-US" smtClean="0"/>
+                <a:t>列表</a:t>
+              </a:r>
+              <a:endParaRPr lang="zh-CN" altLang="en-US"/>
+            </a:p>
+          </p:txBody>
+        </p:sp>
+        <p:sp>
+          <p:nvSpPr>
+            <p:cNvPr id="9" name="圆角矩形 8"/>
+            <p:cNvSpPr/>
+            <p:nvPr/>
+          </p:nvSpPr>
+          <p:spPr>
+            <a:xfrm>
+              <a:off x="3266792" y="3128291"/>
+              <a:ext cx="1620570" cy="534154"/>
+            </a:xfrm>
+            <a:prstGeom prst="roundRect">
+              <a:avLst/>
+            </a:prstGeom>
+          </p:spPr>
+          <p:style>
+            <a:lnRef idx="2">
+              <a:schemeClr val="dk1"/>
+            </a:lnRef>
+            <a:fillRef idx="1">
+              <a:schemeClr val="lt1"/>
+            </a:fillRef>
+            <a:effectRef idx="0">
+              <a:schemeClr val="dk1"/>
+            </a:effectRef>
+            <a:fontRef idx="minor">
+              <a:schemeClr val="dk1"/>
+            </a:fontRef>
+          </p:style>
+          <p:txBody>
+            <a:bodyPr rtlCol="0" anchor="ctr"/>
+            <a:lstStyle/>
+            <a:p>
+              <a:pPr algn="ctr"/>
+              <a:r>
+                <a:rPr lang="en-US" altLang="zh-CN" smtClean="0"/>
+                <a:t>array()</a:t>
+              </a:r>
+              <a:r>
+                <a:rPr lang="zh-CN" altLang="en-US" smtClean="0"/>
+                <a:t>数组</a:t>
+              </a:r>
+              <a:endParaRPr lang="zh-CN" altLang="en-US"/>
+            </a:p>
+          </p:txBody>
+        </p:sp>
+        <p:sp>
+          <p:nvSpPr>
+            <p:cNvPr id="10" name="圆角矩形 9"/>
+            <p:cNvSpPr/>
+            <p:nvPr/>
+          </p:nvSpPr>
+          <p:spPr>
+            <a:xfrm>
+              <a:off x="6283105" y="4498692"/>
+              <a:ext cx="1620570" cy="534154"/>
+            </a:xfrm>
+            <a:prstGeom prst="roundRect">
+              <a:avLst/>
+            </a:prstGeom>
+          </p:spPr>
+          <p:style>
+            <a:lnRef idx="2">
+              <a:schemeClr val="dk1"/>
+            </a:lnRef>
+            <a:fillRef idx="1">
+              <a:schemeClr val="lt1"/>
+            </a:fillRef>
+            <a:effectRef idx="0">
+              <a:schemeClr val="dk1"/>
+            </a:effectRef>
+            <a:fontRef idx="minor">
+              <a:schemeClr val="dk1"/>
+            </a:fontRef>
+          </p:style>
+          <p:txBody>
+            <a:bodyPr rtlCol="0" anchor="ctr"/>
+            <a:lstStyle/>
+            <a:p>
+              <a:pPr algn="ctr"/>
+              <a:r>
+                <a:rPr lang="en-US" altLang="zh-CN" smtClean="0"/>
+                <a:t>data.frame()</a:t>
+              </a:r>
+              <a:r>
+                <a:rPr lang="zh-CN" altLang="en-US" smtClean="0"/>
+                <a:t>数据框</a:t>
+              </a:r>
+              <a:endParaRPr lang="zh-CN" altLang="en-US"/>
+            </a:p>
+          </p:txBody>
+        </p:sp>
+        <p:sp>
+          <p:nvSpPr>
+            <p:cNvPr id="11" name="圆角矩形 10"/>
+            <p:cNvSpPr/>
+            <p:nvPr/>
+          </p:nvSpPr>
+          <p:spPr>
+            <a:xfrm>
+              <a:off x="3266792" y="4513936"/>
+              <a:ext cx="1620570" cy="534154"/>
+            </a:xfrm>
+            <a:prstGeom prst="roundRect">
+              <a:avLst/>
+            </a:prstGeom>
+          </p:spPr>
+          <p:style>
+            <a:lnRef idx="2">
+              <a:schemeClr val="dk1"/>
+            </a:lnRef>
+            <a:fillRef idx="1">
+              <a:schemeClr val="lt1"/>
+            </a:fillRef>
+            <a:effectRef idx="0">
+              <a:schemeClr val="dk1"/>
+            </a:effectRef>
+            <a:fontRef idx="minor">
+              <a:schemeClr val="dk1"/>
+            </a:fontRef>
+          </p:style>
+          <p:txBody>
+            <a:bodyPr rtlCol="0" anchor="ctr"/>
+            <a:lstStyle/>
+            <a:p>
+              <a:pPr algn="ctr"/>
+              <a:r>
+                <a:rPr lang="en-US" altLang="zh-CN" smtClean="0"/>
+                <a:t>matrix()</a:t>
+              </a:r>
+              <a:r>
+                <a:rPr lang="zh-CN" altLang="en-US" smtClean="0"/>
+                <a:t>矩阵</a:t>
+              </a:r>
+              <a:endParaRPr lang="zh-CN" altLang="en-US"/>
+            </a:p>
+          </p:txBody>
+        </p:sp>
+        <p:cxnSp>
+          <p:nvCxnSpPr>
+            <p:cNvPr id="13" name="直接箭头连接符 12"/>
+            <p:cNvCxnSpPr>
+              <a:stCxn id="7" idx="2"/>
+              <a:endCxn id="8" idx="0"/>
+            </p:cNvCxnSpPr>
+            <p:nvPr/>
+          </p:nvCxnSpPr>
+          <p:spPr>
+            <a:xfrm>
+              <a:off x="7093390" y="2553077"/>
+              <a:ext cx="0" cy="575214"/>
+            </a:xfrm>
+            <a:prstGeom prst="straightConnector1">
+              <a:avLst/>
+            </a:prstGeom>
+            <a:ln>
+              <a:tailEnd type="triangle"/>
+            </a:ln>
+          </p:spPr>
+          <p:style>
+            <a:lnRef idx="1">
+              <a:schemeClr val="accent1"/>
+            </a:lnRef>
+            <a:fillRef idx="0">
+              <a:schemeClr val="accent1"/>
+            </a:fillRef>
+            <a:effectRef idx="0">
+              <a:schemeClr val="accent1"/>
+            </a:effectRef>
+            <a:fontRef idx="minor">
+              <a:schemeClr val="tx1"/>
+            </a:fontRef>
+          </p:style>
+        </p:cxnSp>
+        <p:cxnSp>
+          <p:nvCxnSpPr>
+            <p:cNvPr id="15" name="直接箭头连接符 14"/>
+            <p:cNvCxnSpPr>
+              <a:endCxn id="10" idx="0"/>
+            </p:cNvCxnSpPr>
+            <p:nvPr/>
+          </p:nvCxnSpPr>
+          <p:spPr>
+            <a:xfrm>
+              <a:off x="7093390" y="3662445"/>
+              <a:ext cx="0" cy="836247"/>
+            </a:xfrm>
+            <a:prstGeom prst="straightConnector1">
+              <a:avLst/>
+            </a:prstGeom>
+            <a:ln>
+              <a:tailEnd type="triangle"/>
+            </a:ln>
+          </p:spPr>
+          <p:style>
+            <a:lnRef idx="1">
+              <a:schemeClr val="accent1"/>
+            </a:lnRef>
+            <a:fillRef idx="0">
+              <a:schemeClr val="accent1"/>
+            </a:fillRef>
+            <a:effectRef idx="0">
+              <a:schemeClr val="accent1"/>
+            </a:effectRef>
+            <a:fontRef idx="minor">
+              <a:schemeClr val="tx1"/>
+            </a:fontRef>
+          </p:style>
+        </p:cxnSp>
+        <p:cxnSp>
+          <p:nvCxnSpPr>
+            <p:cNvPr id="17" name="直接箭头连接符 16"/>
+            <p:cNvCxnSpPr>
+              <a:endCxn id="9" idx="0"/>
+            </p:cNvCxnSpPr>
+            <p:nvPr/>
+          </p:nvCxnSpPr>
+          <p:spPr>
+            <a:xfrm flipH="1">
+              <a:off x="4077077" y="2286000"/>
+              <a:ext cx="2206028" cy="842291"/>
+            </a:xfrm>
+            <a:prstGeom prst="straightConnector1">
+              <a:avLst/>
+            </a:prstGeom>
+            <a:ln>
+              <a:tailEnd type="triangle"/>
+            </a:ln>
+          </p:spPr>
+          <p:style>
+            <a:lnRef idx="1">
+              <a:schemeClr val="accent1"/>
+            </a:lnRef>
+            <a:fillRef idx="0">
+              <a:schemeClr val="accent1"/>
+            </a:fillRef>
+            <a:effectRef idx="0">
+              <a:schemeClr val="accent1"/>
+            </a:effectRef>
+            <a:fontRef idx="minor">
+              <a:schemeClr val="tx1"/>
+            </a:fontRef>
+          </p:style>
+        </p:cxnSp>
+        <p:cxnSp>
+          <p:nvCxnSpPr>
+            <p:cNvPr id="19" name="直接箭头连接符 18"/>
+            <p:cNvCxnSpPr>
+              <a:stCxn id="9" idx="2"/>
+              <a:endCxn id="11" idx="0"/>
+            </p:cNvCxnSpPr>
+            <p:nvPr/>
+          </p:nvCxnSpPr>
+          <p:spPr>
+            <a:xfrm>
+              <a:off x="4077077" y="3662445"/>
+              <a:ext cx="0" cy="851491"/>
+            </a:xfrm>
+            <a:prstGeom prst="straightConnector1">
+              <a:avLst/>
+            </a:prstGeom>
+            <a:ln>
+              <a:tailEnd type="triangle"/>
+            </a:ln>
+          </p:spPr>
+          <p:style>
+            <a:lnRef idx="1">
+              <a:schemeClr val="accent1"/>
+            </a:lnRef>
+            <a:fillRef idx="0">
+              <a:schemeClr val="accent1"/>
+            </a:fillRef>
+            <a:effectRef idx="0">
+              <a:schemeClr val="accent1"/>
+            </a:effectRef>
+            <a:fontRef idx="minor">
+              <a:schemeClr val="tx1"/>
+            </a:fontRef>
+          </p:style>
+        </p:cxnSp>
+      </p:grpSp>
+      <p:cxnSp>
+        <p:nvCxnSpPr>
+          <p:cNvPr id="4" name="直接箭头连接符 3"/>
+          <p:cNvCxnSpPr/>
+          <p:nvPr/>
+        </p:nvCxnSpPr>
+        <p:spPr>
+          <a:xfrm flipH="1">
+            <a:off x="8263054" y="4962293"/>
+            <a:ext cx="1092819" cy="11151"/>
+          </a:xfrm>
+          <a:prstGeom prst="straightConnector1">
+            <a:avLst/>
+          </a:prstGeom>
+          <a:ln>
+            <a:prstDash val="dash"/>
+            <a:tailEnd type="triangle"/>
+          </a:ln>
+        </p:spPr>
+        <p:style>
+          <a:lnRef idx="1">
+            <a:schemeClr val="accent1"/>
+          </a:lnRef>
+          <a:fillRef idx="0">
+            <a:schemeClr val="accent1"/>
+          </a:fillRef>
+          <a:effectRef idx="0">
+            <a:schemeClr val="accent1"/>
+          </a:effectRef>
+          <a:fontRef idx="minor">
+            <a:schemeClr val="tx1"/>
+          </a:fontRef>
+        </p:style>
+      </p:cxnSp>
+      <p:cxnSp>
+        <p:nvCxnSpPr>
+          <p:cNvPr id="12" name="直接箭头连接符 11"/>
+          <p:cNvCxnSpPr/>
+          <p:nvPr/>
+        </p:nvCxnSpPr>
+        <p:spPr>
+          <a:xfrm flipV="1">
+            <a:off x="8232857" y="5241073"/>
+            <a:ext cx="1153212" cy="11151"/>
+          </a:xfrm>
+          <a:prstGeom prst="straightConnector1">
+            <a:avLst/>
+          </a:prstGeom>
+          <a:ln>
+            <a:prstDash val="dash"/>
+            <a:tailEnd type="triangle"/>
+          </a:ln>
+        </p:spPr>
+        <p:style>
+          <a:lnRef idx="1">
+            <a:schemeClr val="accent1"/>
+          </a:lnRef>
+          <a:fillRef idx="0">
+            <a:schemeClr val="accent1"/>
+          </a:fillRef>
+          <a:effectRef idx="0">
+            <a:schemeClr val="accent1"/>
+          </a:effectRef>
+          <a:fontRef idx="minor">
+            <a:schemeClr val="tx1"/>
+          </a:fontRef>
+        </p:style>
+      </p:cxnSp>
     </p:spTree>
     <p:extLst>
       <p:ext uri="{BB962C8B-B14F-4D97-AF65-F5344CB8AC3E}">
-        <p14:creationId xmlns:p14="http://schemas.microsoft.com/office/powerpoint/2010/main" val="2675403714"/>
+        <p14:creationId xmlns:p14="http://schemas.microsoft.com/office/powerpoint/2010/main" val="3776778637"/>
       </p:ext>
     </p:extLst>
   </p:cSld>
@@ -5883,7 +6481,7 @@
           <a:p>
             <a:r>
               <a:rPr lang="zh-CN" altLang="en-US" smtClean="0"/>
-              <a:t>效率优化与并行计算</a:t>
+              <a:t>泛函</a:t>
             </a:r>
             <a:endParaRPr lang="zh-CN" altLang="en-US"/>
           </a:p>
@@ -5905,8 +6503,20 @@
           <a:lstStyle/>
           <a:p>
             <a:r>
-              <a:rPr lang="zh-CN" altLang="en-US" smtClean="0"/>
-              <a:t>测试代码效率</a:t>
+              <a:rPr lang="en-US" altLang="zh-CN" smtClean="0"/>
+              <a:t>lapply</a:t>
+            </a:r>
+            <a:r>
+              <a:rPr lang="zh-CN" altLang="en-US" smtClean="0"/>
+              <a:t>对一个</a:t>
+            </a:r>
+            <a:r>
+              <a:rPr lang="en-US" altLang="zh-CN" smtClean="0"/>
+              <a:t>list</a:t>
+            </a:r>
+            <a:r>
+              <a:rPr lang="zh-CN" altLang="en-US" smtClean="0"/>
+              <a:t>类型的变量每一列调用函数进行计算</a:t>
             </a:r>
             <a:endParaRPr lang="en-US" altLang="zh-CN" smtClean="0"/>
           </a:p>
@@ -5916,24 +6526,65 @@
           <a:p>
             <a:r>
               <a:rPr lang="zh-CN" altLang="en-US" smtClean="0"/>
-              <a:t>并行化计算包：  </a:t>
+              <a:t>由于数据框也是</a:t>
             </a:r>
             <a:r>
               <a:rPr lang="en-US" altLang="zh-CN" smtClean="0"/>
-              <a:t>parallel</a:t>
-            </a:r>
-          </a:p>
-          <a:p>
+              <a:t>list</a:t>
+            </a:r>
+            <a:r>
+              <a:rPr lang="zh-CN" altLang="en-US" smtClean="0"/>
+              <a:t>类型，也可以使用</a:t>
+            </a:r>
+            <a:r>
+              <a:rPr lang="en-US" altLang="zh-CN" smtClean="0"/>
+              <a:t>lapply</a:t>
+            </a:r>
+            <a:r>
+              <a:rPr lang="zh-CN" altLang="en-US" smtClean="0"/>
+              <a:t>，但是计算结果的输出形式也是</a:t>
+            </a:r>
+            <a:r>
+              <a:rPr lang="en-US" altLang="zh-CN" smtClean="0"/>
+              <a:t>list</a:t>
+            </a:r>
+            <a:r>
+              <a:rPr lang="zh-CN" altLang="en-US" smtClean="0"/>
+              <a:t>类型</a:t>
+            </a:r>
             <a:endParaRPr lang="en-US" altLang="zh-CN" smtClean="0"/>
           </a:p>
           <a:p>
+            <a:endParaRPr lang="en-US" altLang="zh-CN"/>
+          </a:p>
+          <a:p>
+            <a:r>
+              <a:rPr lang="zh-CN" altLang="en-US" smtClean="0"/>
+              <a:t>这里可以用</a:t>
+            </a:r>
+            <a:r>
+              <a:rPr lang="en-US" altLang="zh-CN" smtClean="0"/>
+              <a:t>unlist</a:t>
+            </a:r>
+            <a:r>
+              <a:rPr lang="zh-CN" altLang="en-US" smtClean="0"/>
+              <a:t>取消它的变量结构，还原到原子向量结构，同时也支持</a:t>
+            </a:r>
+            <a:r>
+              <a:rPr lang="en-US" altLang="zh-CN" smtClean="0"/>
+              <a:t>as.data.frame</a:t>
+            </a:r>
+            <a:r>
+              <a:rPr lang="zh-CN" altLang="en-US" smtClean="0"/>
+              <a:t>直接转换为数据框</a:t>
+            </a:r>
             <a:endParaRPr lang="zh-CN" altLang="en-US"/>
           </a:p>
         </p:txBody>
       </p:sp>
       <p:sp>
         <p:nvSpPr>
-          <p:cNvPr id="4" name="Rectangle 1"/>
+          <p:cNvPr id="5" name="Rectangle 1"/>
           <p:cNvSpPr>
             <a:spLocks noChangeArrowheads="1"/>
           </p:cNvSpPr>
@@ -5941,8 +6592,8 @@
         </p:nvSpPr>
         <p:spPr bwMode="auto">
           <a:xfrm>
-            <a:off x="1097280" y="2192995"/>
-            <a:ext cx="5206554" cy="553998"/>
+            <a:off x="1240325" y="2354366"/>
+            <a:ext cx="1952458" cy="184666"/>
           </a:xfrm>
           <a:prstGeom prst="rect">
             <a:avLst/>
@@ -6012,87 +6663,7 @@
                 <a:effectLst/>
                 <a:latin typeface="Lucida Console" panose="020B0609040504020204" pitchFamily="49" charset="0"/>
               </a:rPr>
-              <a:t>&gt; system.time(aov(cholesterol$response~cholesterol$trt)</a:t>
-            </a:r>
-            <a:r>
-              <a:rPr lang="en-US" altLang="zh-CN" sz="1200" smtClean="0">
-                <a:solidFill>
-                  <a:srgbClr val="0000FF"/>
-                </a:solidFill>
-                <a:latin typeface="Lucida Console" panose="020B0609040504020204" pitchFamily="49" charset="0"/>
-              </a:rPr>
-              <a:t>)</a:t>
-            </a:r>
-          </a:p>
-          <a:p>
-            <a:pPr eaLnBrk="0" fontAlgn="base" hangingPunct="0">
-              <a:spcBef>
-                <a:spcPct val="0"/>
-              </a:spcBef>
-              <a:spcAft>
-                <a:spcPct val="0"/>
-              </a:spcAft>
-            </a:pPr>
-            <a:r>
-              <a:rPr lang="zh-CN" altLang="zh-CN" sz="1200">
-                <a:solidFill>
-                  <a:srgbClr val="000000"/>
-                </a:solidFill>
-                <a:latin typeface="Lucida Console" panose="020B0609040504020204" pitchFamily="49" charset="0"/>
-              </a:rPr>
-              <a:t>用户 系统 </a:t>
-            </a:r>
-            <a:r>
-              <a:rPr lang="zh-CN" altLang="zh-CN" sz="1200" smtClean="0">
-                <a:solidFill>
-                  <a:srgbClr val="000000"/>
-                </a:solidFill>
-                <a:latin typeface="Lucida Console" panose="020B0609040504020204" pitchFamily="49" charset="0"/>
-              </a:rPr>
-              <a:t>流逝</a:t>
-            </a:r>
-            <a:endParaRPr lang="en-US" altLang="zh-CN" sz="1200" smtClean="0">
-              <a:solidFill>
-                <a:srgbClr val="000000"/>
-              </a:solidFill>
-              <a:latin typeface="Lucida Console" panose="020B0609040504020204" pitchFamily="49" charset="0"/>
-            </a:endParaRPr>
-          </a:p>
-          <a:p>
-            <a:pPr eaLnBrk="0" fontAlgn="base" hangingPunct="0">
-              <a:spcBef>
-                <a:spcPct val="0"/>
-              </a:spcBef>
-              <a:spcAft>
-                <a:spcPct val="0"/>
-              </a:spcAft>
-            </a:pPr>
-            <a:r>
-              <a:rPr lang="zh-CN" altLang="zh-CN" sz="1200" smtClean="0">
-                <a:solidFill>
-                  <a:srgbClr val="000000"/>
-                </a:solidFill>
-                <a:latin typeface="Lucida Console" panose="020B0609040504020204" pitchFamily="49" charset="0"/>
-              </a:rPr>
-              <a:t>0</a:t>
-            </a:r>
-            <a:r>
-              <a:rPr lang="zh-CN" altLang="zh-CN" sz="1200">
-                <a:solidFill>
-                  <a:srgbClr val="000000"/>
-                </a:solidFill>
-                <a:latin typeface="Lucida Console" panose="020B0609040504020204" pitchFamily="49" charset="0"/>
-              </a:rPr>
-              <a:t>.02 0.00 0.</a:t>
-            </a:r>
-            <a:r>
-              <a:rPr lang="zh-CN" altLang="zh-CN" sz="1200" smtClean="0">
-                <a:solidFill>
-                  <a:srgbClr val="000000"/>
-                </a:solidFill>
-                <a:latin typeface="Lucida Console" panose="020B0609040504020204" pitchFamily="49" charset="0"/>
-              </a:rPr>
-              <a:t>02</a:t>
+              <a:t>&gt; lapply(mtcars,mean)</a:t>
             </a:r>
             <a:endParaRPr kumimoji="0" lang="zh-CN" altLang="zh-CN" sz="2800" b="0" i="0" u="none" strike="noStrike" cap="none" normalizeH="0" baseline="0" smtClean="0">
               <a:ln>
@@ -6109,7 +6680,7 @@
       </p:sp>
       <p:sp>
         <p:nvSpPr>
-          <p:cNvPr id="6" name="Rectangle 3"/>
+          <p:cNvPr id="6" name="Rectangle 2"/>
           <p:cNvSpPr>
             <a:spLocks noChangeArrowheads="1"/>
           </p:cNvSpPr>
@@ -6117,8 +6688,8 @@
         </p:nvSpPr>
         <p:spPr bwMode="auto">
           <a:xfrm>
-            <a:off x="988419" y="3323159"/>
-            <a:ext cx="4090863" cy="738664"/>
+            <a:off x="1240325" y="3217725"/>
+            <a:ext cx="2975173" cy="184666"/>
           </a:xfrm>
           <a:prstGeom prst="rect">
             <a:avLst/>
@@ -6188,130 +6759,7 @@
                 <a:effectLst/>
                 <a:latin typeface="Lucida Console" panose="020B0609040504020204" pitchFamily="49" charset="0"/>
               </a:rPr>
-              <a:t>&gt; library(parallel) </a:t>
-            </a:r>
-            <a:endParaRPr kumimoji="0" lang="en-US" altLang="zh-CN" sz="1200" b="0" i="0" u="none" strike="noStrike" cap="none" normalizeH="0" baseline="0" smtClean="0">
-              <a:ln>
-                <a:noFill/>
-              </a:ln>
-              <a:solidFill>
-                <a:srgbClr val="0000FF"/>
-              </a:solidFill>
-              <a:effectLst/>
-              <a:latin typeface="Lucida Console" panose="020B0609040504020204" pitchFamily="49" charset="0"/>
-            </a:endParaRPr>
-          </a:p>
-          <a:p>
-            <a:pPr marL="0" marR="0" lvl="0" indent="0" algn="l" defTabSz="914400" rtl="0" eaLnBrk="0" fontAlgn="base" latinLnBrk="0" hangingPunct="0">
-              <a:lnSpc>
-                <a:spcPct val="100000"/>
-              </a:lnSpc>
-              <a:spcBef>
-                <a:spcPct val="0"/>
-              </a:spcBef>
-              <a:spcAft>
-                <a:spcPct val="0"/>
-              </a:spcAft>
-              <a:buClrTx/>
-              <a:buSzTx/>
-              <a:buFontTx/>
-              <a:buNone/>
-              <a:tabLst/>
-            </a:pPr>
-            <a:r>
-              <a:rPr kumimoji="0" lang="zh-CN" altLang="zh-CN" sz="1200" b="0" i="0" u="none" strike="noStrike" cap="none" normalizeH="0" baseline="0" smtClean="0">
-                <a:ln>
-                  <a:noFill/>
-                </a:ln>
-                <a:solidFill>
-                  <a:srgbClr val="0000FF"/>
-                </a:solidFill>
-                <a:effectLst/>
-                <a:latin typeface="Lucida Console" panose="020B0609040504020204" pitchFamily="49" charset="0"/>
-              </a:rPr>
-              <a:t>&gt; cores&lt;-detectCores() </a:t>
-            </a:r>
-            <a:endParaRPr kumimoji="0" lang="en-US" altLang="zh-CN" sz="1200" b="0" i="0" u="none" strike="noStrike" cap="none" normalizeH="0" baseline="0" smtClean="0">
-              <a:ln>
-                <a:noFill/>
-              </a:ln>
-              <a:solidFill>
-                <a:srgbClr val="0000FF"/>
-              </a:solidFill>
-              <a:effectLst/>
-              <a:latin typeface="Lucida Console" panose="020B0609040504020204" pitchFamily="49" charset="0"/>
-            </a:endParaRPr>
-          </a:p>
-          <a:p>
-            <a:pPr marL="0" marR="0" lvl="0" indent="0" algn="l" defTabSz="914400" rtl="0" eaLnBrk="0" fontAlgn="base" latinLnBrk="0" hangingPunct="0">
-              <a:lnSpc>
-                <a:spcPct val="100000"/>
-              </a:lnSpc>
-              <a:spcBef>
-                <a:spcPct val="0"/>
-              </a:spcBef>
-              <a:spcAft>
-                <a:spcPct val="0"/>
-              </a:spcAft>
-              <a:buClrTx/>
-              <a:buSzTx/>
-              <a:buFontTx/>
-              <a:buNone/>
-              <a:tabLst/>
-            </a:pPr>
-            <a:r>
-              <a:rPr kumimoji="0" lang="zh-CN" altLang="zh-CN" sz="1200" b="0" i="0" u="none" strike="noStrike" cap="none" normalizeH="0" baseline="0" smtClean="0">
-                <a:ln>
-                  <a:noFill/>
-                </a:ln>
-                <a:solidFill>
-                  <a:srgbClr val="0000FF"/>
-                </a:solidFill>
-                <a:effectLst/>
-                <a:latin typeface="Lucida Console" panose="020B0609040504020204" pitchFamily="49" charset="0"/>
-              </a:rPr>
-              <a:t>&gt; cluster_p&lt;-makePSOCKcluster(cores) </a:t>
-            </a:r>
-            <a:endParaRPr kumimoji="0" lang="en-US" altLang="zh-CN" sz="1200" b="0" i="0" u="none" strike="noStrike" cap="none" normalizeH="0" baseline="0" smtClean="0">
-              <a:ln>
-                <a:noFill/>
-              </a:ln>
-              <a:solidFill>
-                <a:srgbClr val="0000FF"/>
-              </a:solidFill>
-              <a:effectLst/>
-              <a:latin typeface="Lucida Console" panose="020B0609040504020204" pitchFamily="49" charset="0"/>
-            </a:endParaRPr>
-          </a:p>
-          <a:p>
-            <a:pPr marL="0" marR="0" lvl="0" indent="0" algn="l" defTabSz="914400" rtl="0" eaLnBrk="0" fontAlgn="base" latinLnBrk="0" hangingPunct="0">
-              <a:lnSpc>
-                <a:spcPct val="100000"/>
-              </a:lnSpc>
-              <a:spcBef>
-                <a:spcPct val="0"/>
-              </a:spcBef>
-              <a:spcAft>
-                <a:spcPct val="0"/>
-              </a:spcAft>
-              <a:buClrTx/>
-              <a:buSzTx/>
-              <a:buFontTx/>
-              <a:buNone/>
-              <a:tabLst/>
-            </a:pPr>
-            <a:r>
-              <a:rPr kumimoji="0" lang="zh-CN" altLang="zh-CN" sz="1200" b="0" i="0" u="none" strike="noStrike" cap="none" normalizeH="0" baseline="0" smtClean="0">
-                <a:ln>
-                  <a:noFill/>
-                </a:ln>
-                <a:solidFill>
-                  <a:srgbClr val="0000FF"/>
-                </a:solidFill>
-                <a:effectLst/>
-                <a:latin typeface="Lucida Console" panose="020B0609040504020204" pitchFamily="49" charset="0"/>
-              </a:rPr>
-              <a:t>&gt; tes4[]&lt;-parSapply(cluster,tes,missing_fix)</a:t>
+              <a:t>&gt; b&lt;-unlist(lapply(mtcars,mean))</a:t>
             </a:r>
             <a:endParaRPr kumimoji="0" lang="zh-CN" altLang="zh-CN" sz="2800" b="0" i="0" u="none" strike="noStrike" cap="none" normalizeH="0" baseline="0" smtClean="0">
               <a:ln>
@@ -6326,93 +6774,10 @@
           </a:p>
         </p:txBody>
       </p:sp>
-      <p:sp>
-        <p:nvSpPr>
-          <p:cNvPr id="7" name="文本框 6"/>
-          <p:cNvSpPr txBox="1"/>
-          <p:nvPr/>
-        </p:nvSpPr>
-        <p:spPr>
-          <a:xfrm>
-            <a:off x="5450205" y="3303636"/>
-            <a:ext cx="3724096" cy="847220"/>
-          </a:xfrm>
-          <a:prstGeom prst="rect">
-            <a:avLst/>
-          </a:prstGeom>
-          <a:noFill/>
-        </p:spPr>
-        <p:txBody>
-          <a:bodyPr wrap="none" rtlCol="0">
-            <a:spAutoFit/>
-          </a:bodyPr>
-          <a:lstStyle/>
-          <a:p>
-            <a:pPr>
-              <a:lnSpc>
-                <a:spcPct val="120000"/>
-              </a:lnSpc>
-            </a:pPr>
-            <a:r>
-              <a:rPr lang="zh-CN" altLang="en-US" sz="1400" smtClean="0"/>
-              <a:t>取出计算机</a:t>
-            </a:r>
-            <a:r>
-              <a:rPr lang="en-US" altLang="zh-CN" sz="1400" smtClean="0"/>
-              <a:t>CPU</a:t>
-            </a:r>
-            <a:r>
-              <a:rPr lang="zh-CN" altLang="en-US" sz="1400" smtClean="0"/>
-              <a:t>核数量</a:t>
-            </a:r>
-            <a:endParaRPr lang="en-US" altLang="zh-CN" sz="1400" smtClean="0"/>
-          </a:p>
-          <a:p>
-            <a:pPr>
-              <a:lnSpc>
-                <a:spcPct val="120000"/>
-              </a:lnSpc>
-            </a:pPr>
-            <a:r>
-              <a:rPr lang="zh-CN" altLang="en-US" sz="1400" smtClean="0"/>
-              <a:t>建立一个局域集群</a:t>
-            </a:r>
-            <a:endParaRPr lang="en-US" altLang="zh-CN" sz="1400" smtClean="0"/>
-          </a:p>
-          <a:p>
-            <a:pPr>
-              <a:lnSpc>
-                <a:spcPct val="120000"/>
-              </a:lnSpc>
-            </a:pPr>
-            <a:r>
-              <a:rPr lang="zh-CN" altLang="en-US" sz="1400" smtClean="0"/>
-              <a:t>用并行化</a:t>
-            </a:r>
-            <a:r>
-              <a:rPr lang="en-US" altLang="zh-CN" sz="1400" err="1" smtClean="0"/>
-              <a:t>parSapply</a:t>
-            </a:r>
-            <a:r>
-              <a:rPr lang="zh-CN" altLang="en-US" sz="1400" smtClean="0"/>
-              <a:t>加入集群，取代</a:t>
-            </a:r>
-            <a:r>
-              <a:rPr lang="en-US" altLang="zh-CN" sz="1400" err="1" smtClean="0"/>
-              <a:t>Sapply</a:t>
-            </a:r>
-            <a:r>
-              <a:rPr lang="zh-CN" altLang="en-US" sz="1400" smtClean="0"/>
-              <a:t>函数</a:t>
-            </a:r>
-            <a:endParaRPr lang="zh-CN" altLang="en-US" sz="1400"/>
-          </a:p>
-        </p:txBody>
-      </p:sp>
     </p:spTree>
     <p:extLst>
       <p:ext uri="{BB962C8B-B14F-4D97-AF65-F5344CB8AC3E}">
-        <p14:creationId xmlns:p14="http://schemas.microsoft.com/office/powerpoint/2010/main" val="3063063921"/>
+        <p14:creationId xmlns:p14="http://schemas.microsoft.com/office/powerpoint/2010/main" val="4241442225"/>
       </p:ext>
     </p:extLst>
   </p:cSld>
@@ -6451,12 +6816,1238 @@
         </p:nvSpPr>
         <p:spPr/>
         <p:txBody>
+          <a:bodyPr>
+            <a:normAutofit/>
+          </a:bodyPr>
+          <a:lstStyle/>
+          <a:p>
+            <a:r>
+              <a:rPr lang="en-US" altLang="zh-CN" sz="4000" smtClean="0"/>
+              <a:t>apply</a:t>
+            </a:r>
+            <a:r>
+              <a:rPr lang="zh-CN" altLang="en-US" sz="4000" smtClean="0"/>
+              <a:t>泛函族</a:t>
+            </a:r>
+            <a:endParaRPr lang="zh-CN" altLang="en-US" sz="4000"/>
+          </a:p>
+        </p:txBody>
+      </p:sp>
+      <p:graphicFrame>
+        <p:nvGraphicFramePr>
+          <p:cNvPr id="4" name="内容占位符 3"/>
+          <p:cNvGraphicFramePr>
+            <a:graphicFrameLocks noGrp="1"/>
+          </p:cNvGraphicFramePr>
+          <p:nvPr>
+            <p:ph idx="1"/>
+            <p:extLst>
+              <p:ext uri="{D42A27DB-BD31-4B8C-83A1-F6EECF244321}">
+                <p14:modId xmlns:p14="http://schemas.microsoft.com/office/powerpoint/2010/main" val="845983758"/>
+              </p:ext>
+            </p:extLst>
+          </p:nvPr>
+        </p:nvGraphicFramePr>
+        <p:xfrm>
+          <a:off x="1096963" y="1846263"/>
+          <a:ext cx="10058400" cy="1752600"/>
+        </p:xfrm>
+        <a:graphic>
+          <a:graphicData uri="http://schemas.openxmlformats.org/drawingml/2006/table">
+            <a:tbl>
+              <a:tblPr firstRow="1" bandRow="1">
+                <a:tableStyleId>{E8B1032C-EA38-4F05-BA0D-38AFFFC7BED3}</a:tableStyleId>
+              </a:tblPr>
+              <a:tblGrid>
+                <a:gridCol w="3352800">
+                  <a:extLst>
+                    <a:ext uri="{9D8B030D-6E8A-4147-A177-3AD203B41FA5}">
+                      <a16:colId xmlns:a16="http://schemas.microsoft.com/office/drawing/2014/main" val="20000"/>
+                    </a:ext>
+                  </a:extLst>
+                </a:gridCol>
+                <a:gridCol w="3352800">
+                  <a:extLst>
+                    <a:ext uri="{9D8B030D-6E8A-4147-A177-3AD203B41FA5}">
+                      <a16:colId xmlns:a16="http://schemas.microsoft.com/office/drawing/2014/main" val="20001"/>
+                    </a:ext>
+                  </a:extLst>
+                </a:gridCol>
+                <a:gridCol w="3352800">
+                  <a:extLst>
+                    <a:ext uri="{9D8B030D-6E8A-4147-A177-3AD203B41FA5}">
+                      <a16:colId xmlns:a16="http://schemas.microsoft.com/office/drawing/2014/main" val="20002"/>
+                    </a:ext>
+                  </a:extLst>
+                </a:gridCol>
+              </a:tblGrid>
+              <a:tr h="370840">
+                <a:tc>
+                  <a:txBody>
+                    <a:bodyPr/>
+                    <a:lstStyle/>
+                    <a:p>
+                      <a:r>
+                        <a:rPr lang="en-US" altLang="zh-CN" smtClean="0"/>
+                        <a:t>apply</a:t>
+                      </a:r>
+                      <a:r>
+                        <a:rPr lang="zh-CN" altLang="en-US" smtClean="0"/>
+                        <a:t>：矩阵操作</a:t>
+                      </a:r>
+                      <a:endParaRPr lang="zh-CN" altLang="en-US"/>
+                    </a:p>
+                  </a:txBody>
+                  <a:tcPr/>
+                </a:tc>
+                <a:tc>
+                  <a:txBody>
+                    <a:bodyPr/>
+                    <a:lstStyle/>
+                    <a:p>
+                      <a:pPr marL="0" marR="0" indent="0" algn="l" defTabSz="914400" rtl="0" eaLnBrk="1" fontAlgn="auto" latinLnBrk="0" hangingPunct="1">
+                        <a:lnSpc>
+                          <a:spcPct val="100000"/>
+                        </a:lnSpc>
+                        <a:spcBef>
+                          <a:spcPts val="0"/>
+                        </a:spcBef>
+                        <a:spcAft>
+                          <a:spcPts val="0"/>
+                        </a:spcAft>
+                        <a:buClrTx/>
+                        <a:buSzTx/>
+                        <a:buFontTx/>
+                        <a:buNone/>
+                        <a:tabLst/>
+                        <a:defRPr/>
+                      </a:pPr>
+                      <a:r>
+                        <a:rPr lang="en-US" altLang="zh-CN" smtClean="0"/>
+                        <a:t>lapply:</a:t>
+                      </a:r>
+                      <a:r>
+                        <a:rPr lang="zh-CN" altLang="en-US" smtClean="0"/>
+                        <a:t>操作</a:t>
+                      </a:r>
+                      <a:r>
+                        <a:rPr lang="en-US" altLang="zh-CN" smtClean="0"/>
+                        <a:t>list</a:t>
+                      </a:r>
+                      <a:r>
+                        <a:rPr lang="zh-CN" altLang="en-US" smtClean="0"/>
+                        <a:t>大类变量，按变量</a:t>
+                      </a:r>
+                      <a:endParaRPr lang="zh-CN" altLang="en-US"/>
+                    </a:p>
+                  </a:txBody>
+                  <a:tcPr/>
+                </a:tc>
+                <a:tc>
+                  <a:txBody>
+                    <a:bodyPr/>
+                    <a:lstStyle/>
+                    <a:p>
+                      <a:r>
+                        <a:rPr lang="en-US" altLang="zh-CN" dirty="0" err="1" smtClean="0"/>
+                        <a:t>tapply</a:t>
+                      </a:r>
+                      <a:r>
+                        <a:rPr lang="zh-CN" altLang="en-US" dirty="0" smtClean="0"/>
+                        <a:t>：因子</a:t>
+                      </a:r>
+                      <a:r>
+                        <a:rPr lang="zh-CN" altLang="en-US" dirty="0" smtClean="0"/>
+                        <a:t>切割向量分组后操作</a:t>
+                      </a:r>
+                      <a:endParaRPr lang="zh-CN" altLang="en-US" dirty="0"/>
+                    </a:p>
+                  </a:txBody>
+                  <a:tcPr/>
+                </a:tc>
+                <a:extLst>
+                  <a:ext uri="{0D108BD9-81ED-4DB2-BD59-A6C34878D82A}">
+                    <a16:rowId xmlns:a16="http://schemas.microsoft.com/office/drawing/2014/main" val="10000"/>
+                  </a:ext>
+                </a:extLst>
+              </a:tr>
+              <a:tr h="370840">
+                <a:tc>
+                  <a:txBody>
+                    <a:bodyPr/>
+                    <a:lstStyle/>
+                    <a:p>
+                      <a:endParaRPr lang="zh-CN" altLang="en-US"/>
+                    </a:p>
+                  </a:txBody>
+                  <a:tcPr/>
+                </a:tc>
+                <a:tc>
+                  <a:txBody>
+                    <a:bodyPr/>
+                    <a:lstStyle/>
+                    <a:p>
+                      <a:r>
+                        <a:rPr lang="zh-CN" altLang="en-US" smtClean="0"/>
+                        <a:t>同类变形代码</a:t>
+                      </a:r>
+                      <a:endParaRPr lang="zh-CN" altLang="en-US"/>
+                    </a:p>
+                  </a:txBody>
+                  <a:tcPr/>
+                </a:tc>
+                <a:tc>
+                  <a:txBody>
+                    <a:bodyPr/>
+                    <a:lstStyle/>
+                    <a:p>
+                      <a:endParaRPr lang="zh-CN" altLang="en-US" dirty="0"/>
+                    </a:p>
+                  </a:txBody>
+                  <a:tcPr/>
+                </a:tc>
+                <a:extLst>
+                  <a:ext uri="{0D108BD9-81ED-4DB2-BD59-A6C34878D82A}">
+                    <a16:rowId xmlns:a16="http://schemas.microsoft.com/office/drawing/2014/main" val="10001"/>
+                  </a:ext>
+                </a:extLst>
+              </a:tr>
+              <a:tr h="370840">
+                <a:tc>
+                  <a:txBody>
+                    <a:bodyPr/>
+                    <a:lstStyle/>
+                    <a:p>
+                      <a:endParaRPr lang="zh-CN" altLang="en-US"/>
+                    </a:p>
+                  </a:txBody>
+                  <a:tcPr/>
+                </a:tc>
+                <a:tc>
+                  <a:txBody>
+                    <a:bodyPr/>
+                    <a:lstStyle/>
+                    <a:p>
+                      <a:r>
+                        <a:rPr lang="en-US" altLang="zh-CN" smtClean="0"/>
+                        <a:t>sapply</a:t>
+                      </a:r>
+                      <a:endParaRPr lang="zh-CN" altLang="en-US"/>
+                    </a:p>
+                  </a:txBody>
+                  <a:tcPr/>
+                </a:tc>
+                <a:tc>
+                  <a:txBody>
+                    <a:bodyPr/>
+                    <a:lstStyle/>
+                    <a:p>
+                      <a:r>
+                        <a:rPr lang="en-US" altLang="zh-CN" dirty="0" smtClean="0"/>
+                        <a:t>by: </a:t>
+                      </a:r>
+                      <a:r>
+                        <a:rPr lang="zh-CN" altLang="en-US" dirty="0" smtClean="0"/>
+                        <a:t>作用于数据框</a:t>
+                      </a:r>
+                      <a:endParaRPr lang="zh-CN" altLang="en-US" dirty="0"/>
+                    </a:p>
+                  </a:txBody>
+                  <a:tcPr/>
+                </a:tc>
+                <a:extLst>
+                  <a:ext uri="{0D108BD9-81ED-4DB2-BD59-A6C34878D82A}">
+                    <a16:rowId xmlns:a16="http://schemas.microsoft.com/office/drawing/2014/main" val="10002"/>
+                  </a:ext>
+                </a:extLst>
+              </a:tr>
+              <a:tr h="370840">
+                <a:tc>
+                  <a:txBody>
+                    <a:bodyPr/>
+                    <a:lstStyle/>
+                    <a:p>
+                      <a:endParaRPr lang="zh-CN" altLang="en-US"/>
+                    </a:p>
+                  </a:txBody>
+                  <a:tcPr/>
+                </a:tc>
+                <a:tc>
+                  <a:txBody>
+                    <a:bodyPr/>
+                    <a:lstStyle/>
+                    <a:p>
+                      <a:r>
+                        <a:rPr lang="en-US" altLang="zh-CN" smtClean="0"/>
+                        <a:t>vapply</a:t>
+                      </a:r>
+                      <a:endParaRPr lang="zh-CN" altLang="en-US"/>
+                    </a:p>
+                  </a:txBody>
+                  <a:tcPr/>
+                </a:tc>
+                <a:tc>
+                  <a:txBody>
+                    <a:bodyPr/>
+                    <a:lstStyle/>
+                    <a:p>
+                      <a:endParaRPr lang="zh-CN" altLang="en-US" dirty="0"/>
+                    </a:p>
+                  </a:txBody>
+                  <a:tcPr/>
+                </a:tc>
+                <a:extLst>
+                  <a:ext uri="{0D108BD9-81ED-4DB2-BD59-A6C34878D82A}">
+                    <a16:rowId xmlns:a16="http://schemas.microsoft.com/office/drawing/2014/main" val="10003"/>
+                  </a:ext>
+                </a:extLst>
+              </a:tr>
+            </a:tbl>
+          </a:graphicData>
+        </a:graphic>
+      </p:graphicFrame>
+      <p:pic>
+        <p:nvPicPr>
+          <p:cNvPr id="5" name="图片 4"/>
+          <p:cNvPicPr>
+            <a:picLocks noChangeAspect="1"/>
+          </p:cNvPicPr>
+          <p:nvPr/>
+        </p:nvPicPr>
+        <p:blipFill>
+          <a:blip r:embed="rId2"/>
+          <a:stretch>
+            <a:fillRect/>
+          </a:stretch>
+        </p:blipFill>
+        <p:spPr>
+          <a:xfrm>
+            <a:off x="842584" y="4327133"/>
+            <a:ext cx="3571875" cy="1571625"/>
+          </a:xfrm>
+          <a:prstGeom prst="rect">
+            <a:avLst/>
+          </a:prstGeom>
+        </p:spPr>
+      </p:pic>
+      <p:sp>
+        <p:nvSpPr>
+          <p:cNvPr id="6" name="文本框 5"/>
+          <p:cNvSpPr txBox="1"/>
+          <p:nvPr/>
+        </p:nvSpPr>
+        <p:spPr>
+          <a:xfrm>
+            <a:off x="63374" y="1892174"/>
+            <a:ext cx="646331" cy="369332"/>
+          </a:xfrm>
+          <a:prstGeom prst="rect">
+            <a:avLst/>
+          </a:prstGeom>
+          <a:noFill/>
+        </p:spPr>
+        <p:txBody>
+          <a:bodyPr wrap="none" rtlCol="0">
+            <a:spAutoFit/>
+          </a:bodyPr>
+          <a:lstStyle/>
+          <a:p>
+            <a:r>
+              <a:rPr lang="zh-CN" altLang="en-US" smtClean="0"/>
+              <a:t>核心</a:t>
+            </a:r>
+            <a:endParaRPr lang="zh-CN" altLang="en-US"/>
+          </a:p>
+        </p:txBody>
+      </p:sp>
+      <p:cxnSp>
+        <p:nvCxnSpPr>
+          <p:cNvPr id="8" name="直接箭头连接符 7"/>
+          <p:cNvCxnSpPr>
+            <a:stCxn id="6" idx="3"/>
+          </p:cNvCxnSpPr>
+          <p:nvPr/>
+        </p:nvCxnSpPr>
+        <p:spPr>
+          <a:xfrm>
+            <a:off x="709705" y="2076840"/>
+            <a:ext cx="387575" cy="0"/>
+          </a:xfrm>
+          <a:prstGeom prst="straightConnector1">
+            <a:avLst/>
+          </a:prstGeom>
+          <a:ln>
+            <a:tailEnd type="triangle"/>
+          </a:ln>
+        </p:spPr>
+        <p:style>
+          <a:lnRef idx="1">
+            <a:schemeClr val="accent1"/>
+          </a:lnRef>
+          <a:fillRef idx="0">
+            <a:schemeClr val="accent1"/>
+          </a:fillRef>
+          <a:effectRef idx="0">
+            <a:schemeClr val="accent1"/>
+          </a:effectRef>
+          <a:fontRef idx="minor">
+            <a:schemeClr val="tx1"/>
+          </a:fontRef>
+        </p:style>
+      </p:cxnSp>
+      <p:sp>
+        <p:nvSpPr>
+          <p:cNvPr id="9" name="圆角矩形 8"/>
+          <p:cNvSpPr/>
+          <p:nvPr/>
+        </p:nvSpPr>
+        <p:spPr>
+          <a:xfrm>
+            <a:off x="903492" y="1629624"/>
+            <a:ext cx="10558195" cy="1004934"/>
+          </a:xfrm>
+          <a:prstGeom prst="roundRect">
+            <a:avLst/>
+          </a:prstGeom>
+          <a:noFill/>
+          <a:ln>
+            <a:solidFill>
+              <a:srgbClr val="FF0000"/>
+            </a:solidFill>
+          </a:ln>
+        </p:spPr>
+        <p:style>
+          <a:lnRef idx="2">
+            <a:schemeClr val="accent1">
+              <a:shade val="50000"/>
+            </a:schemeClr>
+          </a:lnRef>
+          <a:fillRef idx="1">
+            <a:schemeClr val="accent1"/>
+          </a:fillRef>
+          <a:effectRef idx="0">
+            <a:schemeClr val="accent1"/>
+          </a:effectRef>
+          <a:fontRef idx="minor">
+            <a:schemeClr val="lt1"/>
+          </a:fontRef>
+        </p:style>
+        <p:txBody>
+          <a:bodyPr rtlCol="0" anchor="ctr"/>
+          <a:lstStyle/>
+          <a:p>
+            <a:pPr algn="ctr"/>
+            <a:endParaRPr lang="zh-CN" altLang="en-US"/>
+          </a:p>
+        </p:txBody>
+      </p:sp>
+      <p:pic>
+        <p:nvPicPr>
+          <p:cNvPr id="10" name="图片 9"/>
+          <p:cNvPicPr>
+            <a:picLocks noChangeAspect="1"/>
+          </p:cNvPicPr>
+          <p:nvPr/>
+        </p:nvPicPr>
+        <p:blipFill>
+          <a:blip r:embed="rId3"/>
+          <a:stretch>
+            <a:fillRect/>
+          </a:stretch>
+        </p:blipFill>
+        <p:spPr>
+          <a:xfrm>
+            <a:off x="6644616" y="4327133"/>
+            <a:ext cx="4924425" cy="552450"/>
+          </a:xfrm>
+          <a:prstGeom prst="rect">
+            <a:avLst/>
+          </a:prstGeom>
+        </p:spPr>
+      </p:pic>
+    </p:spTree>
+    <p:extLst>
+      <p:ext uri="{BB962C8B-B14F-4D97-AF65-F5344CB8AC3E}">
+        <p14:creationId xmlns:p14="http://schemas.microsoft.com/office/powerpoint/2010/main" val="359731379"/>
+      </p:ext>
+    </p:extLst>
+  </p:cSld>
+  <p:clrMapOvr>
+    <a:masterClrMapping/>
+  </p:clrMapOvr>
+</p:sld>
+</file>
+
+<file path=ppt/slides/slide16.xml><?xml version="1.0" encoding="utf-8"?>
+<p:sld xmlns:a="http://schemas.openxmlformats.org/drawingml/2006/main" xmlns:r="http://schemas.openxmlformats.org/officeDocument/2006/relationships" xmlns:p="http://schemas.openxmlformats.org/presentationml/2006/main">
+  <p:cSld>
+    <p:spTree>
+      <p:nvGrpSpPr>
+        <p:cNvPr id="1" name=""/>
+        <p:cNvGrpSpPr/>
+        <p:nvPr/>
+      </p:nvGrpSpPr>
+      <p:grpSpPr>
+        <a:xfrm>
+          <a:off x="0" y="0"/>
+          <a:ext cx="0" cy="0"/>
+          <a:chOff x="0" y="0"/>
+          <a:chExt cx="0" cy="0"/>
+        </a:xfrm>
+      </p:grpSpPr>
+      <p:sp>
+        <p:nvSpPr>
+          <p:cNvPr id="2" name="标题 1"/>
+          <p:cNvSpPr>
+            <a:spLocks noGrp="1"/>
+          </p:cNvSpPr>
+          <p:nvPr>
+            <p:ph type="title"/>
+          </p:nvPr>
+        </p:nvSpPr>
+        <p:spPr/>
+        <p:txBody>
+          <a:bodyPr>
+            <a:normAutofit/>
+          </a:bodyPr>
+          <a:lstStyle/>
+          <a:p>
+            <a:r>
+              <a:rPr lang="en-US" altLang="zh-CN" sz="3200" smtClean="0"/>
+              <a:t>plyr</a:t>
+            </a:r>
+            <a:r>
+              <a:rPr lang="zh-CN" altLang="en-US" sz="3200" smtClean="0"/>
+              <a:t>中的泛函替代函数</a:t>
+            </a:r>
+            <a:endParaRPr lang="zh-CN" altLang="en-US" sz="3200"/>
+          </a:p>
+        </p:txBody>
+      </p:sp>
+      <p:graphicFrame>
+        <p:nvGraphicFramePr>
+          <p:cNvPr id="4" name="内容占位符 3"/>
+          <p:cNvGraphicFramePr>
+            <a:graphicFrameLocks noGrp="1"/>
+          </p:cNvGraphicFramePr>
+          <p:nvPr>
+            <p:ph idx="1"/>
+            <p:extLst>
+              <p:ext uri="{D42A27DB-BD31-4B8C-83A1-F6EECF244321}">
+                <p14:modId xmlns:p14="http://schemas.microsoft.com/office/powerpoint/2010/main" val="3670311724"/>
+              </p:ext>
+            </p:extLst>
+          </p:nvPr>
+        </p:nvGraphicFramePr>
+        <p:xfrm>
+          <a:off x="1096963" y="1846263"/>
+          <a:ext cx="10058400" cy="1854200"/>
+        </p:xfrm>
+        <a:graphic>
+          <a:graphicData uri="http://schemas.openxmlformats.org/drawingml/2006/table">
+            <a:tbl>
+              <a:tblPr firstRow="1" bandRow="1">
+                <a:tableStyleId>{E8B1032C-EA38-4F05-BA0D-38AFFFC7BED3}</a:tableStyleId>
+              </a:tblPr>
+              <a:tblGrid>
+                <a:gridCol w="2514600">
+                  <a:extLst>
+                    <a:ext uri="{9D8B030D-6E8A-4147-A177-3AD203B41FA5}">
+                      <a16:colId xmlns:a16="http://schemas.microsoft.com/office/drawing/2014/main" val="20000"/>
+                    </a:ext>
+                  </a:extLst>
+                </a:gridCol>
+                <a:gridCol w="2514600">
+                  <a:extLst>
+                    <a:ext uri="{9D8B030D-6E8A-4147-A177-3AD203B41FA5}">
+                      <a16:colId xmlns:a16="http://schemas.microsoft.com/office/drawing/2014/main" val="20001"/>
+                    </a:ext>
+                  </a:extLst>
+                </a:gridCol>
+                <a:gridCol w="2514600">
+                  <a:extLst>
+                    <a:ext uri="{9D8B030D-6E8A-4147-A177-3AD203B41FA5}">
+                      <a16:colId xmlns:a16="http://schemas.microsoft.com/office/drawing/2014/main" val="20002"/>
+                    </a:ext>
+                  </a:extLst>
+                </a:gridCol>
+                <a:gridCol w="2514600">
+                  <a:extLst>
+                    <a:ext uri="{9D8B030D-6E8A-4147-A177-3AD203B41FA5}">
+                      <a16:colId xmlns:a16="http://schemas.microsoft.com/office/drawing/2014/main" val="20003"/>
+                    </a:ext>
+                  </a:extLst>
+                </a:gridCol>
+              </a:tblGrid>
+              <a:tr h="370840">
+                <a:tc>
+                  <a:txBody>
+                    <a:bodyPr/>
+                    <a:lstStyle/>
+                    <a:p>
+                      <a:endParaRPr lang="zh-CN" altLang="en-US"/>
+                    </a:p>
+                  </a:txBody>
+                  <a:tcPr/>
+                </a:tc>
+                <a:tc>
+                  <a:txBody>
+                    <a:bodyPr/>
+                    <a:lstStyle/>
+                    <a:p>
+                      <a:r>
+                        <a:rPr lang="en-US" altLang="zh-CN" smtClean="0"/>
+                        <a:t>array</a:t>
+                      </a:r>
+                      <a:endParaRPr lang="zh-CN" altLang="en-US"/>
+                    </a:p>
+                  </a:txBody>
+                  <a:tcPr/>
+                </a:tc>
+                <a:tc>
+                  <a:txBody>
+                    <a:bodyPr/>
+                    <a:lstStyle/>
+                    <a:p>
+                      <a:pPr marL="0" marR="0" indent="0" algn="l" defTabSz="914400" rtl="0" eaLnBrk="1" fontAlgn="auto" latinLnBrk="0" hangingPunct="1">
+                        <a:lnSpc>
+                          <a:spcPct val="100000"/>
+                        </a:lnSpc>
+                        <a:spcBef>
+                          <a:spcPts val="0"/>
+                        </a:spcBef>
+                        <a:spcAft>
+                          <a:spcPts val="0"/>
+                        </a:spcAft>
+                        <a:buClrTx/>
+                        <a:buSzTx/>
+                        <a:buFontTx/>
+                        <a:buNone/>
+                        <a:tabLst/>
+                        <a:defRPr/>
+                      </a:pPr>
+                      <a:r>
+                        <a:rPr lang="en-US" altLang="zh-CN" smtClean="0"/>
+                        <a:t>data.frame</a:t>
+                      </a:r>
+                      <a:endParaRPr lang="zh-CN" altLang="en-US"/>
+                    </a:p>
+                  </a:txBody>
+                  <a:tcPr/>
+                </a:tc>
+                <a:tc>
+                  <a:txBody>
+                    <a:bodyPr/>
+                    <a:lstStyle/>
+                    <a:p>
+                      <a:pPr marL="0" marR="0" indent="0" algn="l" defTabSz="914400" rtl="0" eaLnBrk="1" fontAlgn="auto" latinLnBrk="0" hangingPunct="1">
+                        <a:lnSpc>
+                          <a:spcPct val="100000"/>
+                        </a:lnSpc>
+                        <a:spcBef>
+                          <a:spcPts val="0"/>
+                        </a:spcBef>
+                        <a:spcAft>
+                          <a:spcPts val="0"/>
+                        </a:spcAft>
+                        <a:buClrTx/>
+                        <a:buSzTx/>
+                        <a:buFontTx/>
+                        <a:buNone/>
+                        <a:tabLst/>
+                        <a:defRPr/>
+                      </a:pPr>
+                      <a:r>
+                        <a:rPr lang="en-US" altLang="zh-CN" smtClean="0"/>
+                        <a:t>list</a:t>
+                      </a:r>
+                      <a:endParaRPr lang="zh-CN" altLang="en-US"/>
+                    </a:p>
+                  </a:txBody>
+                  <a:tcPr/>
+                </a:tc>
+                <a:extLst>
+                  <a:ext uri="{0D108BD9-81ED-4DB2-BD59-A6C34878D82A}">
+                    <a16:rowId xmlns:a16="http://schemas.microsoft.com/office/drawing/2014/main" val="10000"/>
+                  </a:ext>
+                </a:extLst>
+              </a:tr>
+              <a:tr h="370840">
+                <a:tc>
+                  <a:txBody>
+                    <a:bodyPr/>
+                    <a:lstStyle/>
+                    <a:p>
+                      <a:r>
+                        <a:rPr lang="en-US" altLang="zh-CN" smtClean="0"/>
+                        <a:t>array</a:t>
+                      </a:r>
+                      <a:endParaRPr lang="zh-CN" altLang="en-US"/>
+                    </a:p>
+                  </a:txBody>
+                  <a:tcPr/>
+                </a:tc>
+                <a:tc>
+                  <a:txBody>
+                    <a:bodyPr/>
+                    <a:lstStyle/>
+                    <a:p>
+                      <a:r>
+                        <a:rPr lang="en-US" altLang="zh-CN" smtClean="0"/>
+                        <a:t>aaply</a:t>
+                      </a:r>
+                      <a:endParaRPr lang="zh-CN" altLang="en-US"/>
+                    </a:p>
+                  </a:txBody>
+                  <a:tcPr/>
+                </a:tc>
+                <a:tc>
+                  <a:txBody>
+                    <a:bodyPr/>
+                    <a:lstStyle/>
+                    <a:p>
+                      <a:r>
+                        <a:rPr lang="en-US" altLang="zh-CN" smtClean="0"/>
+                        <a:t>daply</a:t>
+                      </a:r>
+                      <a:endParaRPr lang="zh-CN" altLang="en-US"/>
+                    </a:p>
+                  </a:txBody>
+                  <a:tcPr/>
+                </a:tc>
+                <a:tc>
+                  <a:txBody>
+                    <a:bodyPr/>
+                    <a:lstStyle/>
+                    <a:p>
+                      <a:r>
+                        <a:rPr lang="en-US" altLang="zh-CN" smtClean="0"/>
+                        <a:t>laply</a:t>
+                      </a:r>
+                      <a:endParaRPr lang="zh-CN" altLang="en-US"/>
+                    </a:p>
+                  </a:txBody>
+                  <a:tcPr/>
+                </a:tc>
+                <a:extLst>
+                  <a:ext uri="{0D108BD9-81ED-4DB2-BD59-A6C34878D82A}">
+                    <a16:rowId xmlns:a16="http://schemas.microsoft.com/office/drawing/2014/main" val="10001"/>
+                  </a:ext>
+                </a:extLst>
+              </a:tr>
+              <a:tr h="370840">
+                <a:tc>
+                  <a:txBody>
+                    <a:bodyPr/>
+                    <a:lstStyle/>
+                    <a:p>
+                      <a:pPr marL="0" marR="0" indent="0" algn="l" defTabSz="914400" rtl="0" eaLnBrk="1" fontAlgn="auto" latinLnBrk="0" hangingPunct="1">
+                        <a:lnSpc>
+                          <a:spcPct val="100000"/>
+                        </a:lnSpc>
+                        <a:spcBef>
+                          <a:spcPts val="0"/>
+                        </a:spcBef>
+                        <a:spcAft>
+                          <a:spcPts val="0"/>
+                        </a:spcAft>
+                        <a:buClrTx/>
+                        <a:buSzTx/>
+                        <a:buFontTx/>
+                        <a:buNone/>
+                        <a:tabLst/>
+                        <a:defRPr/>
+                      </a:pPr>
+                      <a:r>
+                        <a:rPr lang="en-US" altLang="zh-CN" smtClean="0"/>
+                        <a:t>data.frame</a:t>
+                      </a:r>
+                      <a:endParaRPr lang="zh-CN" altLang="en-US" smtClean="0"/>
+                    </a:p>
+                  </a:txBody>
+                  <a:tcPr/>
+                </a:tc>
+                <a:tc>
+                  <a:txBody>
+                    <a:bodyPr/>
+                    <a:lstStyle/>
+                    <a:p>
+                      <a:r>
+                        <a:rPr lang="en-US" altLang="zh-CN" smtClean="0"/>
+                        <a:t>adply</a:t>
+                      </a:r>
+                      <a:endParaRPr lang="zh-CN" altLang="en-US"/>
+                    </a:p>
+                  </a:txBody>
+                  <a:tcPr/>
+                </a:tc>
+                <a:tc>
+                  <a:txBody>
+                    <a:bodyPr/>
+                    <a:lstStyle/>
+                    <a:p>
+                      <a:r>
+                        <a:rPr lang="en-US" altLang="zh-CN" smtClean="0"/>
+                        <a:t>ddply</a:t>
+                      </a:r>
+                      <a:endParaRPr lang="zh-CN" altLang="en-US"/>
+                    </a:p>
+                  </a:txBody>
+                  <a:tcPr/>
+                </a:tc>
+                <a:tc>
+                  <a:txBody>
+                    <a:bodyPr/>
+                    <a:lstStyle/>
+                    <a:p>
+                      <a:r>
+                        <a:rPr lang="en-US" altLang="zh-CN" smtClean="0"/>
+                        <a:t>ldply</a:t>
+                      </a:r>
+                      <a:endParaRPr lang="zh-CN" altLang="en-US"/>
+                    </a:p>
+                  </a:txBody>
+                  <a:tcPr/>
+                </a:tc>
+                <a:extLst>
+                  <a:ext uri="{0D108BD9-81ED-4DB2-BD59-A6C34878D82A}">
+                    <a16:rowId xmlns:a16="http://schemas.microsoft.com/office/drawing/2014/main" val="10002"/>
+                  </a:ext>
+                </a:extLst>
+              </a:tr>
+              <a:tr h="370840">
+                <a:tc>
+                  <a:txBody>
+                    <a:bodyPr/>
+                    <a:lstStyle/>
+                    <a:p>
+                      <a:r>
+                        <a:rPr lang="en-US" altLang="zh-CN" smtClean="0"/>
+                        <a:t>list</a:t>
+                      </a:r>
+                      <a:endParaRPr lang="zh-CN" altLang="en-US"/>
+                    </a:p>
+                  </a:txBody>
+                  <a:tcPr/>
+                </a:tc>
+                <a:tc>
+                  <a:txBody>
+                    <a:bodyPr/>
+                    <a:lstStyle/>
+                    <a:p>
+                      <a:r>
+                        <a:rPr lang="en-US" altLang="zh-CN" smtClean="0"/>
+                        <a:t>alply</a:t>
+                      </a:r>
+                      <a:endParaRPr lang="zh-CN" altLang="en-US"/>
+                    </a:p>
+                  </a:txBody>
+                  <a:tcPr/>
+                </a:tc>
+                <a:tc>
+                  <a:txBody>
+                    <a:bodyPr/>
+                    <a:lstStyle/>
+                    <a:p>
+                      <a:r>
+                        <a:rPr lang="en-US" altLang="zh-CN" smtClean="0"/>
+                        <a:t>dlply</a:t>
+                      </a:r>
+                      <a:endParaRPr lang="zh-CN" altLang="en-US"/>
+                    </a:p>
+                  </a:txBody>
+                  <a:tcPr/>
+                </a:tc>
+                <a:tc>
+                  <a:txBody>
+                    <a:bodyPr/>
+                    <a:lstStyle/>
+                    <a:p>
+                      <a:r>
+                        <a:rPr lang="en-US" altLang="zh-CN" smtClean="0"/>
+                        <a:t>llply</a:t>
+                      </a:r>
+                      <a:endParaRPr lang="zh-CN" altLang="en-US"/>
+                    </a:p>
+                  </a:txBody>
+                  <a:tcPr/>
+                </a:tc>
+                <a:extLst>
+                  <a:ext uri="{0D108BD9-81ED-4DB2-BD59-A6C34878D82A}">
+                    <a16:rowId xmlns:a16="http://schemas.microsoft.com/office/drawing/2014/main" val="10003"/>
+                  </a:ext>
+                </a:extLst>
+              </a:tr>
+              <a:tr h="370840">
+                <a:tc>
+                  <a:txBody>
+                    <a:bodyPr/>
+                    <a:lstStyle/>
+                    <a:p>
+                      <a:r>
+                        <a:rPr lang="en-US" altLang="zh-CN" smtClean="0"/>
+                        <a:t>_(</a:t>
+                      </a:r>
+                      <a:r>
+                        <a:rPr lang="zh-CN" altLang="en-US" smtClean="0"/>
+                        <a:t>无输出</a:t>
+                      </a:r>
+                      <a:r>
+                        <a:rPr lang="en-US" altLang="zh-CN" smtClean="0"/>
+                        <a:t>)</a:t>
+                      </a:r>
+                      <a:endParaRPr lang="zh-CN" altLang="en-US"/>
+                    </a:p>
+                  </a:txBody>
+                  <a:tcPr/>
+                </a:tc>
+                <a:tc>
+                  <a:txBody>
+                    <a:bodyPr/>
+                    <a:lstStyle/>
+                    <a:p>
+                      <a:r>
+                        <a:rPr lang="en-US" altLang="zh-CN" smtClean="0"/>
+                        <a:t>a_ply</a:t>
+                      </a:r>
+                      <a:endParaRPr lang="zh-CN" altLang="en-US"/>
+                    </a:p>
+                  </a:txBody>
+                  <a:tcPr/>
+                </a:tc>
+                <a:tc>
+                  <a:txBody>
+                    <a:bodyPr/>
+                    <a:lstStyle/>
+                    <a:p>
+                      <a:r>
+                        <a:rPr lang="en-US" altLang="zh-CN" smtClean="0"/>
+                        <a:t>d_ply</a:t>
+                      </a:r>
+                      <a:endParaRPr lang="zh-CN" altLang="en-US"/>
+                    </a:p>
+                  </a:txBody>
+                  <a:tcPr/>
+                </a:tc>
+                <a:tc>
+                  <a:txBody>
+                    <a:bodyPr/>
+                    <a:lstStyle/>
+                    <a:p>
+                      <a:r>
+                        <a:rPr lang="en-US" altLang="zh-CN" smtClean="0"/>
+                        <a:t>l_ply</a:t>
+                      </a:r>
+                      <a:endParaRPr lang="zh-CN" altLang="en-US"/>
+                    </a:p>
+                  </a:txBody>
+                  <a:tcPr/>
+                </a:tc>
+                <a:extLst>
+                  <a:ext uri="{0D108BD9-81ED-4DB2-BD59-A6C34878D82A}">
+                    <a16:rowId xmlns:a16="http://schemas.microsoft.com/office/drawing/2014/main" val="10004"/>
+                  </a:ext>
+                </a:extLst>
+              </a:tr>
+            </a:tbl>
+          </a:graphicData>
+        </a:graphic>
+      </p:graphicFrame>
+      <p:cxnSp>
+        <p:nvCxnSpPr>
+          <p:cNvPr id="6" name="直接箭头连接符 5"/>
+          <p:cNvCxnSpPr/>
+          <p:nvPr/>
+        </p:nvCxnSpPr>
+        <p:spPr>
+          <a:xfrm>
+            <a:off x="9045185" y="3973036"/>
+            <a:ext cx="0" cy="751437"/>
+          </a:xfrm>
+          <a:prstGeom prst="straightConnector1">
+            <a:avLst/>
+          </a:prstGeom>
+          <a:ln>
+            <a:tailEnd type="triangle"/>
+          </a:ln>
+        </p:spPr>
+        <p:style>
+          <a:lnRef idx="1">
+            <a:schemeClr val="accent1"/>
+          </a:lnRef>
+          <a:fillRef idx="0">
+            <a:schemeClr val="accent1"/>
+          </a:fillRef>
+          <a:effectRef idx="0">
+            <a:schemeClr val="accent1"/>
+          </a:effectRef>
+          <a:fontRef idx="minor">
+            <a:schemeClr val="tx1"/>
+          </a:fontRef>
+        </p:style>
+      </p:cxnSp>
+      <p:sp>
+        <p:nvSpPr>
+          <p:cNvPr id="7" name="文本框 6"/>
+          <p:cNvSpPr txBox="1"/>
+          <p:nvPr/>
+        </p:nvSpPr>
+        <p:spPr>
+          <a:xfrm>
+            <a:off x="7246638" y="4997046"/>
+            <a:ext cx="4205666" cy="646331"/>
+          </a:xfrm>
+          <a:prstGeom prst="rect">
+            <a:avLst/>
+          </a:prstGeom>
+          <a:solidFill>
+            <a:schemeClr val="accent5">
+              <a:lumMod val="20000"/>
+              <a:lumOff val="80000"/>
+            </a:schemeClr>
+          </a:solidFill>
+        </p:spPr>
+        <p:txBody>
+          <a:bodyPr wrap="square" rtlCol="0">
+            <a:spAutoFit/>
+          </a:bodyPr>
+          <a:lstStyle/>
+          <a:p>
+            <a:r>
+              <a:rPr lang="en-US" altLang="zh-CN" dirty="0" err="1" smtClean="0"/>
+              <a:t>plyr</a:t>
+            </a:r>
+            <a:r>
+              <a:rPr lang="zh-CN" altLang="en-US" dirty="0" smtClean="0"/>
+              <a:t>有一个升级版的工具包，即</a:t>
+            </a:r>
+            <a:r>
+              <a:rPr lang="en-US" altLang="zh-CN" dirty="0" err="1" smtClean="0"/>
+              <a:t>dplyr</a:t>
+            </a:r>
+            <a:r>
+              <a:rPr lang="zh-CN" altLang="en-US" dirty="0" smtClean="0"/>
+              <a:t>，专门针对</a:t>
+            </a:r>
+            <a:r>
+              <a:rPr lang="en-US" altLang="zh-CN" dirty="0" err="1" smtClean="0"/>
+              <a:t>data.frame</a:t>
+            </a:r>
+            <a:r>
+              <a:rPr lang="zh-CN" altLang="en-US" dirty="0" smtClean="0"/>
+              <a:t>数据集操作</a:t>
+            </a:r>
+            <a:endParaRPr lang="zh-CN" altLang="en-US" dirty="0"/>
+          </a:p>
+        </p:txBody>
+      </p:sp>
+      <p:sp>
+        <p:nvSpPr>
+          <p:cNvPr id="3" name="文本框 2"/>
+          <p:cNvSpPr txBox="1"/>
+          <p:nvPr/>
+        </p:nvSpPr>
+        <p:spPr>
+          <a:xfrm>
+            <a:off x="666001" y="3973036"/>
+            <a:ext cx="6147394" cy="923330"/>
+          </a:xfrm>
+          <a:prstGeom prst="rect">
+            <a:avLst/>
+          </a:prstGeom>
+          <a:solidFill>
+            <a:schemeClr val="accent2">
+              <a:lumMod val="20000"/>
+              <a:lumOff val="80000"/>
+            </a:schemeClr>
+          </a:solidFill>
+        </p:spPr>
+        <p:txBody>
+          <a:bodyPr wrap="square" rtlCol="0">
+            <a:spAutoFit/>
+          </a:bodyPr>
+          <a:lstStyle/>
+          <a:p>
+            <a:r>
+              <a:rPr lang="en-US" altLang="zh-CN" dirty="0" err="1" smtClean="0"/>
+              <a:t>plyr</a:t>
+            </a:r>
+            <a:r>
+              <a:rPr lang="zh-CN" altLang="en-US" dirty="0" smtClean="0"/>
+              <a:t>包的思路是：</a:t>
+            </a:r>
+            <a:r>
+              <a:rPr lang="en-US" altLang="zh-CN" dirty="0" smtClean="0"/>
+              <a:t>split-apply-combination</a:t>
+            </a:r>
+            <a:r>
+              <a:rPr lang="zh-CN" altLang="en-US" dirty="0" smtClean="0"/>
+              <a:t>，即先切割数据成块，再对每块数据调用函数进行处理，再将处理结果整合成后作为返回。</a:t>
+            </a:r>
+            <a:endParaRPr lang="zh-CN" altLang="en-US" dirty="0"/>
+          </a:p>
+        </p:txBody>
+      </p:sp>
+      <p:sp>
+        <p:nvSpPr>
+          <p:cNvPr id="5" name="椭圆 4"/>
+          <p:cNvSpPr/>
+          <p:nvPr/>
+        </p:nvSpPr>
+        <p:spPr>
+          <a:xfrm>
+            <a:off x="5977054" y="2509024"/>
+            <a:ext cx="1382751" cy="524919"/>
+          </a:xfrm>
+          <a:prstGeom prst="ellipse">
+            <a:avLst/>
+          </a:prstGeom>
+          <a:noFill/>
+        </p:spPr>
+        <p:style>
+          <a:lnRef idx="2">
+            <a:schemeClr val="accent1">
+              <a:shade val="50000"/>
+            </a:schemeClr>
+          </a:lnRef>
+          <a:fillRef idx="1">
+            <a:schemeClr val="accent1"/>
+          </a:fillRef>
+          <a:effectRef idx="0">
+            <a:schemeClr val="accent1"/>
+          </a:effectRef>
+          <a:fontRef idx="minor">
+            <a:schemeClr val="lt1"/>
+          </a:fontRef>
+        </p:style>
+        <p:txBody>
+          <a:bodyPr rtlCol="0" anchor="ctr"/>
+          <a:lstStyle/>
+          <a:p>
+            <a:pPr algn="ctr"/>
+            <a:endParaRPr lang="zh-CN" altLang="en-US"/>
+          </a:p>
+        </p:txBody>
+      </p:sp>
+      <p:sp>
+        <p:nvSpPr>
+          <p:cNvPr id="8" name="矩形 7"/>
+          <p:cNvSpPr/>
+          <p:nvPr/>
+        </p:nvSpPr>
+        <p:spPr>
+          <a:xfrm>
+            <a:off x="666001" y="5674529"/>
+            <a:ext cx="3775393" cy="523220"/>
+          </a:xfrm>
+          <a:prstGeom prst="rect">
+            <a:avLst/>
+          </a:prstGeom>
+          <a:solidFill>
+            <a:schemeClr val="accent6">
+              <a:lumMod val="20000"/>
+              <a:lumOff val="80000"/>
+            </a:schemeClr>
+          </a:solidFill>
+        </p:spPr>
+        <p:txBody>
+          <a:bodyPr wrap="none">
+            <a:spAutoFit/>
+          </a:bodyPr>
+          <a:lstStyle/>
+          <a:p>
+            <a:r>
+              <a:rPr lang="zh-CN" altLang="en-US" sz="1400" dirty="0" smtClean="0">
+                <a:latin typeface="华文楷体" panose="02010600040101010101" pitchFamily="2" charset="-122"/>
+                <a:ea typeface="华文楷体" panose="02010600040101010101" pitchFamily="2" charset="-122"/>
+              </a:rPr>
+              <a:t>作者原文将思路和用法介绍的非常清楚，参见</a:t>
+            </a:r>
+            <a:endParaRPr lang="en-US" altLang="zh-CN" sz="1400" dirty="0" smtClean="0">
+              <a:latin typeface="华文楷体" panose="02010600040101010101" pitchFamily="2" charset="-122"/>
+              <a:ea typeface="华文楷体" panose="02010600040101010101" pitchFamily="2" charset="-122"/>
+            </a:endParaRPr>
+          </a:p>
+          <a:p>
+            <a:r>
+              <a:rPr lang="zh-CN" altLang="en-US" sz="1400" dirty="0" smtClean="0">
+                <a:latin typeface="华文楷体" panose="02010600040101010101" pitchFamily="2" charset="-122"/>
+                <a:ea typeface="华文楷体" panose="02010600040101010101" pitchFamily="2" charset="-122"/>
+                <a:hlinkClick r:id="rId2"/>
+              </a:rPr>
+              <a:t>https</a:t>
+            </a:r>
+            <a:r>
+              <a:rPr lang="zh-CN" altLang="en-US" sz="1400" dirty="0">
+                <a:latin typeface="华文楷体" panose="02010600040101010101" pitchFamily="2" charset="-122"/>
+                <a:ea typeface="华文楷体" panose="02010600040101010101" pitchFamily="2" charset="-122"/>
+                <a:hlinkClick r:id="rId2"/>
+              </a:rPr>
+              <a:t>://www.jstatsoft.org/article/view/v040i</a:t>
+            </a:r>
+            <a:r>
+              <a:rPr lang="zh-CN" altLang="en-US" sz="1400" dirty="0" smtClean="0">
+                <a:latin typeface="华文楷体" panose="02010600040101010101" pitchFamily="2" charset="-122"/>
+                <a:ea typeface="华文楷体" panose="02010600040101010101" pitchFamily="2" charset="-122"/>
+                <a:hlinkClick r:id="rId2"/>
+              </a:rPr>
+              <a:t>01</a:t>
+            </a:r>
+            <a:endParaRPr lang="zh-CN" altLang="en-US" sz="1400" dirty="0">
+              <a:latin typeface="华文楷体" panose="02010600040101010101" pitchFamily="2" charset="-122"/>
+              <a:ea typeface="华文楷体" panose="02010600040101010101" pitchFamily="2" charset="-122"/>
+            </a:endParaRPr>
+          </a:p>
+        </p:txBody>
+      </p:sp>
+    </p:spTree>
+    <p:extLst>
+      <p:ext uri="{BB962C8B-B14F-4D97-AF65-F5344CB8AC3E}">
+        <p14:creationId xmlns:p14="http://schemas.microsoft.com/office/powerpoint/2010/main" val="2675403714"/>
+      </p:ext>
+    </p:extLst>
+  </p:cSld>
+  <p:clrMapOvr>
+    <a:masterClrMapping/>
+  </p:clrMapOvr>
+</p:sld>
+</file>
+
+<file path=ppt/slides/slide17.xml><?xml version="1.0" encoding="utf-8"?>
+<p:sld xmlns:a="http://schemas.openxmlformats.org/drawingml/2006/main" xmlns:r="http://schemas.openxmlformats.org/officeDocument/2006/relationships" xmlns:p="http://schemas.openxmlformats.org/presentationml/2006/main">
+  <p:cSld>
+    <p:spTree>
+      <p:nvGrpSpPr>
+        <p:cNvPr id="1" name=""/>
+        <p:cNvGrpSpPr/>
+        <p:nvPr/>
+      </p:nvGrpSpPr>
+      <p:grpSpPr>
+        <a:xfrm>
+          <a:off x="0" y="0"/>
+          <a:ext cx="0" cy="0"/>
+          <a:chOff x="0" y="0"/>
+          <a:chExt cx="0" cy="0"/>
+        </a:xfrm>
+      </p:grpSpPr>
+      <p:sp>
+        <p:nvSpPr>
+          <p:cNvPr id="2" name="标题 1"/>
+          <p:cNvSpPr>
+            <a:spLocks noGrp="1"/>
+          </p:cNvSpPr>
+          <p:nvPr>
+            <p:ph type="title"/>
+          </p:nvPr>
+        </p:nvSpPr>
+        <p:spPr/>
+        <p:txBody>
           <a:bodyPr/>
           <a:lstStyle/>
           <a:p>
             <a:r>
               <a:rPr lang="zh-CN" altLang="en-US" smtClean="0"/>
-              <a:t>工具包的制作</a:t>
+              <a:t>效率优化与并行计算</a:t>
             </a:r>
             <a:endParaRPr lang="zh-CN" altLang="en-US"/>
           </a:p>
@@ -6477,6 +8068,782 @@
           <a:bodyPr/>
           <a:lstStyle/>
           <a:p>
+            <a:r>
+              <a:rPr lang="zh-CN" altLang="en-US" smtClean="0"/>
+              <a:t>测试代码效率</a:t>
+            </a:r>
+            <a:endParaRPr lang="en-US" altLang="zh-CN" smtClean="0"/>
+          </a:p>
+          <a:p>
+            <a:endParaRPr lang="en-US" altLang="zh-CN"/>
+          </a:p>
+          <a:p>
+            <a:r>
+              <a:rPr lang="zh-CN" altLang="en-US" smtClean="0"/>
+              <a:t>并行化计算包：  </a:t>
+            </a:r>
+            <a:r>
+              <a:rPr lang="en-US" altLang="zh-CN" smtClean="0"/>
+              <a:t>parallel</a:t>
+            </a:r>
+          </a:p>
+          <a:p>
+            <a:endParaRPr lang="en-US" altLang="zh-CN" smtClean="0"/>
+          </a:p>
+          <a:p>
+            <a:endParaRPr lang="zh-CN" altLang="en-US"/>
+          </a:p>
+        </p:txBody>
+      </p:sp>
+      <p:sp>
+        <p:nvSpPr>
+          <p:cNvPr id="4" name="Rectangle 1"/>
+          <p:cNvSpPr>
+            <a:spLocks noChangeArrowheads="1"/>
+          </p:cNvSpPr>
+          <p:nvPr/>
+        </p:nvSpPr>
+        <p:spPr bwMode="auto">
+          <a:xfrm>
+            <a:off x="1097280" y="2192995"/>
+            <a:ext cx="5206554" cy="553998"/>
+          </a:xfrm>
+          <a:prstGeom prst="rect">
+            <a:avLst/>
+          </a:prstGeom>
+          <a:solidFill>
+            <a:srgbClr val="FFFFFF"/>
+          </a:solidFill>
+          <a:ln>
+            <a:noFill/>
+          </a:ln>
+          <a:effectLst/>
+          <a:extLst>
+            <a:ext uri="{91240B29-F687-4F45-9708-019B960494DF}">
+              <a14:hiddenLine xmlns:a14="http://schemas.microsoft.com/office/drawing/2010/main" w="9525">
+                <a:solidFill>
+                  <a:schemeClr val="tx1"/>
+                </a:solidFill>
+                <a:miter lim="800000"/>
+                <a:headEnd/>
+                <a:tailEnd/>
+              </a14:hiddenLine>
+            </a:ext>
+            <a:ext uri="{AF507438-7753-43E0-B8FC-AC1667EBCBE1}">
+              <a14:hiddenEffects xmlns:a14="http://schemas.microsoft.com/office/drawing/2010/main">
+                <a:effectLst>
+                  <a:outerShdw dist="35921" dir="2700000" algn="ctr" rotWithShape="0">
+                    <a:schemeClr val="bg2"/>
+                  </a:outerShdw>
+                </a:effectLst>
+              </a14:hiddenEffects>
+            </a:ext>
+          </a:extLst>
+        </p:spPr>
+        <p:txBody>
+          <a:bodyPr vert="horz" wrap="none" lIns="0" tIns="0" rIns="0" bIns="0" numCol="1" anchor="ctr" anchorCtr="0" compatLnSpc="1">
+            <a:prstTxWarp prst="textNoShape">
+              <a:avLst/>
+            </a:prstTxWarp>
+            <a:spAutoFit/>
+          </a:bodyPr>
+          <a:lstStyle/>
+          <a:p>
+            <a:pPr marL="0" marR="0" lvl="0" indent="0" algn="l" defTabSz="914400" rtl="0" eaLnBrk="0" fontAlgn="base" latinLnBrk="0" hangingPunct="0">
+              <a:lnSpc>
+                <a:spcPct val="100000"/>
+              </a:lnSpc>
+              <a:spcBef>
+                <a:spcPct val="0"/>
+              </a:spcBef>
+              <a:spcAft>
+                <a:spcPct val="0"/>
+              </a:spcAft>
+              <a:buClrTx/>
+              <a:buSzTx/>
+              <a:buFontTx/>
+              <a:buNone/>
+              <a:tabLst/>
+            </a:pPr>
+            <a:r>
+              <a:rPr kumimoji="0" lang="zh-CN" altLang="zh-CN" sz="1200" b="0" i="0" u="none" strike="noStrike" cap="none" normalizeH="0" baseline="0" smtClean="0">
+                <a:ln>
+                  <a:noFill/>
+                </a:ln>
+                <a:solidFill>
+                  <a:srgbClr val="0000FF"/>
+                </a:solidFill>
+                <a:effectLst/>
+                <a:latin typeface="Lucida Console" panose="020B0609040504020204" pitchFamily="49" charset="0"/>
+              </a:rPr>
+              <a:t>&gt; system.time(aov(cholesterol$response~cholesterol$trt)</a:t>
+            </a:r>
+            <a:r>
+              <a:rPr lang="en-US" altLang="zh-CN" sz="1200" smtClean="0">
+                <a:solidFill>
+                  <a:srgbClr val="0000FF"/>
+                </a:solidFill>
+                <a:latin typeface="Lucida Console" panose="020B0609040504020204" pitchFamily="49" charset="0"/>
+              </a:rPr>
+              <a:t>)</a:t>
+            </a:r>
+          </a:p>
+          <a:p>
+            <a:pPr eaLnBrk="0" fontAlgn="base" hangingPunct="0">
+              <a:spcBef>
+                <a:spcPct val="0"/>
+              </a:spcBef>
+              <a:spcAft>
+                <a:spcPct val="0"/>
+              </a:spcAft>
+            </a:pPr>
+            <a:r>
+              <a:rPr lang="zh-CN" altLang="zh-CN" sz="1200">
+                <a:solidFill>
+                  <a:srgbClr val="000000"/>
+                </a:solidFill>
+                <a:latin typeface="Lucida Console" panose="020B0609040504020204" pitchFamily="49" charset="0"/>
+              </a:rPr>
+              <a:t>用户 系统 </a:t>
+            </a:r>
+            <a:r>
+              <a:rPr lang="zh-CN" altLang="zh-CN" sz="1200" smtClean="0">
+                <a:solidFill>
+                  <a:srgbClr val="000000"/>
+                </a:solidFill>
+                <a:latin typeface="Lucida Console" panose="020B0609040504020204" pitchFamily="49" charset="0"/>
+              </a:rPr>
+              <a:t>流逝</a:t>
+            </a:r>
+            <a:endParaRPr lang="en-US" altLang="zh-CN" sz="1200" smtClean="0">
+              <a:solidFill>
+                <a:srgbClr val="000000"/>
+              </a:solidFill>
+              <a:latin typeface="Lucida Console" panose="020B0609040504020204" pitchFamily="49" charset="0"/>
+            </a:endParaRPr>
+          </a:p>
+          <a:p>
+            <a:pPr eaLnBrk="0" fontAlgn="base" hangingPunct="0">
+              <a:spcBef>
+                <a:spcPct val="0"/>
+              </a:spcBef>
+              <a:spcAft>
+                <a:spcPct val="0"/>
+              </a:spcAft>
+            </a:pPr>
+            <a:r>
+              <a:rPr lang="zh-CN" altLang="zh-CN" sz="1200" smtClean="0">
+                <a:solidFill>
+                  <a:srgbClr val="000000"/>
+                </a:solidFill>
+                <a:latin typeface="Lucida Console" panose="020B0609040504020204" pitchFamily="49" charset="0"/>
+              </a:rPr>
+              <a:t>0</a:t>
+            </a:r>
+            <a:r>
+              <a:rPr lang="zh-CN" altLang="zh-CN" sz="1200">
+                <a:solidFill>
+                  <a:srgbClr val="000000"/>
+                </a:solidFill>
+                <a:latin typeface="Lucida Console" panose="020B0609040504020204" pitchFamily="49" charset="0"/>
+              </a:rPr>
+              <a:t>.02 0.00 0.</a:t>
+            </a:r>
+            <a:r>
+              <a:rPr lang="zh-CN" altLang="zh-CN" sz="1200" smtClean="0">
+                <a:solidFill>
+                  <a:srgbClr val="000000"/>
+                </a:solidFill>
+                <a:latin typeface="Lucida Console" panose="020B0609040504020204" pitchFamily="49" charset="0"/>
+              </a:rPr>
+              <a:t>02</a:t>
+            </a:r>
+            <a:endParaRPr kumimoji="0" lang="zh-CN" altLang="zh-CN" sz="2800" b="0" i="0" u="none" strike="noStrike" cap="none" normalizeH="0" baseline="0" smtClean="0">
+              <a:ln>
+                <a:noFill/>
+              </a:ln>
+              <a:solidFill>
+                <a:schemeClr val="tx1"/>
+              </a:solidFill>
+              <a:effectLst/>
+              <a:latin typeface="Arial" panose="020B0604020202020204" pitchFamily="34" charset="0"/>
+            </a:endParaRPr>
+          </a:p>
+        </p:txBody>
+      </p:sp>
+      <p:sp>
+        <p:nvSpPr>
+          <p:cNvPr id="6" name="Rectangle 3"/>
+          <p:cNvSpPr>
+            <a:spLocks noChangeArrowheads="1"/>
+          </p:cNvSpPr>
+          <p:nvPr/>
+        </p:nvSpPr>
+        <p:spPr bwMode="auto">
+          <a:xfrm>
+            <a:off x="988419" y="3323159"/>
+            <a:ext cx="4090863" cy="738664"/>
+          </a:xfrm>
+          <a:prstGeom prst="rect">
+            <a:avLst/>
+          </a:prstGeom>
+          <a:solidFill>
+            <a:srgbClr val="FFFFFF"/>
+          </a:solidFill>
+          <a:ln>
+            <a:noFill/>
+          </a:ln>
+          <a:effectLst/>
+          <a:extLst>
+            <a:ext uri="{91240B29-F687-4F45-9708-019B960494DF}">
+              <a14:hiddenLine xmlns:a14="http://schemas.microsoft.com/office/drawing/2010/main" w="9525">
+                <a:solidFill>
+                  <a:schemeClr val="tx1"/>
+                </a:solidFill>
+                <a:miter lim="800000"/>
+                <a:headEnd/>
+                <a:tailEnd/>
+              </a14:hiddenLine>
+            </a:ext>
+            <a:ext uri="{AF507438-7753-43E0-B8FC-AC1667EBCBE1}">
+              <a14:hiddenEffects xmlns:a14="http://schemas.microsoft.com/office/drawing/2010/main">
+                <a:effectLst>
+                  <a:outerShdw dist="35921" dir="2700000" algn="ctr" rotWithShape="0">
+                    <a:schemeClr val="bg2"/>
+                  </a:outerShdw>
+                </a:effectLst>
+              </a14:hiddenEffects>
+            </a:ext>
+          </a:extLst>
+        </p:spPr>
+        <p:txBody>
+          <a:bodyPr vert="horz" wrap="none" lIns="0" tIns="0" rIns="0" bIns="0" numCol="1" anchor="ctr" anchorCtr="0" compatLnSpc="1">
+            <a:prstTxWarp prst="textNoShape">
+              <a:avLst/>
+            </a:prstTxWarp>
+            <a:spAutoFit/>
+          </a:bodyPr>
+          <a:lstStyle/>
+          <a:p>
+            <a:pPr marL="0" marR="0" lvl="0" indent="0" algn="l" defTabSz="914400" rtl="0" eaLnBrk="0" fontAlgn="base" latinLnBrk="0" hangingPunct="0">
+              <a:lnSpc>
+                <a:spcPct val="100000"/>
+              </a:lnSpc>
+              <a:spcBef>
+                <a:spcPct val="0"/>
+              </a:spcBef>
+              <a:spcAft>
+                <a:spcPct val="0"/>
+              </a:spcAft>
+              <a:buClrTx/>
+              <a:buSzTx/>
+              <a:buFontTx/>
+              <a:buNone/>
+              <a:tabLst/>
+            </a:pPr>
+            <a:r>
+              <a:rPr kumimoji="0" lang="zh-CN" altLang="zh-CN" sz="1200" b="0" i="0" u="none" strike="noStrike" cap="none" normalizeH="0" baseline="0" smtClean="0">
+                <a:ln>
+                  <a:noFill/>
+                </a:ln>
+                <a:solidFill>
+                  <a:srgbClr val="0000FF"/>
+                </a:solidFill>
+                <a:effectLst/>
+                <a:latin typeface="Lucida Console" panose="020B0609040504020204" pitchFamily="49" charset="0"/>
+              </a:rPr>
+              <a:t>&gt; library(parallel) </a:t>
+            </a:r>
+            <a:endParaRPr kumimoji="0" lang="en-US" altLang="zh-CN" sz="1200" b="0" i="0" u="none" strike="noStrike" cap="none" normalizeH="0" baseline="0" smtClean="0">
+              <a:ln>
+                <a:noFill/>
+              </a:ln>
+              <a:solidFill>
+                <a:srgbClr val="0000FF"/>
+              </a:solidFill>
+              <a:effectLst/>
+              <a:latin typeface="Lucida Console" panose="020B0609040504020204" pitchFamily="49" charset="0"/>
+            </a:endParaRPr>
+          </a:p>
+          <a:p>
+            <a:pPr marL="0" marR="0" lvl="0" indent="0" algn="l" defTabSz="914400" rtl="0" eaLnBrk="0" fontAlgn="base" latinLnBrk="0" hangingPunct="0">
+              <a:lnSpc>
+                <a:spcPct val="100000"/>
+              </a:lnSpc>
+              <a:spcBef>
+                <a:spcPct val="0"/>
+              </a:spcBef>
+              <a:spcAft>
+                <a:spcPct val="0"/>
+              </a:spcAft>
+              <a:buClrTx/>
+              <a:buSzTx/>
+              <a:buFontTx/>
+              <a:buNone/>
+              <a:tabLst/>
+            </a:pPr>
+            <a:r>
+              <a:rPr kumimoji="0" lang="zh-CN" altLang="zh-CN" sz="1200" b="0" i="0" u="none" strike="noStrike" cap="none" normalizeH="0" baseline="0" smtClean="0">
+                <a:ln>
+                  <a:noFill/>
+                </a:ln>
+                <a:solidFill>
+                  <a:srgbClr val="0000FF"/>
+                </a:solidFill>
+                <a:effectLst/>
+                <a:latin typeface="Lucida Console" panose="020B0609040504020204" pitchFamily="49" charset="0"/>
+              </a:rPr>
+              <a:t>&gt; cores&lt;-detectCores() </a:t>
+            </a:r>
+            <a:endParaRPr kumimoji="0" lang="en-US" altLang="zh-CN" sz="1200" b="0" i="0" u="none" strike="noStrike" cap="none" normalizeH="0" baseline="0" smtClean="0">
+              <a:ln>
+                <a:noFill/>
+              </a:ln>
+              <a:solidFill>
+                <a:srgbClr val="0000FF"/>
+              </a:solidFill>
+              <a:effectLst/>
+              <a:latin typeface="Lucida Console" panose="020B0609040504020204" pitchFamily="49" charset="0"/>
+            </a:endParaRPr>
+          </a:p>
+          <a:p>
+            <a:pPr marL="0" marR="0" lvl="0" indent="0" algn="l" defTabSz="914400" rtl="0" eaLnBrk="0" fontAlgn="base" latinLnBrk="0" hangingPunct="0">
+              <a:lnSpc>
+                <a:spcPct val="100000"/>
+              </a:lnSpc>
+              <a:spcBef>
+                <a:spcPct val="0"/>
+              </a:spcBef>
+              <a:spcAft>
+                <a:spcPct val="0"/>
+              </a:spcAft>
+              <a:buClrTx/>
+              <a:buSzTx/>
+              <a:buFontTx/>
+              <a:buNone/>
+              <a:tabLst/>
+            </a:pPr>
+            <a:r>
+              <a:rPr kumimoji="0" lang="zh-CN" altLang="zh-CN" sz="1200" b="0" i="0" u="none" strike="noStrike" cap="none" normalizeH="0" baseline="0" smtClean="0">
+                <a:ln>
+                  <a:noFill/>
+                </a:ln>
+                <a:solidFill>
+                  <a:srgbClr val="0000FF"/>
+                </a:solidFill>
+                <a:effectLst/>
+                <a:latin typeface="Lucida Console" panose="020B0609040504020204" pitchFamily="49" charset="0"/>
+              </a:rPr>
+              <a:t>&gt; cluster_p&lt;-makePSOCKcluster(cores) </a:t>
+            </a:r>
+            <a:endParaRPr kumimoji="0" lang="en-US" altLang="zh-CN" sz="1200" b="0" i="0" u="none" strike="noStrike" cap="none" normalizeH="0" baseline="0" smtClean="0">
+              <a:ln>
+                <a:noFill/>
+              </a:ln>
+              <a:solidFill>
+                <a:srgbClr val="0000FF"/>
+              </a:solidFill>
+              <a:effectLst/>
+              <a:latin typeface="Lucida Console" panose="020B0609040504020204" pitchFamily="49" charset="0"/>
+            </a:endParaRPr>
+          </a:p>
+          <a:p>
+            <a:pPr marL="0" marR="0" lvl="0" indent="0" algn="l" defTabSz="914400" rtl="0" eaLnBrk="0" fontAlgn="base" latinLnBrk="0" hangingPunct="0">
+              <a:lnSpc>
+                <a:spcPct val="100000"/>
+              </a:lnSpc>
+              <a:spcBef>
+                <a:spcPct val="0"/>
+              </a:spcBef>
+              <a:spcAft>
+                <a:spcPct val="0"/>
+              </a:spcAft>
+              <a:buClrTx/>
+              <a:buSzTx/>
+              <a:buFontTx/>
+              <a:buNone/>
+              <a:tabLst/>
+            </a:pPr>
+            <a:r>
+              <a:rPr kumimoji="0" lang="zh-CN" altLang="zh-CN" sz="1200" b="0" i="0" u="none" strike="noStrike" cap="none" normalizeH="0" baseline="0" smtClean="0">
+                <a:ln>
+                  <a:noFill/>
+                </a:ln>
+                <a:solidFill>
+                  <a:srgbClr val="0000FF"/>
+                </a:solidFill>
+                <a:effectLst/>
+                <a:latin typeface="Lucida Console" panose="020B0609040504020204" pitchFamily="49" charset="0"/>
+              </a:rPr>
+              <a:t>&gt; tes4[]&lt;-parSapply(cluster,tes,missing_fix)</a:t>
+            </a:r>
+            <a:endParaRPr kumimoji="0" lang="zh-CN" altLang="zh-CN" sz="2800" b="0" i="0" u="none" strike="noStrike" cap="none" normalizeH="0" baseline="0" smtClean="0">
+              <a:ln>
+                <a:noFill/>
+              </a:ln>
+              <a:solidFill>
+                <a:schemeClr val="tx1"/>
+              </a:solidFill>
+              <a:effectLst/>
+              <a:latin typeface="Arial" panose="020B0604020202020204" pitchFamily="34" charset="0"/>
+            </a:endParaRPr>
+          </a:p>
+        </p:txBody>
+      </p:sp>
+      <p:sp>
+        <p:nvSpPr>
+          <p:cNvPr id="7" name="文本框 6"/>
+          <p:cNvSpPr txBox="1"/>
+          <p:nvPr/>
+        </p:nvSpPr>
+        <p:spPr>
+          <a:xfrm>
+            <a:off x="5450205" y="3303636"/>
+            <a:ext cx="3724096" cy="847220"/>
+          </a:xfrm>
+          <a:prstGeom prst="rect">
+            <a:avLst/>
+          </a:prstGeom>
+          <a:noFill/>
+        </p:spPr>
+        <p:txBody>
+          <a:bodyPr wrap="none" rtlCol="0">
+            <a:spAutoFit/>
+          </a:bodyPr>
+          <a:lstStyle/>
+          <a:p>
+            <a:pPr>
+              <a:lnSpc>
+                <a:spcPct val="120000"/>
+              </a:lnSpc>
+            </a:pPr>
+            <a:r>
+              <a:rPr lang="zh-CN" altLang="en-US" sz="1400" smtClean="0"/>
+              <a:t>取出计算机</a:t>
+            </a:r>
+            <a:r>
+              <a:rPr lang="en-US" altLang="zh-CN" sz="1400" smtClean="0"/>
+              <a:t>CPU</a:t>
+            </a:r>
+            <a:r>
+              <a:rPr lang="zh-CN" altLang="en-US" sz="1400" smtClean="0"/>
+              <a:t>核数量</a:t>
+            </a:r>
+            <a:endParaRPr lang="en-US" altLang="zh-CN" sz="1400" smtClean="0"/>
+          </a:p>
+          <a:p>
+            <a:pPr>
+              <a:lnSpc>
+                <a:spcPct val="120000"/>
+              </a:lnSpc>
+            </a:pPr>
+            <a:r>
+              <a:rPr lang="zh-CN" altLang="en-US" sz="1400" smtClean="0"/>
+              <a:t>建立一个局域集群</a:t>
+            </a:r>
+            <a:endParaRPr lang="en-US" altLang="zh-CN" sz="1400" smtClean="0"/>
+          </a:p>
+          <a:p>
+            <a:pPr>
+              <a:lnSpc>
+                <a:spcPct val="120000"/>
+              </a:lnSpc>
+            </a:pPr>
+            <a:r>
+              <a:rPr lang="zh-CN" altLang="en-US" sz="1400" smtClean="0"/>
+              <a:t>用并行化</a:t>
+            </a:r>
+            <a:r>
+              <a:rPr lang="en-US" altLang="zh-CN" sz="1400" err="1" smtClean="0"/>
+              <a:t>parSapply</a:t>
+            </a:r>
+            <a:r>
+              <a:rPr lang="zh-CN" altLang="en-US" sz="1400" smtClean="0"/>
+              <a:t>加入集群，取代</a:t>
+            </a:r>
+            <a:r>
+              <a:rPr lang="en-US" altLang="zh-CN" sz="1400" err="1" smtClean="0"/>
+              <a:t>Sapply</a:t>
+            </a:r>
+            <a:r>
+              <a:rPr lang="zh-CN" altLang="en-US" sz="1400" smtClean="0"/>
+              <a:t>函数</a:t>
+            </a:r>
+            <a:endParaRPr lang="zh-CN" altLang="en-US" sz="1400"/>
+          </a:p>
+        </p:txBody>
+      </p:sp>
+    </p:spTree>
+    <p:extLst>
+      <p:ext uri="{BB962C8B-B14F-4D97-AF65-F5344CB8AC3E}">
+        <p14:creationId xmlns:p14="http://schemas.microsoft.com/office/powerpoint/2010/main" val="3063063921"/>
+      </p:ext>
+    </p:extLst>
+  </p:cSld>
+  <p:clrMapOvr>
+    <a:masterClrMapping/>
+  </p:clrMapOvr>
+</p:sld>
+</file>
+
+<file path=ppt/slides/slide18.xml><?xml version="1.0" encoding="utf-8"?>
+<p:sld xmlns:a="http://schemas.openxmlformats.org/drawingml/2006/main" xmlns:r="http://schemas.openxmlformats.org/officeDocument/2006/relationships" xmlns:p="http://schemas.openxmlformats.org/presentationml/2006/main">
+  <p:cSld>
+    <p:spTree>
+      <p:nvGrpSpPr>
+        <p:cNvPr id="1" name=""/>
+        <p:cNvGrpSpPr/>
+        <p:nvPr/>
+      </p:nvGrpSpPr>
+      <p:grpSpPr>
+        <a:xfrm>
+          <a:off x="0" y="0"/>
+          <a:ext cx="0" cy="0"/>
+          <a:chOff x="0" y="0"/>
+          <a:chExt cx="0" cy="0"/>
+        </a:xfrm>
+      </p:grpSpPr>
+      <p:sp>
+        <p:nvSpPr>
+          <p:cNvPr id="2" name="标题 1"/>
+          <p:cNvSpPr>
+            <a:spLocks noGrp="1"/>
+          </p:cNvSpPr>
+          <p:nvPr>
+            <p:ph type="title"/>
+          </p:nvPr>
+        </p:nvSpPr>
+        <p:spPr/>
+        <p:txBody>
+          <a:bodyPr/>
+          <a:lstStyle/>
+          <a:p>
+            <a:r>
+              <a:rPr lang="zh-CN" altLang="en-US" smtClean="0"/>
+              <a:t>工具包的制作</a:t>
+            </a:r>
+            <a:endParaRPr lang="zh-CN" altLang="en-US"/>
+          </a:p>
+        </p:txBody>
+      </p:sp>
+      <p:sp>
+        <p:nvSpPr>
+          <p:cNvPr id="3" name="内容占位符 2"/>
+          <p:cNvSpPr>
+            <a:spLocks noGrp="1"/>
+          </p:cNvSpPr>
+          <p:nvPr>
+            <p:ph idx="1"/>
+          </p:nvPr>
+        </p:nvSpPr>
+        <p:spPr/>
+        <p:txBody>
+          <a:bodyPr/>
+          <a:lstStyle/>
+          <a:p>
+            <a:r>
+              <a:rPr lang="en-US" altLang="zh-CN" smtClean="0"/>
+              <a:t>R</a:t>
+            </a:r>
+            <a:r>
+              <a:rPr lang="zh-CN" altLang="en-US" smtClean="0"/>
+              <a:t>制作好的函数和数据可以做成工具包</a:t>
+            </a:r>
+            <a:r>
+              <a:rPr lang="en-US" altLang="zh-CN" smtClean="0"/>
+              <a:t>package</a:t>
+            </a:r>
+            <a:r>
+              <a:rPr lang="zh-CN" altLang="en-US" smtClean="0"/>
+              <a:t>，以动态加载到环境当中使用。</a:t>
+            </a:r>
+            <a:endParaRPr lang="en-US" altLang="zh-CN" smtClean="0"/>
+          </a:p>
+          <a:p>
+            <a:r>
+              <a:rPr lang="zh-CN" altLang="en-US" smtClean="0"/>
+              <a:t>制作</a:t>
+            </a:r>
+            <a:r>
+              <a:rPr lang="en-US" altLang="zh-CN" smtClean="0"/>
+              <a:t>R</a:t>
+            </a:r>
+            <a:r>
+              <a:rPr lang="zh-CN" altLang="en-US" smtClean="0"/>
+              <a:t>包的基础工具是</a:t>
+            </a:r>
+            <a:r>
+              <a:rPr lang="en-US" altLang="zh-CN"/>
+              <a:t>Rtools</a:t>
+            </a:r>
+            <a:r>
+              <a:rPr lang="en-US" altLang="zh-CN" smtClean="0"/>
+              <a:t>:  </a:t>
+            </a:r>
+            <a:r>
+              <a:rPr lang="en-US" altLang="zh-CN" smtClean="0">
+                <a:hlinkClick r:id="rId2"/>
+              </a:rPr>
+              <a:t>https</a:t>
+            </a:r>
+            <a:r>
+              <a:rPr lang="en-US" altLang="zh-CN">
+                <a:hlinkClick r:id="rId2"/>
+              </a:rPr>
+              <a:t>://cran.r-project.org/bin/windows/Rtools</a:t>
+            </a:r>
+            <a:r>
+              <a:rPr lang="en-US" altLang="zh-CN" smtClean="0">
+                <a:hlinkClick r:id="rId2"/>
+              </a:rPr>
+              <a:t>/</a:t>
+            </a:r>
+            <a:endParaRPr lang="en-US" altLang="zh-CN" smtClean="0"/>
+          </a:p>
+          <a:p>
+            <a:r>
+              <a:rPr lang="en-US" altLang="zh-CN" smtClean="0"/>
+              <a:t>Rstudio</a:t>
+            </a:r>
+            <a:r>
+              <a:rPr lang="zh-CN" altLang="en-US" smtClean="0"/>
+              <a:t>提供了简单的工具包制作方法，实质是将</a:t>
+            </a:r>
+            <a:r>
+              <a:rPr lang="en-US" altLang="zh-CN" smtClean="0"/>
+              <a:t>R</a:t>
+            </a:r>
+            <a:r>
+              <a:rPr lang="zh-CN" altLang="en-US" smtClean="0"/>
+              <a:t>制作包的过程进行了集成和图形交互改进。</a:t>
+            </a:r>
+            <a:endParaRPr lang="en-US" altLang="zh-CN" smtClean="0"/>
+          </a:p>
+          <a:p>
+            <a:pPr lvl="1"/>
+            <a:r>
+              <a:rPr lang="zh-CN" altLang="en-US" smtClean="0"/>
+              <a:t>在</a:t>
+            </a:r>
+            <a:r>
+              <a:rPr lang="en-US" altLang="zh-CN" smtClean="0"/>
+              <a:t>Rstudio</a:t>
+            </a:r>
+            <a:r>
+              <a:rPr lang="zh-CN" altLang="en-US" smtClean="0"/>
+              <a:t>中建立一个新的</a:t>
+            </a:r>
+            <a:r>
+              <a:rPr lang="en-US" altLang="zh-CN" smtClean="0"/>
+              <a:t>project</a:t>
+            </a:r>
+            <a:r>
+              <a:rPr lang="zh-CN" altLang="en-US" smtClean="0"/>
+              <a:t>，为其命名（如：</a:t>
+            </a:r>
+            <a:r>
+              <a:rPr lang="en-US" altLang="zh-CN" smtClean="0"/>
+              <a:t>project1</a:t>
+            </a:r>
+            <a:r>
+              <a:rPr lang="zh-CN" altLang="en-US" smtClean="0"/>
+              <a:t>）选择制作</a:t>
+            </a:r>
+            <a:r>
+              <a:rPr lang="en-US" altLang="zh-CN" smtClean="0"/>
+              <a:t>package</a:t>
+            </a:r>
+            <a:r>
+              <a:rPr lang="zh-CN" altLang="en-US" smtClean="0"/>
+              <a:t>；</a:t>
+            </a:r>
+            <a:endParaRPr lang="en-US" altLang="zh-CN" smtClean="0"/>
+          </a:p>
+          <a:p>
+            <a:pPr lvl="1"/>
+            <a:r>
+              <a:rPr lang="zh-CN" altLang="en-US" smtClean="0"/>
+              <a:t>将你要做进包里的函数和数据调入这个</a:t>
+            </a:r>
+            <a:r>
+              <a:rPr lang="en-US" altLang="zh-CN" smtClean="0"/>
+              <a:t>project</a:t>
+            </a:r>
+            <a:r>
+              <a:rPr lang="zh-CN" altLang="en-US" smtClean="0"/>
+              <a:t>，然后进入</a:t>
+            </a:r>
+            <a:r>
+              <a:rPr lang="en-US" altLang="zh-CN" smtClean="0"/>
+              <a:t>project</a:t>
+            </a:r>
+            <a:r>
+              <a:rPr lang="zh-CN" altLang="en-US" smtClean="0"/>
+              <a:t>的环境进行调试；</a:t>
+            </a:r>
+            <a:endParaRPr lang="en-US" altLang="zh-CN" smtClean="0"/>
+          </a:p>
+          <a:p>
+            <a:pPr lvl="1"/>
+            <a:r>
+              <a:rPr lang="zh-CN" altLang="en-US" smtClean="0"/>
+              <a:t>选择</a:t>
+            </a:r>
+            <a:r>
+              <a:rPr lang="en-US" altLang="zh-CN" smtClean="0"/>
+              <a:t>Build &amp; Reload</a:t>
+            </a:r>
+            <a:r>
+              <a:rPr lang="zh-CN" altLang="en-US" smtClean="0"/>
+              <a:t>，进入调试状态，此时可以对调入的函数代码进行测试和修改；</a:t>
+            </a:r>
+            <a:endParaRPr lang="en-US" altLang="zh-CN" smtClean="0"/>
+          </a:p>
+          <a:p>
+            <a:pPr lvl="1"/>
+            <a:r>
+              <a:rPr lang="en-US" altLang="zh-CN" smtClean="0"/>
+              <a:t>Check</a:t>
+            </a:r>
+            <a:endParaRPr lang="en-US" altLang="zh-CN"/>
+          </a:p>
+          <a:p>
+            <a:pPr lvl="1"/>
+            <a:r>
+              <a:rPr lang="en-US" altLang="zh-CN" smtClean="0"/>
+              <a:t>Build Banary Package</a:t>
+            </a:r>
+          </a:p>
+          <a:p>
+            <a:pPr lvl="1"/>
+            <a:r>
+              <a:rPr lang="zh-CN" altLang="en-US" smtClean="0"/>
+              <a:t>到制定目录（默认在工作目录</a:t>
+            </a:r>
+            <a:r>
+              <a:rPr lang="en-US" altLang="zh-CN" smtClean="0"/>
+              <a:t>\practice\</a:t>
+            </a:r>
+            <a:r>
+              <a:rPr lang="zh-CN" altLang="en-US" smtClean="0"/>
+              <a:t>）找做好的</a:t>
+            </a:r>
+            <a:r>
+              <a:rPr lang="en-US" altLang="zh-CN" smtClean="0"/>
+              <a:t>package</a:t>
+            </a:r>
+            <a:r>
+              <a:rPr lang="zh-CN" altLang="en-US" smtClean="0"/>
+              <a:t>，即一个叫</a:t>
+            </a:r>
+            <a:r>
+              <a:rPr lang="en-US" altLang="zh-CN" smtClean="0"/>
+              <a:t>project1_0.1.1</a:t>
+            </a:r>
+            <a:r>
+              <a:rPr lang="zh-CN" altLang="en-US" smtClean="0"/>
+              <a:t>的压缩包</a:t>
+            </a:r>
             <a:endParaRPr lang="zh-CN" altLang="en-US"/>
           </a:p>
         </p:txBody>
@@ -7843,7 +10210,7 @@
         </p:nvSpPr>
         <p:spPr>
           <a:xfrm>
-            <a:off x="8262796" y="2729773"/>
+            <a:off x="4672103" y="2885890"/>
             <a:ext cx="3561030" cy="2462213"/>
           </a:xfrm>
           <a:prstGeom prst="rect">
@@ -7857,7 +10224,7 @@
           <a:lstStyle/>
           <a:p>
             <a:r>
-              <a:rPr lang="zh-CN" altLang="en-US" sz="1400">
+              <a:rPr lang="zh-CN" altLang="en-US" sz="1400" dirty="0">
                 <a:solidFill>
                   <a:srgbClr val="0000FF"/>
                 </a:solidFill>
@@ -7868,7 +10235,7 @@
           </a:p>
           <a:p>
             <a:r>
-              <a:rPr lang="zh-CN" altLang="en-US" sz="1400">
+              <a:rPr lang="zh-CN" altLang="en-US" sz="1400" dirty="0">
                 <a:solidFill>
                   <a:srgbClr val="0000FF"/>
                 </a:solidFill>
@@ -7879,7 +10246,7 @@
           </a:p>
           <a:p>
             <a:r>
-              <a:rPr lang="zh-CN" altLang="en-US" sz="1400">
+              <a:rPr lang="zh-CN" altLang="en-US" sz="1400" dirty="0">
                 <a:solidFill>
                   <a:srgbClr val="0000FF"/>
                 </a:solidFill>
@@ -7890,7 +10257,7 @@
           </a:p>
           <a:p>
             <a:r>
-              <a:rPr lang="zh-CN" altLang="en-US" sz="1400">
+              <a:rPr lang="zh-CN" altLang="en-US" sz="1400" dirty="0">
                 <a:solidFill>
                   <a:srgbClr val="0000FF"/>
                 </a:solidFill>
@@ -7901,7 +10268,7 @@
           </a:p>
           <a:p>
             <a:r>
-              <a:rPr lang="zh-CN" altLang="en-US" sz="1400">
+              <a:rPr lang="zh-CN" altLang="en-US" sz="1400" dirty="0">
                 <a:solidFill>
                   <a:srgbClr val="0000FF"/>
                 </a:solidFill>
@@ -7912,7 +10279,7 @@
           </a:p>
           <a:p>
             <a:r>
-              <a:rPr lang="zh-CN" altLang="en-US" sz="1400">
+              <a:rPr lang="zh-CN" altLang="en-US" sz="1400" dirty="0">
                 <a:solidFill>
                   <a:srgbClr val="0000FF"/>
                 </a:solidFill>
@@ -7923,7 +10290,7 @@
           </a:p>
           <a:p>
             <a:r>
-              <a:rPr lang="zh-CN" altLang="en-US" sz="1400">
+              <a:rPr lang="zh-CN" altLang="en-US" sz="1400" dirty="0">
                 <a:solidFill>
                   <a:srgbClr val="0000FF"/>
                 </a:solidFill>
@@ -7934,7 +10301,7 @@
           </a:p>
           <a:p>
             <a:r>
-              <a:rPr lang="zh-CN" altLang="en-US" sz="1400">
+              <a:rPr lang="zh-CN" altLang="en-US" sz="1400" dirty="0">
                 <a:solidFill>
                   <a:srgbClr val="0000FF"/>
                 </a:solidFill>
@@ -7945,7 +10312,7 @@
           </a:p>
           <a:p>
             <a:r>
-              <a:rPr lang="zh-CN" altLang="en-US" sz="1400">
+              <a:rPr lang="zh-CN" altLang="en-US" sz="1400" dirty="0">
                 <a:solidFill>
                   <a:srgbClr val="0000FF"/>
                 </a:solidFill>
@@ -7956,7 +10323,7 @@
           </a:p>
           <a:p>
             <a:r>
-              <a:rPr lang="zh-CN" altLang="en-US" sz="1400">
+              <a:rPr lang="zh-CN" altLang="en-US" sz="1400" dirty="0">
                 <a:solidFill>
                   <a:srgbClr val="0000FF"/>
                 </a:solidFill>
@@ -7967,7 +10334,7 @@
           </a:p>
           <a:p>
             <a:r>
-              <a:rPr lang="zh-CN" altLang="en-US" sz="1400">
+              <a:rPr lang="zh-CN" altLang="en-US" sz="1400" dirty="0">
                 <a:solidFill>
                   <a:srgbClr val="0000FF"/>
                 </a:solidFill>
@@ -9040,18 +11407,10 @@
           <a:lstStyle/>
           <a:p>
             <a:r>
-              <a:rPr lang="zh-CN" altLang="en-US" sz="4000" smtClean="0"/>
-              <a:t>特殊函数</a:t>
-            </a:r>
-            <a:r>
-              <a:rPr lang="en-US" altLang="zh-CN" sz="4000" smtClean="0"/>
-              <a:t>-</a:t>
-            </a:r>
-            <a:r>
-              <a:rPr lang="zh-CN" altLang="en-US" sz="4000" smtClean="0"/>
-              <a:t>中缀函数</a:t>
-            </a:r>
-            <a:endParaRPr lang="zh-CN" altLang="en-US" sz="4000"/>
+              <a:rPr lang="zh-CN" altLang="en-US" sz="3200" smtClean="0"/>
+              <a:t>向量化</a:t>
+            </a:r>
+            <a:endParaRPr lang="zh-CN" altLang="en-US" sz="3200"/>
           </a:p>
         </p:txBody>
       </p:sp>
@@ -9071,50 +11430,62 @@
           <a:lstStyle/>
           <a:p>
             <a:r>
-              <a:rPr lang="zh-CN" altLang="en-US" smtClean="0"/>
-              <a:t>中缀函数是函数调用的一种特殊形式，</a:t>
-            </a:r>
-            <a:r>
-              <a:rPr lang="zh-CN" altLang="en-US"/>
-              <a:t>以加号</a:t>
-            </a:r>
-            <a:r>
-              <a:rPr lang="en-US" altLang="zh-CN"/>
-              <a:t>+</a:t>
-            </a:r>
-            <a:r>
-              <a:rPr lang="zh-CN" altLang="en-US"/>
-              <a:t>为</a:t>
-            </a:r>
-            <a:r>
-              <a:rPr lang="zh-CN" altLang="en-US" smtClean="0"/>
-              <a:t>例：</a:t>
-            </a:r>
-            <a:endParaRPr lang="en-US" altLang="zh-CN" smtClean="0"/>
-          </a:p>
-          <a:p>
-            <a:endParaRPr lang="en-US" altLang="zh-CN"/>
-          </a:p>
-          <a:p>
-            <a:r>
-              <a:rPr lang="zh-CN" altLang="en-US" smtClean="0"/>
-              <a:t>这个加号也等价于前缀方式的调用，只是出现形式要加引号说明：</a:t>
-            </a:r>
-            <a:endParaRPr lang="en-US" altLang="zh-CN" smtClean="0"/>
-          </a:p>
-          <a:p>
-            <a:endParaRPr lang="en-US" altLang="zh-CN"/>
-          </a:p>
-          <a:p>
-            <a:r>
-              <a:rPr lang="zh-CN" altLang="en-US" smtClean="0"/>
-              <a:t>如何制作自己的中缀函数，其实跟前缀函数创造的方式一样，例如创造运算符号</a:t>
-            </a:r>
-            <a:r>
-              <a:rPr lang="en-US" altLang="zh-CN" smtClean="0"/>
-              <a:t>%^_^%     </a:t>
-            </a:r>
-            <a:endParaRPr lang="zh-CN" altLang="en-US"/>
+              <a:rPr lang="zh-CN" altLang="en-US" dirty="0" smtClean="0"/>
+              <a:t>函数的方便之在于能够给对数据的某种操作一个明确的表达，由此也引出现代数据编程操作中的一个重要思维方式：向量化</a:t>
+            </a:r>
+            <a:endParaRPr lang="en-US" altLang="zh-CN" dirty="0" smtClean="0"/>
+          </a:p>
+          <a:p>
+            <a:r>
+              <a:rPr lang="en-US" altLang="zh-CN" dirty="0" smtClean="0"/>
+              <a:t>R</a:t>
+            </a:r>
+            <a:r>
+              <a:rPr lang="zh-CN" altLang="en-US" dirty="0" smtClean="0"/>
+              <a:t>继承了这一能力，可以将多个数据通过</a:t>
+            </a:r>
+            <a:r>
+              <a:rPr lang="en-US" altLang="zh-CN" dirty="0" smtClean="0"/>
+              <a:t>c() </a:t>
+            </a:r>
+            <a:r>
+              <a:rPr lang="zh-CN" altLang="en-US" dirty="0" smtClean="0"/>
+              <a:t>组合成向量后让函数计算。</a:t>
+            </a:r>
+            <a:endParaRPr lang="en-US" altLang="zh-CN" dirty="0" smtClean="0"/>
+          </a:p>
+          <a:p>
+            <a:r>
+              <a:rPr lang="zh-CN" altLang="en-US" dirty="0" smtClean="0"/>
+              <a:t>如：做一个函数</a:t>
+            </a:r>
+            <a:r>
+              <a:rPr lang="en-US" altLang="zh-CN" dirty="0" smtClean="0"/>
+              <a:t>f</a:t>
+            </a:r>
+          </a:p>
+          <a:p>
+            <a:endParaRPr lang="en-US" altLang="zh-CN" dirty="0"/>
+          </a:p>
+          <a:p>
+            <a:r>
+              <a:rPr lang="zh-CN" altLang="en-US" dirty="0" smtClean="0"/>
+              <a:t>简单的调用：</a:t>
+            </a:r>
+            <a:endParaRPr lang="en-US" altLang="zh-CN" dirty="0" smtClean="0"/>
+          </a:p>
+          <a:p>
+            <a:endParaRPr lang="en-US" altLang="zh-CN" dirty="0" smtClean="0"/>
+          </a:p>
+          <a:p>
+            <a:r>
+              <a:rPr lang="zh-CN" altLang="en-US" dirty="0" smtClean="0"/>
+              <a:t>向量化调用：</a:t>
+            </a:r>
+            <a:endParaRPr lang="en-US" altLang="zh-CN" dirty="0" smtClean="0"/>
+          </a:p>
+          <a:p>
+            <a:endParaRPr lang="en-US" altLang="zh-CN" dirty="0" smtClean="0"/>
           </a:p>
         </p:txBody>
       </p:sp>
@@ -9128,8 +11499,8 @@
         </p:nvSpPr>
         <p:spPr bwMode="auto">
           <a:xfrm>
-            <a:off x="1240324" y="2231256"/>
-            <a:ext cx="644407" cy="430887"/>
+            <a:off x="1097280" y="3426527"/>
+            <a:ext cx="1611018" cy="430887"/>
           </a:xfrm>
           <a:prstGeom prst="rect">
             <a:avLst/>
@@ -9199,33 +11570,7 @@
                 <a:effectLst/>
                 <a:latin typeface="Lucida Console" panose="020B0609040504020204" pitchFamily="49" charset="0"/>
               </a:rPr>
-              <a:t>&gt; 1</a:t>
-            </a:r>
-            <a:r>
-              <a:rPr kumimoji="0" lang="zh-CN" altLang="zh-CN" sz="1400" b="0" i="0" u="none" strike="noStrike" cap="none" normalizeH="0" baseline="0" smtClean="0">
-                <a:ln>
-                  <a:noFill/>
-                </a:ln>
-                <a:solidFill>
-                  <a:srgbClr val="0000FF"/>
-                </a:solidFill>
-                <a:effectLst/>
-                <a:latin typeface="Lucida Console" panose="020B0609040504020204" pitchFamily="49" charset="0"/>
-              </a:rPr>
-              <a:t>+</a:t>
-            </a:r>
-            <a:r>
-              <a:rPr kumimoji="0" lang="zh-CN" altLang="zh-CN" sz="1400" b="0" i="0" u="none" strike="noStrike" cap="none" normalizeH="0" baseline="0" smtClean="0">
-                <a:ln>
-                  <a:noFill/>
-                </a:ln>
-                <a:solidFill>
-                  <a:srgbClr val="0000FF"/>
-                </a:solidFill>
-                <a:effectLst/>
-                <a:latin typeface="Lucida Console" panose="020B0609040504020204" pitchFamily="49" charset="0"/>
-              </a:rPr>
-              <a:t>2 </a:t>
+              <a:t>&gt; f </a:t>
             </a:r>
             <a:endParaRPr kumimoji="0" lang="en-US" altLang="zh-CN" sz="1400" b="0" i="0" u="none" strike="noStrike" cap="none" normalizeH="0" baseline="0" smtClean="0">
               <a:ln>
@@ -9266,20 +11611,7 @@
                 <a:effectLst/>
                 <a:latin typeface="Lucida Console" panose="020B0609040504020204" pitchFamily="49" charset="0"/>
               </a:rPr>
-              <a:t>[</a:t>
-            </a:r>
-            <a:r>
-              <a:rPr kumimoji="0" lang="zh-CN" altLang="zh-CN" sz="1400" b="0" i="0" u="none" strike="noStrike" cap="none" normalizeH="0" baseline="0" smtClean="0">
-                <a:ln>
-                  <a:noFill/>
-                </a:ln>
-                <a:solidFill>
-                  <a:srgbClr val="000000"/>
-                </a:solidFill>
-                <a:effectLst/>
-                <a:latin typeface="Lucida Console" panose="020B0609040504020204" pitchFamily="49" charset="0"/>
-              </a:rPr>
-              <a:t>1] 3</a:t>
+              <a:t>function(x) x+2</a:t>
             </a:r>
             <a:endParaRPr kumimoji="0" lang="zh-CN" altLang="zh-CN" sz="3200" b="0" i="0" u="none" strike="noStrike" cap="none" normalizeH="0" baseline="0" smtClean="0">
               <a:ln>
@@ -9304,8 +11636,8 @@
         </p:nvSpPr>
         <p:spPr bwMode="auto">
           <a:xfrm>
-            <a:off x="1294024" y="3170141"/>
-            <a:ext cx="1181414" cy="430887"/>
+            <a:off x="1097280" y="4309256"/>
+            <a:ext cx="650819" cy="369332"/>
           </a:xfrm>
           <a:prstGeom prst="rect">
             <a:avLst/>
@@ -9365,7 +11697,7 @@
               <a:tabLst/>
             </a:pPr>
             <a:r>
-              <a:rPr kumimoji="0" lang="zh-CN" altLang="zh-CN" sz="1400" b="0" i="0" u="none" strike="noStrike" cap="none" normalizeH="0" baseline="0" smtClean="0">
+              <a:rPr kumimoji="0" lang="zh-CN" altLang="zh-CN" sz="1200" b="0" i="0" u="none" strike="noStrike" cap="none" normalizeH="0" baseline="0" smtClean="0">
                 <a:ln>
                   <a:noFill/>
                 </a:ln>
@@ -9375,35 +11707,9 @@
                 <a:effectLst/>
                 <a:latin typeface="Lucida Console" panose="020B0609040504020204" pitchFamily="49" charset="0"/>
               </a:rPr>
-              <a:t>&gt; "+"(</a:t>
-            </a:r>
-            <a:r>
-              <a:rPr kumimoji="0" lang="zh-CN" altLang="zh-CN" sz="1400" b="0" i="0" u="none" strike="noStrike" cap="none" normalizeH="0" baseline="0" smtClean="0">
-                <a:ln>
-                  <a:noFill/>
-                </a:ln>
-                <a:solidFill>
-                  <a:srgbClr val="0000FF"/>
-                </a:solidFill>
-                <a:effectLst/>
-                <a:latin typeface="Lucida Console" panose="020B0609040504020204" pitchFamily="49" charset="0"/>
-              </a:rPr>
-              <a:t>1,2</a:t>
-            </a:r>
-            <a:r>
-              <a:rPr kumimoji="0" lang="zh-CN" altLang="zh-CN" sz="1400" b="0" i="0" u="none" strike="noStrike" cap="none" normalizeH="0" baseline="0" smtClean="0">
-                <a:ln>
-                  <a:noFill/>
-                </a:ln>
-                <a:solidFill>
-                  <a:srgbClr val="0000FF"/>
-                </a:solidFill>
-                <a:effectLst/>
-                <a:latin typeface="Lucida Console" panose="020B0609040504020204" pitchFamily="49" charset="0"/>
-              </a:rPr>
-              <a:t>) </a:t>
-            </a:r>
-            <a:endParaRPr kumimoji="0" lang="en-US" altLang="zh-CN" sz="1400" b="0" i="0" u="none" strike="noStrike" cap="none" normalizeH="0" baseline="0" smtClean="0">
+              <a:t>&gt; f(3) </a:t>
+            </a:r>
+            <a:endParaRPr kumimoji="0" lang="en-US" altLang="zh-CN" sz="1200" b="0" i="0" u="none" strike="noStrike" cap="none" normalizeH="0" baseline="0" smtClean="0">
               <a:ln>
                 <a:noFill/>
               </a:ln>
@@ -9432,7 +11738,7 @@
               <a:tabLst/>
             </a:pPr>
             <a:r>
-              <a:rPr kumimoji="0" lang="zh-CN" altLang="zh-CN" sz="1400" b="0" i="0" u="none" strike="noStrike" cap="none" normalizeH="0" baseline="0" smtClean="0">
+              <a:rPr kumimoji="0" lang="zh-CN" altLang="zh-CN" sz="1200" b="0" i="0" u="none" strike="noStrike" cap="none" normalizeH="0" baseline="0" smtClean="0">
                 <a:ln>
                   <a:noFill/>
                 </a:ln>
@@ -9442,22 +11748,9 @@
                 <a:effectLst/>
                 <a:latin typeface="Lucida Console" panose="020B0609040504020204" pitchFamily="49" charset="0"/>
               </a:rPr>
-              <a:t>[</a:t>
-            </a:r>
-            <a:r>
-              <a:rPr kumimoji="0" lang="zh-CN" altLang="zh-CN" sz="1400" b="0" i="0" u="none" strike="noStrike" cap="none" normalizeH="0" baseline="0" smtClean="0">
-                <a:ln>
-                  <a:noFill/>
-                </a:ln>
-                <a:solidFill>
-                  <a:srgbClr val="000000"/>
-                </a:solidFill>
-                <a:effectLst/>
-                <a:latin typeface="Lucida Console" panose="020B0609040504020204" pitchFamily="49" charset="0"/>
-              </a:rPr>
-              <a:t>1] 3</a:t>
-            </a:r>
-            <a:endParaRPr kumimoji="0" lang="zh-CN" altLang="zh-CN" sz="3200" b="0" i="0" u="none" strike="noStrike" cap="none" normalizeH="0" baseline="0" smtClean="0">
+              <a:t>[1] 5</a:t>
+            </a:r>
+            <a:endParaRPr kumimoji="0" lang="zh-CN" altLang="zh-CN" sz="2800" b="0" i="0" u="none" strike="noStrike" cap="none" normalizeH="0" baseline="0" smtClean="0">
               <a:ln>
                 <a:noFill/>
               </a:ln>
@@ -9480,8 +11773,8 @@
         </p:nvSpPr>
         <p:spPr bwMode="auto">
           <a:xfrm>
-            <a:off x="1266774" y="4109026"/>
-            <a:ext cx="2417328" cy="1292662"/>
+            <a:off x="1097280" y="5253541"/>
+            <a:ext cx="1673535" cy="369332"/>
           </a:xfrm>
           <a:prstGeom prst="rect">
             <a:avLst/>
@@ -9551,33 +11844,7 @@
                 <a:effectLst/>
                 <a:latin typeface="Lucida Console" panose="020B0609040504020204" pitchFamily="49" charset="0"/>
               </a:rPr>
-              <a:t>&gt; "%^_^%"&lt;-</a:t>
-            </a:r>
-            <a:r>
-              <a:rPr kumimoji="0" lang="zh-CN" altLang="zh-CN" sz="1200" b="0" i="0" u="none" strike="noStrike" cap="none" normalizeH="0" baseline="0" smtClean="0">
-                <a:ln>
-                  <a:noFill/>
-                </a:ln>
-                <a:solidFill>
-                  <a:srgbClr val="0000FF"/>
-                </a:solidFill>
-                <a:effectLst/>
-                <a:latin typeface="Lucida Console" panose="020B0609040504020204" pitchFamily="49" charset="0"/>
-              </a:rPr>
-              <a:t>function(a,b</a:t>
-            </a:r>
-            <a:r>
-              <a:rPr kumimoji="0" lang="zh-CN" altLang="zh-CN" sz="1200" b="0" i="0" u="none" strike="noStrike" cap="none" normalizeH="0" baseline="0" smtClean="0">
-                <a:ln>
-                  <a:noFill/>
-                </a:ln>
-                <a:solidFill>
-                  <a:srgbClr val="0000FF"/>
-                </a:solidFill>
-                <a:effectLst/>
-                <a:latin typeface="Lucida Console" panose="020B0609040504020204" pitchFamily="49" charset="0"/>
-              </a:rPr>
-              <a:t>){ </a:t>
+              <a:t>&gt; f(c(1,3,5,7,9)) </a:t>
             </a:r>
             <a:endParaRPr kumimoji="0" lang="en-US" altLang="zh-CN" sz="1200" b="0" i="0" u="none" strike="noStrike" cap="none" normalizeH="0" baseline="0" smtClean="0">
               <a:ln>
@@ -9613,13 +11880,549 @@
                   <a:noFill/>
                 </a:ln>
                 <a:solidFill>
-                  <a:srgbClr val="0000FF"/>
+                  <a:srgbClr val="000000"/>
                 </a:solidFill>
                 <a:effectLst/>
                 <a:latin typeface="Lucida Console" panose="020B0609040504020204" pitchFamily="49" charset="0"/>
               </a:rPr>
-              <a:t>+ </a:t>
-            </a:r>
+              <a:t>[1] 3 5 7 9 11</a:t>
+            </a:r>
+            <a:endParaRPr kumimoji="0" lang="zh-CN" altLang="zh-CN" sz="2800" b="0" i="0" u="none" strike="noStrike" cap="none" normalizeH="0" baseline="0" smtClean="0">
+              <a:ln>
+                <a:noFill/>
+              </a:ln>
+              <a:solidFill>
+                <a:schemeClr val="tx1"/>
+              </a:solidFill>
+              <a:effectLst/>
+              <a:latin typeface="Arial" panose="020B0604020202020204" pitchFamily="34" charset="0"/>
+            </a:endParaRPr>
+          </a:p>
+        </p:txBody>
+      </p:sp>
+      <p:sp>
+        <p:nvSpPr>
+          <p:cNvPr id="7" name="文本框 6"/>
+          <p:cNvSpPr txBox="1"/>
+          <p:nvPr/>
+        </p:nvSpPr>
+        <p:spPr>
+          <a:xfrm>
+            <a:off x="5771498" y="3248558"/>
+            <a:ext cx="5384182" cy="830997"/>
+          </a:xfrm>
+          <a:prstGeom prst="rect">
+            <a:avLst/>
+          </a:prstGeom>
+          <a:noFill/>
+        </p:spPr>
+        <p:txBody>
+          <a:bodyPr wrap="square" rtlCol="0">
+            <a:spAutoFit/>
+          </a:bodyPr>
+          <a:lstStyle/>
+          <a:p>
+            <a:r>
+              <a:rPr lang="zh-CN" altLang="en-US" sz="1600" dirty="0" smtClean="0"/>
+              <a:t>基础函数可以作为我们编写自创函数时兼容向量化处理的计算工具，如：计算一列数据的平方和，循环方式和向量化函数方式的代码对比如下：</a:t>
+            </a:r>
+            <a:endParaRPr lang="zh-CN" altLang="en-US" sz="1600" dirty="0"/>
+          </a:p>
+        </p:txBody>
+      </p:sp>
+      <p:pic>
+        <p:nvPicPr>
+          <p:cNvPr id="8" name="图片 7"/>
+          <p:cNvPicPr>
+            <a:picLocks noChangeAspect="1"/>
+          </p:cNvPicPr>
+          <p:nvPr/>
+        </p:nvPicPr>
+        <p:blipFill rotWithShape="1">
+          <a:blip r:embed="rId2"/>
+          <a:srcRect t="1503"/>
+          <a:stretch/>
+        </p:blipFill>
+        <p:spPr>
+          <a:xfrm>
+            <a:off x="6422317" y="4079536"/>
+            <a:ext cx="3557559" cy="2620536"/>
+          </a:xfrm>
+          <a:prstGeom prst="rect">
+            <a:avLst/>
+          </a:prstGeom>
+        </p:spPr>
+      </p:pic>
+    </p:spTree>
+    <p:extLst>
+      <p:ext uri="{BB962C8B-B14F-4D97-AF65-F5344CB8AC3E}">
+        <p14:creationId xmlns:p14="http://schemas.microsoft.com/office/powerpoint/2010/main" val="577980965"/>
+      </p:ext>
+    </p:extLst>
+  </p:cSld>
+  <p:clrMapOvr>
+    <a:masterClrMapping/>
+  </p:clrMapOvr>
+</p:sld>
+</file>
+
+<file path=ppt/slides/slide8.xml><?xml version="1.0" encoding="utf-8"?>
+<p:sld xmlns:a="http://schemas.openxmlformats.org/drawingml/2006/main" xmlns:r="http://schemas.openxmlformats.org/officeDocument/2006/relationships" xmlns:p="http://schemas.openxmlformats.org/presentationml/2006/main">
+  <p:cSld>
+    <p:spTree>
+      <p:nvGrpSpPr>
+        <p:cNvPr id="1" name=""/>
+        <p:cNvGrpSpPr/>
+        <p:nvPr/>
+      </p:nvGrpSpPr>
+      <p:grpSpPr>
+        <a:xfrm>
+          <a:off x="0" y="0"/>
+          <a:ext cx="0" cy="0"/>
+          <a:chOff x="0" y="0"/>
+          <a:chExt cx="0" cy="0"/>
+        </a:xfrm>
+      </p:grpSpPr>
+      <p:sp>
+        <p:nvSpPr>
+          <p:cNvPr id="2" name="标题 1"/>
+          <p:cNvSpPr>
+            <a:spLocks noGrp="1"/>
+          </p:cNvSpPr>
+          <p:nvPr>
+            <p:ph type="title"/>
+          </p:nvPr>
+        </p:nvSpPr>
+        <p:spPr/>
+        <p:txBody>
+          <a:bodyPr>
+            <a:normAutofit/>
+          </a:bodyPr>
+          <a:lstStyle/>
+          <a:p>
+            <a:r>
+              <a:rPr lang="zh-CN" altLang="en-US" sz="4000" smtClean="0"/>
+              <a:t>特殊函数</a:t>
+            </a:r>
+            <a:r>
+              <a:rPr lang="en-US" altLang="zh-CN" sz="4000" smtClean="0"/>
+              <a:t>-</a:t>
+            </a:r>
+            <a:r>
+              <a:rPr lang="zh-CN" altLang="en-US" sz="4000" smtClean="0"/>
+              <a:t>中缀函数</a:t>
+            </a:r>
+            <a:endParaRPr lang="zh-CN" altLang="en-US" sz="4000"/>
+          </a:p>
+        </p:txBody>
+      </p:sp>
+      <p:sp>
+        <p:nvSpPr>
+          <p:cNvPr id="3" name="内容占位符 2"/>
+          <p:cNvSpPr>
+            <a:spLocks noGrp="1"/>
+          </p:cNvSpPr>
+          <p:nvPr>
+            <p:ph idx="1"/>
+          </p:nvPr>
+        </p:nvSpPr>
+        <p:spPr/>
+        <p:txBody>
+          <a:bodyPr/>
+          <a:lstStyle/>
+          <a:p>
+            <a:r>
+              <a:rPr lang="zh-CN" altLang="en-US" smtClean="0"/>
+              <a:t>中缀函数是函数调用的一种特殊形式，</a:t>
+            </a:r>
+            <a:r>
+              <a:rPr lang="zh-CN" altLang="en-US"/>
+              <a:t>以加号</a:t>
+            </a:r>
+            <a:r>
+              <a:rPr lang="en-US" altLang="zh-CN"/>
+              <a:t>+</a:t>
+            </a:r>
+            <a:r>
+              <a:rPr lang="zh-CN" altLang="en-US"/>
+              <a:t>为</a:t>
+            </a:r>
+            <a:r>
+              <a:rPr lang="zh-CN" altLang="en-US" smtClean="0"/>
+              <a:t>例：</a:t>
+            </a:r>
+            <a:endParaRPr lang="en-US" altLang="zh-CN" smtClean="0"/>
+          </a:p>
+          <a:p>
+            <a:endParaRPr lang="en-US" altLang="zh-CN"/>
+          </a:p>
+          <a:p>
+            <a:r>
+              <a:rPr lang="zh-CN" altLang="en-US" smtClean="0"/>
+              <a:t>这个加号也等价于前缀方式的调用，只是出现形式要加引号说明：</a:t>
+            </a:r>
+            <a:endParaRPr lang="en-US" altLang="zh-CN" smtClean="0"/>
+          </a:p>
+          <a:p>
+            <a:endParaRPr lang="en-US" altLang="zh-CN"/>
+          </a:p>
+          <a:p>
+            <a:r>
+              <a:rPr lang="zh-CN" altLang="en-US" smtClean="0"/>
+              <a:t>如何制作自己的中缀函数，其实跟前缀函数创造的方式一样，例如创造运算符号</a:t>
+            </a:r>
+            <a:r>
+              <a:rPr lang="en-US" altLang="zh-CN" smtClean="0"/>
+              <a:t>%^_^%     </a:t>
+            </a:r>
+            <a:endParaRPr lang="zh-CN" altLang="en-US"/>
+          </a:p>
+        </p:txBody>
+      </p:sp>
+      <p:sp>
+        <p:nvSpPr>
+          <p:cNvPr id="4" name="Rectangle 1"/>
+          <p:cNvSpPr>
+            <a:spLocks noChangeArrowheads="1"/>
+          </p:cNvSpPr>
+          <p:nvPr/>
+        </p:nvSpPr>
+        <p:spPr bwMode="auto">
+          <a:xfrm>
+            <a:off x="1240324" y="2231256"/>
+            <a:ext cx="644407" cy="430887"/>
+          </a:xfrm>
+          <a:prstGeom prst="rect">
+            <a:avLst/>
+          </a:prstGeom>
+          <a:solidFill>
+            <a:srgbClr val="FFFFFF"/>
+          </a:solidFill>
+          <a:ln>
+            <a:noFill/>
+          </a:ln>
+          <a:effectLst/>
+          <a:extLst>
+            <a:ext uri="{91240B29-F687-4F45-9708-019B960494DF}">
+              <a14:hiddenLine xmlns:a14="http://schemas.microsoft.com/office/drawing/2010/main" w="9525">
+                <a:solidFill>
+                  <a:schemeClr val="tx1"/>
+                </a:solidFill>
+                <a:miter lim="800000"/>
+                <a:headEnd/>
+                <a:tailEnd/>
+              </a14:hiddenLine>
+            </a:ext>
+            <a:ext uri="{AF507438-7753-43E0-B8FC-AC1667EBCBE1}">
+              <a14:hiddenEffects xmlns:a14="http://schemas.microsoft.com/office/drawing/2010/main">
+                <a:effectLst>
+                  <a:outerShdw dist="35921" dir="2700000" algn="ctr" rotWithShape="0">
+                    <a:schemeClr val="bg2"/>
+                  </a:outerShdw>
+                </a:effectLst>
+              </a14:hiddenEffects>
+            </a:ext>
+          </a:extLst>
+        </p:spPr>
+        <p:txBody>
+          <a:bodyPr vert="horz" wrap="none" lIns="0" tIns="0" rIns="0" bIns="0" numCol="1" anchor="ctr" anchorCtr="0" compatLnSpc="1">
+            <a:prstTxWarp prst="textNoShape">
+              <a:avLst/>
+            </a:prstTxWarp>
+            <a:spAutoFit/>
+          </a:bodyPr>
+          <a:lstStyle/>
+          <a:p>
+            <a:pPr marL="0" marR="0" lvl="0" indent="0" algn="l" defTabSz="914400" rtl="0" eaLnBrk="0" fontAlgn="base" latinLnBrk="0" hangingPunct="0">
+              <a:lnSpc>
+                <a:spcPct val="100000"/>
+              </a:lnSpc>
+              <a:spcBef>
+                <a:spcPct val="0"/>
+              </a:spcBef>
+              <a:spcAft>
+                <a:spcPct val="0"/>
+              </a:spcAft>
+              <a:buClrTx/>
+              <a:buSzTx/>
+              <a:buFontTx/>
+              <a:buNone/>
+              <a:tabLst/>
+            </a:pPr>
+            <a:r>
+              <a:rPr kumimoji="0" lang="zh-CN" altLang="zh-CN" sz="1400" b="0" i="0" u="none" strike="noStrike" cap="none" normalizeH="0" baseline="0" smtClean="0">
+                <a:ln>
+                  <a:noFill/>
+                </a:ln>
+                <a:solidFill>
+                  <a:srgbClr val="0000FF"/>
+                </a:solidFill>
+                <a:effectLst/>
+                <a:latin typeface="Lucida Console" panose="020B0609040504020204" pitchFamily="49" charset="0"/>
+              </a:rPr>
+              <a:t>&gt; 1+2 </a:t>
+            </a:r>
+            <a:endParaRPr kumimoji="0" lang="en-US" altLang="zh-CN" sz="1400" b="0" i="0" u="none" strike="noStrike" cap="none" normalizeH="0" baseline="0" smtClean="0">
+              <a:ln>
+                <a:noFill/>
+              </a:ln>
+              <a:solidFill>
+                <a:srgbClr val="0000FF"/>
+              </a:solidFill>
+              <a:effectLst/>
+              <a:latin typeface="Lucida Console" panose="020B0609040504020204" pitchFamily="49" charset="0"/>
+            </a:endParaRPr>
+          </a:p>
+          <a:p>
+            <a:pPr marL="0" marR="0" lvl="0" indent="0" algn="l" defTabSz="914400" rtl="0" eaLnBrk="0" fontAlgn="base" latinLnBrk="0" hangingPunct="0">
+              <a:lnSpc>
+                <a:spcPct val="100000"/>
+              </a:lnSpc>
+              <a:spcBef>
+                <a:spcPct val="0"/>
+              </a:spcBef>
+              <a:spcAft>
+                <a:spcPct val="0"/>
+              </a:spcAft>
+              <a:buClrTx/>
+              <a:buSzTx/>
+              <a:buFontTx/>
+              <a:buNone/>
+              <a:tabLst/>
+            </a:pPr>
+            <a:r>
+              <a:rPr kumimoji="0" lang="zh-CN" altLang="zh-CN" sz="1400" b="0" i="0" u="none" strike="noStrike" cap="none" normalizeH="0" baseline="0" smtClean="0">
+                <a:ln>
+                  <a:noFill/>
+                </a:ln>
+                <a:solidFill>
+                  <a:srgbClr val="000000"/>
+                </a:solidFill>
+                <a:effectLst/>
+                <a:latin typeface="Lucida Console" panose="020B0609040504020204" pitchFamily="49" charset="0"/>
+              </a:rPr>
+              <a:t>[1] 3</a:t>
+            </a:r>
+            <a:endParaRPr kumimoji="0" lang="zh-CN" altLang="zh-CN" sz="3200" b="0" i="0" u="none" strike="noStrike" cap="none" normalizeH="0" baseline="0" smtClean="0">
+              <a:ln>
+                <a:noFill/>
+              </a:ln>
+              <a:solidFill>
+                <a:schemeClr val="tx1"/>
+              </a:solidFill>
+              <a:effectLst/>
+              <a:latin typeface="Arial" panose="020B0604020202020204" pitchFamily="34" charset="0"/>
+            </a:endParaRPr>
+          </a:p>
+        </p:txBody>
+      </p:sp>
+      <p:sp>
+        <p:nvSpPr>
+          <p:cNvPr id="5" name="Rectangle 2"/>
+          <p:cNvSpPr>
+            <a:spLocks noChangeArrowheads="1"/>
+          </p:cNvSpPr>
+          <p:nvPr/>
+        </p:nvSpPr>
+        <p:spPr bwMode="auto">
+          <a:xfrm>
+            <a:off x="1294024" y="3170141"/>
+            <a:ext cx="1181414" cy="430887"/>
+          </a:xfrm>
+          <a:prstGeom prst="rect">
+            <a:avLst/>
+          </a:prstGeom>
+          <a:solidFill>
+            <a:srgbClr val="FFFFFF"/>
+          </a:solidFill>
+          <a:ln>
+            <a:noFill/>
+          </a:ln>
+          <a:effectLst/>
+          <a:extLst>
+            <a:ext uri="{91240B29-F687-4F45-9708-019B960494DF}">
+              <a14:hiddenLine xmlns:a14="http://schemas.microsoft.com/office/drawing/2010/main" w="9525">
+                <a:solidFill>
+                  <a:schemeClr val="tx1"/>
+                </a:solidFill>
+                <a:miter lim="800000"/>
+                <a:headEnd/>
+                <a:tailEnd/>
+              </a14:hiddenLine>
+            </a:ext>
+            <a:ext uri="{AF507438-7753-43E0-B8FC-AC1667EBCBE1}">
+              <a14:hiddenEffects xmlns:a14="http://schemas.microsoft.com/office/drawing/2010/main">
+                <a:effectLst>
+                  <a:outerShdw dist="35921" dir="2700000" algn="ctr" rotWithShape="0">
+                    <a:schemeClr val="bg2"/>
+                  </a:outerShdw>
+                </a:effectLst>
+              </a14:hiddenEffects>
+            </a:ext>
+          </a:extLst>
+        </p:spPr>
+        <p:txBody>
+          <a:bodyPr vert="horz" wrap="none" lIns="0" tIns="0" rIns="0" bIns="0" numCol="1" anchor="ctr" anchorCtr="0" compatLnSpc="1">
+            <a:prstTxWarp prst="textNoShape">
+              <a:avLst/>
+            </a:prstTxWarp>
+            <a:spAutoFit/>
+          </a:bodyPr>
+          <a:lstStyle/>
+          <a:p>
+            <a:pPr marL="0" marR="0" lvl="0" indent="0" algn="l" defTabSz="914400" rtl="0" eaLnBrk="0" fontAlgn="base" latinLnBrk="0" hangingPunct="0">
+              <a:lnSpc>
+                <a:spcPct val="100000"/>
+              </a:lnSpc>
+              <a:spcBef>
+                <a:spcPct val="0"/>
+              </a:spcBef>
+              <a:spcAft>
+                <a:spcPct val="0"/>
+              </a:spcAft>
+              <a:buClrTx/>
+              <a:buSzTx/>
+              <a:buFontTx/>
+              <a:buNone/>
+              <a:tabLst/>
+            </a:pPr>
+            <a:r>
+              <a:rPr kumimoji="0" lang="zh-CN" altLang="zh-CN" sz="1400" b="0" i="0" u="none" strike="noStrike" cap="none" normalizeH="0" baseline="0" smtClean="0">
+                <a:ln>
+                  <a:noFill/>
+                </a:ln>
+                <a:solidFill>
+                  <a:srgbClr val="0000FF"/>
+                </a:solidFill>
+                <a:effectLst/>
+                <a:latin typeface="Lucida Console" panose="020B0609040504020204" pitchFamily="49" charset="0"/>
+              </a:rPr>
+              <a:t>&gt; "+"(1,2) </a:t>
+            </a:r>
+            <a:endParaRPr kumimoji="0" lang="en-US" altLang="zh-CN" sz="1400" b="0" i="0" u="none" strike="noStrike" cap="none" normalizeH="0" baseline="0" smtClean="0">
+              <a:ln>
+                <a:noFill/>
+              </a:ln>
+              <a:solidFill>
+                <a:srgbClr val="0000FF"/>
+              </a:solidFill>
+              <a:effectLst/>
+              <a:latin typeface="Lucida Console" panose="020B0609040504020204" pitchFamily="49" charset="0"/>
+            </a:endParaRPr>
+          </a:p>
+          <a:p>
+            <a:pPr marL="0" marR="0" lvl="0" indent="0" algn="l" defTabSz="914400" rtl="0" eaLnBrk="0" fontAlgn="base" latinLnBrk="0" hangingPunct="0">
+              <a:lnSpc>
+                <a:spcPct val="100000"/>
+              </a:lnSpc>
+              <a:spcBef>
+                <a:spcPct val="0"/>
+              </a:spcBef>
+              <a:spcAft>
+                <a:spcPct val="0"/>
+              </a:spcAft>
+              <a:buClrTx/>
+              <a:buSzTx/>
+              <a:buFontTx/>
+              <a:buNone/>
+              <a:tabLst/>
+            </a:pPr>
+            <a:r>
+              <a:rPr kumimoji="0" lang="zh-CN" altLang="zh-CN" sz="1400" b="0" i="0" u="none" strike="noStrike" cap="none" normalizeH="0" baseline="0" smtClean="0">
+                <a:ln>
+                  <a:noFill/>
+                </a:ln>
+                <a:solidFill>
+                  <a:srgbClr val="000000"/>
+                </a:solidFill>
+                <a:effectLst/>
+                <a:latin typeface="Lucida Console" panose="020B0609040504020204" pitchFamily="49" charset="0"/>
+              </a:rPr>
+              <a:t>[1] 3</a:t>
+            </a:r>
+            <a:endParaRPr kumimoji="0" lang="zh-CN" altLang="zh-CN" sz="3200" b="0" i="0" u="none" strike="noStrike" cap="none" normalizeH="0" baseline="0" smtClean="0">
+              <a:ln>
+                <a:noFill/>
+              </a:ln>
+              <a:solidFill>
+                <a:schemeClr val="tx1"/>
+              </a:solidFill>
+              <a:effectLst/>
+              <a:latin typeface="Arial" panose="020B0604020202020204" pitchFamily="34" charset="0"/>
+            </a:endParaRPr>
+          </a:p>
+        </p:txBody>
+      </p:sp>
+      <p:sp>
+        <p:nvSpPr>
+          <p:cNvPr id="6" name="Rectangle 3"/>
+          <p:cNvSpPr>
+            <a:spLocks noChangeArrowheads="1"/>
+          </p:cNvSpPr>
+          <p:nvPr/>
+        </p:nvSpPr>
+        <p:spPr bwMode="auto">
+          <a:xfrm>
+            <a:off x="1266774" y="4109026"/>
+            <a:ext cx="2417328" cy="1292662"/>
+          </a:xfrm>
+          <a:prstGeom prst="rect">
+            <a:avLst/>
+          </a:prstGeom>
+          <a:solidFill>
+            <a:srgbClr val="FFFFFF"/>
+          </a:solidFill>
+          <a:ln>
+            <a:noFill/>
+          </a:ln>
+          <a:effectLst/>
+          <a:extLst>
+            <a:ext uri="{91240B29-F687-4F45-9708-019B960494DF}">
+              <a14:hiddenLine xmlns:a14="http://schemas.microsoft.com/office/drawing/2010/main" w="9525">
+                <a:solidFill>
+                  <a:schemeClr val="tx1"/>
+                </a:solidFill>
+                <a:miter lim="800000"/>
+                <a:headEnd/>
+                <a:tailEnd/>
+              </a14:hiddenLine>
+            </a:ext>
+            <a:ext uri="{AF507438-7753-43E0-B8FC-AC1667EBCBE1}">
+              <a14:hiddenEffects xmlns:a14="http://schemas.microsoft.com/office/drawing/2010/main">
+                <a:effectLst>
+                  <a:outerShdw dist="35921" dir="2700000" algn="ctr" rotWithShape="0">
+                    <a:schemeClr val="bg2"/>
+                  </a:outerShdw>
+                </a:effectLst>
+              </a14:hiddenEffects>
+            </a:ext>
+          </a:extLst>
+        </p:spPr>
+        <p:txBody>
+          <a:bodyPr vert="horz" wrap="none" lIns="0" tIns="0" rIns="0" bIns="0" numCol="1" anchor="ctr" anchorCtr="0" compatLnSpc="1">
+            <a:prstTxWarp prst="textNoShape">
+              <a:avLst/>
+            </a:prstTxWarp>
+            <a:spAutoFit/>
+          </a:bodyPr>
+          <a:lstStyle/>
+          <a:p>
+            <a:pPr marL="0" marR="0" lvl="0" indent="0" algn="l" defTabSz="914400" rtl="0" eaLnBrk="0" fontAlgn="base" latinLnBrk="0" hangingPunct="0">
+              <a:lnSpc>
+                <a:spcPct val="100000"/>
+              </a:lnSpc>
+              <a:spcBef>
+                <a:spcPct val="0"/>
+              </a:spcBef>
+              <a:spcAft>
+                <a:spcPct val="0"/>
+              </a:spcAft>
+              <a:buClrTx/>
+              <a:buSzTx/>
+              <a:buFontTx/>
+              <a:buNone/>
+              <a:tabLst/>
+            </a:pPr>
             <a:r>
               <a:rPr kumimoji="0" lang="zh-CN" altLang="zh-CN" sz="1200" b="0" i="0" u="none" strike="noStrike" cap="none" normalizeH="0" baseline="0" smtClean="0">
                 <a:ln>
@@ -9631,20 +12434,7 @@
                 <a:effectLst/>
                 <a:latin typeface="Lucida Console" panose="020B0609040504020204" pitchFamily="49" charset="0"/>
               </a:rPr>
-              <a:t>a1&lt;-a*b + b1&lt;-a^</a:t>
-            </a:r>
-            <a:r>
-              <a:rPr kumimoji="0" lang="zh-CN" altLang="zh-CN" sz="1200" b="0" i="0" u="none" strike="noStrike" cap="none" normalizeH="0" baseline="0" smtClean="0">
-                <a:ln>
-                  <a:noFill/>
-                </a:ln>
-                <a:solidFill>
-                  <a:srgbClr val="0000FF"/>
-                </a:solidFill>
-                <a:effectLst/>
-                <a:latin typeface="Lucida Console" panose="020B0609040504020204" pitchFamily="49" charset="0"/>
-              </a:rPr>
-              <a:t>b </a:t>
+              <a:t>&gt; "%^_^%"&lt;-function(a,b){ </a:t>
             </a:r>
             <a:endParaRPr kumimoji="0" lang="en-US" altLang="zh-CN" sz="1200" b="0" i="0" u="none" strike="noStrike" cap="none" normalizeH="0" baseline="0" smtClean="0">
               <a:ln>
@@ -9685,33 +12475,7 @@
                 <a:effectLst/>
                 <a:latin typeface="Lucida Console" panose="020B0609040504020204" pitchFamily="49" charset="0"/>
               </a:rPr>
-              <a:t>+ </a:t>
-            </a:r>
-            <a:r>
-              <a:rPr kumimoji="0" lang="zh-CN" altLang="zh-CN" sz="1200" b="0" i="0" u="none" strike="noStrike" cap="none" normalizeH="0" baseline="0" smtClean="0">
-                <a:ln>
-                  <a:noFill/>
-                </a:ln>
-                <a:solidFill>
-                  <a:srgbClr val="0000FF"/>
-                </a:solidFill>
-                <a:effectLst/>
-                <a:latin typeface="Lucida Console" panose="020B0609040504020204" pitchFamily="49" charset="0"/>
-              </a:rPr>
-              <a:t>a1+b</a:t>
-            </a:r>
-            <a:r>
-              <a:rPr kumimoji="0" lang="zh-CN" altLang="zh-CN" sz="1200" b="0" i="0" u="none" strike="noStrike" cap="none" normalizeH="0" baseline="0" smtClean="0">
-                <a:ln>
-                  <a:noFill/>
-                </a:ln>
-                <a:solidFill>
-                  <a:srgbClr val="0000FF"/>
-                </a:solidFill>
-                <a:effectLst/>
-                <a:latin typeface="Lucida Console" panose="020B0609040504020204" pitchFamily="49" charset="0"/>
-              </a:rPr>
-              <a:t>1 </a:t>
+              <a:t>+ a1&lt;-a*b + b1&lt;-a^b </a:t>
             </a:r>
             <a:endParaRPr kumimoji="0" lang="en-US" altLang="zh-CN" sz="1200" b="0" i="0" u="none" strike="noStrike" cap="none" normalizeH="0" baseline="0" smtClean="0">
               <a:ln>
@@ -9752,8 +12516,36 @@
                 <a:effectLst/>
                 <a:latin typeface="Lucida Console" panose="020B0609040504020204" pitchFamily="49" charset="0"/>
               </a:rPr>
-              <a:t>+ </a:t>
-            </a:r>
+              <a:t>+ a1+b1 </a:t>
+            </a:r>
+            <a:endParaRPr kumimoji="0" lang="en-US" altLang="zh-CN" sz="1200" b="0" i="0" u="none" strike="noStrike" cap="none" normalizeH="0" baseline="0" smtClean="0">
+              <a:ln>
+                <a:noFill/>
+              </a:ln>
+              <a:solidFill>
+                <a:srgbClr val="0000FF"/>
+              </a:solidFill>
+              <a:effectLst/>
+              <a:latin typeface="Lucida Console" panose="020B0609040504020204" pitchFamily="49" charset="0"/>
+            </a:endParaRPr>
+          </a:p>
+          <a:p>
+            <a:pPr marL="0" marR="0" lvl="0" indent="0" algn="l" defTabSz="914400" rtl="0" eaLnBrk="0" fontAlgn="base" latinLnBrk="0" hangingPunct="0">
+              <a:lnSpc>
+                <a:spcPct val="100000"/>
+              </a:lnSpc>
+              <a:spcBef>
+                <a:spcPct val="0"/>
+              </a:spcBef>
+              <a:spcAft>
+                <a:spcPct val="0"/>
+              </a:spcAft>
+              <a:buClrTx/>
+              <a:buSzTx/>
+              <a:buFontTx/>
+              <a:buNone/>
+              <a:tabLst/>
+            </a:pPr>
             <a:r>
               <a:rPr kumimoji="0" lang="zh-CN" altLang="zh-CN" sz="1200" b="0" i="0" u="none" strike="noStrike" cap="none" normalizeH="0" baseline="0" smtClean="0">
                 <a:ln>
@@ -9765,7 +12557,7 @@
                 <a:effectLst/>
                 <a:latin typeface="Lucida Console" panose="020B0609040504020204" pitchFamily="49" charset="0"/>
               </a:rPr>
-              <a:t>} </a:t>
+              <a:t>+ } </a:t>
             </a:r>
             <a:endParaRPr kumimoji="0" lang="en-US" altLang="zh-CN" sz="1200" b="0" i="0" u="none" strike="noStrike" cap="none" normalizeH="0" baseline="0" smtClean="0">
               <a:ln>
@@ -9834,33 +12626,7 @@
                 <a:effectLst/>
                 <a:latin typeface="Lucida Console" panose="020B0609040504020204" pitchFamily="49" charset="0"/>
               </a:rPr>
-              <a:t>&gt; 2</a:t>
-            </a:r>
-            <a:r>
-              <a:rPr kumimoji="0" lang="zh-CN" altLang="zh-CN" sz="1200" b="0" i="0" u="none" strike="noStrike" cap="none" normalizeH="0" baseline="0" smtClean="0">
-                <a:ln>
-                  <a:noFill/>
-                </a:ln>
-                <a:solidFill>
-                  <a:srgbClr val="0000FF"/>
-                </a:solidFill>
-                <a:effectLst/>
-                <a:latin typeface="Lucida Console" panose="020B0609040504020204" pitchFamily="49" charset="0"/>
-              </a:rPr>
-              <a:t>%^_^%</a:t>
-            </a:r>
-            <a:r>
-              <a:rPr kumimoji="0" lang="zh-CN" altLang="zh-CN" sz="1200" b="0" i="0" u="none" strike="noStrike" cap="none" normalizeH="0" baseline="0" smtClean="0">
-                <a:ln>
-                  <a:noFill/>
-                </a:ln>
-                <a:solidFill>
-                  <a:srgbClr val="0000FF"/>
-                </a:solidFill>
-                <a:effectLst/>
-                <a:latin typeface="Lucida Console" panose="020B0609040504020204" pitchFamily="49" charset="0"/>
-              </a:rPr>
-              <a:t>3 </a:t>
+              <a:t>&gt; 2%^_^%3 </a:t>
             </a:r>
             <a:endParaRPr kumimoji="0" lang="en-US" altLang="zh-CN" sz="1200" b="0" i="0" u="none" strike="noStrike" cap="none" normalizeH="0" baseline="0" smtClean="0">
               <a:ln>
@@ -9901,20 +12667,7 @@
                 <a:effectLst/>
                 <a:latin typeface="Lucida Console" panose="020B0609040504020204" pitchFamily="49" charset="0"/>
               </a:rPr>
-              <a:t>[</a:t>
-            </a:r>
-            <a:r>
-              <a:rPr kumimoji="0" lang="zh-CN" altLang="zh-CN" sz="1200" b="0" i="0" u="none" strike="noStrike" cap="none" normalizeH="0" baseline="0" smtClean="0">
-                <a:ln>
-                  <a:noFill/>
-                </a:ln>
-                <a:solidFill>
-                  <a:srgbClr val="000000"/>
-                </a:solidFill>
-                <a:effectLst/>
-                <a:latin typeface="Lucida Console" panose="020B0609040504020204" pitchFamily="49" charset="0"/>
-              </a:rPr>
-              <a:t>1] 14</a:t>
+              <a:t>[1] 14</a:t>
             </a:r>
             <a:endParaRPr kumimoji="0" lang="zh-CN" altLang="zh-CN" sz="2800" b="0" i="0" u="none" strike="noStrike" cap="none" normalizeH="0" baseline="0" smtClean="0">
               <a:ln>
@@ -9992,7 +12745,7 @@
 </p:sld>
 </file>
 
-<file path=ppt/slides/slide8.xml><?xml version="1.0" encoding="utf-8"?>
+<file path=ppt/slides/slide9.xml><?xml version="1.0" encoding="utf-8"?>
 <p:sld xmlns:a="http://schemas.openxmlformats.org/drawingml/2006/main" xmlns:r="http://schemas.openxmlformats.org/officeDocument/2006/relationships" xmlns:p="http://schemas.openxmlformats.org/presentationml/2006/main">
   <p:cSld>
     <p:spTree>
@@ -10233,33 +12986,7 @@
                   <a:effectLst/>
                   <a:latin typeface="Lucida Console" panose="020B0609040504020204" pitchFamily="49" charset="0"/>
                 </a:rPr>
-                <a:t>&gt; names</a:t>
-              </a:r>
-              <a:r>
-                <a:rPr kumimoji="0" lang="zh-CN" altLang="zh-CN" sz="1400" b="0" i="0" u="none" strike="noStrike" cap="none" normalizeH="0" baseline="0" smtClean="0">
-                  <a:ln>
-                    <a:noFill/>
-                  </a:ln>
-                  <a:solidFill>
-                    <a:srgbClr val="0000FF"/>
-                  </a:solidFill>
-                  <a:effectLst/>
-                  <a:latin typeface="Lucida Console" panose="020B0609040504020204" pitchFamily="49" charset="0"/>
-                </a:rPr>
-                <a:t>(t)&lt;-letters[1:10</a:t>
-              </a:r>
-              <a:r>
-                <a:rPr kumimoji="0" lang="zh-CN" altLang="zh-CN" sz="1400" b="0" i="0" u="none" strike="noStrike" cap="none" normalizeH="0" baseline="0" smtClean="0">
-                  <a:ln>
-                    <a:noFill/>
-                  </a:ln>
-                  <a:solidFill>
-                    <a:srgbClr val="0000FF"/>
-                  </a:solidFill>
-                  <a:effectLst/>
-                  <a:latin typeface="Lucida Console" panose="020B0609040504020204" pitchFamily="49" charset="0"/>
-                </a:rPr>
-                <a:t>] </a:t>
+                <a:t>&gt; names(t)&lt;-letters[1:10] </a:t>
               </a:r>
               <a:endParaRPr kumimoji="0" lang="en-US" altLang="zh-CN" sz="1400" b="0" i="0" u="none" strike="noStrike" cap="none" normalizeH="0" baseline="0" smtClean="0">
                 <a:ln>
@@ -10300,20 +13027,7 @@
                   <a:effectLst/>
                   <a:latin typeface="Lucida Console" panose="020B0609040504020204" pitchFamily="49" charset="0"/>
                 </a:rPr>
-                <a:t>&gt; </a:t>
-              </a:r>
-              <a:r>
-                <a:rPr kumimoji="0" lang="zh-CN" altLang="zh-CN" sz="1400" b="0" i="0" u="none" strike="noStrike" cap="none" normalizeH="0" baseline="0" smtClean="0">
-                  <a:ln>
-                    <a:noFill/>
-                  </a:ln>
-                  <a:solidFill>
-                    <a:srgbClr val="0000FF"/>
-                  </a:solidFill>
-                  <a:effectLst/>
-                  <a:latin typeface="Lucida Console" panose="020B0609040504020204" pitchFamily="49" charset="0"/>
-                </a:rPr>
-                <a:t>t</a:t>
+                <a:t>&gt; t</a:t>
               </a:r>
               <a:endParaRPr kumimoji="0" lang="zh-CN" altLang="zh-CN" sz="3200" b="0" i="0" u="none" strike="noStrike" cap="none" normalizeH="0" baseline="0" smtClean="0">
                 <a:ln>
@@ -10409,20 +13123,7 @@
                   <a:effectLst/>
                   <a:latin typeface="Lucida Console" panose="020B0609040504020204" pitchFamily="49" charset="0"/>
                 </a:rPr>
-                <a:t>a b c d e f g h i </a:t>
-              </a:r>
-              <a:r>
-                <a:rPr kumimoji="0" lang="zh-CN" altLang="zh-CN" sz="1400" b="0" i="0" u="none" strike="noStrike" cap="none" normalizeH="0" baseline="0" smtClean="0">
-                  <a:ln>
-                    <a:noFill/>
-                  </a:ln>
-                  <a:solidFill>
-                    <a:srgbClr val="000000"/>
-                  </a:solidFill>
-                  <a:effectLst/>
-                  <a:latin typeface="Lucida Console" panose="020B0609040504020204" pitchFamily="49" charset="0"/>
-                </a:rPr>
-                <a:t>j </a:t>
+                <a:t>a b c d e f g h i j </a:t>
               </a:r>
               <a:endParaRPr kumimoji="0" lang="en-US" altLang="zh-CN" sz="1400" b="0" i="0" u="none" strike="noStrike" cap="none" normalizeH="0" baseline="0" smtClean="0">
                 <a:ln>
@@ -10463,20 +13164,7 @@
                   <a:effectLst/>
                   <a:latin typeface="Lucida Console" panose="020B0609040504020204" pitchFamily="49" charset="0"/>
                 </a:rPr>
-                <a:t>1 </a:t>
-              </a:r>
-              <a:r>
-                <a:rPr kumimoji="0" lang="zh-CN" altLang="zh-CN" sz="1400" b="0" i="0" u="none" strike="noStrike" cap="none" normalizeH="0" baseline="0" smtClean="0">
-                  <a:ln>
-                    <a:noFill/>
-                  </a:ln>
-                  <a:solidFill>
-                    <a:srgbClr val="000000"/>
-                  </a:solidFill>
-                  <a:effectLst/>
-                  <a:latin typeface="Lucida Console" panose="020B0609040504020204" pitchFamily="49" charset="0"/>
-                </a:rPr>
-                <a:t>2 3 4 5 6 7 8 9 10 </a:t>
+                <a:t>1 2 3 4 5 6 7 8 9 10 </a:t>
               </a:r>
               <a:endParaRPr kumimoji="0" lang="zh-CN" altLang="zh-CN" sz="3200" b="0" i="0" u="none" strike="noStrike" cap="none" normalizeH="0" baseline="0" smtClean="0">
                 <a:ln>
@@ -10573,33 +13261,7 @@
                 <a:effectLst/>
                 <a:latin typeface="Lucida Console" panose="020B0609040504020204" pitchFamily="49" charset="0"/>
               </a:rPr>
-              <a:t>&gt; "</a:t>
-            </a:r>
-            <a:r>
-              <a:rPr kumimoji="0" lang="zh-CN" altLang="zh-CN" sz="1400" b="0" i="0" u="none" strike="noStrike" cap="none" normalizeH="0" baseline="0" smtClean="0">
-                <a:ln>
-                  <a:noFill/>
-                </a:ln>
-                <a:solidFill>
-                  <a:srgbClr val="0000FF"/>
-                </a:solidFill>
-                <a:effectLst/>
-                <a:latin typeface="Lucida Console" panose="020B0609040504020204" pitchFamily="49" charset="0"/>
-              </a:rPr>
-              <a:t>second&lt;-" &lt;- function(x,value</a:t>
-            </a:r>
-            <a:r>
-              <a:rPr kumimoji="0" lang="zh-CN" altLang="zh-CN" sz="1400" b="0" i="0" u="none" strike="noStrike" cap="none" normalizeH="0" baseline="0" smtClean="0">
-                <a:ln>
-                  <a:noFill/>
-                </a:ln>
-                <a:solidFill>
-                  <a:srgbClr val="0000FF"/>
-                </a:solidFill>
-                <a:effectLst/>
-                <a:latin typeface="Lucida Console" panose="020B0609040504020204" pitchFamily="49" charset="0"/>
-              </a:rPr>
-              <a:t>){ </a:t>
+              <a:t>&gt; "second&lt;-" &lt;- function(x,value){ </a:t>
             </a:r>
             <a:endParaRPr kumimoji="0" lang="en-US" altLang="zh-CN" sz="1400" b="0" i="0" u="none" strike="noStrike" cap="none" normalizeH="0" baseline="0" smtClean="0">
               <a:ln>
@@ -10640,33 +13302,7 @@
                 <a:effectLst/>
                 <a:latin typeface="Lucida Console" panose="020B0609040504020204" pitchFamily="49" charset="0"/>
               </a:rPr>
-              <a:t>+ </a:t>
-            </a:r>
-            <a:r>
-              <a:rPr kumimoji="0" lang="zh-CN" altLang="zh-CN" sz="1400" b="0" i="0" u="none" strike="noStrike" cap="none" normalizeH="0" baseline="0" smtClean="0">
-                <a:ln>
-                  <a:noFill/>
-                </a:ln>
-                <a:solidFill>
-                  <a:srgbClr val="0000FF"/>
-                </a:solidFill>
-                <a:effectLst/>
-                <a:latin typeface="Lucida Console" panose="020B0609040504020204" pitchFamily="49" charset="0"/>
-              </a:rPr>
-              <a:t>x[2]&lt;-</a:t>
-            </a:r>
-            <a:r>
-              <a:rPr kumimoji="0" lang="zh-CN" altLang="zh-CN" sz="1400" b="0" i="0" u="none" strike="noStrike" cap="none" normalizeH="0" baseline="0" smtClean="0">
-                <a:ln>
-                  <a:noFill/>
-                </a:ln>
-                <a:solidFill>
-                  <a:srgbClr val="0000FF"/>
-                </a:solidFill>
-                <a:effectLst/>
-                <a:latin typeface="Lucida Console" panose="020B0609040504020204" pitchFamily="49" charset="0"/>
-              </a:rPr>
-              <a:t>value </a:t>
+              <a:t>+ x[2]&lt;-value </a:t>
             </a:r>
             <a:endParaRPr kumimoji="0" lang="en-US" altLang="zh-CN" sz="1400" b="0" i="0" u="none" strike="noStrike" cap="none" normalizeH="0" baseline="0" smtClean="0">
               <a:ln>
@@ -10707,20 +13343,7 @@
                 <a:effectLst/>
                 <a:latin typeface="Lucida Console" panose="020B0609040504020204" pitchFamily="49" charset="0"/>
               </a:rPr>
-              <a:t>+ </a:t>
-            </a:r>
-            <a:r>
-              <a:rPr kumimoji="0" lang="zh-CN" altLang="zh-CN" sz="1400" b="0" i="0" u="none" strike="noStrike" cap="none" normalizeH="0" baseline="0" smtClean="0">
-                <a:ln>
-                  <a:noFill/>
-                </a:ln>
-                <a:solidFill>
-                  <a:srgbClr val="0000FF"/>
-                </a:solidFill>
-                <a:effectLst/>
-                <a:latin typeface="Lucida Console" panose="020B0609040504020204" pitchFamily="49" charset="0"/>
-              </a:rPr>
-              <a:t>x </a:t>
+              <a:t>+ x </a:t>
             </a:r>
             <a:endParaRPr kumimoji="0" lang="en-US" altLang="zh-CN" sz="1400" b="0" i="0" u="none" strike="noStrike" cap="none" normalizeH="0" baseline="0" smtClean="0">
               <a:ln>
@@ -10761,20 +13384,7 @@
                 <a:effectLst/>
                 <a:latin typeface="Lucida Console" panose="020B0609040504020204" pitchFamily="49" charset="0"/>
               </a:rPr>
-              <a:t>+ </a:t>
-            </a:r>
-            <a:r>
-              <a:rPr kumimoji="0" lang="zh-CN" altLang="zh-CN" sz="1400" b="0" i="0" u="none" strike="noStrike" cap="none" normalizeH="0" baseline="0" smtClean="0">
-                <a:ln>
-                  <a:noFill/>
-                </a:ln>
-                <a:solidFill>
-                  <a:srgbClr val="0000FF"/>
-                </a:solidFill>
-                <a:effectLst/>
-                <a:latin typeface="Lucida Console" panose="020B0609040504020204" pitchFamily="49" charset="0"/>
-              </a:rPr>
-              <a:t>}</a:t>
+              <a:t>+ }</a:t>
             </a:r>
             <a:endParaRPr kumimoji="0" lang="zh-CN" altLang="zh-CN" sz="3200" b="0" i="0" u="none" strike="noStrike" cap="none" normalizeH="0" baseline="0" smtClean="0">
               <a:ln>
@@ -11007,33 +13617,7 @@
                 <a:effectLst/>
                 <a:latin typeface="Lucida Console" panose="020B0609040504020204" pitchFamily="49" charset="0"/>
               </a:rPr>
-              <a:t>a </a:t>
-            </a:r>
-            <a:r>
-              <a:rPr kumimoji="0" lang="zh-CN" altLang="zh-CN" sz="1400" b="0" i="0" u="none" strike="noStrike" cap="none" normalizeH="0" baseline="0" smtClean="0">
-                <a:ln>
-                  <a:noFill/>
-                </a:ln>
-                <a:solidFill>
-                  <a:srgbClr val="000000"/>
-                </a:solidFill>
-                <a:effectLst/>
-                <a:latin typeface="Lucida Console" panose="020B0609040504020204" pitchFamily="49" charset="0"/>
-              </a:rPr>
-              <a:t>b c d e f g h i </a:t>
-            </a:r>
-            <a:r>
-              <a:rPr kumimoji="0" lang="zh-CN" altLang="zh-CN" sz="1400" b="0" i="0" u="none" strike="noStrike" cap="none" normalizeH="0" baseline="0" smtClean="0">
-                <a:ln>
-                  <a:noFill/>
-                </a:ln>
-                <a:solidFill>
-                  <a:srgbClr val="000000"/>
-                </a:solidFill>
-                <a:effectLst/>
-                <a:latin typeface="Lucida Console" panose="020B0609040504020204" pitchFamily="49" charset="0"/>
-              </a:rPr>
-              <a:t>j </a:t>
+              <a:t>a b c d e f g h i j </a:t>
             </a:r>
             <a:endParaRPr kumimoji="0" lang="en-US" altLang="zh-CN" sz="1400" b="0" i="0" u="none" strike="noStrike" cap="none" normalizeH="0" baseline="0" smtClean="0">
               <a:ln>
@@ -11074,20 +13658,7 @@
                 <a:effectLst/>
                 <a:latin typeface="Lucida Console" panose="020B0609040504020204" pitchFamily="49" charset="0"/>
               </a:rPr>
-              <a:t>1 </a:t>
-            </a:r>
-            <a:r>
-              <a:rPr kumimoji="0" lang="zh-CN" altLang="zh-CN" sz="1400" b="0" i="0" u="none" strike="noStrike" cap="none" normalizeH="0" baseline="0" smtClean="0">
-                <a:ln>
-                  <a:noFill/>
-                </a:ln>
-                <a:solidFill>
-                  <a:srgbClr val="000000"/>
-                </a:solidFill>
-                <a:effectLst/>
-                <a:latin typeface="Lucida Console" panose="020B0609040504020204" pitchFamily="49" charset="0"/>
-              </a:rPr>
-              <a:t>50 3 4 5 6 7 8 9 10 </a:t>
+              <a:t>1 50 3 4 5 6 7 8 9 10 </a:t>
             </a:r>
             <a:endParaRPr kumimoji="0" lang="zh-CN" altLang="zh-CN" sz="3200" b="0" i="0" u="none" strike="noStrike" cap="none" normalizeH="0" baseline="0" smtClean="0">
               <a:ln>
@@ -11142,470 +13713,6 @@
     <p:extLst>
       <p:ext uri="{BB962C8B-B14F-4D97-AF65-F5344CB8AC3E}">
         <p14:creationId xmlns:p14="http://schemas.microsoft.com/office/powerpoint/2010/main" val="2718019565"/>
-      </p:ext>
-    </p:extLst>
-  </p:cSld>
-  <p:clrMapOvr>
-    <a:masterClrMapping/>
-  </p:clrMapOvr>
-</p:sld>
-</file>
-
-<file path=ppt/slides/slide9.xml><?xml version="1.0" encoding="utf-8"?>
-<p:sld xmlns:a="http://schemas.openxmlformats.org/drawingml/2006/main" xmlns:r="http://schemas.openxmlformats.org/officeDocument/2006/relationships" xmlns:p="http://schemas.openxmlformats.org/presentationml/2006/main">
-  <p:cSld>
-    <p:spTree>
-      <p:nvGrpSpPr>
-        <p:cNvPr id="1" name=""/>
-        <p:cNvGrpSpPr/>
-        <p:nvPr/>
-      </p:nvGrpSpPr>
-      <p:grpSpPr>
-        <a:xfrm>
-          <a:off x="0" y="0"/>
-          <a:ext cx="0" cy="0"/>
-          <a:chOff x="0" y="0"/>
-          <a:chExt cx="0" cy="0"/>
-        </a:xfrm>
-      </p:grpSpPr>
-      <p:sp>
-        <p:nvSpPr>
-          <p:cNvPr id="2" name="标题 1"/>
-          <p:cNvSpPr>
-            <a:spLocks noGrp="1"/>
-          </p:cNvSpPr>
-          <p:nvPr>
-            <p:ph type="title"/>
-          </p:nvPr>
-        </p:nvSpPr>
-        <p:spPr/>
-        <p:txBody>
-          <a:bodyPr/>
-          <a:lstStyle/>
-          <a:p>
-            <a:r>
-              <a:rPr lang="en-US" altLang="zh-CN" smtClean="0"/>
-              <a:t>…</a:t>
-            </a:r>
-            <a:r>
-              <a:rPr lang="zh-CN" altLang="en-US" smtClean="0"/>
-              <a:t>参数</a:t>
-            </a:r>
-            <a:endParaRPr lang="zh-CN" altLang="en-US"/>
-          </a:p>
-        </p:txBody>
-      </p:sp>
-      <p:sp>
-        <p:nvSpPr>
-          <p:cNvPr id="3" name="内容占位符 2"/>
-          <p:cNvSpPr>
-            <a:spLocks noGrp="1"/>
-          </p:cNvSpPr>
-          <p:nvPr>
-            <p:ph idx="1"/>
-          </p:nvPr>
-        </p:nvSpPr>
-        <p:spPr/>
-        <p:txBody>
-          <a:bodyPr/>
-          <a:lstStyle/>
-          <a:p>
-            <a:r>
-              <a:rPr lang="zh-CN" altLang="en-US" smtClean="0"/>
-              <a:t>参数是函数接收不同处理任务的接口，</a:t>
-            </a:r>
-            <a:r>
-              <a:rPr lang="en-US" altLang="zh-CN" smtClean="0"/>
-              <a:t>R</a:t>
-            </a:r>
-            <a:r>
-              <a:rPr lang="zh-CN" altLang="en-US" smtClean="0"/>
-              <a:t>中给出了极为灵活的参数方式</a:t>
-            </a:r>
-            <a:endParaRPr lang="en-US" altLang="zh-CN" smtClean="0"/>
-          </a:p>
-          <a:p>
-            <a:r>
-              <a:rPr lang="en-US" altLang="zh-CN" smtClean="0"/>
-              <a:t>…</a:t>
-            </a:r>
-            <a:r>
-              <a:rPr lang="zh-CN" altLang="en-US" smtClean="0"/>
-              <a:t>代表没有明确匹配的特殊参数。可以接收没有制定的参数，如基础包中的</a:t>
-            </a:r>
-            <a:r>
-              <a:rPr lang="en-US" altLang="zh-CN" smtClean="0"/>
-              <a:t>plot()</a:t>
-            </a:r>
-            <a:r>
-              <a:rPr lang="zh-CN" altLang="en-US" smtClean="0"/>
-              <a:t>，</a:t>
-            </a:r>
-            <a:r>
-              <a:rPr lang="en-US" altLang="zh-CN" smtClean="0"/>
-              <a:t>plot()</a:t>
-            </a:r>
-            <a:r>
-              <a:rPr lang="zh-CN" altLang="en-US" smtClean="0"/>
-              <a:t>是一个含</a:t>
-            </a:r>
-            <a:r>
-              <a:rPr lang="en-US" altLang="zh-CN" smtClean="0"/>
-              <a:t>x,y</a:t>
-            </a:r>
-            <a:r>
-              <a:rPr lang="zh-CN" altLang="en-US" smtClean="0"/>
-              <a:t>和</a:t>
-            </a:r>
-            <a:r>
-              <a:rPr lang="en-US" altLang="zh-CN" smtClean="0"/>
-              <a:t>…</a:t>
-            </a:r>
-            <a:r>
-              <a:rPr lang="zh-CN" altLang="en-US" smtClean="0"/>
-              <a:t>参数的泛型方法，而我们前边用到的图形参数并不是</a:t>
-            </a:r>
-            <a:r>
-              <a:rPr lang="en-US" altLang="zh-CN" smtClean="0"/>
-              <a:t>plot</a:t>
-            </a:r>
-            <a:r>
-              <a:rPr lang="zh-CN" altLang="en-US" smtClean="0"/>
-              <a:t>专用的参数，相反，图形参数的解释是放在</a:t>
-            </a:r>
-            <a:r>
-              <a:rPr lang="en-US" altLang="zh-CN" smtClean="0"/>
-              <a:t>par()</a:t>
-            </a:r>
-            <a:r>
-              <a:rPr lang="zh-CN" altLang="en-US" smtClean="0"/>
-              <a:t>函数中的。</a:t>
-            </a:r>
-            <a:endParaRPr lang="en-US" altLang="zh-CN" smtClean="0"/>
-          </a:p>
-          <a:p>
-            <a:endParaRPr lang="zh-CN" altLang="en-US"/>
-          </a:p>
-        </p:txBody>
-      </p:sp>
-      <p:sp>
-        <p:nvSpPr>
-          <p:cNvPr id="4" name="Rectangle 1"/>
-          <p:cNvSpPr>
-            <a:spLocks noChangeArrowheads="1"/>
-          </p:cNvSpPr>
-          <p:nvPr/>
-        </p:nvSpPr>
-        <p:spPr bwMode="auto">
-          <a:xfrm>
-            <a:off x="1097280" y="3392860"/>
-            <a:ext cx="2685030" cy="1077218"/>
-          </a:xfrm>
-          <a:prstGeom prst="rect">
-            <a:avLst/>
-          </a:prstGeom>
-          <a:solidFill>
-            <a:srgbClr val="FFFFFF"/>
-          </a:solidFill>
-          <a:ln>
-            <a:noFill/>
-          </a:ln>
-          <a:effectLst/>
-          <a:extLst>
-            <a:ext uri="{91240B29-F687-4F45-9708-019B960494DF}">
-              <a14:hiddenLine xmlns:a14="http://schemas.microsoft.com/office/drawing/2010/main" w="9525">
-                <a:solidFill>
-                  <a:schemeClr val="tx1"/>
-                </a:solidFill>
-                <a:miter lim="800000"/>
-                <a:headEnd/>
-                <a:tailEnd/>
-              </a14:hiddenLine>
-            </a:ext>
-            <a:ext uri="{AF507438-7753-43E0-B8FC-AC1667EBCBE1}">
-              <a14:hiddenEffects xmlns:a14="http://schemas.microsoft.com/office/drawing/2010/main">
-                <a:effectLst>
-                  <a:outerShdw dist="35921" dir="2700000" algn="ctr" rotWithShape="0">
-                    <a:schemeClr val="bg2"/>
-                  </a:outerShdw>
-                </a:effectLst>
-              </a14:hiddenEffects>
-            </a:ext>
-          </a:extLst>
-        </p:spPr>
-        <p:txBody>
-          <a:bodyPr vert="horz" wrap="none" lIns="0" tIns="0" rIns="0" bIns="0" numCol="1" anchor="ctr" anchorCtr="0" compatLnSpc="1">
-            <a:prstTxWarp prst="textNoShape">
-              <a:avLst/>
-            </a:prstTxWarp>
-            <a:spAutoFit/>
-          </a:bodyPr>
-          <a:lstStyle/>
-          <a:p>
-            <a:pPr marL="0" marR="0" lvl="0" indent="0" algn="l" defTabSz="914400" rtl="0" eaLnBrk="0" fontAlgn="base" latinLnBrk="0" hangingPunct="0">
-              <a:lnSpc>
-                <a:spcPct val="100000"/>
-              </a:lnSpc>
-              <a:spcBef>
-                <a:spcPct val="0"/>
-              </a:spcBef>
-              <a:spcAft>
-                <a:spcPct val="0"/>
-              </a:spcAft>
-              <a:buClrTx/>
-              <a:buSzTx/>
-              <a:buFontTx/>
-              <a:buNone/>
-              <a:tabLst/>
-            </a:pPr>
-            <a:r>
-              <a:rPr kumimoji="0" lang="zh-CN" altLang="zh-CN" sz="1400" b="0" i="0" u="none" strike="noStrike" cap="none" normalizeH="0" baseline="0" smtClean="0">
-                <a:ln>
-                  <a:noFill/>
-                </a:ln>
-                <a:solidFill>
-                  <a:srgbClr val="0000FF"/>
-                </a:solidFill>
-                <a:effectLst/>
-                <a:latin typeface="Lucida Console" panose="020B0609040504020204" pitchFamily="49" charset="0"/>
-              </a:rPr>
-              <a:t>&gt; f_test&lt;-function(...){ </a:t>
-            </a:r>
-            <a:endParaRPr kumimoji="0" lang="en-US" altLang="zh-CN" sz="1400" b="0" i="0" u="none" strike="noStrike" cap="none" normalizeH="0" baseline="0" smtClean="0">
-              <a:ln>
-                <a:noFill/>
-              </a:ln>
-              <a:solidFill>
-                <a:srgbClr val="0000FF"/>
-              </a:solidFill>
-              <a:effectLst/>
-              <a:latin typeface="Lucida Console" panose="020B0609040504020204" pitchFamily="49" charset="0"/>
-            </a:endParaRPr>
-          </a:p>
-          <a:p>
-            <a:pPr marL="0" marR="0" lvl="0" indent="0" algn="l" defTabSz="914400" rtl="0" eaLnBrk="0" fontAlgn="base" latinLnBrk="0" hangingPunct="0">
-              <a:lnSpc>
-                <a:spcPct val="100000"/>
-              </a:lnSpc>
-              <a:spcBef>
-                <a:spcPct val="0"/>
-              </a:spcBef>
-              <a:spcAft>
-                <a:spcPct val="0"/>
-              </a:spcAft>
-              <a:buClrTx/>
-              <a:buSzTx/>
-              <a:buFontTx/>
-              <a:buNone/>
-              <a:tabLst/>
-            </a:pPr>
-            <a:r>
-              <a:rPr kumimoji="0" lang="zh-CN" altLang="zh-CN" sz="1400" b="0" i="0" u="none" strike="noStrike" cap="none" normalizeH="0" baseline="0" smtClean="0">
-                <a:ln>
-                  <a:noFill/>
-                </a:ln>
-                <a:solidFill>
-                  <a:srgbClr val="0000FF"/>
-                </a:solidFill>
-                <a:effectLst/>
-                <a:latin typeface="Lucida Console" panose="020B0609040504020204" pitchFamily="49" charset="0"/>
-              </a:rPr>
-              <a:t>+ names(list(...)) </a:t>
-            </a:r>
-            <a:endParaRPr kumimoji="0" lang="en-US" altLang="zh-CN" sz="1400" b="0" i="0" u="none" strike="noStrike" cap="none" normalizeH="0" baseline="0" smtClean="0">
-              <a:ln>
-                <a:noFill/>
-              </a:ln>
-              <a:solidFill>
-                <a:srgbClr val="0000FF"/>
-              </a:solidFill>
-              <a:effectLst/>
-              <a:latin typeface="Lucida Console" panose="020B0609040504020204" pitchFamily="49" charset="0"/>
-            </a:endParaRPr>
-          </a:p>
-          <a:p>
-            <a:pPr marL="0" marR="0" lvl="0" indent="0" algn="l" defTabSz="914400" rtl="0" eaLnBrk="0" fontAlgn="base" latinLnBrk="0" hangingPunct="0">
-              <a:lnSpc>
-                <a:spcPct val="100000"/>
-              </a:lnSpc>
-              <a:spcBef>
-                <a:spcPct val="0"/>
-              </a:spcBef>
-              <a:spcAft>
-                <a:spcPct val="0"/>
-              </a:spcAft>
-              <a:buClrTx/>
-              <a:buSzTx/>
-              <a:buFontTx/>
-              <a:buNone/>
-              <a:tabLst/>
-            </a:pPr>
-            <a:r>
-              <a:rPr kumimoji="0" lang="zh-CN" altLang="zh-CN" sz="1400" b="0" i="0" u="none" strike="noStrike" cap="none" normalizeH="0" baseline="0" smtClean="0">
-                <a:ln>
-                  <a:noFill/>
-                </a:ln>
-                <a:solidFill>
-                  <a:srgbClr val="0000FF"/>
-                </a:solidFill>
-                <a:effectLst/>
-                <a:latin typeface="Lucida Console" panose="020B0609040504020204" pitchFamily="49" charset="0"/>
-              </a:rPr>
-              <a:t>+ } </a:t>
-            </a:r>
-            <a:endParaRPr kumimoji="0" lang="en-US" altLang="zh-CN" sz="1400" b="0" i="0" u="none" strike="noStrike" cap="none" normalizeH="0" baseline="0" smtClean="0">
-              <a:ln>
-                <a:noFill/>
-              </a:ln>
-              <a:solidFill>
-                <a:srgbClr val="0000FF"/>
-              </a:solidFill>
-              <a:effectLst/>
-              <a:latin typeface="Lucida Console" panose="020B0609040504020204" pitchFamily="49" charset="0"/>
-            </a:endParaRPr>
-          </a:p>
-          <a:p>
-            <a:pPr marL="0" marR="0" lvl="0" indent="0" algn="l" defTabSz="914400" rtl="0" eaLnBrk="0" fontAlgn="base" latinLnBrk="0" hangingPunct="0">
-              <a:lnSpc>
-                <a:spcPct val="100000"/>
-              </a:lnSpc>
-              <a:spcBef>
-                <a:spcPct val="0"/>
-              </a:spcBef>
-              <a:spcAft>
-                <a:spcPct val="0"/>
-              </a:spcAft>
-              <a:buClrTx/>
-              <a:buSzTx/>
-              <a:buFontTx/>
-              <a:buNone/>
-              <a:tabLst/>
-            </a:pPr>
-            <a:r>
-              <a:rPr kumimoji="0" lang="zh-CN" altLang="zh-CN" sz="1400" b="0" i="0" u="none" strike="noStrike" cap="none" normalizeH="0" baseline="0" smtClean="0">
-                <a:ln>
-                  <a:noFill/>
-                </a:ln>
-                <a:solidFill>
-                  <a:srgbClr val="0000FF"/>
-                </a:solidFill>
-                <a:effectLst/>
-                <a:latin typeface="Lucida Console" panose="020B0609040504020204" pitchFamily="49" charset="0"/>
-              </a:rPr>
-              <a:t>&gt; f_test(a=1,b=3) </a:t>
-            </a:r>
-            <a:endParaRPr kumimoji="0" lang="en-US" altLang="zh-CN" sz="1400" b="0" i="0" u="none" strike="noStrike" cap="none" normalizeH="0" baseline="0" smtClean="0">
-              <a:ln>
-                <a:noFill/>
-              </a:ln>
-              <a:solidFill>
-                <a:srgbClr val="0000FF"/>
-              </a:solidFill>
-              <a:effectLst/>
-              <a:latin typeface="Lucida Console" panose="020B0609040504020204" pitchFamily="49" charset="0"/>
-            </a:endParaRPr>
-          </a:p>
-          <a:p>
-            <a:pPr marL="0" marR="0" lvl="0" indent="0" algn="l" defTabSz="914400" rtl="0" eaLnBrk="0" fontAlgn="base" latinLnBrk="0" hangingPunct="0">
-              <a:lnSpc>
-                <a:spcPct val="100000"/>
-              </a:lnSpc>
-              <a:spcBef>
-                <a:spcPct val="0"/>
-              </a:spcBef>
-              <a:spcAft>
-                <a:spcPct val="0"/>
-              </a:spcAft>
-              <a:buClrTx/>
-              <a:buSzTx/>
-              <a:buFontTx/>
-              <a:buNone/>
-              <a:tabLst/>
-            </a:pPr>
-            <a:r>
-              <a:rPr kumimoji="0" lang="zh-CN" altLang="zh-CN" sz="1400" b="0" i="0" u="none" strike="noStrike" cap="none" normalizeH="0" baseline="0" smtClean="0">
-                <a:ln>
-                  <a:noFill/>
-                </a:ln>
-                <a:solidFill>
-                  <a:srgbClr val="000000"/>
-                </a:solidFill>
-                <a:effectLst/>
-                <a:latin typeface="Lucida Console" panose="020B0609040504020204" pitchFamily="49" charset="0"/>
-              </a:rPr>
-              <a:t>[1] "a" "b"</a:t>
-            </a:r>
-            <a:endParaRPr kumimoji="0" lang="zh-CN" altLang="zh-CN" sz="3200" b="0" i="0" u="none" strike="noStrike" cap="none" normalizeH="0" baseline="0" smtClean="0">
-              <a:ln>
-                <a:noFill/>
-              </a:ln>
-              <a:solidFill>
-                <a:schemeClr val="tx1"/>
-              </a:solidFill>
-              <a:effectLst/>
-              <a:latin typeface="Arial" panose="020B0604020202020204" pitchFamily="34" charset="0"/>
-            </a:endParaRPr>
-          </a:p>
-        </p:txBody>
-      </p:sp>
-      <p:sp>
-        <p:nvSpPr>
-          <p:cNvPr id="5" name="文本框 4"/>
-          <p:cNvSpPr txBox="1"/>
-          <p:nvPr/>
-        </p:nvSpPr>
-        <p:spPr>
-          <a:xfrm>
-            <a:off x="1321806" y="4934139"/>
-            <a:ext cx="9915535" cy="369332"/>
-          </a:xfrm>
-          <a:prstGeom prst="rect">
-            <a:avLst/>
-          </a:prstGeom>
-          <a:noFill/>
-        </p:spPr>
-        <p:txBody>
-          <a:bodyPr wrap="none" rtlCol="0">
-            <a:spAutoFit/>
-          </a:bodyPr>
-          <a:lstStyle/>
-          <a:p>
-            <a:r>
-              <a:rPr lang="zh-CN" altLang="en-US" smtClean="0"/>
-              <a:t>由于提前并不知道</a:t>
-            </a:r>
-            <a:r>
-              <a:rPr lang="en-US" altLang="zh-CN" smtClean="0"/>
-              <a:t>…</a:t>
-            </a:r>
-            <a:r>
-              <a:rPr lang="zh-CN" altLang="en-US" smtClean="0"/>
-              <a:t>会接收多少参数，通常可以用</a:t>
-            </a:r>
-            <a:r>
-              <a:rPr lang="en-US" altLang="zh-CN" smtClean="0"/>
-              <a:t>list()</a:t>
-            </a:r>
-            <a:r>
-              <a:rPr lang="zh-CN" altLang="en-US" smtClean="0"/>
-              <a:t>这种易于使用的方式捕捉</a:t>
-            </a:r>
-            <a:r>
-              <a:rPr lang="en-US" altLang="zh-CN" smtClean="0"/>
-              <a:t>…</a:t>
-            </a:r>
-            <a:r>
-              <a:rPr lang="zh-CN" altLang="en-US" smtClean="0"/>
-              <a:t>中的参数信息。</a:t>
-            </a:r>
-            <a:endParaRPr lang="zh-CN" altLang="en-US"/>
-          </a:p>
-        </p:txBody>
-      </p:sp>
-    </p:spTree>
-    <p:extLst>
-      <p:ext uri="{BB962C8B-B14F-4D97-AF65-F5344CB8AC3E}">
-        <p14:creationId xmlns:p14="http://schemas.microsoft.com/office/powerpoint/2010/main" val="1261367339"/>
       </p:ext>
     </p:extLst>
   </p:cSld>

--- a/实验-6-函数式编程.pptx
+++ b/实验-6-函数式编程.pptx
@@ -6954,11 +6954,7 @@
                       </a:r>
                       <a:r>
                         <a:rPr lang="zh-CN" altLang="en-US" dirty="0" smtClean="0"/>
-                        <a:t>：因子</a:t>
-                      </a:r>
-                      <a:r>
-                        <a:rPr lang="zh-CN" altLang="en-US" dirty="0" smtClean="0"/>
-                        <a:t>切割向量分组后操作</a:t>
+                        <a:t>：因子切割向量分组后操作</a:t>
                       </a:r>
                       <a:endParaRPr lang="zh-CN" altLang="en-US" dirty="0"/>
                     </a:p>
@@ -10099,64 +10095,64 @@
           <a:lstStyle/>
           <a:p>
             <a:r>
-              <a:rPr lang="zh-CN" altLang="en-US" smtClean="0"/>
+              <a:rPr lang="zh-CN" altLang="en-US" dirty="0" smtClean="0"/>
               <a:t>分支语句就通过一个条件判断，如果条件逻辑为</a:t>
             </a:r>
             <a:r>
-              <a:rPr lang="en-US" altLang="zh-CN" smtClean="0"/>
+              <a:rPr lang="en-US" altLang="zh-CN" dirty="0" smtClean="0"/>
               <a:t>TRUE</a:t>
             </a:r>
             <a:r>
-              <a:rPr lang="zh-CN" altLang="en-US" smtClean="0"/>
+              <a:rPr lang="zh-CN" altLang="en-US" dirty="0" smtClean="0"/>
               <a:t>则执行</a:t>
             </a:r>
             <a:r>
-              <a:rPr lang="en-US" altLang="zh-CN" smtClean="0"/>
+              <a:rPr lang="en-US" altLang="zh-CN" dirty="0" smtClean="0"/>
               <a:t>if</a:t>
             </a:r>
             <a:r>
-              <a:rPr lang="zh-CN" altLang="en-US" smtClean="0"/>
+              <a:rPr lang="zh-CN" altLang="en-US" dirty="0" smtClean="0"/>
               <a:t>后｛｝中的语句，否则执行</a:t>
             </a:r>
             <a:r>
-              <a:rPr lang="en-US" altLang="zh-CN" smtClean="0"/>
+              <a:rPr lang="en-US" altLang="zh-CN" dirty="0" smtClean="0"/>
               <a:t>else</a:t>
             </a:r>
             <a:r>
-              <a:rPr lang="zh-CN" altLang="en-US" smtClean="0"/>
+              <a:rPr lang="zh-CN" altLang="en-US" dirty="0" smtClean="0"/>
               <a:t>后｛｝的语句，</a:t>
             </a:r>
             <a:r>
-              <a:rPr lang="en-US" altLang="zh-CN" smtClean="0"/>
+              <a:rPr lang="en-US" altLang="zh-CN" dirty="0" smtClean="0"/>
               <a:t>else</a:t>
             </a:r>
             <a:r>
-              <a:rPr lang="zh-CN" altLang="en-US" smtClean="0"/>
+              <a:rPr lang="zh-CN" altLang="en-US" dirty="0" smtClean="0"/>
               <a:t>可以省略，即判断成立则执行不成立则不执行</a:t>
             </a:r>
-            <a:endParaRPr lang="en-US" altLang="zh-CN" smtClean="0"/>
-          </a:p>
-          <a:p>
-            <a:r>
-              <a:rPr lang="zh-CN" altLang="en-US" smtClean="0"/>
+            <a:endParaRPr lang="en-US" altLang="zh-CN" dirty="0" smtClean="0"/>
+          </a:p>
+          <a:p>
+            <a:r>
+              <a:rPr lang="zh-CN" altLang="en-US" dirty="0" smtClean="0"/>
               <a:t>基本结构：</a:t>
             </a:r>
-            <a:endParaRPr lang="en-US" altLang="zh-CN" smtClean="0"/>
+            <a:endParaRPr lang="en-US" altLang="zh-CN" dirty="0" smtClean="0"/>
           </a:p>
           <a:p>
             <a:pPr marL="0" indent="0">
               <a:buNone/>
             </a:pPr>
             <a:r>
-              <a:rPr lang="en-US" altLang="zh-CN"/>
+              <a:rPr lang="en-US" altLang="zh-CN" dirty="0"/>
               <a:t>if(</a:t>
             </a:r>
             <a:r>
-              <a:rPr lang="zh-CN" altLang="en-US"/>
+              <a:rPr lang="zh-CN" altLang="en-US" dirty="0"/>
               <a:t>条件</a:t>
             </a:r>
             <a:r>
-              <a:rPr lang="en-US" altLang="zh-CN"/>
+              <a:rPr lang="en-US" altLang="zh-CN" dirty="0"/>
               <a:t>) {</a:t>
             </a:r>
           </a:p>
@@ -10165,7 +10161,7 @@
               <a:buNone/>
             </a:pPr>
             <a:r>
-              <a:rPr lang="en-US" altLang="zh-CN"/>
+              <a:rPr lang="en-US" altLang="zh-CN" dirty="0"/>
               <a:t>    statement1</a:t>
             </a:r>
           </a:p>
@@ -10174,7 +10170,7 @@
               <a:buNone/>
             </a:pPr>
             <a:r>
-              <a:rPr lang="en-US" altLang="zh-CN"/>
+              <a:rPr lang="en-US" altLang="zh-CN" dirty="0"/>
               <a:t>}else{</a:t>
             </a:r>
           </a:p>
@@ -10183,7 +10179,7 @@
               <a:buNone/>
             </a:pPr>
             <a:r>
-              <a:rPr lang="en-US" altLang="zh-CN"/>
+              <a:rPr lang="en-US" altLang="zh-CN" dirty="0"/>
               <a:t>    statement2</a:t>
             </a:r>
           </a:p>
@@ -10192,13 +10188,13 @@
               <a:buNone/>
             </a:pPr>
             <a:r>
-              <a:rPr lang="en-US" altLang="zh-CN"/>
+              <a:rPr lang="en-US" altLang="zh-CN" dirty="0"/>
               <a:t>}</a:t>
             </a:r>
-            <a:endParaRPr lang="zh-CN" altLang="en-US"/>
-          </a:p>
-          <a:p>
-            <a:endParaRPr lang="zh-CN" altLang="en-US"/>
+            <a:endParaRPr lang="zh-CN" altLang="en-US" dirty="0"/>
+          </a:p>
+          <a:p>
+            <a:endParaRPr lang="zh-CN" altLang="en-US" dirty="0"/>
           </a:p>
         </p:txBody>
       </p:sp>
@@ -12001,18 +11997,18 @@
           <a:lstStyle/>
           <a:p>
             <a:r>
-              <a:rPr lang="zh-CN" altLang="en-US" sz="4000" smtClean="0"/>
+              <a:rPr lang="zh-CN" altLang="en-US" sz="3600" dirty="0" smtClean="0"/>
               <a:t>特殊函数</a:t>
             </a:r>
             <a:r>
-              <a:rPr lang="en-US" altLang="zh-CN" sz="4000" smtClean="0"/>
+              <a:rPr lang="en-US" altLang="zh-CN" sz="3600" dirty="0" smtClean="0"/>
               <a:t>-</a:t>
             </a:r>
             <a:r>
-              <a:rPr lang="zh-CN" altLang="en-US" sz="4000" smtClean="0"/>
+              <a:rPr lang="zh-CN" altLang="en-US" sz="3600" dirty="0" smtClean="0"/>
               <a:t>中缀函数</a:t>
             </a:r>
-            <a:endParaRPr lang="zh-CN" altLang="en-US" sz="4000"/>
+            <a:endParaRPr lang="zh-CN" altLang="en-US" sz="3600" dirty="0"/>
           </a:p>
         </p:txBody>
       </p:sp>

--- a/实验-6-函数式编程.pptx
+++ b/实验-6-函数式编程.pptx
@@ -355,7 +355,7 @@
           <a:p>
             <a:fld id="{22B5609F-EBEC-463B-AA32-A5BE38243DB0}" type="datetimeFigureOut">
               <a:rPr lang="zh-CN" altLang="en-US" smtClean="0"/>
-              <a:t>2017/11/21</a:t>
+              <a:t>2018/1/6</a:t>
             </a:fld>
             <a:endParaRPr lang="zh-CN" altLang="en-US"/>
           </a:p>
@@ -563,7 +563,7 @@
           <a:p>
             <a:fld id="{22B5609F-EBEC-463B-AA32-A5BE38243DB0}" type="datetimeFigureOut">
               <a:rPr lang="zh-CN" altLang="en-US" smtClean="0"/>
-              <a:t>2017/11/21</a:t>
+              <a:t>2018/1/6</a:t>
             </a:fld>
             <a:endParaRPr lang="zh-CN" altLang="en-US"/>
           </a:p>
@@ -819,7 +819,7 @@
           <a:p>
             <a:fld id="{22B5609F-EBEC-463B-AA32-A5BE38243DB0}" type="datetimeFigureOut">
               <a:rPr lang="zh-CN" altLang="en-US" smtClean="0"/>
-              <a:t>2017/11/21</a:t>
+              <a:t>2018/1/6</a:t>
             </a:fld>
             <a:endParaRPr lang="zh-CN" altLang="en-US"/>
           </a:p>
@@ -1018,7 +1018,7 @@
           <a:p>
             <a:fld id="{22B5609F-EBEC-463B-AA32-A5BE38243DB0}" type="datetimeFigureOut">
               <a:rPr lang="zh-CN" altLang="en-US" smtClean="0"/>
-              <a:t>2017/11/21</a:t>
+              <a:t>2018/1/6</a:t>
             </a:fld>
             <a:endParaRPr lang="zh-CN" altLang="en-US"/>
           </a:p>
@@ -1360,7 +1360,7 @@
           <a:p>
             <a:fld id="{22B5609F-EBEC-463B-AA32-A5BE38243DB0}" type="datetimeFigureOut">
               <a:rPr lang="zh-CN" altLang="en-US" smtClean="0"/>
-              <a:t>2017/11/21</a:t>
+              <a:t>2018/1/6</a:t>
             </a:fld>
             <a:endParaRPr lang="zh-CN" altLang="en-US"/>
           </a:p>
@@ -1635,7 +1635,7 @@
           <a:p>
             <a:fld id="{22B5609F-EBEC-463B-AA32-A5BE38243DB0}" type="datetimeFigureOut">
               <a:rPr lang="zh-CN" altLang="en-US" smtClean="0"/>
-              <a:t>2017/11/21</a:t>
+              <a:t>2018/1/6</a:t>
             </a:fld>
             <a:endParaRPr lang="zh-CN" altLang="en-US"/>
           </a:p>
@@ -2014,7 +2014,7 @@
           <a:p>
             <a:fld id="{22B5609F-EBEC-463B-AA32-A5BE38243DB0}" type="datetimeFigureOut">
               <a:rPr lang="zh-CN" altLang="en-US" smtClean="0"/>
-              <a:t>2017/11/21</a:t>
+              <a:t>2018/1/6</a:t>
             </a:fld>
             <a:endParaRPr lang="zh-CN" altLang="en-US"/>
           </a:p>
@@ -2132,7 +2132,7 @@
           <a:p>
             <a:fld id="{22B5609F-EBEC-463B-AA32-A5BE38243DB0}" type="datetimeFigureOut">
               <a:rPr lang="zh-CN" altLang="en-US" smtClean="0"/>
-              <a:t>2017/11/21</a:t>
+              <a:t>2018/1/6</a:t>
             </a:fld>
             <a:endParaRPr lang="zh-CN" altLang="en-US"/>
           </a:p>
@@ -2303,7 +2303,7 @@
           <a:p>
             <a:fld id="{22B5609F-EBEC-463B-AA32-A5BE38243DB0}" type="datetimeFigureOut">
               <a:rPr lang="zh-CN" altLang="en-US" smtClean="0"/>
-              <a:t>2017/11/21</a:t>
+              <a:t>2018/1/6</a:t>
             </a:fld>
             <a:endParaRPr lang="zh-CN" altLang="en-US"/>
           </a:p>
@@ -2657,7 +2657,7 @@
           <a:p>
             <a:fld id="{22B5609F-EBEC-463B-AA32-A5BE38243DB0}" type="datetimeFigureOut">
               <a:rPr lang="zh-CN" altLang="en-US" smtClean="0"/>
-              <a:t>2017/11/21</a:t>
+              <a:t>2018/1/6</a:t>
             </a:fld>
             <a:endParaRPr lang="zh-CN" altLang="en-US"/>
           </a:p>
@@ -3039,7 +3039,7 @@
           <a:p>
             <a:fld id="{22B5609F-EBEC-463B-AA32-A5BE38243DB0}" type="datetimeFigureOut">
               <a:rPr lang="zh-CN" altLang="en-US" smtClean="0"/>
-              <a:t>2017/11/21</a:t>
+              <a:t>2018/1/6</a:t>
             </a:fld>
             <a:endParaRPr lang="zh-CN" altLang="en-US"/>
           </a:p>
@@ -3326,7 +3326,7 @@
           <a:p>
             <a:fld id="{22B5609F-EBEC-463B-AA32-A5BE38243DB0}" type="datetimeFigureOut">
               <a:rPr lang="zh-CN" altLang="en-US" smtClean="0"/>
-              <a:t>2017/11/21</a:t>
+              <a:t>2018/1/6</a:t>
             </a:fld>
             <a:endParaRPr lang="zh-CN" altLang="en-US"/>
           </a:p>
@@ -4491,7 +4491,11 @@
           <a:p>
             <a:r>
               <a:rPr lang="zh-CN" altLang="en-US" smtClean="0"/>
-              <a:t>闭包实际上就是返回值是函数的一个函数，创建闭包的目的就是为了批量生产一系列函数。</a:t>
+              <a:t>闭包实际上就是返回值是函数的一个函数，创建闭包的目的就是为了批量生产一系列</a:t>
+            </a:r>
+            <a:r>
+              <a:rPr lang="zh-CN" altLang="en-US" smtClean="0"/>
+              <a:t>函数，因此闭包也有了一个“函数工厂”的别称。</a:t>
             </a:r>
             <a:endParaRPr lang="zh-CN" altLang="en-US"/>
           </a:p>
@@ -5320,7 +5324,15 @@
             </a:pPr>
             <a:r>
               <a:rPr lang="zh-CN" altLang="en-US" smtClean="0"/>
-              <a:t>用上页中的函数工厂再生成几个函数，把它们存到一个列表</a:t>
+              <a:t>用上页中</a:t>
+            </a:r>
+            <a:r>
+              <a:rPr lang="zh-CN" altLang="en-US" smtClean="0"/>
+              <a:t>的闭包再生成</a:t>
+            </a:r>
+            <a:r>
+              <a:rPr lang="zh-CN" altLang="en-US" smtClean="0"/>
+              <a:t>几个函数，把它们存到一个列表</a:t>
             </a:r>
             <a:r>
               <a:rPr lang="en-US" altLang="zh-CN" smtClean="0"/>
@@ -5928,53 +5940,169 @@
         </p:nvSpPr>
         <p:spPr>
           <a:xfrm>
-            <a:off x="1097280" y="1845734"/>
-            <a:ext cx="5249199" cy="4023360"/>
+            <a:off x="298764" y="1845734"/>
+            <a:ext cx="6047715" cy="4023360"/>
           </a:xfrm>
         </p:spPr>
         <p:txBody>
-          <a:bodyPr/>
+          <a:bodyPr>
+            <a:normAutofit/>
+          </a:bodyPr>
           <a:lstStyle/>
           <a:p>
+            <a:pPr>
+              <a:lnSpc>
+                <a:spcPct val="100000"/>
+              </a:lnSpc>
+            </a:pPr>
             <a:r>
               <a:rPr lang="en-US" altLang="zh-CN" smtClean="0"/>
               <a:t>c()</a:t>
             </a:r>
             <a:r>
               <a:rPr lang="zh-CN" altLang="en-US" smtClean="0"/>
-              <a:t>：组合函数，生成向量，基础数据结构</a:t>
+              <a:t>：组合函数</a:t>
+            </a:r>
+            <a:r>
+              <a:rPr lang="zh-CN" altLang="en-US" smtClean="0"/>
+              <a:t>，用于生成一个向量，这是</a:t>
+            </a:r>
+            <a:r>
+              <a:rPr lang="en-US" altLang="zh-CN" smtClean="0"/>
+              <a:t>R</a:t>
+            </a:r>
+            <a:r>
+              <a:rPr lang="zh-CN" altLang="en-US"/>
+              <a:t>中的基础数据结构</a:t>
+            </a:r>
+            <a:r>
+              <a:rPr lang="zh-CN" altLang="en-US"/>
+              <a:t>，</a:t>
+            </a:r>
+            <a:r>
+              <a:rPr lang="zh-CN" altLang="en-US" smtClean="0"/>
+              <a:t>因此向量在</a:t>
+            </a:r>
+            <a:r>
+              <a:rPr lang="en-US" altLang="zh-CN" smtClean="0"/>
+              <a:t>R</a:t>
+            </a:r>
+            <a:r>
+              <a:rPr lang="zh-CN" altLang="en-US" smtClean="0"/>
+              <a:t>中也</a:t>
+            </a:r>
+            <a:r>
+              <a:rPr lang="zh-CN" altLang="en-US"/>
+              <a:t>称为“原子向量” 。</a:t>
             </a:r>
             <a:endParaRPr lang="en-US" altLang="zh-CN" smtClean="0"/>
           </a:p>
           <a:p>
-            <a:r>
-              <a:rPr lang="zh-CN" altLang="en-US" smtClean="0"/>
-              <a:t>列表：每个位置可以放任意长度、类型的数据</a:t>
+            <a:pPr>
+              <a:lnSpc>
+                <a:spcPct val="100000"/>
+              </a:lnSpc>
+            </a:pPr>
+            <a:r>
+              <a:rPr lang="zh-CN" altLang="en-US" smtClean="0"/>
+              <a:t>列表</a:t>
+            </a:r>
+            <a:r>
+              <a:rPr lang="zh-CN" altLang="en-US" smtClean="0"/>
+              <a:t>：在原子向量基础上，每个</a:t>
+            </a:r>
+            <a:r>
+              <a:rPr lang="zh-CN" altLang="en-US" smtClean="0"/>
+              <a:t>位置可以放任意长度、类型的</a:t>
+            </a:r>
+            <a:r>
+              <a:rPr lang="zh-CN" altLang="en-US"/>
+              <a:t>数据，就成为列表类型，也称为“递归向量” 。</a:t>
             </a:r>
             <a:endParaRPr lang="en-US" altLang="zh-CN"/>
           </a:p>
           <a:p>
-            <a:r>
-              <a:rPr lang="zh-CN" altLang="en-US" smtClean="0"/>
-              <a:t>数据框：变量长度等长，结构整体的列表</a:t>
+            <a:pPr>
+              <a:lnSpc>
+                <a:spcPct val="100000"/>
+              </a:lnSpc>
+            </a:pPr>
+            <a:r>
+              <a:rPr lang="zh-CN" altLang="en-US" smtClean="0"/>
+              <a:t>数据框：变量长度等长，结构</a:t>
+            </a:r>
+            <a:r>
+              <a:rPr lang="zh-CN" altLang="en-US" smtClean="0"/>
+              <a:t>整齐的</a:t>
+            </a:r>
+            <a:r>
+              <a:rPr lang="zh-CN" altLang="en-US" smtClean="0"/>
+              <a:t>列表</a:t>
             </a:r>
             <a:endParaRPr lang="en-US" altLang="zh-CN" smtClean="0"/>
           </a:p>
           <a:p>
-            <a:r>
-              <a:rPr lang="zh-CN" altLang="en-US" smtClean="0"/>
-              <a:t>数组：数据可以有多个维度</a:t>
+            <a:pPr>
+              <a:lnSpc>
+                <a:spcPct val="100000"/>
+              </a:lnSpc>
+            </a:pPr>
+            <a:r>
+              <a:rPr lang="zh-CN" altLang="en-US"/>
+              <a:t>矩阵</a:t>
+            </a:r>
+            <a:r>
+              <a:rPr lang="zh-CN" altLang="en-US" smtClean="0"/>
+              <a:t>：向量是没有结构的数据存放方式，而矩阵在向量基础上加上了行列属性。</a:t>
             </a:r>
             <a:endParaRPr lang="en-US" altLang="zh-CN" smtClean="0"/>
           </a:p>
           <a:p>
-            <a:r>
-              <a:rPr lang="zh-CN" altLang="en-US" smtClean="0"/>
-              <a:t>矩阵：仅有行列两个维度时候的数组</a:t>
-            </a:r>
+            <a:pPr>
+              <a:lnSpc>
+                <a:spcPct val="100000"/>
+              </a:lnSpc>
+            </a:pPr>
+            <a:r>
+              <a:rPr lang="zh-CN" altLang="en-US" smtClean="0"/>
+              <a:t>数组</a:t>
+            </a:r>
+            <a:r>
+              <a:rPr lang="zh-CN" altLang="en-US" smtClean="0"/>
+              <a:t>：数据可以有多个维</a:t>
+            </a:r>
+            <a:r>
+              <a:rPr lang="zh-CN" altLang="en-US" smtClean="0"/>
+              <a:t>度，矩阵仅有行列两</a:t>
+            </a:r>
+            <a:r>
+              <a:rPr lang="zh-CN" altLang="en-US"/>
+              <a:t>个</a:t>
+            </a:r>
+            <a:r>
+              <a:rPr lang="zh-CN" altLang="en-US"/>
+              <a:t>维</a:t>
+            </a:r>
+            <a:r>
+              <a:rPr lang="zh-CN" altLang="en-US" smtClean="0"/>
+              <a:t>度，而数组类型则更为一般化，可以有两个以上维度属性</a:t>
+            </a:r>
+            <a:endParaRPr lang="en-US" altLang="zh-CN"/>
+          </a:p>
+          <a:p>
+            <a:pPr>
+              <a:lnSpc>
+                <a:spcPct val="100000"/>
+              </a:lnSpc>
+            </a:pPr>
             <a:endParaRPr lang="en-US" altLang="zh-CN" smtClean="0"/>
           </a:p>
           <a:p>
+            <a:pPr>
+              <a:lnSpc>
+                <a:spcPct val="100000"/>
+              </a:lnSpc>
+            </a:pPr>
             <a:endParaRPr lang="zh-CN" altLang="en-US"/>
           </a:p>
         </p:txBody>
@@ -6516,7 +6644,15 @@
             </a:r>
             <a:r>
               <a:rPr lang="zh-CN" altLang="en-US" smtClean="0"/>
-              <a:t>类型的变量每一列调用函数进行计算</a:t>
+              <a:t>类型的变量每</a:t>
+            </a:r>
+            <a:r>
+              <a:rPr lang="zh-CN" altLang="en-US" smtClean="0"/>
+              <a:t>一元素位置上的数据使用某函数</a:t>
+            </a:r>
+            <a:r>
+              <a:rPr lang="zh-CN" altLang="en-US" smtClean="0"/>
+              <a:t>进行计算</a:t>
             </a:r>
             <a:endParaRPr lang="en-US" altLang="zh-CN" smtClean="0"/>
           </a:p>
@@ -6550,7 +6686,7 @@
             </a:r>
             <a:r>
               <a:rPr lang="zh-CN" altLang="en-US" smtClean="0"/>
-              <a:t>类型</a:t>
+              <a:t>类型，因此在使用泛函时需要格外注意计算得到的结果是什么结构类型，必要时要转换类型，如</a:t>
             </a:r>
             <a:endParaRPr lang="en-US" altLang="zh-CN" smtClean="0"/>
           </a:p>
@@ -6688,7 +6824,7 @@
         </p:nvSpPr>
         <p:spPr bwMode="auto">
           <a:xfrm>
-            <a:off x="1240325" y="3217725"/>
+            <a:off x="1240325" y="3507436"/>
             <a:ext cx="2975173" cy="184666"/>
           </a:xfrm>
           <a:prstGeom prst="rect">
@@ -6862,21 +6998,21 @@
                 <a:gridCol w="3352800">
                   <a:extLst>
                     <a:ext uri="{9D8B030D-6E8A-4147-A177-3AD203B41FA5}">
-                      <a16:colId xmlns:a16="http://schemas.microsoft.com/office/drawing/2014/main" val="20000"/>
+                      <a16:colId xmlns:a16="http://schemas.microsoft.com/office/drawing/2014/main" xmlns="" val="20000"/>
                     </a:ext>
                   </a:extLst>
                 </a:gridCol>
                 <a:gridCol w="3352800">
                   <a:extLst>
                     <a:ext uri="{9D8B030D-6E8A-4147-A177-3AD203B41FA5}">
-                      <a16:colId xmlns:a16="http://schemas.microsoft.com/office/drawing/2014/main" val="20001"/>
+                      <a16:colId xmlns:a16="http://schemas.microsoft.com/office/drawing/2014/main" xmlns="" val="20001"/>
                     </a:ext>
                   </a:extLst>
                 </a:gridCol>
                 <a:gridCol w="3352800">
                   <a:extLst>
                     <a:ext uri="{9D8B030D-6E8A-4147-A177-3AD203B41FA5}">
-                      <a16:colId xmlns:a16="http://schemas.microsoft.com/office/drawing/2014/main" val="20002"/>
+                      <a16:colId xmlns:a16="http://schemas.microsoft.com/office/drawing/2014/main" xmlns="" val="20002"/>
                     </a:ext>
                   </a:extLst>
                 </a:gridCol>
@@ -6963,7 +7099,7 @@
                 </a:tc>
                 <a:extLst>
                   <a:ext uri="{0D108BD9-81ED-4DB2-BD59-A6C34878D82A}">
-                    <a16:rowId xmlns:a16="http://schemas.microsoft.com/office/drawing/2014/main" val="10000"/>
+                    <a16:rowId xmlns:a16="http://schemas.microsoft.com/office/drawing/2014/main" xmlns="" val="10000"/>
                   </a:ext>
                 </a:extLst>
               </a:tr>
@@ -7004,7 +7140,7 @@
                 </a:tc>
                 <a:extLst>
                   <a:ext uri="{0D108BD9-81ED-4DB2-BD59-A6C34878D82A}">
-                    <a16:rowId xmlns:a16="http://schemas.microsoft.com/office/drawing/2014/main" val="10001"/>
+                    <a16:rowId xmlns:a16="http://schemas.microsoft.com/office/drawing/2014/main" xmlns="" val="10001"/>
                   </a:ext>
                 </a:extLst>
               </a:tr>
@@ -7053,7 +7189,7 @@
                 </a:tc>
                 <a:extLst>
                   <a:ext uri="{0D108BD9-81ED-4DB2-BD59-A6C34878D82A}">
-                    <a16:rowId xmlns:a16="http://schemas.microsoft.com/office/drawing/2014/main" val="10002"/>
+                    <a16:rowId xmlns:a16="http://schemas.microsoft.com/office/drawing/2014/main" xmlns="" val="10002"/>
                   </a:ext>
                 </a:extLst>
               </a:tr>
@@ -7094,7 +7230,7 @@
                 </a:tc>
                 <a:extLst>
                   <a:ext uri="{0D108BD9-81ED-4DB2-BD59-A6C34878D82A}">
-                    <a16:rowId xmlns:a16="http://schemas.microsoft.com/office/drawing/2014/main" val="10003"/>
+                    <a16:rowId xmlns:a16="http://schemas.microsoft.com/office/drawing/2014/main" xmlns="" val="10003"/>
                   </a:ext>
                 </a:extLst>
               </a:tr>
@@ -7349,28 +7485,28 @@
                 <a:gridCol w="2514600">
                   <a:extLst>
                     <a:ext uri="{9D8B030D-6E8A-4147-A177-3AD203B41FA5}">
-                      <a16:colId xmlns:a16="http://schemas.microsoft.com/office/drawing/2014/main" val="20000"/>
+                      <a16:colId xmlns:a16="http://schemas.microsoft.com/office/drawing/2014/main" xmlns="" val="20000"/>
                     </a:ext>
                   </a:extLst>
                 </a:gridCol>
                 <a:gridCol w="2514600">
                   <a:extLst>
                     <a:ext uri="{9D8B030D-6E8A-4147-A177-3AD203B41FA5}">
-                      <a16:colId xmlns:a16="http://schemas.microsoft.com/office/drawing/2014/main" val="20001"/>
+                      <a16:colId xmlns:a16="http://schemas.microsoft.com/office/drawing/2014/main" xmlns="" val="20001"/>
                     </a:ext>
                   </a:extLst>
                 </a:gridCol>
                 <a:gridCol w="2514600">
                   <a:extLst>
                     <a:ext uri="{9D8B030D-6E8A-4147-A177-3AD203B41FA5}">
-                      <a16:colId xmlns:a16="http://schemas.microsoft.com/office/drawing/2014/main" val="20002"/>
+                      <a16:colId xmlns:a16="http://schemas.microsoft.com/office/drawing/2014/main" xmlns="" val="20002"/>
                     </a:ext>
                   </a:extLst>
                 </a:gridCol>
                 <a:gridCol w="2514600">
                   <a:extLst>
                     <a:ext uri="{9D8B030D-6E8A-4147-A177-3AD203B41FA5}">
-                      <a16:colId xmlns:a16="http://schemas.microsoft.com/office/drawing/2014/main" val="20003"/>
+                      <a16:colId xmlns:a16="http://schemas.microsoft.com/office/drawing/2014/main" xmlns="" val="20003"/>
                     </a:ext>
                   </a:extLst>
                 </a:gridCol>
@@ -7464,7 +7600,7 @@
                 </a:tc>
                 <a:extLst>
                   <a:ext uri="{0D108BD9-81ED-4DB2-BD59-A6C34878D82A}">
-                    <a16:rowId xmlns:a16="http://schemas.microsoft.com/office/drawing/2014/main" val="10000"/>
+                    <a16:rowId xmlns:a16="http://schemas.microsoft.com/office/drawing/2014/main" xmlns="" val="10000"/>
                   </a:ext>
                 </a:extLst>
               </a:tr>
@@ -7527,7 +7663,7 @@
                 </a:tc>
                 <a:extLst>
                   <a:ext uri="{0D108BD9-81ED-4DB2-BD59-A6C34878D82A}">
-                    <a16:rowId xmlns:a16="http://schemas.microsoft.com/office/drawing/2014/main" val="10001"/>
+                    <a16:rowId xmlns:a16="http://schemas.microsoft.com/office/drawing/2014/main" xmlns="" val="10001"/>
                   </a:ext>
                 </a:extLst>
               </a:tr>
@@ -7607,7 +7743,7 @@
                 </a:tc>
                 <a:extLst>
                   <a:ext uri="{0D108BD9-81ED-4DB2-BD59-A6C34878D82A}">
-                    <a16:rowId xmlns:a16="http://schemas.microsoft.com/office/drawing/2014/main" val="10002"/>
+                    <a16:rowId xmlns:a16="http://schemas.microsoft.com/office/drawing/2014/main" xmlns="" val="10002"/>
                   </a:ext>
                 </a:extLst>
               </a:tr>
@@ -7670,7 +7806,7 @@
                 </a:tc>
                 <a:extLst>
                   <a:ext uri="{0D108BD9-81ED-4DB2-BD59-A6C34878D82A}">
-                    <a16:rowId xmlns:a16="http://schemas.microsoft.com/office/drawing/2014/main" val="10003"/>
+                    <a16:rowId xmlns:a16="http://schemas.microsoft.com/office/drawing/2014/main" xmlns="" val="10003"/>
                   </a:ext>
                 </a:extLst>
               </a:tr>
@@ -7741,7 +7877,7 @@
                 </a:tc>
                 <a:extLst>
                   <a:ext uri="{0D108BD9-81ED-4DB2-BD59-A6C34878D82A}">
-                    <a16:rowId xmlns:a16="http://schemas.microsoft.com/office/drawing/2014/main" val="10004"/>
+                    <a16:rowId xmlns:a16="http://schemas.microsoft.com/office/drawing/2014/main" xmlns="" val="10004"/>
                   </a:ext>
                 </a:extLst>
               </a:tr>
@@ -8634,9 +8770,16 @@
         </p:nvSpPr>
         <p:spPr/>
         <p:txBody>
-          <a:bodyPr/>
+          <a:bodyPr>
+            <a:normAutofit fontScale="85000" lnSpcReduction="10000"/>
+          </a:bodyPr>
           <a:lstStyle/>
           <a:p>
+            <a:pPr>
+              <a:lnSpc>
+                <a:spcPct val="110000"/>
+              </a:lnSpc>
+            </a:pPr>
             <a:r>
               <a:rPr lang="en-US" altLang="zh-CN" smtClean="0"/>
               <a:t>R</a:t>
@@ -8656,6 +8799,11 @@
             <a:endParaRPr lang="en-US" altLang="zh-CN" smtClean="0"/>
           </a:p>
           <a:p>
+            <a:pPr>
+              <a:lnSpc>
+                <a:spcPct val="110000"/>
+              </a:lnSpc>
+            </a:pPr>
             <a:r>
               <a:rPr lang="zh-CN" altLang="en-US" smtClean="0"/>
               <a:t>制作</a:t>
@@ -8697,6 +8845,11 @@
             <a:endParaRPr lang="en-US" altLang="zh-CN" smtClean="0"/>
           </a:p>
           <a:p>
+            <a:pPr>
+              <a:lnSpc>
+                <a:spcPct val="110000"/>
+              </a:lnSpc>
+            </a:pPr>
             <a:r>
               <a:rPr lang="en-US" altLang="zh-CN" smtClean="0"/>
               <a:t>Rstudio</a:t>
@@ -8716,7 +8869,11 @@
             <a:endParaRPr lang="en-US" altLang="zh-CN" smtClean="0"/>
           </a:p>
           <a:p>
-            <a:pPr lvl="1"/>
+            <a:pPr lvl="1">
+              <a:lnSpc>
+                <a:spcPct val="110000"/>
+              </a:lnSpc>
+            </a:pPr>
             <a:r>
               <a:rPr lang="zh-CN" altLang="en-US" smtClean="0"/>
               <a:t>在</a:t>
@@ -8756,7 +8913,11 @@
             <a:endParaRPr lang="en-US" altLang="zh-CN" smtClean="0"/>
           </a:p>
           <a:p>
-            <a:pPr lvl="1"/>
+            <a:pPr lvl="1">
+              <a:lnSpc>
+                <a:spcPct val="110000"/>
+              </a:lnSpc>
+            </a:pPr>
             <a:r>
               <a:rPr lang="zh-CN" altLang="en-US" smtClean="0"/>
               <a:t>将你要做进包里的函数和数据调入这个</a:t>
@@ -8780,7 +8941,11 @@
             <a:endParaRPr lang="en-US" altLang="zh-CN" smtClean="0"/>
           </a:p>
           <a:p>
-            <a:pPr lvl="1"/>
+            <a:pPr lvl="1">
+              <a:lnSpc>
+                <a:spcPct val="110000"/>
+              </a:lnSpc>
+            </a:pPr>
             <a:r>
               <a:rPr lang="zh-CN" altLang="en-US" smtClean="0"/>
               <a:t>选择</a:t>
@@ -8796,7 +8961,11 @@
             <a:endParaRPr lang="en-US" altLang="zh-CN" smtClean="0"/>
           </a:p>
           <a:p>
-            <a:pPr lvl="1"/>
+            <a:pPr lvl="1">
+              <a:lnSpc>
+                <a:spcPct val="110000"/>
+              </a:lnSpc>
+            </a:pPr>
             <a:r>
               <a:rPr lang="en-US" altLang="zh-CN" smtClean="0"/>
               <a:t>Check</a:t>
@@ -8804,14 +8973,22 @@
             <a:endParaRPr lang="en-US" altLang="zh-CN"/>
           </a:p>
           <a:p>
-            <a:pPr lvl="1"/>
+            <a:pPr lvl="1">
+              <a:lnSpc>
+                <a:spcPct val="110000"/>
+              </a:lnSpc>
+            </a:pPr>
             <a:r>
               <a:rPr lang="en-US" altLang="zh-CN" smtClean="0"/>
               <a:t>Build Banary Package</a:t>
             </a:r>
           </a:p>
           <a:p>
-            <a:pPr lvl="1"/>
+            <a:pPr lvl="1">
+              <a:lnSpc>
+                <a:spcPct val="110000"/>
+              </a:lnSpc>
+            </a:pPr>
             <a:r>
               <a:rPr lang="zh-CN" altLang="en-US" smtClean="0"/>
               <a:t>到制定目录（默认在工作目录</a:t>
@@ -8838,7 +9015,39 @@
             </a:r>
             <a:r>
               <a:rPr lang="zh-CN" altLang="en-US" smtClean="0"/>
-              <a:t>的压缩包</a:t>
+              <a:t>的压缩</a:t>
+            </a:r>
+            <a:r>
+              <a:rPr lang="zh-CN" altLang="en-US" smtClean="0"/>
+              <a:t>包</a:t>
+            </a:r>
+            <a:endParaRPr lang="en-US" altLang="zh-CN" smtClean="0"/>
+          </a:p>
+          <a:p>
+            <a:pPr>
+              <a:lnSpc>
+                <a:spcPct val="110000"/>
+              </a:lnSpc>
+            </a:pPr>
+            <a:r>
+              <a:rPr lang="zh-CN" altLang="en-US" smtClean="0"/>
+              <a:t>在</a:t>
+            </a:r>
+            <a:r>
+              <a:rPr lang="en-US" altLang="zh-CN" smtClean="0"/>
+              <a:t>Rstudio</a:t>
+            </a:r>
+            <a:r>
+              <a:rPr lang="zh-CN" altLang="en-US" smtClean="0"/>
+              <a:t>下做工具包并不难，真正困难的地方在于当你想正式发布自己的工具包时，应当遵循的文档格式，比如：说明文档、帮助文档以及包内函数和数据的规范性设置。但如果仅仅将</a:t>
+            </a:r>
+            <a:r>
+              <a:rPr lang="en-US" altLang="zh-CN" smtClean="0"/>
+              <a:t>package</a:t>
+            </a:r>
+            <a:r>
+              <a:rPr lang="zh-CN" altLang="en-US" smtClean="0"/>
+              <a:t>当作管理自己代码的一种方式，也是非常有效的。</a:t>
             </a:r>
             <a:endParaRPr lang="zh-CN" altLang="en-US"/>
           </a:p>
@@ -8941,7 +9150,23 @@
             </a:r>
             <a:r>
               <a:rPr lang="zh-CN" altLang="en-US" smtClean="0"/>
-              <a:t>控制台。由于扩展包的存在使得于大多数问题处理时在控制台中已经足够了。</a:t>
+              <a:t>控制台。由于扩展包的存在</a:t>
+            </a:r>
+            <a:r>
+              <a:rPr lang="zh-CN" altLang="en-US" smtClean="0"/>
+              <a:t>使得大多数问题在</a:t>
+            </a:r>
+            <a:r>
+              <a:rPr lang="zh-CN" altLang="en-US" smtClean="0"/>
+              <a:t>控制台</a:t>
+            </a:r>
+            <a:r>
+              <a:rPr lang="zh-CN" altLang="en-US" smtClean="0"/>
+              <a:t>中就足够处理了</a:t>
+            </a:r>
+            <a:r>
+              <a:rPr lang="zh-CN" altLang="en-US" smtClean="0"/>
+              <a:t>。</a:t>
             </a:r>
             <a:endParaRPr lang="en-US" altLang="zh-CN" smtClean="0"/>
           </a:p>
@@ -8952,12 +9177,29 @@
             </a:r>
             <a:r>
               <a:rPr lang="zh-CN" altLang="en-US" smtClean="0"/>
-              <a:t>的程序文件：</a:t>
+              <a:t>的程序</a:t>
+            </a:r>
+            <a:r>
+              <a:rPr lang="zh-CN" altLang="en-US" smtClean="0"/>
+              <a:t>文件称为</a:t>
             </a:r>
             <a:r>
               <a:rPr lang="en-US" altLang="zh-CN" smtClean="0"/>
               <a:t>R script</a:t>
             </a:r>
+            <a:r>
+              <a:rPr lang="zh-CN" altLang="en-US" smtClean="0"/>
+              <a:t>，即</a:t>
+            </a:r>
+            <a:r>
+              <a:rPr lang="en-US" altLang="zh-CN" smtClean="0"/>
+              <a:t>R</a:t>
+            </a:r>
+            <a:r>
+              <a:rPr lang="zh-CN" altLang="en-US" smtClean="0"/>
+              <a:t>脚本</a:t>
+            </a:r>
+            <a:endParaRPr lang="en-US" altLang="zh-CN" smtClean="0"/>
           </a:p>
           <a:p>
             <a:r>
@@ -9513,11 +9755,15 @@
             </a:r>
             <a:r>
               <a:rPr lang="en-US" altLang="zh-CN" sz="3200" smtClean="0"/>
-              <a:t>(</a:t>
+              <a:t>(while</a:t>
             </a:r>
             <a:r>
               <a:rPr lang="zh-CN" altLang="en-US" sz="3200" smtClean="0"/>
-              <a:t>循环模式</a:t>
+              <a:t>循环</a:t>
+            </a:r>
+            <a:r>
+              <a:rPr lang="zh-CN" altLang="en-US" sz="3200" smtClean="0"/>
+              <a:t>模式</a:t>
             </a:r>
             <a:r>
               <a:rPr lang="en-US" altLang="zh-CN" sz="3200" smtClean="0"/>
@@ -9610,7 +9856,15 @@
             </a:r>
             <a:r>
               <a:rPr lang="zh-CN" altLang="en-US" smtClean="0"/>
-              <a:t>自由的多，但自由的代价就是需要我们更加小心谨慎处理条件判断。</a:t>
+              <a:t>自由的多，但自由的</a:t>
+            </a:r>
+            <a:r>
+              <a:rPr lang="zh-CN" altLang="en-US" smtClean="0"/>
+              <a:t>代价是</a:t>
+            </a:r>
+            <a:r>
+              <a:rPr lang="zh-CN" altLang="en-US" smtClean="0"/>
+              <a:t>需要我们更加小心谨慎处理条件判断。</a:t>
             </a:r>
             <a:endParaRPr lang="en-US" altLang="zh-CN" smtClean="0"/>
           </a:p>
@@ -9644,7 +9898,11 @@
             </a:r>
             <a:r>
               <a:rPr lang="zh-CN" altLang="en-US" smtClean="0"/>
-              <a:t>的变化永远无法满足</a:t>
+              <a:t>的变化永远无法</a:t>
+            </a:r>
+            <a:r>
+              <a:rPr lang="zh-CN" altLang="en-US" smtClean="0"/>
+              <a:t>满足跳出</a:t>
             </a:r>
             <a:r>
               <a:rPr lang="en-US" altLang="zh-CN" smtClean="0"/>
@@ -9652,7 +9910,15 @@
             </a:r>
             <a:r>
               <a:rPr lang="zh-CN" altLang="en-US" smtClean="0"/>
-              <a:t>的条件，则循环进去死循环，</a:t>
+              <a:t>的条件，</a:t>
+            </a:r>
+            <a:r>
+              <a:rPr lang="zh-CN" altLang="en-US" smtClean="0"/>
+              <a:t>则程序进入死</a:t>
+            </a:r>
+            <a:r>
+              <a:rPr lang="zh-CN" altLang="en-US" smtClean="0"/>
+              <a:t>循环，</a:t>
             </a:r>
             <a:r>
               <a:rPr lang="en-US" altLang="zh-CN" smtClean="0"/>
@@ -10095,8 +10361,16 @@
           <a:lstStyle/>
           <a:p>
             <a:r>
+              <a:rPr lang="zh-CN" altLang="en-US" smtClean="0"/>
+              <a:t>分支</a:t>
+            </a:r>
+            <a:r>
+              <a:rPr lang="zh-CN" altLang="en-US" smtClean="0"/>
+              <a:t>语句通过</a:t>
+            </a:r>
+            <a:r>
               <a:rPr lang="zh-CN" altLang="en-US" dirty="0" smtClean="0"/>
-              <a:t>分支语句就通过一个条件判断，如果条件逻辑为</a:t>
+              <a:t>一个条件判断，如果条件逻辑为</a:t>
             </a:r>
             <a:r>
               <a:rPr lang="en-US" altLang="zh-CN" dirty="0" smtClean="0"/>
@@ -10120,10 +10394,18 @@
             </a:r>
             <a:r>
               <a:rPr lang="zh-CN" altLang="en-US" dirty="0" smtClean="0"/>
-              <a:t>后｛｝的语句，</a:t>
-            </a:r>
-            <a:r>
-              <a:rPr lang="en-US" altLang="zh-CN" dirty="0" smtClean="0"/>
+              <a:t>后｛｝</a:t>
+            </a:r>
+            <a:r>
+              <a:rPr lang="zh-CN" altLang="en-US" smtClean="0"/>
+              <a:t>的</a:t>
+            </a:r>
+            <a:r>
+              <a:rPr lang="zh-CN" altLang="en-US" smtClean="0"/>
+              <a:t>语句。另外，</a:t>
+            </a:r>
+            <a:r>
+              <a:rPr lang="en-US" altLang="zh-CN" smtClean="0"/>
               <a:t>else</a:t>
             </a:r>
             <a:r>
@@ -10749,7 +11031,7 @@
         </p:nvSpPr>
         <p:spPr bwMode="auto">
           <a:xfrm>
-            <a:off x="1176950" y="5308476"/>
+            <a:off x="2680566" y="5196689"/>
             <a:ext cx="6658874" cy="861774"/>
           </a:xfrm>
           <a:prstGeom prst="rect">
@@ -11352,6 +11634,36 @@
               <a:effectLst/>
               <a:latin typeface="Arial" panose="020B0604020202020204" pitchFamily="34" charset="0"/>
             </a:endParaRPr>
+          </a:p>
+        </p:txBody>
+      </p:sp>
+      <p:sp>
+        <p:nvSpPr>
+          <p:cNvPr id="4" name="文本框 3"/>
+          <p:cNvSpPr txBox="1"/>
+          <p:nvPr/>
+        </p:nvSpPr>
+        <p:spPr>
+          <a:xfrm>
+            <a:off x="525101" y="5196689"/>
+            <a:ext cx="2262158" cy="369332"/>
+          </a:xfrm>
+          <a:prstGeom prst="rect">
+            <a:avLst/>
+          </a:prstGeom>
+          <a:noFill/>
+        </p:spPr>
+        <p:txBody>
+          <a:bodyPr wrap="none" rtlCol="0">
+            <a:spAutoFit/>
+          </a:bodyPr>
+          <a:lstStyle/>
+          <a:p>
+            <a:r>
+              <a:rPr lang="zh-CN" altLang="en-US" smtClean="0"/>
+              <a:t>参数缺失时的比较：</a:t>
+            </a:r>
+            <a:endParaRPr lang="zh-CN" altLang="en-US"/>
           </a:p>
         </p:txBody>
       </p:sp>
@@ -11904,7 +12216,7 @@
         </p:nvSpPr>
         <p:spPr>
           <a:xfrm>
-            <a:off x="5771498" y="3248558"/>
+            <a:off x="5771498" y="3026417"/>
             <a:ext cx="5384182" cy="830997"/>
           </a:xfrm>
           <a:prstGeom prst="rect">
@@ -11941,8 +12253,8 @@
         </p:blipFill>
         <p:spPr>
           <a:xfrm>
-            <a:off x="6422317" y="4079536"/>
-            <a:ext cx="3557559" cy="2620536"/>
+            <a:off x="6331782" y="3857414"/>
+            <a:ext cx="3871473" cy="2851768"/>
           </a:xfrm>
           <a:prstGeom prst="rect">
             <a:avLst/>
